--- a/PipeDiagram.pptx
+++ b/PipeDiagram.pptx
@@ -5,10 +5,11 @@
     <p:sldMasterId id="2147483648" r:id="rId1"/>
   </p:sldMasterIdLst>
   <p:sldIdLst>
-    <p:sldId id="256" r:id="rId2"/>
-    <p:sldId id="259" r:id="rId3"/>
-    <p:sldId id="257" r:id="rId4"/>
-    <p:sldId id="260" r:id="rId5"/>
+    <p:sldId id="261" r:id="rId2"/>
+    <p:sldId id="260" r:id="rId3"/>
+    <p:sldId id="256" r:id="rId4"/>
+    <p:sldId id="259" r:id="rId5"/>
+    <p:sldId id="257" r:id="rId6"/>
   </p:sldIdLst>
   <p:sldSz cx="12192000" cy="6858000"/>
   <p:notesSz cx="6858000" cy="9144000"/>
@@ -215,6 +216,90 @@
           <inkml:channelProperty channel="F" name="resolution" value="0" units="1/dev"/>
         </inkml:channelProperties>
       </inkml:inkSource>
+      <inkml:timestamp xml:id="ts0" timeString="2020-03-16T23:33:03.564"/>
+    </inkml:context>
+    <inkml:brush xml:id="br0">
+      <inkml:brushProperty name="width" value="0.025" units="cm"/>
+      <inkml:brushProperty name="height" value="0.025" units="cm"/>
+      <inkml:brushProperty name="color" value="#FFC114"/>
+    </inkml:brush>
+  </inkml:definitions>
+  <inkml:trace contextRef="#ctx0" brushRef="#br0">4 4 14720,'0'-4'396,"-2"6"488,1 7 523,4 46 396,-1-26-1155,-2-22-618,1 0 0,-1 1 0,1-1 0,2 4-30,0 0 66,4 18 156,1-1 0,1 0 1,2 0-1,13 22-222,1-1 199,-15-29-73,1 1-1,1-2 1,7 9-126,8 4 330,1-2 0,14 11-330,-5-5 524,-11-4-343,-19-23-167,0-1 1,0 0-1,4 4-14,8 5 37,-5-5 36,-1 0 0,2-1 0,4 3-73,-2-2 58,-14-10-42,1 1 0,-1-1 0,1 1 0,0-1 0,0 0 0,0 0 0,0-1 0,0 1 0,0-1 0,0 0 0,0 0 0,1 0 0,-1 0 0,2-1-16,-4 0-1073,-2 0 911,0 0 0,0 0-1,0 0 1,0 0 0,0 0 0,0 0 0,0 0 0,0-1 0,0 1 0,-1 0 0,1 0-1,0 0 1,0 0 0,0 0 0,0 0 0,0 0 0,0-1 0,0 1 0,0 0 0,0 0-1,0 0 1,0 0 0,0 0 0,0 0 0,0-1 0,0 1 0,0 0 0,0 0 0,0 0 0,1 0-1,-1 0 1,0 0 0,0 0 0,0-1 0,0 1 0,0 0 0,0 0 0,0 0 0,0 0-1,0 0 1,0 0 0,0 0 0,1 0 0,-1 0 0,0 0 0,0 0 0,0-1 0,0 1 0,0 0-1,0 0 1,0 0 0,1 0 0,-1 0 0,0 0 0,0 0 0,0 0 0,0 0 0,0 0-1,0 0 1,1 0 0,-1 0 0,0 0 0,0 0 0,0 0 0,0 0 0,0 1 0,0-1 0,0 0-1,1 0 1,-1 0 162,-1-3-6842</inkml:trace>
+</inkml:ink>
+</file>
+
+<file path=ppt/ink/ink5.xml><?xml version="1.0" encoding="utf-8"?>
+<inkml:ink xmlns:inkml="http://www.w3.org/2003/InkML">
+  <inkml:definitions>
+    <inkml:context xml:id="ctx0">
+      <inkml:inkSource xml:id="inkSrc0">
+        <inkml:traceFormat>
+          <inkml:channel name="X" type="integer" min="-2.14748E9" max="2.14748E9" units="cm"/>
+          <inkml:channel name="Y" type="integer" min="-2.14748E9" max="2.14748E9" units="cm"/>
+          <inkml:channel name="F" type="integer" max="32767" units="dev"/>
+        </inkml:traceFormat>
+        <inkml:channelProperties>
+          <inkml:channelProperty channel="X" name="resolution" value="1000" units="1/cm"/>
+          <inkml:channelProperty channel="Y" name="resolution" value="1000" units="1/cm"/>
+          <inkml:channelProperty channel="F" name="resolution" value="0" units="1/dev"/>
+        </inkml:channelProperties>
+      </inkml:inkSource>
+      <inkml:timestamp xml:id="ts0" timeString="2020-03-16T23:33:04.840"/>
+    </inkml:context>
+    <inkml:brush xml:id="br0">
+      <inkml:brushProperty name="width" value="0.025" units="cm"/>
+      <inkml:brushProperty name="height" value="0.025" units="cm"/>
+      <inkml:brushProperty name="color" value="#FFC114"/>
+    </inkml:brush>
+  </inkml:definitions>
+  <inkml:trace contextRef="#ctx0" brushRef="#br0">94 10 18047,'1'7'320,"0"-9"467,2-11 1160,-2 11-1456,-2 5-228,-2 12 198,-1 1 1,-1-1-1,0 0 0,-2 1-461,-1 6 246,0-3-53,-1-1-1,-5 7-192,6-11-749,1 0-1,0 1 0,0 0 1,1 4 749,5-17-2360,1-1-5605,0-1 605</inkml:trace>
+</inkml:ink>
+</file>
+
+<file path=ppt/ink/ink6.xml><?xml version="1.0" encoding="utf-8"?>
+<inkml:ink xmlns:inkml="http://www.w3.org/2003/InkML">
+  <inkml:definitions>
+    <inkml:context xml:id="ctx0">
+      <inkml:inkSource xml:id="inkSrc0">
+        <inkml:traceFormat>
+          <inkml:channel name="X" type="integer" min="-2.14748E9" max="2.14748E9" units="cm"/>
+          <inkml:channel name="Y" type="integer" min="-2.14748E9" max="2.14748E9" units="cm"/>
+          <inkml:channel name="F" type="integer" max="32767" units="dev"/>
+        </inkml:traceFormat>
+        <inkml:channelProperties>
+          <inkml:channelProperty channel="X" name="resolution" value="1000" units="1/cm"/>
+          <inkml:channelProperty channel="Y" name="resolution" value="1000" units="1/cm"/>
+          <inkml:channelProperty channel="F" name="resolution" value="0" units="1/dev"/>
+        </inkml:channelProperties>
+      </inkml:inkSource>
+      <inkml:timestamp xml:id="ts0" timeString="2020-03-16T23:33:05.530"/>
+    </inkml:context>
+    <inkml:brush xml:id="br0">
+      <inkml:brushProperty name="width" value="0.025" units="cm"/>
+      <inkml:brushProperty name="height" value="0.025" units="cm"/>
+      <inkml:brushProperty name="color" value="#FFC114"/>
+    </inkml:brush>
+  </inkml:definitions>
+  <inkml:trace contextRef="#ctx0" brushRef="#br0">4 0 15872,'0'2'61,"-3"6"2074,4-7-860,4-3-603,-5 2-630,1 0 0,-1-1 0,1 1 0,0 0 0,-1 0 0,1 0-1,-1 0 1,1 0 0,0 0 0,-1 0 0,1 1 0,-1-1 0,1 0 0,-1 0-1,1 0 1,0 0 0,-1 1 0,1-1 0,-1 0 0,1 1 0,-1-1-1,1 1-41,13 8 332,-13-8-219,21 17 505,-2 1 0,13 14-618,-7-6 374,3 1-374,-18-18-197,17 14 559,-25-22-862,0 0 1,0-1-1,0 1 1,0-1 0,0 0-1,0 1 500,5-2-6944,-6 0 4838,0 0-4811</inkml:trace>
+</inkml:ink>
+</file>
+
+<file path=ppt/ink/ink7.xml><?xml version="1.0" encoding="utf-8"?>
+<inkml:ink xmlns:inkml="http://www.w3.org/2003/InkML">
+  <inkml:definitions>
+    <inkml:context xml:id="ctx0">
+      <inkml:inkSource xml:id="inkSrc0">
+        <inkml:traceFormat>
+          <inkml:channel name="X" type="integer" min="-2.14748E9" max="2.14748E9" units="cm"/>
+          <inkml:channel name="Y" type="integer" min="-2.14748E9" max="2.14748E9" units="cm"/>
+          <inkml:channel name="F" type="integer" max="32767" units="dev"/>
+        </inkml:traceFormat>
+        <inkml:channelProperties>
+          <inkml:channelProperty channel="X" name="resolution" value="1000" units="1/cm"/>
+          <inkml:channelProperty channel="Y" name="resolution" value="1000" units="1/cm"/>
+          <inkml:channelProperty channel="F" name="resolution" value="0" units="1/dev"/>
+        </inkml:channelProperties>
+      </inkml:inkSource>
       <inkml:timestamp xml:id="ts0" timeString="2020-03-16T23:49:14.835"/>
     </inkml:context>
     <inkml:brush xml:id="br0">
@@ -227,7 +312,7 @@
 </inkml:ink>
 </file>
 
-<file path=ppt/ink/ink5.xml><?xml version="1.0" encoding="utf-8"?>
+<file path=ppt/ink/ink8.xml><?xml version="1.0" encoding="utf-8"?>
 <inkml:ink xmlns:inkml="http://www.w3.org/2003/InkML">
   <inkml:definitions>
     <inkml:context xml:id="ctx0">
@@ -3453,6 +3538,5798 @@
 </file>
 
 <file path=ppt/slides/slide1.xml><?xml version="1.0" encoding="utf-8"?>
+<p:sld xmlns:a="http://schemas.openxmlformats.org/drawingml/2006/main" xmlns:r="http://schemas.openxmlformats.org/officeDocument/2006/relationships" xmlns:p="http://schemas.openxmlformats.org/presentationml/2006/main">
+  <p:cSld>
+    <p:spTree>
+      <p:nvGrpSpPr>
+        <p:cNvPr id="1" name=""/>
+        <p:cNvGrpSpPr/>
+        <p:nvPr/>
+      </p:nvGrpSpPr>
+      <p:grpSpPr>
+        <a:xfrm>
+          <a:off x="0" y="0"/>
+          <a:ext cx="0" cy="0"/>
+          <a:chOff x="0" y="0"/>
+          <a:chExt cx="0" cy="0"/>
+        </a:xfrm>
+      </p:grpSpPr>
+      <p:sp>
+        <p:nvSpPr>
+          <p:cNvPr id="3" name="Oval 2">
+            <a:extLst>
+              <a:ext uri="{FF2B5EF4-FFF2-40B4-BE49-F238E27FC236}">
+                <a16:creationId xmlns:a16="http://schemas.microsoft.com/office/drawing/2014/main" id="{B81BE979-3393-442D-9817-0AD0F5227373}"/>
+              </a:ext>
+            </a:extLst>
+          </p:cNvPr>
+          <p:cNvSpPr/>
+          <p:nvPr/>
+        </p:nvSpPr>
+        <p:spPr>
+          <a:xfrm>
+            <a:off x="96462" y="336645"/>
+            <a:ext cx="1345631" cy="360484"/>
+          </a:xfrm>
+          <a:prstGeom prst="ellipse">
+            <a:avLst/>
+          </a:prstGeom>
+          <a:noFill/>
+          <a:ln>
+            <a:solidFill>
+              <a:schemeClr val="tx1"/>
+            </a:solidFill>
+          </a:ln>
+        </p:spPr>
+        <p:style>
+          <a:lnRef idx="2">
+            <a:schemeClr val="accent1">
+              <a:shade val="50000"/>
+            </a:schemeClr>
+          </a:lnRef>
+          <a:fillRef idx="1">
+            <a:schemeClr val="accent1"/>
+          </a:fillRef>
+          <a:effectRef idx="0">
+            <a:schemeClr val="accent1"/>
+          </a:effectRef>
+          <a:fontRef idx="minor">
+            <a:schemeClr val="lt1"/>
+          </a:fontRef>
+        </p:style>
+        <p:txBody>
+          <a:bodyPr rtlCol="0" anchor="ctr"/>
+          <a:lstStyle/>
+          <a:p>
+            <a:pPr algn="ctr"/>
+            <a:endParaRPr lang="en-US"/>
+          </a:p>
+        </p:txBody>
+      </p:sp>
+      <p:sp>
+        <p:nvSpPr>
+          <p:cNvPr id="4" name="Oval 3">
+            <a:extLst>
+              <a:ext uri="{FF2B5EF4-FFF2-40B4-BE49-F238E27FC236}">
+                <a16:creationId xmlns:a16="http://schemas.microsoft.com/office/drawing/2014/main" id="{B8550ABB-25D2-4012-8220-3CDDB254A948}"/>
+              </a:ext>
+            </a:extLst>
+          </p:cNvPr>
+          <p:cNvSpPr/>
+          <p:nvPr/>
+        </p:nvSpPr>
+        <p:spPr>
+          <a:xfrm>
+            <a:off x="108190" y="2211432"/>
+            <a:ext cx="1345631" cy="360484"/>
+          </a:xfrm>
+          <a:prstGeom prst="ellipse">
+            <a:avLst/>
+          </a:prstGeom>
+          <a:noFill/>
+          <a:ln>
+            <a:solidFill>
+              <a:schemeClr val="tx1"/>
+            </a:solidFill>
+          </a:ln>
+        </p:spPr>
+        <p:style>
+          <a:lnRef idx="2">
+            <a:schemeClr val="accent1">
+              <a:shade val="50000"/>
+            </a:schemeClr>
+          </a:lnRef>
+          <a:fillRef idx="1">
+            <a:schemeClr val="accent1"/>
+          </a:fillRef>
+          <a:effectRef idx="0">
+            <a:schemeClr val="accent1"/>
+          </a:effectRef>
+          <a:fontRef idx="minor">
+            <a:schemeClr val="lt1"/>
+          </a:fontRef>
+        </p:style>
+        <p:txBody>
+          <a:bodyPr rtlCol="0" anchor="ctr"/>
+          <a:lstStyle/>
+          <a:p>
+            <a:pPr algn="ctr"/>
+            <a:endParaRPr lang="en-US"/>
+          </a:p>
+        </p:txBody>
+      </p:sp>
+      <p:sp>
+        <p:nvSpPr>
+          <p:cNvPr id="5" name="Oval 4">
+            <a:extLst>
+              <a:ext uri="{FF2B5EF4-FFF2-40B4-BE49-F238E27FC236}">
+                <a16:creationId xmlns:a16="http://schemas.microsoft.com/office/drawing/2014/main" id="{5C5FA085-B161-4091-AC8A-EC00E496886F}"/>
+              </a:ext>
+            </a:extLst>
+          </p:cNvPr>
+          <p:cNvSpPr/>
+          <p:nvPr/>
+        </p:nvSpPr>
+        <p:spPr>
+          <a:xfrm>
+            <a:off x="646390" y="420172"/>
+            <a:ext cx="219807" cy="79130"/>
+          </a:xfrm>
+          <a:prstGeom prst="ellipse">
+            <a:avLst/>
+          </a:prstGeom>
+          <a:noFill/>
+          <a:ln>
+            <a:solidFill>
+              <a:schemeClr val="tx1"/>
+            </a:solidFill>
+          </a:ln>
+        </p:spPr>
+        <p:style>
+          <a:lnRef idx="2">
+            <a:schemeClr val="accent1">
+              <a:shade val="50000"/>
+            </a:schemeClr>
+          </a:lnRef>
+          <a:fillRef idx="1">
+            <a:schemeClr val="accent1"/>
+          </a:fillRef>
+          <a:effectRef idx="0">
+            <a:schemeClr val="accent1"/>
+          </a:effectRef>
+          <a:fontRef idx="minor">
+            <a:schemeClr val="lt1"/>
+          </a:fontRef>
+        </p:style>
+        <p:txBody>
+          <a:bodyPr rtlCol="0" anchor="ctr"/>
+          <a:lstStyle/>
+          <a:p>
+            <a:pPr algn="ctr"/>
+            <a:endParaRPr lang="en-US"/>
+          </a:p>
+        </p:txBody>
+      </p:sp>
+      <p:cxnSp>
+        <p:nvCxnSpPr>
+          <p:cNvPr id="125" name="Straight Arrow Connector 124">
+            <a:extLst>
+              <a:ext uri="{FF2B5EF4-FFF2-40B4-BE49-F238E27FC236}">
+                <a16:creationId xmlns:a16="http://schemas.microsoft.com/office/drawing/2014/main" id="{BDAABAB7-4840-411F-8A89-2C69C90B347F}"/>
+              </a:ext>
+            </a:extLst>
+          </p:cNvPr>
+          <p:cNvCxnSpPr>
+            <a:cxnSpLocks/>
+            <a:stCxn id="3" idx="2"/>
+            <a:endCxn id="4" idx="2"/>
+          </p:cNvCxnSpPr>
+          <p:nvPr/>
+        </p:nvCxnSpPr>
+        <p:spPr>
+          <a:xfrm>
+            <a:off x="96462" y="516887"/>
+            <a:ext cx="11728" cy="1874787"/>
+          </a:xfrm>
+          <a:prstGeom prst="straightConnector1">
+            <a:avLst/>
+          </a:prstGeom>
+        </p:spPr>
+        <p:style>
+          <a:lnRef idx="1">
+            <a:schemeClr val="dk1"/>
+          </a:lnRef>
+          <a:fillRef idx="0">
+            <a:schemeClr val="dk1"/>
+          </a:fillRef>
+          <a:effectRef idx="0">
+            <a:schemeClr val="dk1"/>
+          </a:effectRef>
+          <a:fontRef idx="minor">
+            <a:schemeClr val="tx1"/>
+          </a:fontRef>
+        </p:style>
+      </p:cxnSp>
+      <p:cxnSp>
+        <p:nvCxnSpPr>
+          <p:cNvPr id="129" name="Straight Connector 128">
+            <a:extLst>
+              <a:ext uri="{FF2B5EF4-FFF2-40B4-BE49-F238E27FC236}">
+                <a16:creationId xmlns:a16="http://schemas.microsoft.com/office/drawing/2014/main" id="{7F452FF6-5BE7-43A1-ABC6-DB276496C123}"/>
+              </a:ext>
+            </a:extLst>
+          </p:cNvPr>
+          <p:cNvCxnSpPr>
+            <a:cxnSpLocks/>
+            <a:stCxn id="3" idx="6"/>
+            <a:endCxn id="4" idx="6"/>
+          </p:cNvCxnSpPr>
+          <p:nvPr/>
+        </p:nvCxnSpPr>
+        <p:spPr>
+          <a:xfrm>
+            <a:off x="1442093" y="516887"/>
+            <a:ext cx="11728" cy="1874787"/>
+          </a:xfrm>
+          <a:prstGeom prst="line">
+            <a:avLst/>
+          </a:prstGeom>
+        </p:spPr>
+        <p:style>
+          <a:lnRef idx="1">
+            <a:schemeClr val="dk1"/>
+          </a:lnRef>
+          <a:fillRef idx="0">
+            <a:schemeClr val="dk1"/>
+          </a:fillRef>
+          <a:effectRef idx="0">
+            <a:schemeClr val="dk1"/>
+          </a:effectRef>
+          <a:fontRef idx="minor">
+            <a:schemeClr val="tx1"/>
+          </a:fontRef>
+        </p:style>
+      </p:cxnSp>
+      <p:cxnSp>
+        <p:nvCxnSpPr>
+          <p:cNvPr id="137" name="Straight Arrow Connector 136">
+            <a:extLst>
+              <a:ext uri="{FF2B5EF4-FFF2-40B4-BE49-F238E27FC236}">
+                <a16:creationId xmlns:a16="http://schemas.microsoft.com/office/drawing/2014/main" id="{3A4BA3AC-490B-4E62-B22A-4C0C645998E0}"/>
+              </a:ext>
+            </a:extLst>
+          </p:cNvPr>
+          <p:cNvCxnSpPr>
+            <a:cxnSpLocks/>
+          </p:cNvCxnSpPr>
+          <p:nvPr/>
+        </p:nvCxnSpPr>
+        <p:spPr>
+          <a:xfrm flipH="1">
+            <a:off x="739213" y="447958"/>
+            <a:ext cx="573" cy="348947"/>
+          </a:xfrm>
+          <a:prstGeom prst="straightConnector1">
+            <a:avLst/>
+          </a:prstGeom>
+          <a:ln>
+            <a:tailEnd type="triangle"/>
+          </a:ln>
+        </p:spPr>
+        <p:style>
+          <a:lnRef idx="3">
+            <a:schemeClr val="accent1"/>
+          </a:lnRef>
+          <a:fillRef idx="0">
+            <a:schemeClr val="accent1"/>
+          </a:fillRef>
+          <a:effectRef idx="2">
+            <a:schemeClr val="accent1"/>
+          </a:effectRef>
+          <a:fontRef idx="minor">
+            <a:schemeClr val="tx1"/>
+          </a:fontRef>
+        </p:style>
+      </p:cxnSp>
+      <p:cxnSp>
+        <p:nvCxnSpPr>
+          <p:cNvPr id="138" name="Straight Arrow Connector 137">
+            <a:extLst>
+              <a:ext uri="{FF2B5EF4-FFF2-40B4-BE49-F238E27FC236}">
+                <a16:creationId xmlns:a16="http://schemas.microsoft.com/office/drawing/2014/main" id="{6B9541AC-23C7-4C39-B5C0-347F26F56108}"/>
+              </a:ext>
+            </a:extLst>
+          </p:cNvPr>
+          <p:cNvCxnSpPr>
+            <a:cxnSpLocks/>
+          </p:cNvCxnSpPr>
+          <p:nvPr/>
+        </p:nvCxnSpPr>
+        <p:spPr>
+          <a:xfrm>
+            <a:off x="739213" y="454035"/>
+            <a:ext cx="354364" cy="56208"/>
+          </a:xfrm>
+          <a:prstGeom prst="straightConnector1">
+            <a:avLst/>
+          </a:prstGeom>
+          <a:ln>
+            <a:tailEnd type="triangle"/>
+          </a:ln>
+        </p:spPr>
+        <p:style>
+          <a:lnRef idx="3">
+            <a:schemeClr val="accent6"/>
+          </a:lnRef>
+          <a:fillRef idx="0">
+            <a:schemeClr val="accent6"/>
+          </a:fillRef>
+          <a:effectRef idx="2">
+            <a:schemeClr val="accent6"/>
+          </a:effectRef>
+          <a:fontRef idx="minor">
+            <a:schemeClr val="tx1"/>
+          </a:fontRef>
+        </p:style>
+      </p:cxnSp>
+      <p:cxnSp>
+        <p:nvCxnSpPr>
+          <p:cNvPr id="139" name="Straight Arrow Connector 138">
+            <a:extLst>
+              <a:ext uri="{FF2B5EF4-FFF2-40B4-BE49-F238E27FC236}">
+                <a16:creationId xmlns:a16="http://schemas.microsoft.com/office/drawing/2014/main" id="{2DB5DDF9-8F7B-47E6-A4E1-5DF1FC89ECCE}"/>
+              </a:ext>
+            </a:extLst>
+          </p:cNvPr>
+          <p:cNvCxnSpPr>
+            <a:cxnSpLocks/>
+          </p:cNvCxnSpPr>
+          <p:nvPr/>
+        </p:nvCxnSpPr>
+        <p:spPr>
+          <a:xfrm flipH="1">
+            <a:off x="534603" y="447957"/>
+            <a:ext cx="205183" cy="161983"/>
+          </a:xfrm>
+          <a:prstGeom prst="straightConnector1">
+            <a:avLst/>
+          </a:prstGeom>
+          <a:ln>
+            <a:tailEnd type="triangle"/>
+          </a:ln>
+        </p:spPr>
+        <p:style>
+          <a:lnRef idx="3">
+            <a:schemeClr val="accent2"/>
+          </a:lnRef>
+          <a:fillRef idx="0">
+            <a:schemeClr val="accent2"/>
+          </a:fillRef>
+          <a:effectRef idx="2">
+            <a:schemeClr val="accent2"/>
+          </a:effectRef>
+          <a:fontRef idx="minor">
+            <a:schemeClr val="tx1"/>
+          </a:fontRef>
+        </p:style>
+      </p:cxnSp>
+      <p:sp>
+        <p:nvSpPr>
+          <p:cNvPr id="140" name="TextBox 139">
+            <a:extLst>
+              <a:ext uri="{FF2B5EF4-FFF2-40B4-BE49-F238E27FC236}">
+                <a16:creationId xmlns:a16="http://schemas.microsoft.com/office/drawing/2014/main" id="{A91811D8-3A63-4571-A0C1-D0905A9DA57A}"/>
+              </a:ext>
+            </a:extLst>
+          </p:cNvPr>
+          <p:cNvSpPr txBox="1"/>
+          <p:nvPr/>
+        </p:nvSpPr>
+        <p:spPr>
+          <a:xfrm>
+            <a:off x="540887" y="77118"/>
+            <a:ext cx="430811" cy="332758"/>
+          </a:xfrm>
+          <a:prstGeom prst="rect">
+            <a:avLst/>
+          </a:prstGeom>
+          <a:noFill/>
+        </p:spPr>
+        <p:txBody>
+          <a:bodyPr wrap="square" rtlCol="0">
+            <a:spAutoFit/>
+          </a:bodyPr>
+          <a:lstStyle/>
+          <a:p>
+            <a:r>
+              <a:rPr lang="en-US" dirty="0"/>
+              <a:t>O</a:t>
+            </a:r>
+            <a:r>
+              <a:rPr lang="en-US" baseline="-25000" dirty="0"/>
+              <a:t>0</a:t>
+            </a:r>
+          </a:p>
+        </p:txBody>
+      </p:sp>
+      <p:sp>
+        <p:nvSpPr>
+          <p:cNvPr id="151" name="TextBox 150">
+            <a:extLst>
+              <a:ext uri="{FF2B5EF4-FFF2-40B4-BE49-F238E27FC236}">
+                <a16:creationId xmlns:a16="http://schemas.microsoft.com/office/drawing/2014/main" id="{7AE5C30F-BFD4-42D9-AE81-1514FA3CE3D0}"/>
+              </a:ext>
+            </a:extLst>
+          </p:cNvPr>
+          <p:cNvSpPr txBox="1"/>
+          <p:nvPr/>
+        </p:nvSpPr>
+        <p:spPr>
+          <a:xfrm>
+            <a:off x="3078140" y="5388428"/>
+            <a:ext cx="394059" cy="276999"/>
+          </a:xfrm>
+          <a:prstGeom prst="rect">
+            <a:avLst/>
+          </a:prstGeom>
+          <a:noFill/>
+        </p:spPr>
+        <p:txBody>
+          <a:bodyPr wrap="square" rtlCol="0">
+            <a:spAutoFit/>
+          </a:bodyPr>
+          <a:lstStyle/>
+          <a:p>
+            <a:r>
+              <a:rPr lang="en-US" sz="1200" dirty="0"/>
+              <a:t>O</a:t>
+            </a:r>
+            <a:r>
+              <a:rPr lang="en-US" sz="1200" baseline="-25000" dirty="0"/>
+              <a:t>1</a:t>
+            </a:r>
+          </a:p>
+        </p:txBody>
+      </p:sp>
+      <p:sp>
+        <p:nvSpPr>
+          <p:cNvPr id="177" name="Cylinder 176">
+            <a:extLst>
+              <a:ext uri="{FF2B5EF4-FFF2-40B4-BE49-F238E27FC236}">
+                <a16:creationId xmlns:a16="http://schemas.microsoft.com/office/drawing/2014/main" id="{F27552BC-A4F9-435C-858A-B022AEC53A11}"/>
+              </a:ext>
+            </a:extLst>
+          </p:cNvPr>
+          <p:cNvSpPr/>
+          <p:nvPr/>
+        </p:nvSpPr>
+        <p:spPr>
+          <a:xfrm rot="6580311">
+            <a:off x="3270432" y="4356139"/>
+            <a:ext cx="231210" cy="701843"/>
+          </a:xfrm>
+          <a:prstGeom prst="can">
+            <a:avLst>
+              <a:gd name="adj" fmla="val 38764"/>
+            </a:avLst>
+          </a:prstGeom>
+        </p:spPr>
+        <p:style>
+          <a:lnRef idx="2">
+            <a:schemeClr val="accent1">
+              <a:shade val="50000"/>
+            </a:schemeClr>
+          </a:lnRef>
+          <a:fillRef idx="1">
+            <a:schemeClr val="accent1"/>
+          </a:fillRef>
+          <a:effectRef idx="0">
+            <a:schemeClr val="accent1"/>
+          </a:effectRef>
+          <a:fontRef idx="minor">
+            <a:schemeClr val="lt1"/>
+          </a:fontRef>
+        </p:style>
+        <p:txBody>
+          <a:bodyPr rtlCol="0" anchor="ctr"/>
+          <a:lstStyle/>
+          <a:p>
+            <a:pPr algn="ctr"/>
+            <a:endParaRPr lang="en-US"/>
+          </a:p>
+        </p:txBody>
+      </p:sp>
+      <p:sp>
+        <p:nvSpPr>
+          <p:cNvPr id="183" name="Freeform: Shape 182">
+            <a:extLst>
+              <a:ext uri="{FF2B5EF4-FFF2-40B4-BE49-F238E27FC236}">
+                <a16:creationId xmlns:a16="http://schemas.microsoft.com/office/drawing/2014/main" id="{8F11863C-E04C-4E95-A021-FA853457C114}"/>
+              </a:ext>
+            </a:extLst>
+          </p:cNvPr>
+          <p:cNvSpPr/>
+          <p:nvPr/>
+        </p:nvSpPr>
+        <p:spPr>
+          <a:xfrm>
+            <a:off x="797744" y="456292"/>
+            <a:ext cx="2889635" cy="4243526"/>
+          </a:xfrm>
+          <a:custGeom>
+            <a:avLst/>
+            <a:gdLst>
+              <a:gd name="connsiteX0" fmla="*/ 2889635 w 2889635"/>
+              <a:gd name="connsiteY0" fmla="*/ 4243526 h 4243526"/>
+              <a:gd name="connsiteX1" fmla="*/ 270723 w 2889635"/>
+              <a:gd name="connsiteY1" fmla="*/ 2757996 h 4243526"/>
+              <a:gd name="connsiteX2" fmla="*/ 60618 w 2889635"/>
+              <a:gd name="connsiteY2" fmla="*/ 0 h 4243526"/>
+            </a:gdLst>
+            <a:ahLst/>
+            <a:cxnLst>
+              <a:cxn ang="0">
+                <a:pos x="connsiteX0" y="connsiteY0"/>
+              </a:cxn>
+              <a:cxn ang="0">
+                <a:pos x="connsiteX1" y="connsiteY1"/>
+              </a:cxn>
+              <a:cxn ang="0">
+                <a:pos x="connsiteX2" y="connsiteY2"/>
+              </a:cxn>
+            </a:cxnLst>
+            <a:rect l="l" t="t" r="r" b="b"/>
+            <a:pathLst>
+              <a:path w="2889635" h="4243526">
+                <a:moveTo>
+                  <a:pt x="2889635" y="4243526"/>
+                </a:moveTo>
+                <a:cubicBezTo>
+                  <a:pt x="1815930" y="3854388"/>
+                  <a:pt x="742226" y="3465250"/>
+                  <a:pt x="270723" y="2757996"/>
+                </a:cubicBezTo>
+                <a:cubicBezTo>
+                  <a:pt x="-200780" y="2050742"/>
+                  <a:pt x="94156" y="479394"/>
+                  <a:pt x="60618" y="0"/>
+                </a:cubicBezTo>
+              </a:path>
+            </a:pathLst>
+          </a:custGeom>
+        </p:spPr>
+        <p:style>
+          <a:lnRef idx="1">
+            <a:schemeClr val="dk1"/>
+          </a:lnRef>
+          <a:fillRef idx="0">
+            <a:schemeClr val="dk1"/>
+          </a:fillRef>
+          <a:effectRef idx="0">
+            <a:schemeClr val="dk1"/>
+          </a:effectRef>
+          <a:fontRef idx="minor">
+            <a:schemeClr val="tx1"/>
+          </a:fontRef>
+        </p:style>
+        <p:txBody>
+          <a:bodyPr rtlCol="0" anchor="ctr"/>
+          <a:lstStyle/>
+          <a:p>
+            <a:pPr algn="ctr"/>
+            <a:endParaRPr lang="en-US"/>
+          </a:p>
+        </p:txBody>
+      </p:sp>
+      <p:sp>
+        <p:nvSpPr>
+          <p:cNvPr id="186" name="Freeform: Shape 185">
+            <a:extLst>
+              <a:ext uri="{FF2B5EF4-FFF2-40B4-BE49-F238E27FC236}">
+                <a16:creationId xmlns:a16="http://schemas.microsoft.com/office/drawing/2014/main" id="{2EB60699-C97A-49F3-AC8E-3BE0225E2025}"/>
+              </a:ext>
+            </a:extLst>
+          </p:cNvPr>
+          <p:cNvSpPr/>
+          <p:nvPr/>
+        </p:nvSpPr>
+        <p:spPr>
+          <a:xfrm>
+            <a:off x="561842" y="447414"/>
+            <a:ext cx="3081149" cy="4459550"/>
+          </a:xfrm>
+          <a:custGeom>
+            <a:avLst/>
+            <a:gdLst>
+              <a:gd name="connsiteX0" fmla="*/ 3081149 w 3081149"/>
+              <a:gd name="connsiteY0" fmla="*/ 4459550 h 4459550"/>
+              <a:gd name="connsiteX1" fmla="*/ 1678477 w 3081149"/>
+              <a:gd name="connsiteY1" fmla="*/ 3929849 h 4459550"/>
+              <a:gd name="connsiteX2" fmla="*/ 426726 w 3081149"/>
+              <a:gd name="connsiteY2" fmla="*/ 3092389 h 4459550"/>
+              <a:gd name="connsiteX3" fmla="*/ 12434 w 3081149"/>
+              <a:gd name="connsiteY3" fmla="*/ 1544715 h 4459550"/>
+              <a:gd name="connsiteX4" fmla="*/ 89374 w 3081149"/>
+              <a:gd name="connsiteY4" fmla="*/ 0 h 4459550"/>
+            </a:gdLst>
+            <a:ahLst/>
+            <a:cxnLst>
+              <a:cxn ang="0">
+                <a:pos x="connsiteX0" y="connsiteY0"/>
+              </a:cxn>
+              <a:cxn ang="0">
+                <a:pos x="connsiteX1" y="connsiteY1"/>
+              </a:cxn>
+              <a:cxn ang="0">
+                <a:pos x="connsiteX2" y="connsiteY2"/>
+              </a:cxn>
+              <a:cxn ang="0">
+                <a:pos x="connsiteX3" y="connsiteY3"/>
+              </a:cxn>
+              <a:cxn ang="0">
+                <a:pos x="connsiteX4" y="connsiteY4"/>
+              </a:cxn>
+            </a:cxnLst>
+            <a:rect l="l" t="t" r="r" b="b"/>
+            <a:pathLst>
+              <a:path w="3081149" h="4459550">
+                <a:moveTo>
+                  <a:pt x="3081149" y="4459550"/>
+                </a:moveTo>
+                <a:cubicBezTo>
+                  <a:pt x="2601015" y="4308629"/>
+                  <a:pt x="2120881" y="4157709"/>
+                  <a:pt x="1678477" y="3929849"/>
+                </a:cubicBezTo>
+                <a:cubicBezTo>
+                  <a:pt x="1236073" y="3701989"/>
+                  <a:pt x="704400" y="3489911"/>
+                  <a:pt x="426726" y="3092389"/>
+                </a:cubicBezTo>
+                <a:cubicBezTo>
+                  <a:pt x="149052" y="2694867"/>
+                  <a:pt x="68659" y="2060113"/>
+                  <a:pt x="12434" y="1544715"/>
+                </a:cubicBezTo>
+                <a:cubicBezTo>
+                  <a:pt x="-43791" y="1029317"/>
+                  <a:pt x="110088" y="258932"/>
+                  <a:pt x="89374" y="0"/>
+                </a:cubicBezTo>
+              </a:path>
+            </a:pathLst>
+          </a:custGeom>
+        </p:spPr>
+        <p:style>
+          <a:lnRef idx="1">
+            <a:schemeClr val="dk1"/>
+          </a:lnRef>
+          <a:fillRef idx="0">
+            <a:schemeClr val="dk1"/>
+          </a:fillRef>
+          <a:effectRef idx="0">
+            <a:schemeClr val="dk1"/>
+          </a:effectRef>
+          <a:fontRef idx="minor">
+            <a:schemeClr val="tx1"/>
+          </a:fontRef>
+        </p:style>
+        <p:txBody>
+          <a:bodyPr rtlCol="0" anchor="ctr"/>
+          <a:lstStyle/>
+          <a:p>
+            <a:pPr algn="ctr"/>
+            <a:endParaRPr lang="en-US"/>
+          </a:p>
+        </p:txBody>
+      </p:sp>
+      <p:sp>
+        <p:nvSpPr>
+          <p:cNvPr id="156" name="Oval 155">
+            <a:extLst>
+              <a:ext uri="{FF2B5EF4-FFF2-40B4-BE49-F238E27FC236}">
+                <a16:creationId xmlns:a16="http://schemas.microsoft.com/office/drawing/2014/main" id="{246CD4A3-F7AF-4C1B-85D4-14706701A1AA}"/>
+              </a:ext>
+            </a:extLst>
+          </p:cNvPr>
+          <p:cNvSpPr/>
+          <p:nvPr/>
+        </p:nvSpPr>
+        <p:spPr>
+          <a:xfrm rot="6059239">
+            <a:off x="3563184" y="4768981"/>
+            <a:ext cx="219807" cy="79130"/>
+          </a:xfrm>
+          <a:prstGeom prst="ellipse">
+            <a:avLst/>
+          </a:prstGeom>
+          <a:noFill/>
+          <a:ln>
+            <a:solidFill>
+              <a:schemeClr val="tx1"/>
+            </a:solidFill>
+          </a:ln>
+        </p:spPr>
+        <p:style>
+          <a:lnRef idx="2">
+            <a:schemeClr val="accent1">
+              <a:shade val="50000"/>
+            </a:schemeClr>
+          </a:lnRef>
+          <a:fillRef idx="1">
+            <a:schemeClr val="accent1"/>
+          </a:fillRef>
+          <a:effectRef idx="0">
+            <a:schemeClr val="accent1"/>
+          </a:effectRef>
+          <a:fontRef idx="minor">
+            <a:schemeClr val="lt1"/>
+          </a:fontRef>
+        </p:style>
+        <p:txBody>
+          <a:bodyPr rtlCol="0" anchor="ctr"/>
+          <a:lstStyle/>
+          <a:p>
+            <a:pPr algn="ctr"/>
+            <a:endParaRPr lang="en-US"/>
+          </a:p>
+        </p:txBody>
+      </p:sp>
+      <p:cxnSp>
+        <p:nvCxnSpPr>
+          <p:cNvPr id="167" name="Straight Arrow Connector 166">
+            <a:extLst>
+              <a:ext uri="{FF2B5EF4-FFF2-40B4-BE49-F238E27FC236}">
+                <a16:creationId xmlns:a16="http://schemas.microsoft.com/office/drawing/2014/main" id="{522C7AFB-4460-4E92-8D61-F868C562D711}"/>
+              </a:ext>
+            </a:extLst>
+          </p:cNvPr>
+          <p:cNvCxnSpPr>
+            <a:cxnSpLocks/>
+          </p:cNvCxnSpPr>
+          <p:nvPr/>
+        </p:nvCxnSpPr>
+        <p:spPr>
+          <a:xfrm flipV="1">
+            <a:off x="3685737" y="4521909"/>
+            <a:ext cx="165380" cy="300991"/>
+          </a:xfrm>
+          <a:prstGeom prst="straightConnector1">
+            <a:avLst/>
+          </a:prstGeom>
+          <a:ln>
+            <a:prstDash val="sysDot"/>
+            <a:tailEnd type="triangle"/>
+          </a:ln>
+        </p:spPr>
+        <p:style>
+          <a:lnRef idx="3">
+            <a:schemeClr val="accent4"/>
+          </a:lnRef>
+          <a:fillRef idx="0">
+            <a:schemeClr val="accent4"/>
+          </a:fillRef>
+          <a:effectRef idx="2">
+            <a:schemeClr val="accent4"/>
+          </a:effectRef>
+          <a:fontRef idx="minor">
+            <a:schemeClr val="tx1"/>
+          </a:fontRef>
+        </p:style>
+      </p:cxnSp>
+      <p:cxnSp>
+        <p:nvCxnSpPr>
+          <p:cNvPr id="168" name="Straight Arrow Connector 167">
+            <a:extLst>
+              <a:ext uri="{FF2B5EF4-FFF2-40B4-BE49-F238E27FC236}">
+                <a16:creationId xmlns:a16="http://schemas.microsoft.com/office/drawing/2014/main" id="{2A16FF42-BE5F-41A2-B9DB-3F5FD028330B}"/>
+              </a:ext>
+            </a:extLst>
+          </p:cNvPr>
+          <p:cNvCxnSpPr>
+            <a:cxnSpLocks/>
+          </p:cNvCxnSpPr>
+          <p:nvPr/>
+        </p:nvCxnSpPr>
+        <p:spPr>
+          <a:xfrm flipH="1">
+            <a:off x="3413632" y="4828078"/>
+            <a:ext cx="266402" cy="0"/>
+          </a:xfrm>
+          <a:prstGeom prst="straightConnector1">
+            <a:avLst/>
+          </a:prstGeom>
+          <a:ln>
+            <a:solidFill>
+              <a:srgbClr val="FF0000"/>
+            </a:solidFill>
+            <a:prstDash val="sysDot"/>
+            <a:tailEnd type="triangle"/>
+          </a:ln>
+        </p:spPr>
+        <p:style>
+          <a:lnRef idx="3">
+            <a:schemeClr val="accent2"/>
+          </a:lnRef>
+          <a:fillRef idx="0">
+            <a:schemeClr val="accent2"/>
+          </a:fillRef>
+          <a:effectRef idx="2">
+            <a:schemeClr val="accent2"/>
+          </a:effectRef>
+          <a:fontRef idx="minor">
+            <a:schemeClr val="tx1"/>
+          </a:fontRef>
+        </p:style>
+      </p:cxnSp>
+      <p:sp>
+        <p:nvSpPr>
+          <p:cNvPr id="193" name="Freeform: Shape 192">
+            <a:extLst>
+              <a:ext uri="{FF2B5EF4-FFF2-40B4-BE49-F238E27FC236}">
+                <a16:creationId xmlns:a16="http://schemas.microsoft.com/office/drawing/2014/main" id="{7FC41124-77A7-4B1F-BFB4-E71F9A8238CA}"/>
+              </a:ext>
+            </a:extLst>
+          </p:cNvPr>
+          <p:cNvSpPr/>
+          <p:nvPr/>
+        </p:nvSpPr>
+        <p:spPr>
+          <a:xfrm>
+            <a:off x="710035" y="450542"/>
+            <a:ext cx="2570451" cy="4772890"/>
+          </a:xfrm>
+          <a:custGeom>
+            <a:avLst/>
+            <a:gdLst>
+              <a:gd name="connsiteX0" fmla="*/ 2570451 w 2570451"/>
+              <a:gd name="connsiteY0" fmla="*/ 4772890 h 4772890"/>
+              <a:gd name="connsiteX1" fmla="*/ 661987 w 2570451"/>
+              <a:gd name="connsiteY1" fmla="*/ 4055918 h 4772890"/>
+              <a:gd name="connsiteX2" fmla="*/ 69706 w 2570451"/>
+              <a:gd name="connsiteY2" fmla="*/ 2968336 h 4772890"/>
+              <a:gd name="connsiteX3" fmla="*/ 31606 w 2570451"/>
+              <a:gd name="connsiteY3" fmla="*/ 0 h 4772890"/>
+            </a:gdLst>
+            <a:ahLst/>
+            <a:cxnLst>
+              <a:cxn ang="0">
+                <a:pos x="connsiteX0" y="connsiteY0"/>
+              </a:cxn>
+              <a:cxn ang="0">
+                <a:pos x="connsiteX1" y="connsiteY1"/>
+              </a:cxn>
+              <a:cxn ang="0">
+                <a:pos x="connsiteX2" y="connsiteY2"/>
+              </a:cxn>
+              <a:cxn ang="0">
+                <a:pos x="connsiteX3" y="connsiteY3"/>
+              </a:cxn>
+            </a:cxnLst>
+            <a:rect l="l" t="t" r="r" b="b"/>
+            <a:pathLst>
+              <a:path w="2570451" h="4772890">
+                <a:moveTo>
+                  <a:pt x="2570451" y="4772890"/>
+                </a:moveTo>
+                <a:cubicBezTo>
+                  <a:pt x="1824614" y="4564783"/>
+                  <a:pt x="1078778" y="4356677"/>
+                  <a:pt x="661987" y="4055918"/>
+                </a:cubicBezTo>
+                <a:cubicBezTo>
+                  <a:pt x="245196" y="3755159"/>
+                  <a:pt x="174769" y="3644322"/>
+                  <a:pt x="69706" y="2968336"/>
+                </a:cubicBezTo>
+                <a:cubicBezTo>
+                  <a:pt x="-35358" y="2292350"/>
+                  <a:pt x="1588" y="529936"/>
+                  <a:pt x="31606" y="0"/>
+                </a:cubicBezTo>
+              </a:path>
+            </a:pathLst>
+          </a:custGeom>
+          <a:ln>
+            <a:prstDash val="lgDash"/>
+          </a:ln>
+        </p:spPr>
+        <p:style>
+          <a:lnRef idx="1">
+            <a:schemeClr val="dk1"/>
+          </a:lnRef>
+          <a:fillRef idx="0">
+            <a:schemeClr val="dk1"/>
+          </a:fillRef>
+          <a:effectRef idx="0">
+            <a:schemeClr val="dk1"/>
+          </a:effectRef>
+          <a:fontRef idx="minor">
+            <a:schemeClr val="tx1"/>
+          </a:fontRef>
+        </p:style>
+        <p:txBody>
+          <a:bodyPr rtlCol="0" anchor="ctr"/>
+          <a:lstStyle/>
+          <a:p>
+            <a:pPr algn="ctr"/>
+            <a:endParaRPr lang="en-US"/>
+          </a:p>
+        </p:txBody>
+      </p:sp>
+      <p:cxnSp>
+        <p:nvCxnSpPr>
+          <p:cNvPr id="204" name="Straight Arrow Connector 203">
+            <a:extLst>
+              <a:ext uri="{FF2B5EF4-FFF2-40B4-BE49-F238E27FC236}">
+                <a16:creationId xmlns:a16="http://schemas.microsoft.com/office/drawing/2014/main" id="{9D0599AD-BD51-47DF-9B12-0A2BFC9C1925}"/>
+              </a:ext>
+            </a:extLst>
+          </p:cNvPr>
+          <p:cNvCxnSpPr>
+            <a:cxnSpLocks/>
+          </p:cNvCxnSpPr>
+          <p:nvPr/>
+        </p:nvCxnSpPr>
+        <p:spPr>
+          <a:xfrm>
+            <a:off x="3270866" y="5223722"/>
+            <a:ext cx="350334" cy="65273"/>
+          </a:xfrm>
+          <a:prstGeom prst="straightConnector1">
+            <a:avLst/>
+          </a:prstGeom>
+          <a:ln>
+            <a:tailEnd type="triangle"/>
+          </a:ln>
+        </p:spPr>
+        <p:style>
+          <a:lnRef idx="3">
+            <a:schemeClr val="accent1"/>
+          </a:lnRef>
+          <a:fillRef idx="0">
+            <a:schemeClr val="accent1"/>
+          </a:fillRef>
+          <a:effectRef idx="2">
+            <a:schemeClr val="accent1"/>
+          </a:effectRef>
+          <a:fontRef idx="minor">
+            <a:schemeClr val="tx1"/>
+          </a:fontRef>
+        </p:style>
+      </p:cxnSp>
+      <p:cxnSp>
+        <p:nvCxnSpPr>
+          <p:cNvPr id="205" name="Straight Arrow Connector 204">
+            <a:extLst>
+              <a:ext uri="{FF2B5EF4-FFF2-40B4-BE49-F238E27FC236}">
+                <a16:creationId xmlns:a16="http://schemas.microsoft.com/office/drawing/2014/main" id="{E24AAA49-3054-4943-B8DB-EAB5B27FCBA7}"/>
+              </a:ext>
+            </a:extLst>
+          </p:cNvPr>
+          <p:cNvCxnSpPr>
+            <a:cxnSpLocks/>
+          </p:cNvCxnSpPr>
+          <p:nvPr/>
+        </p:nvCxnSpPr>
+        <p:spPr>
+          <a:xfrm flipH="1" flipV="1">
+            <a:off x="3270866" y="4868760"/>
+            <a:ext cx="6006" cy="356052"/>
+          </a:xfrm>
+          <a:prstGeom prst="straightConnector1">
+            <a:avLst/>
+          </a:prstGeom>
+          <a:ln>
+            <a:prstDash val="sysDot"/>
+            <a:tailEnd type="triangle"/>
+          </a:ln>
+        </p:spPr>
+        <p:style>
+          <a:lnRef idx="3">
+            <a:schemeClr val="accent6"/>
+          </a:lnRef>
+          <a:fillRef idx="0">
+            <a:schemeClr val="accent6"/>
+          </a:fillRef>
+          <a:effectRef idx="2">
+            <a:schemeClr val="accent6"/>
+          </a:effectRef>
+          <a:fontRef idx="minor">
+            <a:schemeClr val="tx1"/>
+          </a:fontRef>
+        </p:style>
+      </p:cxnSp>
+      <p:cxnSp>
+        <p:nvCxnSpPr>
+          <p:cNvPr id="206" name="Straight Arrow Connector 205">
+            <a:extLst>
+              <a:ext uri="{FF2B5EF4-FFF2-40B4-BE49-F238E27FC236}">
+                <a16:creationId xmlns:a16="http://schemas.microsoft.com/office/drawing/2014/main" id="{E080DAF0-75BE-4C0A-ABB6-F8AAE5502586}"/>
+              </a:ext>
+            </a:extLst>
+          </p:cNvPr>
+          <p:cNvCxnSpPr>
+            <a:cxnSpLocks/>
+          </p:cNvCxnSpPr>
+          <p:nvPr/>
+        </p:nvCxnSpPr>
+        <p:spPr>
+          <a:xfrm flipH="1">
+            <a:off x="3167856" y="5224217"/>
+            <a:ext cx="116656" cy="235985"/>
+          </a:xfrm>
+          <a:prstGeom prst="straightConnector1">
+            <a:avLst/>
+          </a:prstGeom>
+          <a:ln>
+            <a:prstDash val="sysDot"/>
+            <a:tailEnd type="triangle"/>
+          </a:ln>
+        </p:spPr>
+        <p:style>
+          <a:lnRef idx="3">
+            <a:schemeClr val="accent2"/>
+          </a:lnRef>
+          <a:fillRef idx="0">
+            <a:schemeClr val="accent2"/>
+          </a:fillRef>
+          <a:effectRef idx="2">
+            <a:schemeClr val="accent2"/>
+          </a:effectRef>
+          <a:fontRef idx="minor">
+            <a:schemeClr val="tx1"/>
+          </a:fontRef>
+        </p:style>
+      </p:cxnSp>
+      <p:cxnSp>
+        <p:nvCxnSpPr>
+          <p:cNvPr id="158" name="Straight Arrow Connector 157">
+            <a:extLst>
+              <a:ext uri="{FF2B5EF4-FFF2-40B4-BE49-F238E27FC236}">
+                <a16:creationId xmlns:a16="http://schemas.microsoft.com/office/drawing/2014/main" id="{93616DD0-022F-4BAB-A94A-9DA3D3068F13}"/>
+              </a:ext>
+            </a:extLst>
+          </p:cNvPr>
+          <p:cNvCxnSpPr>
+            <a:cxnSpLocks/>
+          </p:cNvCxnSpPr>
+          <p:nvPr/>
+        </p:nvCxnSpPr>
+        <p:spPr>
+          <a:xfrm flipV="1">
+            <a:off x="3683334" y="4643704"/>
+            <a:ext cx="248878" cy="193066"/>
+          </a:xfrm>
+          <a:prstGeom prst="straightConnector1">
+            <a:avLst/>
+          </a:prstGeom>
+          <a:ln>
+            <a:tailEnd type="triangle"/>
+          </a:ln>
+        </p:spPr>
+        <p:style>
+          <a:lnRef idx="3">
+            <a:schemeClr val="accent6"/>
+          </a:lnRef>
+          <a:fillRef idx="0">
+            <a:schemeClr val="accent6"/>
+          </a:fillRef>
+          <a:effectRef idx="2">
+            <a:schemeClr val="accent6"/>
+          </a:effectRef>
+          <a:fontRef idx="minor">
+            <a:schemeClr val="tx1"/>
+          </a:fontRef>
+        </p:style>
+      </p:cxnSp>
+      <p:cxnSp>
+        <p:nvCxnSpPr>
+          <p:cNvPr id="159" name="Straight Arrow Connector 158">
+            <a:extLst>
+              <a:ext uri="{FF2B5EF4-FFF2-40B4-BE49-F238E27FC236}">
+                <a16:creationId xmlns:a16="http://schemas.microsoft.com/office/drawing/2014/main" id="{B1DA0D7D-9EE0-47D2-8F77-F26B8268398C}"/>
+              </a:ext>
+            </a:extLst>
+          </p:cNvPr>
+          <p:cNvCxnSpPr>
+            <a:cxnSpLocks/>
+          </p:cNvCxnSpPr>
+          <p:nvPr/>
+        </p:nvCxnSpPr>
+        <p:spPr>
+          <a:xfrm flipH="1" flipV="1">
+            <a:off x="3479177" y="4585271"/>
+            <a:ext cx="208202" cy="246500"/>
+          </a:xfrm>
+          <a:prstGeom prst="straightConnector1">
+            <a:avLst/>
+          </a:prstGeom>
+          <a:ln>
+            <a:tailEnd type="triangle"/>
+          </a:ln>
+        </p:spPr>
+        <p:style>
+          <a:lnRef idx="3">
+            <a:schemeClr val="accent2"/>
+          </a:lnRef>
+          <a:fillRef idx="0">
+            <a:schemeClr val="accent2"/>
+          </a:fillRef>
+          <a:effectRef idx="2">
+            <a:schemeClr val="accent2"/>
+          </a:effectRef>
+          <a:fontRef idx="minor">
+            <a:schemeClr val="tx1"/>
+          </a:fontRef>
+        </p:style>
+      </p:cxnSp>
+      <p:grpSp>
+        <p:nvGrpSpPr>
+          <p:cNvPr id="232" name="Group 231">
+            <a:extLst>
+              <a:ext uri="{FF2B5EF4-FFF2-40B4-BE49-F238E27FC236}">
+                <a16:creationId xmlns:a16="http://schemas.microsoft.com/office/drawing/2014/main" id="{8375D6DB-CE7A-45D1-BFDF-5534B3EEEC1C}"/>
+              </a:ext>
+            </a:extLst>
+          </p:cNvPr>
+          <p:cNvGrpSpPr/>
+          <p:nvPr/>
+        </p:nvGrpSpPr>
+        <p:grpSpPr>
+          <a:xfrm>
+            <a:off x="2888194" y="5229848"/>
+            <a:ext cx="226440" cy="294840"/>
+            <a:chOff x="8904108" y="5288461"/>
+            <a:chExt cx="226440" cy="294840"/>
+          </a:xfrm>
+        </p:grpSpPr>
+        <mc:AlternateContent xmlns:mc="http://schemas.openxmlformats.org/markup-compatibility/2006" xmlns:p14="http://schemas.microsoft.com/office/powerpoint/2010/main">
+          <mc:Choice Requires="p14">
+            <p:contentPart p14:bwMode="auto" r:id="rId2">
+              <p14:nvContentPartPr>
+                <p14:cNvPr id="229" name="Ink 228">
+                  <a:extLst>
+                    <a:ext uri="{FF2B5EF4-FFF2-40B4-BE49-F238E27FC236}">
+                      <a16:creationId xmlns:a16="http://schemas.microsoft.com/office/drawing/2014/main" id="{8BDE2AED-CF3E-4F62-8552-83747FAA3BBE}"/>
+                    </a:ext>
+                  </a:extLst>
+                </p14:cNvPr>
+                <p14:cNvContentPartPr/>
+                <p14:nvPr/>
+              </p14:nvContentPartPr>
+              <p14:xfrm>
+                <a:off x="8948388" y="5310781"/>
+                <a:ext cx="182160" cy="272520"/>
+              </p14:xfrm>
+            </p:contentPart>
+          </mc:Choice>
+          <mc:Fallback xmlns="">
+            <p:pic>
+              <p:nvPicPr>
+                <p:cNvPr id="229" name="Ink 228">
+                  <a:extLst>
+                    <a:ext uri="{FF2B5EF4-FFF2-40B4-BE49-F238E27FC236}">
+                      <a16:creationId xmlns:a16="http://schemas.microsoft.com/office/drawing/2014/main" id="{8BDE2AED-CF3E-4F62-8552-83747FAA3BBE}"/>
+                    </a:ext>
+                  </a:extLst>
+                </p:cNvPr>
+                <p:cNvPicPr/>
+                <p:nvPr/>
+              </p:nvPicPr>
+              <p:blipFill>
+                <a:blip r:embed="rId4"/>
+                <a:stretch>
+                  <a:fillRect/>
+                </a:stretch>
+              </p:blipFill>
+              <p:spPr>
+                <a:xfrm>
+                  <a:off x="8944068" y="5306461"/>
+                  <a:ext cx="190800" cy="281160"/>
+                </a:xfrm>
+                <a:prstGeom prst="rect">
+                  <a:avLst/>
+                </a:prstGeom>
+              </p:spPr>
+            </p:pic>
+          </mc:Fallback>
+        </mc:AlternateContent>
+        <mc:AlternateContent xmlns:mc="http://schemas.openxmlformats.org/markup-compatibility/2006" xmlns:p14="http://schemas.microsoft.com/office/powerpoint/2010/main">
+          <mc:Choice Requires="p14">
+            <p:contentPart p14:bwMode="auto" r:id="rId5">
+              <p14:nvContentPartPr>
+                <p14:cNvPr id="230" name="Ink 229">
+                  <a:extLst>
+                    <a:ext uri="{FF2B5EF4-FFF2-40B4-BE49-F238E27FC236}">
+                      <a16:creationId xmlns:a16="http://schemas.microsoft.com/office/drawing/2014/main" id="{FCB997E4-A80E-4550-B2D2-30C1966AB51E}"/>
+                    </a:ext>
+                  </a:extLst>
+                </p14:cNvPr>
+                <p14:cNvContentPartPr/>
+                <p14:nvPr/>
+              </p14:nvContentPartPr>
+              <p14:xfrm>
+                <a:off x="8904108" y="5297101"/>
+                <a:ext cx="36000" cy="88200"/>
+              </p14:xfrm>
+            </p:contentPart>
+          </mc:Choice>
+          <mc:Fallback xmlns="">
+            <p:pic>
+              <p:nvPicPr>
+                <p:cNvPr id="230" name="Ink 229">
+                  <a:extLst>
+                    <a:ext uri="{FF2B5EF4-FFF2-40B4-BE49-F238E27FC236}">
+                      <a16:creationId xmlns:a16="http://schemas.microsoft.com/office/drawing/2014/main" id="{FCB997E4-A80E-4550-B2D2-30C1966AB51E}"/>
+                    </a:ext>
+                  </a:extLst>
+                </p:cNvPr>
+                <p:cNvPicPr/>
+                <p:nvPr/>
+              </p:nvPicPr>
+              <p:blipFill>
+                <a:blip r:embed="rId6"/>
+                <a:stretch>
+                  <a:fillRect/>
+                </a:stretch>
+              </p:blipFill>
+              <p:spPr>
+                <a:xfrm>
+                  <a:off x="8899788" y="5292781"/>
+                  <a:ext cx="44640" cy="96840"/>
+                </a:xfrm>
+                <a:prstGeom prst="rect">
+                  <a:avLst/>
+                </a:prstGeom>
+              </p:spPr>
+            </p:pic>
+          </mc:Fallback>
+        </mc:AlternateContent>
+        <mc:AlternateContent xmlns:mc="http://schemas.openxmlformats.org/markup-compatibility/2006" xmlns:p14="http://schemas.microsoft.com/office/powerpoint/2010/main">
+          <mc:Choice Requires="p14">
+            <p:contentPart p14:bwMode="auto" r:id="rId7">
+              <p14:nvContentPartPr>
+                <p14:cNvPr id="231" name="Ink 230">
+                  <a:extLst>
+                    <a:ext uri="{FF2B5EF4-FFF2-40B4-BE49-F238E27FC236}">
+                      <a16:creationId xmlns:a16="http://schemas.microsoft.com/office/drawing/2014/main" id="{8FFFAF2E-2915-4B4E-B581-AA41E65C4C94}"/>
+                    </a:ext>
+                  </a:extLst>
+                </p14:cNvPr>
+                <p14:cNvContentPartPr/>
+                <p14:nvPr/>
+              </p14:nvContentPartPr>
+              <p14:xfrm>
+                <a:off x="8944428" y="5288461"/>
+                <a:ext cx="85320" cy="69480"/>
+              </p14:xfrm>
+            </p:contentPart>
+          </mc:Choice>
+          <mc:Fallback xmlns="">
+            <p:pic>
+              <p:nvPicPr>
+                <p:cNvPr id="231" name="Ink 230">
+                  <a:extLst>
+                    <a:ext uri="{FF2B5EF4-FFF2-40B4-BE49-F238E27FC236}">
+                      <a16:creationId xmlns:a16="http://schemas.microsoft.com/office/drawing/2014/main" id="{8FFFAF2E-2915-4B4E-B581-AA41E65C4C94}"/>
+                    </a:ext>
+                  </a:extLst>
+                </p:cNvPr>
+                <p:cNvPicPr/>
+                <p:nvPr/>
+              </p:nvPicPr>
+              <p:blipFill>
+                <a:blip r:embed="rId8"/>
+                <a:stretch>
+                  <a:fillRect/>
+                </a:stretch>
+              </p:blipFill>
+              <p:spPr>
+                <a:xfrm>
+                  <a:off x="8940108" y="5284141"/>
+                  <a:ext cx="93960" cy="78120"/>
+                </a:xfrm>
+                <a:prstGeom prst="rect">
+                  <a:avLst/>
+                </a:prstGeom>
+              </p:spPr>
+            </p:pic>
+          </mc:Fallback>
+        </mc:AlternateContent>
+      </p:grpSp>
+      <p:sp>
+        <p:nvSpPr>
+          <p:cNvPr id="234" name="TextBox 233">
+            <a:extLst>
+              <a:ext uri="{FF2B5EF4-FFF2-40B4-BE49-F238E27FC236}">
+                <a16:creationId xmlns:a16="http://schemas.microsoft.com/office/drawing/2014/main" id="{FADEF6D4-482D-44AC-B45D-A7BC66598D9C}"/>
+              </a:ext>
+            </a:extLst>
+          </p:cNvPr>
+          <p:cNvSpPr txBox="1"/>
+          <p:nvPr/>
+        </p:nvSpPr>
+        <p:spPr>
+          <a:xfrm>
+            <a:off x="2708788" y="5328064"/>
+            <a:ext cx="430811" cy="246221"/>
+          </a:xfrm>
+          <a:prstGeom prst="rect">
+            <a:avLst/>
+          </a:prstGeom>
+          <a:noFill/>
+        </p:spPr>
+        <p:txBody>
+          <a:bodyPr wrap="square" rtlCol="0">
+            <a:spAutoFit/>
+          </a:bodyPr>
+          <a:lstStyle/>
+          <a:p>
+            <a:r>
+              <a:rPr lang="el-GR" sz="1000" dirty="0"/>
+              <a:t>ω</a:t>
+            </a:r>
+            <a:r>
+              <a:rPr lang="en-US" sz="1000" baseline="-25000" dirty="0">
+                <a:solidFill>
+                  <a:prstClr val="black"/>
+                </a:solidFill>
+              </a:rPr>
+              <a:t>12</a:t>
+            </a:r>
+            <a:endParaRPr lang="en-US" sz="1000" baseline="-25000" dirty="0"/>
+          </a:p>
+        </p:txBody>
+      </p:sp>
+      <p:cxnSp>
+        <p:nvCxnSpPr>
+          <p:cNvPr id="236" name="Straight Arrow Connector 235">
+            <a:extLst>
+              <a:ext uri="{FF2B5EF4-FFF2-40B4-BE49-F238E27FC236}">
+                <a16:creationId xmlns:a16="http://schemas.microsoft.com/office/drawing/2014/main" id="{84A5686C-E776-49EA-8E03-DEA466B9B8F5}"/>
+              </a:ext>
+            </a:extLst>
+          </p:cNvPr>
+          <p:cNvCxnSpPr>
+            <a:cxnSpLocks/>
+          </p:cNvCxnSpPr>
+          <p:nvPr/>
+        </p:nvCxnSpPr>
+        <p:spPr>
+          <a:xfrm flipH="1">
+            <a:off x="1326050" y="3349200"/>
+            <a:ext cx="231944" cy="106424"/>
+          </a:xfrm>
+          <a:prstGeom prst="straightConnector1">
+            <a:avLst/>
+          </a:prstGeom>
+          <a:ln>
+            <a:tailEnd type="triangle"/>
+          </a:ln>
+        </p:spPr>
+        <p:style>
+          <a:lnRef idx="1">
+            <a:schemeClr val="accent1"/>
+          </a:lnRef>
+          <a:fillRef idx="0">
+            <a:schemeClr val="accent1"/>
+          </a:fillRef>
+          <a:effectRef idx="0">
+            <a:schemeClr val="accent1"/>
+          </a:effectRef>
+          <a:fontRef idx="minor">
+            <a:schemeClr val="tx1"/>
+          </a:fontRef>
+        </p:style>
+      </p:cxnSp>
+      <p:cxnSp>
+        <p:nvCxnSpPr>
+          <p:cNvPr id="238" name="Straight Arrow Connector 237">
+            <a:extLst>
+              <a:ext uri="{FF2B5EF4-FFF2-40B4-BE49-F238E27FC236}">
+                <a16:creationId xmlns:a16="http://schemas.microsoft.com/office/drawing/2014/main" id="{CC38B612-F88A-4109-A914-B034982EEE58}"/>
+              </a:ext>
+            </a:extLst>
+          </p:cNvPr>
+          <p:cNvCxnSpPr>
+            <a:cxnSpLocks/>
+            <a:stCxn id="242" idx="2"/>
+          </p:cNvCxnSpPr>
+          <p:nvPr/>
+        </p:nvCxnSpPr>
+        <p:spPr>
+          <a:xfrm>
+            <a:off x="541329" y="4030100"/>
+            <a:ext cx="355175" cy="70143"/>
+          </a:xfrm>
+          <a:prstGeom prst="straightConnector1">
+            <a:avLst/>
+          </a:prstGeom>
+          <a:ln>
+            <a:tailEnd type="triangle"/>
+          </a:ln>
+        </p:spPr>
+        <p:style>
+          <a:lnRef idx="1">
+            <a:schemeClr val="accent1"/>
+          </a:lnRef>
+          <a:fillRef idx="0">
+            <a:schemeClr val="accent1"/>
+          </a:fillRef>
+          <a:effectRef idx="0">
+            <a:schemeClr val="accent1"/>
+          </a:effectRef>
+          <a:fontRef idx="minor">
+            <a:schemeClr val="tx1"/>
+          </a:fontRef>
+        </p:style>
+      </p:cxnSp>
+      <p:sp>
+        <p:nvSpPr>
+          <p:cNvPr id="242" name="TextBox 241">
+            <a:extLst>
+              <a:ext uri="{FF2B5EF4-FFF2-40B4-BE49-F238E27FC236}">
+                <a16:creationId xmlns:a16="http://schemas.microsoft.com/office/drawing/2014/main" id="{A6B07518-96AE-42A0-86D2-73E0100C4328}"/>
+              </a:ext>
+            </a:extLst>
+          </p:cNvPr>
+          <p:cNvSpPr txBox="1"/>
+          <p:nvPr/>
+        </p:nvSpPr>
+        <p:spPr>
+          <a:xfrm>
+            <a:off x="159195" y="3629990"/>
+            <a:ext cx="764267" cy="400110"/>
+          </a:xfrm>
+          <a:prstGeom prst="rect">
+            <a:avLst/>
+          </a:prstGeom>
+          <a:noFill/>
+        </p:spPr>
+        <p:txBody>
+          <a:bodyPr wrap="square" rtlCol="0">
+            <a:spAutoFit/>
+          </a:bodyPr>
+          <a:lstStyle/>
+          <a:p>
+            <a:r>
+              <a:rPr lang="en-US" sz="1000" dirty="0"/>
+              <a:t>Borehole centerline</a:t>
+            </a:r>
+            <a:endParaRPr lang="en-US" sz="1000" baseline="-25000" dirty="0"/>
+          </a:p>
+        </p:txBody>
+      </p:sp>
+      <p:sp>
+        <p:nvSpPr>
+          <p:cNvPr id="243" name="TextBox 242">
+            <a:extLst>
+              <a:ext uri="{FF2B5EF4-FFF2-40B4-BE49-F238E27FC236}">
+                <a16:creationId xmlns:a16="http://schemas.microsoft.com/office/drawing/2014/main" id="{657D48B0-2763-498A-8676-BC9B812E8436}"/>
+              </a:ext>
+            </a:extLst>
+          </p:cNvPr>
+          <p:cNvSpPr txBox="1"/>
+          <p:nvPr/>
+        </p:nvSpPr>
+        <p:spPr>
+          <a:xfrm>
+            <a:off x="1357113" y="3158368"/>
+            <a:ext cx="764267" cy="246221"/>
+          </a:xfrm>
+          <a:prstGeom prst="rect">
+            <a:avLst/>
+          </a:prstGeom>
+          <a:noFill/>
+        </p:spPr>
+        <p:txBody>
+          <a:bodyPr wrap="square" rtlCol="0">
+            <a:spAutoFit/>
+          </a:bodyPr>
+          <a:lstStyle/>
+          <a:p>
+            <a:r>
+              <a:rPr lang="en-US" sz="1000" dirty="0"/>
+              <a:t>Drill string</a:t>
+            </a:r>
+            <a:endParaRPr lang="en-US" sz="1000" baseline="-25000" dirty="0"/>
+          </a:p>
+        </p:txBody>
+      </p:sp>
+      <p:sp>
+        <p:nvSpPr>
+          <p:cNvPr id="258" name="TextBox 257">
+            <a:extLst>
+              <a:ext uri="{FF2B5EF4-FFF2-40B4-BE49-F238E27FC236}">
+                <a16:creationId xmlns:a16="http://schemas.microsoft.com/office/drawing/2014/main" id="{142A12E2-45A9-4166-BB50-D22C941550E6}"/>
+              </a:ext>
+            </a:extLst>
+          </p:cNvPr>
+          <p:cNvSpPr txBox="1"/>
+          <p:nvPr/>
+        </p:nvSpPr>
+        <p:spPr>
+          <a:xfrm>
+            <a:off x="2818247" y="4926698"/>
+            <a:ext cx="394059" cy="276999"/>
+          </a:xfrm>
+          <a:prstGeom prst="rect">
+            <a:avLst/>
+          </a:prstGeom>
+          <a:noFill/>
+        </p:spPr>
+        <p:txBody>
+          <a:bodyPr wrap="square" rtlCol="0">
+            <a:spAutoFit/>
+          </a:bodyPr>
+          <a:lstStyle/>
+          <a:p>
+            <a:r>
+              <a:rPr lang="en-US" sz="1200" dirty="0"/>
+              <a:t>O</a:t>
+            </a:r>
+            <a:r>
+              <a:rPr lang="en-US" sz="1200" baseline="-25000" dirty="0"/>
+              <a:t>2</a:t>
+            </a:r>
+          </a:p>
+        </p:txBody>
+      </p:sp>
+      <p:sp>
+        <p:nvSpPr>
+          <p:cNvPr id="259" name="TextBox 258">
+            <a:extLst>
+              <a:ext uri="{FF2B5EF4-FFF2-40B4-BE49-F238E27FC236}">
+                <a16:creationId xmlns:a16="http://schemas.microsoft.com/office/drawing/2014/main" id="{645332F4-F144-49D1-9B67-15908A02D02F}"/>
+              </a:ext>
+            </a:extLst>
+          </p:cNvPr>
+          <p:cNvSpPr txBox="1"/>
+          <p:nvPr/>
+        </p:nvSpPr>
+        <p:spPr>
+          <a:xfrm>
+            <a:off x="3886070" y="4576192"/>
+            <a:ext cx="394059" cy="276999"/>
+          </a:xfrm>
+          <a:prstGeom prst="rect">
+            <a:avLst/>
+          </a:prstGeom>
+          <a:noFill/>
+        </p:spPr>
+        <p:txBody>
+          <a:bodyPr wrap="square" rtlCol="0">
+            <a:spAutoFit/>
+          </a:bodyPr>
+          <a:lstStyle/>
+          <a:p>
+            <a:r>
+              <a:rPr lang="en-US" sz="1200" dirty="0"/>
+              <a:t>O</a:t>
+            </a:r>
+            <a:r>
+              <a:rPr lang="en-US" sz="1200" baseline="-25000" dirty="0"/>
+              <a:t>3</a:t>
+            </a:r>
+          </a:p>
+        </p:txBody>
+      </p:sp>
+      <p:cxnSp>
+        <p:nvCxnSpPr>
+          <p:cNvPr id="148" name="Straight Arrow Connector 147">
+            <a:extLst>
+              <a:ext uri="{FF2B5EF4-FFF2-40B4-BE49-F238E27FC236}">
+                <a16:creationId xmlns:a16="http://schemas.microsoft.com/office/drawing/2014/main" id="{30E57168-B521-4727-A8C5-2A29B299302E}"/>
+              </a:ext>
+            </a:extLst>
+          </p:cNvPr>
+          <p:cNvCxnSpPr>
+            <a:cxnSpLocks/>
+          </p:cNvCxnSpPr>
+          <p:nvPr/>
+        </p:nvCxnSpPr>
+        <p:spPr>
+          <a:xfrm>
+            <a:off x="3673089" y="4826611"/>
+            <a:ext cx="343332" cy="117437"/>
+          </a:xfrm>
+          <a:prstGeom prst="straightConnector1">
+            <a:avLst/>
+          </a:prstGeom>
+          <a:ln>
+            <a:tailEnd type="triangle"/>
+          </a:ln>
+        </p:spPr>
+        <p:style>
+          <a:lnRef idx="3">
+            <a:schemeClr val="accent1"/>
+          </a:lnRef>
+          <a:fillRef idx="0">
+            <a:schemeClr val="accent1"/>
+          </a:fillRef>
+          <a:effectRef idx="2">
+            <a:schemeClr val="accent1"/>
+          </a:effectRef>
+          <a:fontRef idx="minor">
+            <a:schemeClr val="tx1"/>
+          </a:fontRef>
+        </p:style>
+      </p:cxnSp>
+      <p:grpSp>
+        <p:nvGrpSpPr>
+          <p:cNvPr id="21" name="Group 20">
+            <a:extLst>
+              <a:ext uri="{FF2B5EF4-FFF2-40B4-BE49-F238E27FC236}">
+                <a16:creationId xmlns:a16="http://schemas.microsoft.com/office/drawing/2014/main" id="{59577830-BCEF-4A37-B9C4-5BEE55B6C741}"/>
+              </a:ext>
+            </a:extLst>
+          </p:cNvPr>
+          <p:cNvGrpSpPr/>
+          <p:nvPr/>
+        </p:nvGrpSpPr>
+        <p:grpSpPr>
+          <a:xfrm>
+            <a:off x="9218569" y="363421"/>
+            <a:ext cx="2889635" cy="2694399"/>
+            <a:chOff x="9258304" y="629884"/>
+            <a:chExt cx="2779307" cy="2643297"/>
+          </a:xfrm>
+        </p:grpSpPr>
+        <p:grpSp>
+          <p:nvGrpSpPr>
+            <p:cNvPr id="6" name="Group 5">
+              <a:extLst>
+                <a:ext uri="{FF2B5EF4-FFF2-40B4-BE49-F238E27FC236}">
+                  <a16:creationId xmlns:a16="http://schemas.microsoft.com/office/drawing/2014/main" id="{248ED522-BB30-4557-A693-5ED56B8C34F8}"/>
+                </a:ext>
+              </a:extLst>
+            </p:cNvPr>
+            <p:cNvGrpSpPr/>
+            <p:nvPr/>
+          </p:nvGrpSpPr>
+          <p:grpSpPr>
+            <a:xfrm>
+              <a:off x="9258304" y="629884"/>
+              <a:ext cx="2779307" cy="2643297"/>
+              <a:chOff x="8153616" y="1992833"/>
+              <a:chExt cx="1261110" cy="1211310"/>
+            </a:xfrm>
+          </p:grpSpPr>
+          <p:sp>
+            <p:nvSpPr>
+              <p:cNvPr id="275" name="Cylinder 274">
+                <a:extLst>
+                  <a:ext uri="{FF2B5EF4-FFF2-40B4-BE49-F238E27FC236}">
+                    <a16:creationId xmlns:a16="http://schemas.microsoft.com/office/drawing/2014/main" id="{C2B0FF65-3536-4BC8-B37D-86A9BC8049E1}"/>
+                  </a:ext>
+                </a:extLst>
+              </p:cNvPr>
+              <p:cNvSpPr/>
+              <p:nvPr/>
+            </p:nvSpPr>
+            <p:spPr>
+              <a:xfrm rot="6360915">
+                <a:off x="8405552" y="2105479"/>
+                <a:ext cx="588964" cy="960639"/>
+              </a:xfrm>
+              <a:prstGeom prst="can">
+                <a:avLst>
+                  <a:gd name="adj" fmla="val 69369"/>
+                </a:avLst>
+              </a:prstGeom>
+            </p:spPr>
+            <p:style>
+              <a:lnRef idx="2">
+                <a:schemeClr val="accent1">
+                  <a:shade val="50000"/>
+                </a:schemeClr>
+              </a:lnRef>
+              <a:fillRef idx="1">
+                <a:schemeClr val="accent1"/>
+              </a:fillRef>
+              <a:effectRef idx="0">
+                <a:schemeClr val="accent1"/>
+              </a:effectRef>
+              <a:fontRef idx="minor">
+                <a:schemeClr val="lt1"/>
+              </a:fontRef>
+            </p:style>
+            <p:txBody>
+              <a:bodyPr rtlCol="0" anchor="ctr"/>
+              <a:lstStyle/>
+              <a:p>
+                <a:pPr algn="ctr"/>
+                <a:endParaRPr lang="en-US"/>
+              </a:p>
+            </p:txBody>
+          </p:sp>
+          <p:sp>
+            <p:nvSpPr>
+              <p:cNvPr id="265" name="Rectangle 264">
+                <a:extLst>
+                  <a:ext uri="{FF2B5EF4-FFF2-40B4-BE49-F238E27FC236}">
+                    <a16:creationId xmlns:a16="http://schemas.microsoft.com/office/drawing/2014/main" id="{EA54690B-778F-4E42-95F9-2BDA4E011C1C}"/>
+                  </a:ext>
+                </a:extLst>
+              </p:cNvPr>
+              <p:cNvSpPr/>
+              <p:nvPr/>
+            </p:nvSpPr>
+            <p:spPr>
+              <a:xfrm>
+                <a:off x="8153616" y="1992833"/>
+                <a:ext cx="1261110" cy="1211310"/>
+              </a:xfrm>
+              <a:prstGeom prst="rect">
+                <a:avLst/>
+              </a:prstGeom>
+              <a:noFill/>
+              <a:ln>
+                <a:solidFill>
+                  <a:schemeClr val="bg1">
+                    <a:lumMod val="65000"/>
+                  </a:schemeClr>
+                </a:solidFill>
+                <a:prstDash val="lgDash"/>
+              </a:ln>
+            </p:spPr>
+            <p:style>
+              <a:lnRef idx="2">
+                <a:schemeClr val="accent1">
+                  <a:shade val="50000"/>
+                </a:schemeClr>
+              </a:lnRef>
+              <a:fillRef idx="1">
+                <a:schemeClr val="accent1"/>
+              </a:fillRef>
+              <a:effectRef idx="0">
+                <a:schemeClr val="accent1"/>
+              </a:effectRef>
+              <a:fontRef idx="minor">
+                <a:schemeClr val="lt1"/>
+              </a:fontRef>
+            </p:style>
+            <p:txBody>
+              <a:bodyPr rtlCol="0" anchor="ctr"/>
+              <a:lstStyle/>
+              <a:p>
+                <a:pPr algn="ctr"/>
+                <a:endParaRPr lang="en-US"/>
+              </a:p>
+            </p:txBody>
+          </p:sp>
+          <p:cxnSp>
+            <p:nvCxnSpPr>
+              <p:cNvPr id="267" name="Straight Arrow Connector 266">
+                <a:extLst>
+                  <a:ext uri="{FF2B5EF4-FFF2-40B4-BE49-F238E27FC236}">
+                    <a16:creationId xmlns:a16="http://schemas.microsoft.com/office/drawing/2014/main" id="{0DEE2F78-D773-4C17-A308-B52E1D8B9FC6}"/>
+                  </a:ext>
+                </a:extLst>
+              </p:cNvPr>
+              <p:cNvCxnSpPr>
+                <a:cxnSpLocks/>
+              </p:cNvCxnSpPr>
+              <p:nvPr/>
+            </p:nvCxnSpPr>
+            <p:spPr>
+              <a:xfrm>
+                <a:off x="8960022" y="2654013"/>
+                <a:ext cx="364895" cy="136181"/>
+              </a:xfrm>
+              <a:prstGeom prst="straightConnector1">
+                <a:avLst/>
+              </a:prstGeom>
+              <a:ln>
+                <a:prstDash val="solid"/>
+                <a:tailEnd type="triangle"/>
+              </a:ln>
+            </p:spPr>
+            <p:style>
+              <a:lnRef idx="3">
+                <a:schemeClr val="accent1"/>
+              </a:lnRef>
+              <a:fillRef idx="0">
+                <a:schemeClr val="accent1"/>
+              </a:fillRef>
+              <a:effectRef idx="2">
+                <a:schemeClr val="accent1"/>
+              </a:effectRef>
+              <a:fontRef idx="minor">
+                <a:schemeClr val="tx1"/>
+              </a:fontRef>
+            </p:style>
+          </p:cxnSp>
+          <p:sp>
+            <p:nvSpPr>
+              <p:cNvPr id="268" name="Oval 267">
+                <a:extLst>
+                  <a:ext uri="{FF2B5EF4-FFF2-40B4-BE49-F238E27FC236}">
+                    <a16:creationId xmlns:a16="http://schemas.microsoft.com/office/drawing/2014/main" id="{41775597-956F-4938-80C7-0436178BEEA8}"/>
+                  </a:ext>
+                </a:extLst>
+              </p:cNvPr>
+              <p:cNvSpPr/>
+              <p:nvPr/>
+            </p:nvSpPr>
+            <p:spPr>
+              <a:xfrm rot="6059239">
+                <a:off x="8669183" y="2457249"/>
+                <a:ext cx="591256" cy="412916"/>
+              </a:xfrm>
+              <a:prstGeom prst="ellipse">
+                <a:avLst/>
+              </a:prstGeom>
+              <a:noFill/>
+              <a:ln>
+                <a:solidFill>
+                  <a:schemeClr val="tx1"/>
+                </a:solidFill>
+              </a:ln>
+            </p:spPr>
+            <p:style>
+              <a:lnRef idx="2">
+                <a:schemeClr val="accent1">
+                  <a:shade val="50000"/>
+                </a:schemeClr>
+              </a:lnRef>
+              <a:fillRef idx="1">
+                <a:schemeClr val="accent1"/>
+              </a:fillRef>
+              <a:effectRef idx="0">
+                <a:schemeClr val="accent1"/>
+              </a:effectRef>
+              <a:fontRef idx="minor">
+                <a:schemeClr val="lt1"/>
+              </a:fontRef>
+            </p:style>
+            <p:txBody>
+              <a:bodyPr rtlCol="0" anchor="ctr"/>
+              <a:lstStyle/>
+              <a:p>
+                <a:pPr algn="ctr"/>
+                <a:endParaRPr lang="en-US"/>
+              </a:p>
+            </p:txBody>
+          </p:sp>
+          <p:cxnSp>
+            <p:nvCxnSpPr>
+              <p:cNvPr id="269" name="Straight Arrow Connector 268">
+                <a:extLst>
+                  <a:ext uri="{FF2B5EF4-FFF2-40B4-BE49-F238E27FC236}">
+                    <a16:creationId xmlns:a16="http://schemas.microsoft.com/office/drawing/2014/main" id="{0DE59BDE-8DE0-4ACA-8EFB-06209DC599D6}"/>
+                  </a:ext>
+                </a:extLst>
+              </p:cNvPr>
+              <p:cNvCxnSpPr>
+                <a:cxnSpLocks/>
+              </p:cNvCxnSpPr>
+              <p:nvPr/>
+            </p:nvCxnSpPr>
+            <p:spPr>
+              <a:xfrm flipV="1">
+                <a:off x="8970267" y="2356894"/>
+                <a:ext cx="253008" cy="307278"/>
+              </a:xfrm>
+              <a:prstGeom prst="straightConnector1">
+                <a:avLst/>
+              </a:prstGeom>
+              <a:ln>
+                <a:prstDash val="solid"/>
+                <a:tailEnd type="triangle"/>
+              </a:ln>
+            </p:spPr>
+            <p:style>
+              <a:lnRef idx="3">
+                <a:schemeClr val="accent6"/>
+              </a:lnRef>
+              <a:fillRef idx="0">
+                <a:schemeClr val="accent6"/>
+              </a:fillRef>
+              <a:effectRef idx="2">
+                <a:schemeClr val="accent6"/>
+              </a:effectRef>
+              <a:fontRef idx="minor">
+                <a:schemeClr val="tx1"/>
+              </a:fontRef>
+            </p:style>
+          </p:cxnSp>
+          <p:cxnSp>
+            <p:nvCxnSpPr>
+              <p:cNvPr id="270" name="Straight Arrow Connector 269">
+                <a:extLst>
+                  <a:ext uri="{FF2B5EF4-FFF2-40B4-BE49-F238E27FC236}">
+                    <a16:creationId xmlns:a16="http://schemas.microsoft.com/office/drawing/2014/main" id="{04D9C331-A749-4E35-BBEE-C63E7DC31A1C}"/>
+                  </a:ext>
+                </a:extLst>
+              </p:cNvPr>
+              <p:cNvCxnSpPr>
+                <a:cxnSpLocks/>
+              </p:cNvCxnSpPr>
+              <p:nvPr/>
+            </p:nvCxnSpPr>
+            <p:spPr>
+              <a:xfrm flipH="1" flipV="1">
+                <a:off x="8675296" y="2505867"/>
+                <a:ext cx="299017" cy="153306"/>
+              </a:xfrm>
+              <a:prstGeom prst="straightConnector1">
+                <a:avLst/>
+              </a:prstGeom>
+              <a:ln>
+                <a:prstDash val="solid"/>
+                <a:tailEnd type="triangle"/>
+              </a:ln>
+            </p:spPr>
+            <p:style>
+              <a:lnRef idx="3">
+                <a:schemeClr val="accent2"/>
+              </a:lnRef>
+              <a:fillRef idx="0">
+                <a:schemeClr val="accent2"/>
+              </a:fillRef>
+              <a:effectRef idx="2">
+                <a:schemeClr val="accent2"/>
+              </a:effectRef>
+              <a:fontRef idx="minor">
+                <a:schemeClr val="tx1"/>
+              </a:fontRef>
+            </p:style>
+          </p:cxnSp>
+          <p:sp>
+            <p:nvSpPr>
+              <p:cNvPr id="271" name="TextBox 270">
+                <a:extLst>
+                  <a:ext uri="{FF2B5EF4-FFF2-40B4-BE49-F238E27FC236}">
+                    <a16:creationId xmlns:a16="http://schemas.microsoft.com/office/drawing/2014/main" id="{83871C59-C470-408D-863F-F3929DF7EE29}"/>
+                  </a:ext>
+                </a:extLst>
+              </p:cNvPr>
+              <p:cNvSpPr txBox="1"/>
+              <p:nvPr/>
+            </p:nvSpPr>
+            <p:spPr>
+              <a:xfrm>
+                <a:off x="9012219" y="2581516"/>
+                <a:ext cx="191230" cy="138366"/>
+              </a:xfrm>
+              <a:prstGeom prst="rect">
+                <a:avLst/>
+              </a:prstGeom>
+              <a:noFill/>
+            </p:spPr>
+            <p:txBody>
+              <a:bodyPr wrap="square" rtlCol="0">
+                <a:spAutoFit/>
+              </a:bodyPr>
+              <a:lstStyle/>
+              <a:p>
+                <a:r>
+                  <a:rPr lang="en-US" sz="1400" b="1" dirty="0"/>
+                  <a:t>O</a:t>
+                </a:r>
+                <a:r>
+                  <a:rPr lang="en-US" sz="1400" b="1" baseline="-25000" dirty="0"/>
+                  <a:t>3</a:t>
+                </a:r>
+              </a:p>
+            </p:txBody>
+          </p:sp>
+          <p:sp>
+            <p:nvSpPr>
+              <p:cNvPr id="285" name="Cube 284">
+                <a:extLst>
+                  <a:ext uri="{FF2B5EF4-FFF2-40B4-BE49-F238E27FC236}">
+                    <a16:creationId xmlns:a16="http://schemas.microsoft.com/office/drawing/2014/main" id="{ED995036-4DB0-4FA6-AED5-E032009F8451}"/>
+                  </a:ext>
+                </a:extLst>
+              </p:cNvPr>
+              <p:cNvSpPr/>
+              <p:nvPr/>
+            </p:nvSpPr>
+            <p:spPr>
+              <a:xfrm rot="1399588">
+                <a:off x="8849719" y="2285934"/>
+                <a:ext cx="158294" cy="74355"/>
+              </a:xfrm>
+              <a:prstGeom prst="cube">
+                <a:avLst>
+                  <a:gd name="adj" fmla="val 33797"/>
+                </a:avLst>
+              </a:prstGeom>
+            </p:spPr>
+            <p:style>
+              <a:lnRef idx="2">
+                <a:schemeClr val="accent4">
+                  <a:shade val="50000"/>
+                </a:schemeClr>
+              </a:lnRef>
+              <a:fillRef idx="1">
+                <a:schemeClr val="accent4"/>
+              </a:fillRef>
+              <a:effectRef idx="0">
+                <a:schemeClr val="accent4"/>
+              </a:effectRef>
+              <a:fontRef idx="minor">
+                <a:schemeClr val="lt1"/>
+              </a:fontRef>
+            </p:style>
+            <p:txBody>
+              <a:bodyPr rtlCol="0" anchor="ctr"/>
+              <a:lstStyle/>
+              <a:p>
+                <a:pPr algn="ctr"/>
+                <a:endParaRPr lang="en-US"/>
+              </a:p>
+            </p:txBody>
+          </p:sp>
+          <p:cxnSp>
+            <p:nvCxnSpPr>
+              <p:cNvPr id="286" name="Straight Arrow Connector 285">
+                <a:extLst>
+                  <a:ext uri="{FF2B5EF4-FFF2-40B4-BE49-F238E27FC236}">
+                    <a16:creationId xmlns:a16="http://schemas.microsoft.com/office/drawing/2014/main" id="{71FE180F-EA44-4069-8153-D6D0D841DBA9}"/>
+                  </a:ext>
+                </a:extLst>
+              </p:cNvPr>
+              <p:cNvCxnSpPr>
+                <a:cxnSpLocks/>
+              </p:cNvCxnSpPr>
+              <p:nvPr/>
+            </p:nvCxnSpPr>
+            <p:spPr>
+              <a:xfrm>
+                <a:off x="8949137" y="2352801"/>
+                <a:ext cx="364895" cy="136181"/>
+              </a:xfrm>
+              <a:prstGeom prst="straightConnector1">
+                <a:avLst/>
+              </a:prstGeom>
+              <a:ln>
+                <a:tailEnd type="triangle"/>
+              </a:ln>
+            </p:spPr>
+            <p:style>
+              <a:lnRef idx="3">
+                <a:schemeClr val="accent1"/>
+              </a:lnRef>
+              <a:fillRef idx="0">
+                <a:schemeClr val="accent1"/>
+              </a:fillRef>
+              <a:effectRef idx="2">
+                <a:schemeClr val="accent1"/>
+              </a:effectRef>
+              <a:fontRef idx="minor">
+                <a:schemeClr val="tx1"/>
+              </a:fontRef>
+            </p:style>
+          </p:cxnSp>
+          <p:cxnSp>
+            <p:nvCxnSpPr>
+              <p:cNvPr id="287" name="Straight Arrow Connector 286">
+                <a:extLst>
+                  <a:ext uri="{FF2B5EF4-FFF2-40B4-BE49-F238E27FC236}">
+                    <a16:creationId xmlns:a16="http://schemas.microsoft.com/office/drawing/2014/main" id="{BB72FDF1-04A6-459D-A85A-5C2D93DF045A}"/>
+                  </a:ext>
+                </a:extLst>
+              </p:cNvPr>
+              <p:cNvCxnSpPr>
+                <a:cxnSpLocks/>
+              </p:cNvCxnSpPr>
+              <p:nvPr/>
+            </p:nvCxnSpPr>
+            <p:spPr>
+              <a:xfrm flipV="1">
+                <a:off x="8959382" y="2095481"/>
+                <a:ext cx="302943" cy="267479"/>
+              </a:xfrm>
+              <a:prstGeom prst="straightConnector1">
+                <a:avLst/>
+              </a:prstGeom>
+              <a:ln>
+                <a:tailEnd type="triangle"/>
+              </a:ln>
+            </p:spPr>
+            <p:style>
+              <a:lnRef idx="3">
+                <a:schemeClr val="accent6"/>
+              </a:lnRef>
+              <a:fillRef idx="0">
+                <a:schemeClr val="accent6"/>
+              </a:fillRef>
+              <a:effectRef idx="2">
+                <a:schemeClr val="accent6"/>
+              </a:effectRef>
+              <a:fontRef idx="minor">
+                <a:schemeClr val="tx1"/>
+              </a:fontRef>
+            </p:style>
+          </p:cxnSp>
+          <p:cxnSp>
+            <p:nvCxnSpPr>
+              <p:cNvPr id="288" name="Straight Arrow Connector 287">
+                <a:extLst>
+                  <a:ext uri="{FF2B5EF4-FFF2-40B4-BE49-F238E27FC236}">
+                    <a16:creationId xmlns:a16="http://schemas.microsoft.com/office/drawing/2014/main" id="{FBDCAA1E-9FC0-467D-9AA8-ED6D27BF52D3}"/>
+                  </a:ext>
+                </a:extLst>
+              </p:cNvPr>
+              <p:cNvCxnSpPr>
+                <a:cxnSpLocks/>
+              </p:cNvCxnSpPr>
+              <p:nvPr/>
+            </p:nvCxnSpPr>
+            <p:spPr>
+              <a:xfrm flipH="1" flipV="1">
+                <a:off x="8688674" y="2190274"/>
+                <a:ext cx="274753" cy="167687"/>
+              </a:xfrm>
+              <a:prstGeom prst="straightConnector1">
+                <a:avLst/>
+              </a:prstGeom>
+              <a:ln>
+                <a:tailEnd type="triangle"/>
+              </a:ln>
+            </p:spPr>
+            <p:style>
+              <a:lnRef idx="3">
+                <a:schemeClr val="accent2"/>
+              </a:lnRef>
+              <a:fillRef idx="0">
+                <a:schemeClr val="accent2"/>
+              </a:fillRef>
+              <a:effectRef idx="2">
+                <a:schemeClr val="accent2"/>
+              </a:effectRef>
+              <a:fontRef idx="minor">
+                <a:schemeClr val="tx1"/>
+              </a:fontRef>
+            </p:style>
+          </p:cxnSp>
+          <p:sp>
+            <p:nvSpPr>
+              <p:cNvPr id="289" name="TextBox 288">
+                <a:extLst>
+                  <a:ext uri="{FF2B5EF4-FFF2-40B4-BE49-F238E27FC236}">
+                    <a16:creationId xmlns:a16="http://schemas.microsoft.com/office/drawing/2014/main" id="{6E865960-6A45-4CB5-B727-5FD4098D9873}"/>
+                  </a:ext>
+                </a:extLst>
+              </p:cNvPr>
+              <p:cNvSpPr txBox="1"/>
+              <p:nvPr/>
+            </p:nvSpPr>
+            <p:spPr>
+              <a:xfrm>
+                <a:off x="8913857" y="2168869"/>
+                <a:ext cx="256233" cy="138366"/>
+              </a:xfrm>
+              <a:prstGeom prst="rect">
+                <a:avLst/>
+              </a:prstGeom>
+              <a:noFill/>
+            </p:spPr>
+            <p:txBody>
+              <a:bodyPr wrap="square" rtlCol="0">
+                <a:spAutoFit/>
+              </a:bodyPr>
+              <a:lstStyle/>
+              <a:p>
+                <a:r>
+                  <a:rPr lang="en-US" sz="1400" b="1" dirty="0"/>
+                  <a:t>O</a:t>
+                </a:r>
+                <a:r>
+                  <a:rPr lang="en-US" sz="1400" b="1" baseline="-25000" dirty="0"/>
+                  <a:t>S</a:t>
+                </a:r>
+              </a:p>
+            </p:txBody>
+          </p:sp>
+          <p:cxnSp>
+            <p:nvCxnSpPr>
+              <p:cNvPr id="290" name="Straight Arrow Connector 289">
+                <a:extLst>
+                  <a:ext uri="{FF2B5EF4-FFF2-40B4-BE49-F238E27FC236}">
+                    <a16:creationId xmlns:a16="http://schemas.microsoft.com/office/drawing/2014/main" id="{547C7A76-B386-4072-8684-B4475CF5EFE3}"/>
+                  </a:ext>
+                </a:extLst>
+              </p:cNvPr>
+              <p:cNvCxnSpPr>
+                <a:cxnSpLocks/>
+              </p:cNvCxnSpPr>
+              <p:nvPr/>
+            </p:nvCxnSpPr>
+            <p:spPr>
+              <a:xfrm>
+                <a:off x="8636266" y="2126847"/>
+                <a:ext cx="235724" cy="125890"/>
+              </a:xfrm>
+              <a:prstGeom prst="straightConnector1">
+                <a:avLst/>
+              </a:prstGeom>
+              <a:ln>
+                <a:tailEnd type="triangle"/>
+              </a:ln>
+            </p:spPr>
+            <p:style>
+              <a:lnRef idx="1">
+                <a:schemeClr val="accent1"/>
+              </a:lnRef>
+              <a:fillRef idx="0">
+                <a:schemeClr val="accent1"/>
+              </a:fillRef>
+              <a:effectRef idx="0">
+                <a:schemeClr val="accent1"/>
+              </a:effectRef>
+              <a:fontRef idx="minor">
+                <a:schemeClr val="tx1"/>
+              </a:fontRef>
+            </p:style>
+          </p:cxnSp>
+          <p:sp>
+            <p:nvSpPr>
+              <p:cNvPr id="291" name="TextBox 290">
+                <a:extLst>
+                  <a:ext uri="{FF2B5EF4-FFF2-40B4-BE49-F238E27FC236}">
+                    <a16:creationId xmlns:a16="http://schemas.microsoft.com/office/drawing/2014/main" id="{A2274082-39E7-4F9A-B793-92F4A4F24B2B}"/>
+                  </a:ext>
+                </a:extLst>
+              </p:cNvPr>
+              <p:cNvSpPr txBox="1"/>
+              <p:nvPr/>
+            </p:nvSpPr>
+            <p:spPr>
+              <a:xfrm>
+                <a:off x="8355032" y="2009166"/>
+                <a:ext cx="333947" cy="152202"/>
+              </a:xfrm>
+              <a:prstGeom prst="rect">
+                <a:avLst/>
+              </a:prstGeom>
+              <a:noFill/>
+            </p:spPr>
+            <p:txBody>
+              <a:bodyPr wrap="square" rtlCol="0">
+                <a:spAutoFit/>
+              </a:bodyPr>
+              <a:lstStyle/>
+              <a:p>
+                <a:r>
+                  <a:rPr lang="en-US" sz="1600" dirty="0"/>
+                  <a:t>Sensor</a:t>
+                </a:r>
+                <a:endParaRPr lang="en-US" sz="1600" baseline="-25000" dirty="0"/>
+              </a:p>
+            </p:txBody>
+          </p:sp>
+        </p:grpSp>
+        <p:cxnSp>
+          <p:nvCxnSpPr>
+            <p:cNvPr id="62" name="Straight Arrow Connector 61">
+              <a:extLst>
+                <a:ext uri="{FF2B5EF4-FFF2-40B4-BE49-F238E27FC236}">
+                  <a16:creationId xmlns:a16="http://schemas.microsoft.com/office/drawing/2014/main" id="{39F9E25B-5F90-49E2-8BF6-ACDAB64215FF}"/>
+                </a:ext>
+              </a:extLst>
+            </p:cNvPr>
+            <p:cNvCxnSpPr>
+              <a:cxnSpLocks/>
+            </p:cNvCxnSpPr>
+            <p:nvPr/>
+          </p:nvCxnSpPr>
+          <p:spPr>
+            <a:xfrm flipV="1">
+              <a:off x="11079307" y="1383828"/>
+              <a:ext cx="271612" cy="705862"/>
+            </a:xfrm>
+            <a:prstGeom prst="straightConnector1">
+              <a:avLst/>
+            </a:prstGeom>
+            <a:ln>
+              <a:prstDash val="sysDot"/>
+              <a:tailEnd type="triangle"/>
+            </a:ln>
+          </p:spPr>
+          <p:style>
+            <a:lnRef idx="3">
+              <a:schemeClr val="accent4"/>
+            </a:lnRef>
+            <a:fillRef idx="0">
+              <a:schemeClr val="accent4"/>
+            </a:fillRef>
+            <a:effectRef idx="2">
+              <a:schemeClr val="accent4"/>
+            </a:effectRef>
+            <a:fontRef idx="minor">
+              <a:schemeClr val="tx1"/>
+            </a:fontRef>
+          </p:style>
+        </p:cxnSp>
+        <p:cxnSp>
+          <p:nvCxnSpPr>
+            <p:cNvPr id="63" name="Straight Arrow Connector 62">
+              <a:extLst>
+                <a:ext uri="{FF2B5EF4-FFF2-40B4-BE49-F238E27FC236}">
+                  <a16:creationId xmlns:a16="http://schemas.microsoft.com/office/drawing/2014/main" id="{DE94613C-23D8-4046-83E6-9C8F1B9ECBB9}"/>
+                </a:ext>
+              </a:extLst>
+            </p:cNvPr>
+            <p:cNvCxnSpPr>
+              <a:cxnSpLocks/>
+            </p:cNvCxnSpPr>
+            <p:nvPr/>
+          </p:nvCxnSpPr>
+          <p:spPr>
+            <a:xfrm flipH="1">
+              <a:off x="10430935" y="2094865"/>
+              <a:ext cx="642670" cy="60218"/>
+            </a:xfrm>
+            <a:prstGeom prst="straightConnector1">
+              <a:avLst/>
+            </a:prstGeom>
+            <a:ln>
+              <a:solidFill>
+                <a:srgbClr val="FF0000"/>
+              </a:solidFill>
+              <a:prstDash val="sysDot"/>
+              <a:tailEnd type="triangle"/>
+            </a:ln>
+          </p:spPr>
+          <p:style>
+            <a:lnRef idx="3">
+              <a:schemeClr val="accent2"/>
+            </a:lnRef>
+            <a:fillRef idx="0">
+              <a:schemeClr val="accent2"/>
+            </a:fillRef>
+            <a:effectRef idx="2">
+              <a:schemeClr val="accent2"/>
+            </a:effectRef>
+            <a:fontRef idx="minor">
+              <a:schemeClr val="tx1"/>
+            </a:fontRef>
+          </p:style>
+        </p:cxnSp>
+        <p:cxnSp>
+          <p:nvCxnSpPr>
+            <p:cNvPr id="18" name="Straight Arrow Connector 17">
+              <a:extLst>
+                <a:ext uri="{FF2B5EF4-FFF2-40B4-BE49-F238E27FC236}">
+                  <a16:creationId xmlns:a16="http://schemas.microsoft.com/office/drawing/2014/main" id="{9A45606F-044F-48D9-B56A-E1E4B2A2EB2C}"/>
+                </a:ext>
+              </a:extLst>
+            </p:cNvPr>
+            <p:cNvCxnSpPr>
+              <a:endCxn id="285" idx="4"/>
+            </p:cNvCxnSpPr>
+            <p:nvPr/>
+          </p:nvCxnSpPr>
+          <p:spPr>
+            <a:xfrm flipH="1" flipV="1">
+              <a:off x="11065802" y="1423142"/>
+              <a:ext cx="7802" cy="691308"/>
+            </a:xfrm>
+            <a:prstGeom prst="straightConnector1">
+              <a:avLst/>
+            </a:prstGeom>
+            <a:ln w="12700">
+              <a:tailEnd type="triangle"/>
+            </a:ln>
+          </p:spPr>
+          <p:style>
+            <a:lnRef idx="1">
+              <a:schemeClr val="dk1"/>
+            </a:lnRef>
+            <a:fillRef idx="0">
+              <a:schemeClr val="dk1"/>
+            </a:fillRef>
+            <a:effectRef idx="0">
+              <a:schemeClr val="dk1"/>
+            </a:effectRef>
+            <a:fontRef idx="minor">
+              <a:schemeClr val="tx1"/>
+            </a:fontRef>
+          </p:style>
+        </p:cxnSp>
+        <p:sp>
+          <p:nvSpPr>
+            <p:cNvPr id="77" name="TextBox 76">
+              <a:extLst>
+                <a:ext uri="{FF2B5EF4-FFF2-40B4-BE49-F238E27FC236}">
+                  <a16:creationId xmlns:a16="http://schemas.microsoft.com/office/drawing/2014/main" id="{F27C7846-82E3-4299-B925-D64ED1BA3A24}"/>
+                </a:ext>
+              </a:extLst>
+            </p:cNvPr>
+            <p:cNvSpPr txBox="1"/>
+            <p:nvPr/>
+          </p:nvSpPr>
+          <p:spPr>
+            <a:xfrm>
+              <a:off x="11005394" y="1488777"/>
+              <a:ext cx="421444" cy="271745"/>
+            </a:xfrm>
+            <a:prstGeom prst="rect">
+              <a:avLst/>
+            </a:prstGeom>
+            <a:noFill/>
+          </p:spPr>
+          <p:txBody>
+            <a:bodyPr wrap="square" rtlCol="0">
+              <a:spAutoFit/>
+            </a:bodyPr>
+            <a:lstStyle/>
+            <a:p>
+              <a:r>
+                <a:rPr lang="en-US" sz="1200" b="1" dirty="0"/>
+                <a:t>d</a:t>
+              </a:r>
+              <a:r>
+                <a:rPr lang="en-US" sz="1200" b="1" baseline="-25000" dirty="0"/>
+                <a:t>3S</a:t>
+              </a:r>
+            </a:p>
+          </p:txBody>
+        </p:sp>
+      </p:grpSp>
+      <p:pic>
+        <p:nvPicPr>
+          <p:cNvPr id="20" name="Picture 19">
+            <a:extLst>
+              <a:ext uri="{FF2B5EF4-FFF2-40B4-BE49-F238E27FC236}">
+                <a16:creationId xmlns:a16="http://schemas.microsoft.com/office/drawing/2014/main" id="{734ADD83-86E4-4972-A59B-5FBEA9F01B82}"/>
+              </a:ext>
+            </a:extLst>
+          </p:cNvPr>
+          <p:cNvPicPr>
+            <a:picLocks noChangeAspect="1"/>
+          </p:cNvPicPr>
+          <p:nvPr/>
+        </p:nvPicPr>
+        <p:blipFill rotWithShape="1">
+          <a:blip r:embed="rId9"/>
+          <a:srcRect t="6003" r="16201" b="8285"/>
+          <a:stretch/>
+        </p:blipFill>
+        <p:spPr>
+          <a:xfrm>
+            <a:off x="4721985" y="2683753"/>
+            <a:ext cx="4430405" cy="4112967"/>
+          </a:xfrm>
+          <a:prstGeom prst="rect">
+            <a:avLst/>
+          </a:prstGeom>
+          <a:ln w="6350">
+            <a:solidFill>
+              <a:schemeClr val="tx1"/>
+            </a:solidFill>
+          </a:ln>
+        </p:spPr>
+      </p:pic>
+      <p:cxnSp>
+        <p:nvCxnSpPr>
+          <p:cNvPr id="24" name="Straight Arrow Connector 23">
+            <a:extLst>
+              <a:ext uri="{FF2B5EF4-FFF2-40B4-BE49-F238E27FC236}">
+                <a16:creationId xmlns:a16="http://schemas.microsoft.com/office/drawing/2014/main" id="{8F9C908B-BFB3-4B73-9331-58E77BD0A515}"/>
+              </a:ext>
+            </a:extLst>
+          </p:cNvPr>
+          <p:cNvCxnSpPr/>
+          <p:nvPr/>
+        </p:nvCxnSpPr>
+        <p:spPr>
+          <a:xfrm flipV="1">
+            <a:off x="6673229" y="4377437"/>
+            <a:ext cx="1138604" cy="1123177"/>
+          </a:xfrm>
+          <a:prstGeom prst="straightConnector1">
+            <a:avLst/>
+          </a:prstGeom>
+          <a:ln w="12700">
+            <a:tailEnd type="triangle"/>
+          </a:ln>
+        </p:spPr>
+        <p:style>
+          <a:lnRef idx="1">
+            <a:schemeClr val="dk1"/>
+          </a:lnRef>
+          <a:fillRef idx="0">
+            <a:schemeClr val="dk1"/>
+          </a:fillRef>
+          <a:effectRef idx="0">
+            <a:schemeClr val="dk1"/>
+          </a:effectRef>
+          <a:fontRef idx="minor">
+            <a:schemeClr val="tx1"/>
+          </a:fontRef>
+        </p:style>
+      </p:cxnSp>
+      <p:sp>
+        <p:nvSpPr>
+          <p:cNvPr id="84" name="TextBox 83">
+            <a:extLst>
+              <a:ext uri="{FF2B5EF4-FFF2-40B4-BE49-F238E27FC236}">
+                <a16:creationId xmlns:a16="http://schemas.microsoft.com/office/drawing/2014/main" id="{C781BC63-D92E-4FAB-95E3-EE9127D1C0BF}"/>
+              </a:ext>
+            </a:extLst>
+          </p:cNvPr>
+          <p:cNvSpPr txBox="1"/>
+          <p:nvPr/>
+        </p:nvSpPr>
+        <p:spPr>
+          <a:xfrm>
+            <a:off x="7191687" y="4879269"/>
+            <a:ext cx="438174" cy="338554"/>
+          </a:xfrm>
+          <a:prstGeom prst="rect">
+            <a:avLst/>
+          </a:prstGeom>
+          <a:noFill/>
+        </p:spPr>
+        <p:txBody>
+          <a:bodyPr wrap="square" rtlCol="0">
+            <a:spAutoFit/>
+          </a:bodyPr>
+          <a:lstStyle/>
+          <a:p>
+            <a:r>
+              <a:rPr lang="en-US" sz="1600" dirty="0"/>
+              <a:t>d</a:t>
+            </a:r>
+            <a:r>
+              <a:rPr lang="en-US" sz="1600" baseline="-25000" dirty="0"/>
+              <a:t>23</a:t>
+            </a:r>
+            <a:endParaRPr lang="en-US" sz="1200" baseline="-25000" dirty="0"/>
+          </a:p>
+        </p:txBody>
+      </p:sp>
+      <p:sp>
+        <p:nvSpPr>
+          <p:cNvPr id="85" name="Rectangle 84">
+            <a:extLst>
+              <a:ext uri="{FF2B5EF4-FFF2-40B4-BE49-F238E27FC236}">
+                <a16:creationId xmlns:a16="http://schemas.microsoft.com/office/drawing/2014/main" id="{F31D368D-5BAD-4D77-BCD1-FE1E8F8A0D79}"/>
+              </a:ext>
+            </a:extLst>
+          </p:cNvPr>
+          <p:cNvSpPr/>
+          <p:nvPr/>
+        </p:nvSpPr>
+        <p:spPr>
+          <a:xfrm>
+            <a:off x="7016129" y="3796797"/>
+            <a:ext cx="1271133" cy="1123177"/>
+          </a:xfrm>
+          <a:prstGeom prst="rect">
+            <a:avLst/>
+          </a:prstGeom>
+          <a:noFill/>
+          <a:ln>
+            <a:solidFill>
+              <a:schemeClr val="bg1">
+                <a:lumMod val="65000"/>
+              </a:schemeClr>
+            </a:solidFill>
+            <a:prstDash val="lgDash"/>
+          </a:ln>
+        </p:spPr>
+        <p:style>
+          <a:lnRef idx="2">
+            <a:schemeClr val="accent1">
+              <a:shade val="50000"/>
+            </a:schemeClr>
+          </a:lnRef>
+          <a:fillRef idx="1">
+            <a:schemeClr val="accent1"/>
+          </a:fillRef>
+          <a:effectRef idx="0">
+            <a:schemeClr val="accent1"/>
+          </a:effectRef>
+          <a:fontRef idx="minor">
+            <a:schemeClr val="lt1"/>
+          </a:fontRef>
+        </p:style>
+        <p:txBody>
+          <a:bodyPr rtlCol="0" anchor="ctr"/>
+          <a:lstStyle/>
+          <a:p>
+            <a:pPr algn="ctr"/>
+            <a:endParaRPr lang="en-US"/>
+          </a:p>
+        </p:txBody>
+      </p:sp>
+      <p:sp>
+        <p:nvSpPr>
+          <p:cNvPr id="86" name="Rectangle 85">
+            <a:extLst>
+              <a:ext uri="{FF2B5EF4-FFF2-40B4-BE49-F238E27FC236}">
+                <a16:creationId xmlns:a16="http://schemas.microsoft.com/office/drawing/2014/main" id="{205819BA-A954-4D42-9EBC-EA2147DCBAE0}"/>
+              </a:ext>
+            </a:extLst>
+          </p:cNvPr>
+          <p:cNvSpPr/>
+          <p:nvPr/>
+        </p:nvSpPr>
+        <p:spPr>
+          <a:xfrm>
+            <a:off x="2584939" y="4247352"/>
+            <a:ext cx="1596348" cy="1418076"/>
+          </a:xfrm>
+          <a:prstGeom prst="rect">
+            <a:avLst/>
+          </a:prstGeom>
+          <a:noFill/>
+          <a:ln>
+            <a:solidFill>
+              <a:schemeClr val="bg1">
+                <a:lumMod val="65000"/>
+              </a:schemeClr>
+            </a:solidFill>
+            <a:prstDash val="lgDash"/>
+          </a:ln>
+        </p:spPr>
+        <p:style>
+          <a:lnRef idx="2">
+            <a:schemeClr val="accent1">
+              <a:shade val="50000"/>
+            </a:schemeClr>
+          </a:lnRef>
+          <a:fillRef idx="1">
+            <a:schemeClr val="accent1"/>
+          </a:fillRef>
+          <a:effectRef idx="0">
+            <a:schemeClr val="accent1"/>
+          </a:effectRef>
+          <a:fontRef idx="minor">
+            <a:schemeClr val="lt1"/>
+          </a:fontRef>
+        </p:style>
+        <p:txBody>
+          <a:bodyPr rtlCol="0" anchor="ctr"/>
+          <a:lstStyle/>
+          <a:p>
+            <a:pPr algn="ctr"/>
+            <a:endParaRPr lang="en-US"/>
+          </a:p>
+        </p:txBody>
+      </p:sp>
+      <p:cxnSp>
+        <p:nvCxnSpPr>
+          <p:cNvPr id="87" name="Straight Connector 86">
+            <a:extLst>
+              <a:ext uri="{FF2B5EF4-FFF2-40B4-BE49-F238E27FC236}">
+                <a16:creationId xmlns:a16="http://schemas.microsoft.com/office/drawing/2014/main" id="{C37D94F1-7A4A-4686-93F6-9400BA64F987}"/>
+              </a:ext>
+            </a:extLst>
+          </p:cNvPr>
+          <p:cNvCxnSpPr>
+            <a:cxnSpLocks/>
+          </p:cNvCxnSpPr>
+          <p:nvPr/>
+        </p:nvCxnSpPr>
+        <p:spPr>
+          <a:xfrm flipH="1">
+            <a:off x="7016129" y="363420"/>
+            <a:ext cx="2202440" cy="3433377"/>
+          </a:xfrm>
+          <a:prstGeom prst="line">
+            <a:avLst/>
+          </a:prstGeom>
+        </p:spPr>
+        <p:style>
+          <a:lnRef idx="1">
+            <a:schemeClr val="accent3"/>
+          </a:lnRef>
+          <a:fillRef idx="0">
+            <a:schemeClr val="accent3"/>
+          </a:fillRef>
+          <a:effectRef idx="0">
+            <a:schemeClr val="accent3"/>
+          </a:effectRef>
+          <a:fontRef idx="minor">
+            <a:schemeClr val="tx1"/>
+          </a:fontRef>
+        </p:style>
+      </p:cxnSp>
+      <p:cxnSp>
+        <p:nvCxnSpPr>
+          <p:cNvPr id="90" name="Straight Connector 89">
+            <a:extLst>
+              <a:ext uri="{FF2B5EF4-FFF2-40B4-BE49-F238E27FC236}">
+                <a16:creationId xmlns:a16="http://schemas.microsoft.com/office/drawing/2014/main" id="{31172672-5BD4-4D70-A5FC-170E2F54603C}"/>
+              </a:ext>
+            </a:extLst>
+          </p:cNvPr>
+          <p:cNvCxnSpPr>
+            <a:cxnSpLocks/>
+          </p:cNvCxnSpPr>
+          <p:nvPr/>
+        </p:nvCxnSpPr>
+        <p:spPr>
+          <a:xfrm flipH="1">
+            <a:off x="8287262" y="3057819"/>
+            <a:ext cx="3820943" cy="1862155"/>
+          </a:xfrm>
+          <a:prstGeom prst="line">
+            <a:avLst/>
+          </a:prstGeom>
+        </p:spPr>
+        <p:style>
+          <a:lnRef idx="1">
+            <a:schemeClr val="accent3"/>
+          </a:lnRef>
+          <a:fillRef idx="0">
+            <a:schemeClr val="accent3"/>
+          </a:fillRef>
+          <a:effectRef idx="0">
+            <a:schemeClr val="accent3"/>
+          </a:effectRef>
+          <a:fontRef idx="minor">
+            <a:schemeClr val="tx1"/>
+          </a:fontRef>
+        </p:style>
+      </p:cxnSp>
+      <p:cxnSp>
+        <p:nvCxnSpPr>
+          <p:cNvPr id="93" name="Straight Connector 92">
+            <a:extLst>
+              <a:ext uri="{FF2B5EF4-FFF2-40B4-BE49-F238E27FC236}">
+                <a16:creationId xmlns:a16="http://schemas.microsoft.com/office/drawing/2014/main" id="{B7745319-4411-49A2-BF06-5C5ACE0F2E84}"/>
+              </a:ext>
+            </a:extLst>
+          </p:cNvPr>
+          <p:cNvCxnSpPr>
+            <a:cxnSpLocks/>
+          </p:cNvCxnSpPr>
+          <p:nvPr/>
+        </p:nvCxnSpPr>
+        <p:spPr>
+          <a:xfrm flipH="1">
+            <a:off x="2584939" y="2683754"/>
+            <a:ext cx="2129210" cy="1586256"/>
+          </a:xfrm>
+          <a:prstGeom prst="line">
+            <a:avLst/>
+          </a:prstGeom>
+        </p:spPr>
+        <p:style>
+          <a:lnRef idx="1">
+            <a:schemeClr val="accent3"/>
+          </a:lnRef>
+          <a:fillRef idx="0">
+            <a:schemeClr val="accent3"/>
+          </a:fillRef>
+          <a:effectRef idx="0">
+            <a:schemeClr val="accent3"/>
+          </a:effectRef>
+          <a:fontRef idx="minor">
+            <a:schemeClr val="tx1"/>
+          </a:fontRef>
+        </p:style>
+      </p:cxnSp>
+      <p:cxnSp>
+        <p:nvCxnSpPr>
+          <p:cNvPr id="95" name="Straight Connector 94">
+            <a:extLst>
+              <a:ext uri="{FF2B5EF4-FFF2-40B4-BE49-F238E27FC236}">
+                <a16:creationId xmlns:a16="http://schemas.microsoft.com/office/drawing/2014/main" id="{D67BF9BE-754B-4147-BAA0-D57F3D287D82}"/>
+              </a:ext>
+            </a:extLst>
+          </p:cNvPr>
+          <p:cNvCxnSpPr>
+            <a:cxnSpLocks/>
+          </p:cNvCxnSpPr>
+          <p:nvPr/>
+        </p:nvCxnSpPr>
+        <p:spPr>
+          <a:xfrm flipH="1" flipV="1">
+            <a:off x="2573810" y="5634650"/>
+            <a:ext cx="2148175" cy="1152380"/>
+          </a:xfrm>
+          <a:prstGeom prst="line">
+            <a:avLst/>
+          </a:prstGeom>
+        </p:spPr>
+        <p:style>
+          <a:lnRef idx="1">
+            <a:schemeClr val="accent3"/>
+          </a:lnRef>
+          <a:fillRef idx="0">
+            <a:schemeClr val="accent3"/>
+          </a:fillRef>
+          <a:effectRef idx="0">
+            <a:schemeClr val="accent3"/>
+          </a:effectRef>
+          <a:fontRef idx="minor">
+            <a:schemeClr val="tx1"/>
+          </a:fontRef>
+        </p:style>
+      </p:cxnSp>
+      <p:cxnSp>
+        <p:nvCxnSpPr>
+          <p:cNvPr id="97" name="Straight Arrow Connector 96">
+            <a:extLst>
+              <a:ext uri="{FF2B5EF4-FFF2-40B4-BE49-F238E27FC236}">
+                <a16:creationId xmlns:a16="http://schemas.microsoft.com/office/drawing/2014/main" id="{AB26FA49-8FC1-4A2C-89B6-C7A3342AC0D7}"/>
+              </a:ext>
+            </a:extLst>
+          </p:cNvPr>
+          <p:cNvCxnSpPr>
+            <a:cxnSpLocks/>
+          </p:cNvCxnSpPr>
+          <p:nvPr/>
+        </p:nvCxnSpPr>
+        <p:spPr>
+          <a:xfrm flipV="1">
+            <a:off x="3284512" y="4920084"/>
+            <a:ext cx="165380" cy="300991"/>
+          </a:xfrm>
+          <a:prstGeom prst="straightConnector1">
+            <a:avLst/>
+          </a:prstGeom>
+          <a:ln>
+            <a:prstDash val="sysDot"/>
+            <a:tailEnd type="triangle"/>
+          </a:ln>
+        </p:spPr>
+        <p:style>
+          <a:lnRef idx="3">
+            <a:schemeClr val="accent4"/>
+          </a:lnRef>
+          <a:fillRef idx="0">
+            <a:schemeClr val="accent4"/>
+          </a:fillRef>
+          <a:effectRef idx="2">
+            <a:schemeClr val="accent4"/>
+          </a:effectRef>
+          <a:fontRef idx="minor">
+            <a:schemeClr val="tx1"/>
+          </a:fontRef>
+        </p:style>
+      </p:cxnSp>
+      <p:cxnSp>
+        <p:nvCxnSpPr>
+          <p:cNvPr id="98" name="Straight Arrow Connector 97">
+            <a:extLst>
+              <a:ext uri="{FF2B5EF4-FFF2-40B4-BE49-F238E27FC236}">
+                <a16:creationId xmlns:a16="http://schemas.microsoft.com/office/drawing/2014/main" id="{7CB0201C-E4C0-4A3B-81A7-A5021B364F30}"/>
+              </a:ext>
+            </a:extLst>
+          </p:cNvPr>
+          <p:cNvCxnSpPr>
+            <a:cxnSpLocks/>
+          </p:cNvCxnSpPr>
+          <p:nvPr/>
+        </p:nvCxnSpPr>
+        <p:spPr>
+          <a:xfrm flipH="1">
+            <a:off x="3012407" y="5226253"/>
+            <a:ext cx="266402" cy="0"/>
+          </a:xfrm>
+          <a:prstGeom prst="straightConnector1">
+            <a:avLst/>
+          </a:prstGeom>
+          <a:ln>
+            <a:solidFill>
+              <a:srgbClr val="FF0000"/>
+            </a:solidFill>
+            <a:prstDash val="sysDot"/>
+            <a:tailEnd type="triangle"/>
+          </a:ln>
+        </p:spPr>
+        <p:style>
+          <a:lnRef idx="3">
+            <a:schemeClr val="accent2"/>
+          </a:lnRef>
+          <a:fillRef idx="0">
+            <a:schemeClr val="accent2"/>
+          </a:fillRef>
+          <a:effectRef idx="2">
+            <a:schemeClr val="accent2"/>
+          </a:effectRef>
+          <a:fontRef idx="minor">
+            <a:schemeClr val="tx1"/>
+          </a:fontRef>
+        </p:style>
+      </p:cxnSp>
+      <p:cxnSp>
+        <p:nvCxnSpPr>
+          <p:cNvPr id="99" name="Straight Arrow Connector 98">
+            <a:extLst>
+              <a:ext uri="{FF2B5EF4-FFF2-40B4-BE49-F238E27FC236}">
+                <a16:creationId xmlns:a16="http://schemas.microsoft.com/office/drawing/2014/main" id="{86E3B12B-A6F2-477F-B578-6436D405472E}"/>
+              </a:ext>
+            </a:extLst>
+          </p:cNvPr>
+          <p:cNvCxnSpPr>
+            <a:cxnSpLocks/>
+          </p:cNvCxnSpPr>
+          <p:nvPr/>
+        </p:nvCxnSpPr>
+        <p:spPr>
+          <a:xfrm flipV="1">
+            <a:off x="6641716" y="4693116"/>
+            <a:ext cx="444884" cy="843626"/>
+          </a:xfrm>
+          <a:prstGeom prst="straightConnector1">
+            <a:avLst/>
+          </a:prstGeom>
+          <a:ln w="57150">
+            <a:prstDash val="sysDot"/>
+            <a:tailEnd type="triangle"/>
+          </a:ln>
+        </p:spPr>
+        <p:style>
+          <a:lnRef idx="3">
+            <a:schemeClr val="accent4"/>
+          </a:lnRef>
+          <a:fillRef idx="0">
+            <a:schemeClr val="accent4"/>
+          </a:fillRef>
+          <a:effectRef idx="2">
+            <a:schemeClr val="accent4"/>
+          </a:effectRef>
+          <a:fontRef idx="minor">
+            <a:schemeClr val="tx1"/>
+          </a:fontRef>
+        </p:style>
+      </p:cxnSp>
+      <p:cxnSp>
+        <p:nvCxnSpPr>
+          <p:cNvPr id="100" name="Straight Arrow Connector 99">
+            <a:extLst>
+              <a:ext uri="{FF2B5EF4-FFF2-40B4-BE49-F238E27FC236}">
+                <a16:creationId xmlns:a16="http://schemas.microsoft.com/office/drawing/2014/main" id="{5D22CA8A-6A50-44D0-98A3-4F1F2483F5B0}"/>
+              </a:ext>
+            </a:extLst>
+          </p:cNvPr>
+          <p:cNvCxnSpPr>
+            <a:cxnSpLocks/>
+          </p:cNvCxnSpPr>
+          <p:nvPr/>
+        </p:nvCxnSpPr>
+        <p:spPr>
+          <a:xfrm flipH="1" flipV="1">
+            <a:off x="5614917" y="5460202"/>
+            <a:ext cx="1021096" cy="81718"/>
+          </a:xfrm>
+          <a:prstGeom prst="straightConnector1">
+            <a:avLst/>
+          </a:prstGeom>
+          <a:ln w="57150">
+            <a:solidFill>
+              <a:srgbClr val="FF0000"/>
+            </a:solidFill>
+            <a:prstDash val="sysDot"/>
+            <a:tailEnd type="triangle"/>
+          </a:ln>
+        </p:spPr>
+        <p:style>
+          <a:lnRef idx="3">
+            <a:schemeClr val="accent2"/>
+          </a:lnRef>
+          <a:fillRef idx="0">
+            <a:schemeClr val="accent2"/>
+          </a:fillRef>
+          <a:effectRef idx="2">
+            <a:schemeClr val="accent2"/>
+          </a:effectRef>
+          <a:fontRef idx="minor">
+            <a:schemeClr val="tx1"/>
+          </a:fontRef>
+        </p:style>
+      </p:cxnSp>
+      <p:pic>
+        <p:nvPicPr>
+          <p:cNvPr id="237" name="Picture 236">
+            <a:extLst>
+              <a:ext uri="{FF2B5EF4-FFF2-40B4-BE49-F238E27FC236}">
+                <a16:creationId xmlns:a16="http://schemas.microsoft.com/office/drawing/2014/main" id="{1527459A-FEAE-43BF-BBD8-40050DCFD70E}"/>
+              </a:ext>
+            </a:extLst>
+          </p:cNvPr>
+          <p:cNvPicPr>
+            <a:picLocks noChangeAspect="1"/>
+          </p:cNvPicPr>
+          <p:nvPr/>
+        </p:nvPicPr>
+        <p:blipFill>
+          <a:blip r:embed="rId10"/>
+          <a:stretch>
+            <a:fillRect/>
+          </a:stretch>
+        </p:blipFill>
+        <p:spPr>
+          <a:xfrm>
+            <a:off x="2727935" y="722264"/>
+            <a:ext cx="4535973" cy="849786"/>
+          </a:xfrm>
+          <a:prstGeom prst="rect">
+            <a:avLst/>
+          </a:prstGeom>
+        </p:spPr>
+      </p:pic>
+      <p:pic>
+        <p:nvPicPr>
+          <p:cNvPr id="240" name="Picture 239">
+            <a:extLst>
+              <a:ext uri="{FF2B5EF4-FFF2-40B4-BE49-F238E27FC236}">
+                <a16:creationId xmlns:a16="http://schemas.microsoft.com/office/drawing/2014/main" id="{E8E86D1D-32E2-4B9C-815A-73A3CB1F5C5A}"/>
+              </a:ext>
+            </a:extLst>
+          </p:cNvPr>
+          <p:cNvPicPr>
+            <a:picLocks noChangeAspect="1"/>
+          </p:cNvPicPr>
+          <p:nvPr/>
+        </p:nvPicPr>
+        <p:blipFill>
+          <a:blip r:embed="rId11"/>
+          <a:stretch>
+            <a:fillRect/>
+          </a:stretch>
+        </p:blipFill>
+        <p:spPr>
+          <a:xfrm>
+            <a:off x="5085718" y="5203697"/>
+            <a:ext cx="482807" cy="486639"/>
+          </a:xfrm>
+          <a:prstGeom prst="rect">
+            <a:avLst/>
+          </a:prstGeom>
+        </p:spPr>
+      </p:pic>
+      <p:sp>
+        <p:nvSpPr>
+          <p:cNvPr id="241" name="Rectangle 240">
+            <a:extLst>
+              <a:ext uri="{FF2B5EF4-FFF2-40B4-BE49-F238E27FC236}">
+                <a16:creationId xmlns:a16="http://schemas.microsoft.com/office/drawing/2014/main" id="{83263EC2-2B6E-4CD2-A3AD-3242F2763A45}"/>
+              </a:ext>
+            </a:extLst>
+          </p:cNvPr>
+          <p:cNvSpPr/>
+          <p:nvPr/>
+        </p:nvSpPr>
+        <p:spPr>
+          <a:xfrm>
+            <a:off x="7772400" y="2927838"/>
+            <a:ext cx="615462" cy="474574"/>
+          </a:xfrm>
+          <a:prstGeom prst="rect">
+            <a:avLst/>
+          </a:prstGeom>
+          <a:solidFill>
+            <a:schemeClr val="bg1"/>
+          </a:solidFill>
+          <a:ln>
+            <a:noFill/>
+          </a:ln>
+        </p:spPr>
+        <p:style>
+          <a:lnRef idx="2">
+            <a:schemeClr val="accent1">
+              <a:shade val="50000"/>
+            </a:schemeClr>
+          </a:lnRef>
+          <a:fillRef idx="1">
+            <a:schemeClr val="accent1"/>
+          </a:fillRef>
+          <a:effectRef idx="0">
+            <a:schemeClr val="accent1"/>
+          </a:effectRef>
+          <a:fontRef idx="minor">
+            <a:schemeClr val="lt1"/>
+          </a:fontRef>
+        </p:style>
+        <p:txBody>
+          <a:bodyPr rtlCol="0" anchor="ctr"/>
+          <a:lstStyle/>
+          <a:p>
+            <a:pPr algn="ctr"/>
+            <a:endParaRPr lang="en-US"/>
+          </a:p>
+        </p:txBody>
+      </p:sp>
+    </p:spTree>
+    <p:extLst>
+      <p:ext uri="{BB962C8B-B14F-4D97-AF65-F5344CB8AC3E}">
+        <p14:creationId xmlns:p14="http://schemas.microsoft.com/office/powerpoint/2010/main" val="3773065398"/>
+      </p:ext>
+    </p:extLst>
+  </p:cSld>
+  <p:clrMapOvr>
+    <a:masterClrMapping/>
+  </p:clrMapOvr>
+</p:sld>
+</file>
+
+<file path=ppt/slides/slide2.xml><?xml version="1.0" encoding="utf-8"?>
+<p:sld xmlns:a="http://schemas.openxmlformats.org/drawingml/2006/main" xmlns:r="http://schemas.openxmlformats.org/officeDocument/2006/relationships" xmlns:p="http://schemas.openxmlformats.org/presentationml/2006/main">
+  <p:cSld>
+    <p:spTree>
+      <p:nvGrpSpPr>
+        <p:cNvPr id="1" name=""/>
+        <p:cNvGrpSpPr/>
+        <p:nvPr/>
+      </p:nvGrpSpPr>
+      <p:grpSpPr>
+        <a:xfrm>
+          <a:off x="0" y="0"/>
+          <a:ext cx="0" cy="0"/>
+          <a:chOff x="0" y="0"/>
+          <a:chExt cx="0" cy="0"/>
+        </a:xfrm>
+      </p:grpSpPr>
+      <p:sp>
+        <p:nvSpPr>
+          <p:cNvPr id="275" name="Cylinder 274">
+            <a:extLst>
+              <a:ext uri="{FF2B5EF4-FFF2-40B4-BE49-F238E27FC236}">
+                <a16:creationId xmlns:a16="http://schemas.microsoft.com/office/drawing/2014/main" id="{C2B0FF65-3536-4BC8-B37D-86A9BC8049E1}"/>
+              </a:ext>
+            </a:extLst>
+          </p:cNvPr>
+          <p:cNvSpPr/>
+          <p:nvPr/>
+        </p:nvSpPr>
+        <p:spPr>
+          <a:xfrm rot="6360915">
+            <a:off x="8782318" y="2529541"/>
+            <a:ext cx="588964" cy="960639"/>
+          </a:xfrm>
+          <a:prstGeom prst="can">
+            <a:avLst>
+              <a:gd name="adj" fmla="val 69369"/>
+            </a:avLst>
+          </a:prstGeom>
+        </p:spPr>
+        <p:style>
+          <a:lnRef idx="2">
+            <a:schemeClr val="accent1">
+              <a:shade val="50000"/>
+            </a:schemeClr>
+          </a:lnRef>
+          <a:fillRef idx="1">
+            <a:schemeClr val="accent1"/>
+          </a:fillRef>
+          <a:effectRef idx="0">
+            <a:schemeClr val="accent1"/>
+          </a:effectRef>
+          <a:fontRef idx="minor">
+            <a:schemeClr val="lt1"/>
+          </a:fontRef>
+        </p:style>
+        <p:txBody>
+          <a:bodyPr rtlCol="0" anchor="ctr"/>
+          <a:lstStyle/>
+          <a:p>
+            <a:pPr algn="ctr"/>
+            <a:endParaRPr lang="en-US"/>
+          </a:p>
+        </p:txBody>
+      </p:sp>
+      <p:pic>
+        <p:nvPicPr>
+          <p:cNvPr id="2" name="Picture 1">
+            <a:extLst>
+              <a:ext uri="{FF2B5EF4-FFF2-40B4-BE49-F238E27FC236}">
+                <a16:creationId xmlns:a16="http://schemas.microsoft.com/office/drawing/2014/main" id="{F2AAD0E8-D0FD-496F-A9C3-F7D9DABFE15F}"/>
+              </a:ext>
+            </a:extLst>
+          </p:cNvPr>
+          <p:cNvPicPr>
+            <a:picLocks noChangeAspect="1"/>
+          </p:cNvPicPr>
+          <p:nvPr/>
+        </p:nvPicPr>
+        <p:blipFill>
+          <a:blip r:embed="rId2"/>
+          <a:stretch>
+            <a:fillRect/>
+          </a:stretch>
+        </p:blipFill>
+        <p:spPr>
+          <a:xfrm>
+            <a:off x="0" y="764929"/>
+            <a:ext cx="5581357" cy="4651131"/>
+          </a:xfrm>
+          <a:prstGeom prst="rect">
+            <a:avLst/>
+          </a:prstGeom>
+        </p:spPr>
+      </p:pic>
+      <p:sp>
+        <p:nvSpPr>
+          <p:cNvPr id="3" name="Oval 2">
+            <a:extLst>
+              <a:ext uri="{FF2B5EF4-FFF2-40B4-BE49-F238E27FC236}">
+                <a16:creationId xmlns:a16="http://schemas.microsoft.com/office/drawing/2014/main" id="{B81BE979-3393-442D-9817-0AD0F5227373}"/>
+              </a:ext>
+            </a:extLst>
+          </p:cNvPr>
+          <p:cNvSpPr/>
+          <p:nvPr/>
+        </p:nvSpPr>
+        <p:spPr>
+          <a:xfrm>
+            <a:off x="6112376" y="395258"/>
+            <a:ext cx="1345631" cy="360484"/>
+          </a:xfrm>
+          <a:prstGeom prst="ellipse">
+            <a:avLst/>
+          </a:prstGeom>
+          <a:noFill/>
+          <a:ln>
+            <a:solidFill>
+              <a:schemeClr val="tx1"/>
+            </a:solidFill>
+          </a:ln>
+        </p:spPr>
+        <p:style>
+          <a:lnRef idx="2">
+            <a:schemeClr val="accent1">
+              <a:shade val="50000"/>
+            </a:schemeClr>
+          </a:lnRef>
+          <a:fillRef idx="1">
+            <a:schemeClr val="accent1"/>
+          </a:fillRef>
+          <a:effectRef idx="0">
+            <a:schemeClr val="accent1"/>
+          </a:effectRef>
+          <a:fontRef idx="minor">
+            <a:schemeClr val="lt1"/>
+          </a:fontRef>
+        </p:style>
+        <p:txBody>
+          <a:bodyPr rtlCol="0" anchor="ctr"/>
+          <a:lstStyle/>
+          <a:p>
+            <a:pPr algn="ctr"/>
+            <a:endParaRPr lang="en-US"/>
+          </a:p>
+        </p:txBody>
+      </p:sp>
+      <p:sp>
+        <p:nvSpPr>
+          <p:cNvPr id="4" name="Oval 3">
+            <a:extLst>
+              <a:ext uri="{FF2B5EF4-FFF2-40B4-BE49-F238E27FC236}">
+                <a16:creationId xmlns:a16="http://schemas.microsoft.com/office/drawing/2014/main" id="{B8550ABB-25D2-4012-8220-3CDDB254A948}"/>
+              </a:ext>
+            </a:extLst>
+          </p:cNvPr>
+          <p:cNvSpPr/>
+          <p:nvPr/>
+        </p:nvSpPr>
+        <p:spPr>
+          <a:xfrm>
+            <a:off x="6124104" y="2270045"/>
+            <a:ext cx="1345631" cy="360484"/>
+          </a:xfrm>
+          <a:prstGeom prst="ellipse">
+            <a:avLst/>
+          </a:prstGeom>
+          <a:noFill/>
+          <a:ln>
+            <a:solidFill>
+              <a:schemeClr val="tx1"/>
+            </a:solidFill>
+          </a:ln>
+        </p:spPr>
+        <p:style>
+          <a:lnRef idx="2">
+            <a:schemeClr val="accent1">
+              <a:shade val="50000"/>
+            </a:schemeClr>
+          </a:lnRef>
+          <a:fillRef idx="1">
+            <a:schemeClr val="accent1"/>
+          </a:fillRef>
+          <a:effectRef idx="0">
+            <a:schemeClr val="accent1"/>
+          </a:effectRef>
+          <a:fontRef idx="minor">
+            <a:schemeClr val="lt1"/>
+          </a:fontRef>
+        </p:style>
+        <p:txBody>
+          <a:bodyPr rtlCol="0" anchor="ctr"/>
+          <a:lstStyle/>
+          <a:p>
+            <a:pPr algn="ctr"/>
+            <a:endParaRPr lang="en-US"/>
+          </a:p>
+        </p:txBody>
+      </p:sp>
+      <p:sp>
+        <p:nvSpPr>
+          <p:cNvPr id="5" name="Oval 4">
+            <a:extLst>
+              <a:ext uri="{FF2B5EF4-FFF2-40B4-BE49-F238E27FC236}">
+                <a16:creationId xmlns:a16="http://schemas.microsoft.com/office/drawing/2014/main" id="{5C5FA085-B161-4091-AC8A-EC00E496886F}"/>
+              </a:ext>
+            </a:extLst>
+          </p:cNvPr>
+          <p:cNvSpPr/>
+          <p:nvPr/>
+        </p:nvSpPr>
+        <p:spPr>
+          <a:xfrm>
+            <a:off x="6662304" y="478785"/>
+            <a:ext cx="219807" cy="79130"/>
+          </a:xfrm>
+          <a:prstGeom prst="ellipse">
+            <a:avLst/>
+          </a:prstGeom>
+          <a:noFill/>
+          <a:ln>
+            <a:solidFill>
+              <a:schemeClr val="tx1"/>
+            </a:solidFill>
+          </a:ln>
+        </p:spPr>
+        <p:style>
+          <a:lnRef idx="2">
+            <a:schemeClr val="accent1">
+              <a:shade val="50000"/>
+            </a:schemeClr>
+          </a:lnRef>
+          <a:fillRef idx="1">
+            <a:schemeClr val="accent1"/>
+          </a:fillRef>
+          <a:effectRef idx="0">
+            <a:schemeClr val="accent1"/>
+          </a:effectRef>
+          <a:fontRef idx="minor">
+            <a:schemeClr val="lt1"/>
+          </a:fontRef>
+        </p:style>
+        <p:txBody>
+          <a:bodyPr rtlCol="0" anchor="ctr"/>
+          <a:lstStyle/>
+          <a:p>
+            <a:pPr algn="ctr"/>
+            <a:endParaRPr lang="en-US"/>
+          </a:p>
+        </p:txBody>
+      </p:sp>
+      <p:cxnSp>
+        <p:nvCxnSpPr>
+          <p:cNvPr id="125" name="Straight Arrow Connector 124">
+            <a:extLst>
+              <a:ext uri="{FF2B5EF4-FFF2-40B4-BE49-F238E27FC236}">
+                <a16:creationId xmlns:a16="http://schemas.microsoft.com/office/drawing/2014/main" id="{BDAABAB7-4840-411F-8A89-2C69C90B347F}"/>
+              </a:ext>
+            </a:extLst>
+          </p:cNvPr>
+          <p:cNvCxnSpPr>
+            <a:cxnSpLocks/>
+            <a:stCxn id="3" idx="2"/>
+            <a:endCxn id="4" idx="2"/>
+          </p:cNvCxnSpPr>
+          <p:nvPr/>
+        </p:nvCxnSpPr>
+        <p:spPr>
+          <a:xfrm>
+            <a:off x="6112376" y="575500"/>
+            <a:ext cx="11728" cy="1874787"/>
+          </a:xfrm>
+          <a:prstGeom prst="straightConnector1">
+            <a:avLst/>
+          </a:prstGeom>
+        </p:spPr>
+        <p:style>
+          <a:lnRef idx="1">
+            <a:schemeClr val="dk1"/>
+          </a:lnRef>
+          <a:fillRef idx="0">
+            <a:schemeClr val="dk1"/>
+          </a:fillRef>
+          <a:effectRef idx="0">
+            <a:schemeClr val="dk1"/>
+          </a:effectRef>
+          <a:fontRef idx="minor">
+            <a:schemeClr val="tx1"/>
+          </a:fontRef>
+        </p:style>
+      </p:cxnSp>
+      <p:cxnSp>
+        <p:nvCxnSpPr>
+          <p:cNvPr id="129" name="Straight Connector 128">
+            <a:extLst>
+              <a:ext uri="{FF2B5EF4-FFF2-40B4-BE49-F238E27FC236}">
+                <a16:creationId xmlns:a16="http://schemas.microsoft.com/office/drawing/2014/main" id="{7F452FF6-5BE7-43A1-ABC6-DB276496C123}"/>
+              </a:ext>
+            </a:extLst>
+          </p:cNvPr>
+          <p:cNvCxnSpPr>
+            <a:cxnSpLocks/>
+            <a:stCxn id="3" idx="6"/>
+            <a:endCxn id="4" idx="6"/>
+          </p:cNvCxnSpPr>
+          <p:nvPr/>
+        </p:nvCxnSpPr>
+        <p:spPr>
+          <a:xfrm>
+            <a:off x="7458007" y="575500"/>
+            <a:ext cx="11728" cy="1874787"/>
+          </a:xfrm>
+          <a:prstGeom prst="line">
+            <a:avLst/>
+          </a:prstGeom>
+        </p:spPr>
+        <p:style>
+          <a:lnRef idx="1">
+            <a:schemeClr val="dk1"/>
+          </a:lnRef>
+          <a:fillRef idx="0">
+            <a:schemeClr val="dk1"/>
+          </a:fillRef>
+          <a:effectRef idx="0">
+            <a:schemeClr val="dk1"/>
+          </a:effectRef>
+          <a:fontRef idx="minor">
+            <a:schemeClr val="tx1"/>
+          </a:fontRef>
+        </p:style>
+      </p:cxnSp>
+      <p:cxnSp>
+        <p:nvCxnSpPr>
+          <p:cNvPr id="137" name="Straight Arrow Connector 136">
+            <a:extLst>
+              <a:ext uri="{FF2B5EF4-FFF2-40B4-BE49-F238E27FC236}">
+                <a16:creationId xmlns:a16="http://schemas.microsoft.com/office/drawing/2014/main" id="{3A4BA3AC-490B-4E62-B22A-4C0C645998E0}"/>
+              </a:ext>
+            </a:extLst>
+          </p:cNvPr>
+          <p:cNvCxnSpPr>
+            <a:cxnSpLocks/>
+          </p:cNvCxnSpPr>
+          <p:nvPr/>
+        </p:nvCxnSpPr>
+        <p:spPr>
+          <a:xfrm flipH="1">
+            <a:off x="6755127" y="506571"/>
+            <a:ext cx="573" cy="348947"/>
+          </a:xfrm>
+          <a:prstGeom prst="straightConnector1">
+            <a:avLst/>
+          </a:prstGeom>
+          <a:ln>
+            <a:tailEnd type="triangle"/>
+          </a:ln>
+        </p:spPr>
+        <p:style>
+          <a:lnRef idx="3">
+            <a:schemeClr val="accent1"/>
+          </a:lnRef>
+          <a:fillRef idx="0">
+            <a:schemeClr val="accent1"/>
+          </a:fillRef>
+          <a:effectRef idx="2">
+            <a:schemeClr val="accent1"/>
+          </a:effectRef>
+          <a:fontRef idx="minor">
+            <a:schemeClr val="tx1"/>
+          </a:fontRef>
+        </p:style>
+      </p:cxnSp>
+      <p:cxnSp>
+        <p:nvCxnSpPr>
+          <p:cNvPr id="138" name="Straight Arrow Connector 137">
+            <a:extLst>
+              <a:ext uri="{FF2B5EF4-FFF2-40B4-BE49-F238E27FC236}">
+                <a16:creationId xmlns:a16="http://schemas.microsoft.com/office/drawing/2014/main" id="{6B9541AC-23C7-4C39-B5C0-347F26F56108}"/>
+              </a:ext>
+            </a:extLst>
+          </p:cNvPr>
+          <p:cNvCxnSpPr>
+            <a:cxnSpLocks/>
+          </p:cNvCxnSpPr>
+          <p:nvPr/>
+        </p:nvCxnSpPr>
+        <p:spPr>
+          <a:xfrm>
+            <a:off x="6755127" y="512648"/>
+            <a:ext cx="354364" cy="56208"/>
+          </a:xfrm>
+          <a:prstGeom prst="straightConnector1">
+            <a:avLst/>
+          </a:prstGeom>
+          <a:ln>
+            <a:tailEnd type="triangle"/>
+          </a:ln>
+        </p:spPr>
+        <p:style>
+          <a:lnRef idx="3">
+            <a:schemeClr val="accent6"/>
+          </a:lnRef>
+          <a:fillRef idx="0">
+            <a:schemeClr val="accent6"/>
+          </a:fillRef>
+          <a:effectRef idx="2">
+            <a:schemeClr val="accent6"/>
+          </a:effectRef>
+          <a:fontRef idx="minor">
+            <a:schemeClr val="tx1"/>
+          </a:fontRef>
+        </p:style>
+      </p:cxnSp>
+      <p:cxnSp>
+        <p:nvCxnSpPr>
+          <p:cNvPr id="139" name="Straight Arrow Connector 138">
+            <a:extLst>
+              <a:ext uri="{FF2B5EF4-FFF2-40B4-BE49-F238E27FC236}">
+                <a16:creationId xmlns:a16="http://schemas.microsoft.com/office/drawing/2014/main" id="{2DB5DDF9-8F7B-47E6-A4E1-5DF1FC89ECCE}"/>
+              </a:ext>
+            </a:extLst>
+          </p:cNvPr>
+          <p:cNvCxnSpPr>
+            <a:cxnSpLocks/>
+          </p:cNvCxnSpPr>
+          <p:nvPr/>
+        </p:nvCxnSpPr>
+        <p:spPr>
+          <a:xfrm flipH="1">
+            <a:off x="6550517" y="506570"/>
+            <a:ext cx="205183" cy="161983"/>
+          </a:xfrm>
+          <a:prstGeom prst="straightConnector1">
+            <a:avLst/>
+          </a:prstGeom>
+          <a:ln>
+            <a:tailEnd type="triangle"/>
+          </a:ln>
+        </p:spPr>
+        <p:style>
+          <a:lnRef idx="3">
+            <a:schemeClr val="accent2"/>
+          </a:lnRef>
+          <a:fillRef idx="0">
+            <a:schemeClr val="accent2"/>
+          </a:fillRef>
+          <a:effectRef idx="2">
+            <a:schemeClr val="accent2"/>
+          </a:effectRef>
+          <a:fontRef idx="minor">
+            <a:schemeClr val="tx1"/>
+          </a:fontRef>
+        </p:style>
+      </p:cxnSp>
+      <p:sp>
+        <p:nvSpPr>
+          <p:cNvPr id="140" name="TextBox 139">
+            <a:extLst>
+              <a:ext uri="{FF2B5EF4-FFF2-40B4-BE49-F238E27FC236}">
+                <a16:creationId xmlns:a16="http://schemas.microsoft.com/office/drawing/2014/main" id="{A91811D8-3A63-4571-A0C1-D0905A9DA57A}"/>
+              </a:ext>
+            </a:extLst>
+          </p:cNvPr>
+          <p:cNvSpPr txBox="1"/>
+          <p:nvPr/>
+        </p:nvSpPr>
+        <p:spPr>
+          <a:xfrm>
+            <a:off x="6763570" y="210701"/>
+            <a:ext cx="430811" cy="332758"/>
+          </a:xfrm>
+          <a:prstGeom prst="rect">
+            <a:avLst/>
+          </a:prstGeom>
+          <a:noFill/>
+        </p:spPr>
+        <p:txBody>
+          <a:bodyPr wrap="square" rtlCol="0">
+            <a:spAutoFit/>
+          </a:bodyPr>
+          <a:lstStyle/>
+          <a:p>
+            <a:r>
+              <a:rPr lang="en-US" dirty="0"/>
+              <a:t>O</a:t>
+            </a:r>
+            <a:r>
+              <a:rPr lang="en-US" baseline="-25000" dirty="0"/>
+              <a:t>0</a:t>
+            </a:r>
+          </a:p>
+        </p:txBody>
+      </p:sp>
+      <p:sp>
+        <p:nvSpPr>
+          <p:cNvPr id="151" name="TextBox 150">
+            <a:extLst>
+              <a:ext uri="{FF2B5EF4-FFF2-40B4-BE49-F238E27FC236}">
+                <a16:creationId xmlns:a16="http://schemas.microsoft.com/office/drawing/2014/main" id="{7AE5C30F-BFD4-42D9-AE81-1514FA3CE3D0}"/>
+              </a:ext>
+            </a:extLst>
+          </p:cNvPr>
+          <p:cNvSpPr txBox="1"/>
+          <p:nvPr/>
+        </p:nvSpPr>
+        <p:spPr>
+          <a:xfrm>
+            <a:off x="9094054" y="5447041"/>
+            <a:ext cx="394059" cy="276999"/>
+          </a:xfrm>
+          <a:prstGeom prst="rect">
+            <a:avLst/>
+          </a:prstGeom>
+          <a:noFill/>
+        </p:spPr>
+        <p:txBody>
+          <a:bodyPr wrap="square" rtlCol="0">
+            <a:spAutoFit/>
+          </a:bodyPr>
+          <a:lstStyle/>
+          <a:p>
+            <a:r>
+              <a:rPr lang="en-US" sz="1200" dirty="0"/>
+              <a:t>O</a:t>
+            </a:r>
+            <a:r>
+              <a:rPr lang="en-US" sz="1200" baseline="-25000" dirty="0"/>
+              <a:t>1</a:t>
+            </a:r>
+          </a:p>
+        </p:txBody>
+      </p:sp>
+      <p:cxnSp>
+        <p:nvCxnSpPr>
+          <p:cNvPr id="175" name="Straight Arrow Connector 174">
+            <a:extLst>
+              <a:ext uri="{FF2B5EF4-FFF2-40B4-BE49-F238E27FC236}">
+                <a16:creationId xmlns:a16="http://schemas.microsoft.com/office/drawing/2014/main" id="{3C2E7DD0-8E16-497F-887C-767967ABD81B}"/>
+              </a:ext>
+            </a:extLst>
+          </p:cNvPr>
+          <p:cNvCxnSpPr>
+            <a:cxnSpLocks/>
+          </p:cNvCxnSpPr>
+          <p:nvPr/>
+        </p:nvCxnSpPr>
+        <p:spPr>
+          <a:xfrm flipH="1">
+            <a:off x="9025753" y="5282042"/>
+            <a:ext cx="266402" cy="0"/>
+          </a:xfrm>
+          <a:prstGeom prst="straightConnector1">
+            <a:avLst/>
+          </a:prstGeom>
+          <a:ln>
+            <a:solidFill>
+              <a:srgbClr val="FF0000"/>
+            </a:solidFill>
+            <a:tailEnd type="triangle"/>
+          </a:ln>
+        </p:spPr>
+        <p:style>
+          <a:lnRef idx="3">
+            <a:schemeClr val="accent2"/>
+          </a:lnRef>
+          <a:fillRef idx="0">
+            <a:schemeClr val="accent2"/>
+          </a:fillRef>
+          <a:effectRef idx="2">
+            <a:schemeClr val="accent2"/>
+          </a:effectRef>
+          <a:fontRef idx="minor">
+            <a:schemeClr val="tx1"/>
+          </a:fontRef>
+        </p:style>
+      </p:cxnSp>
+      <p:sp>
+        <p:nvSpPr>
+          <p:cNvPr id="177" name="Cylinder 176">
+            <a:extLst>
+              <a:ext uri="{FF2B5EF4-FFF2-40B4-BE49-F238E27FC236}">
+                <a16:creationId xmlns:a16="http://schemas.microsoft.com/office/drawing/2014/main" id="{F27552BC-A4F9-435C-858A-B022AEC53A11}"/>
+              </a:ext>
+            </a:extLst>
+          </p:cNvPr>
+          <p:cNvSpPr/>
+          <p:nvPr/>
+        </p:nvSpPr>
+        <p:spPr>
+          <a:xfrm rot="6580311">
+            <a:off x="9286346" y="4414752"/>
+            <a:ext cx="231210" cy="701843"/>
+          </a:xfrm>
+          <a:prstGeom prst="can">
+            <a:avLst>
+              <a:gd name="adj" fmla="val 38764"/>
+            </a:avLst>
+          </a:prstGeom>
+        </p:spPr>
+        <p:style>
+          <a:lnRef idx="2">
+            <a:schemeClr val="accent1">
+              <a:shade val="50000"/>
+            </a:schemeClr>
+          </a:lnRef>
+          <a:fillRef idx="1">
+            <a:schemeClr val="accent1"/>
+          </a:fillRef>
+          <a:effectRef idx="0">
+            <a:schemeClr val="accent1"/>
+          </a:effectRef>
+          <a:fontRef idx="minor">
+            <a:schemeClr val="lt1"/>
+          </a:fontRef>
+        </p:style>
+        <p:txBody>
+          <a:bodyPr rtlCol="0" anchor="ctr"/>
+          <a:lstStyle/>
+          <a:p>
+            <a:pPr algn="ctr"/>
+            <a:endParaRPr lang="en-US"/>
+          </a:p>
+        </p:txBody>
+      </p:sp>
+      <p:sp>
+        <p:nvSpPr>
+          <p:cNvPr id="183" name="Freeform: Shape 182">
+            <a:extLst>
+              <a:ext uri="{FF2B5EF4-FFF2-40B4-BE49-F238E27FC236}">
+                <a16:creationId xmlns:a16="http://schemas.microsoft.com/office/drawing/2014/main" id="{8F11863C-E04C-4E95-A021-FA853457C114}"/>
+              </a:ext>
+            </a:extLst>
+          </p:cNvPr>
+          <p:cNvSpPr/>
+          <p:nvPr/>
+        </p:nvSpPr>
+        <p:spPr>
+          <a:xfrm>
+            <a:off x="6813658" y="514905"/>
+            <a:ext cx="2889635" cy="4243526"/>
+          </a:xfrm>
+          <a:custGeom>
+            <a:avLst/>
+            <a:gdLst>
+              <a:gd name="connsiteX0" fmla="*/ 2889635 w 2889635"/>
+              <a:gd name="connsiteY0" fmla="*/ 4243526 h 4243526"/>
+              <a:gd name="connsiteX1" fmla="*/ 270723 w 2889635"/>
+              <a:gd name="connsiteY1" fmla="*/ 2757996 h 4243526"/>
+              <a:gd name="connsiteX2" fmla="*/ 60618 w 2889635"/>
+              <a:gd name="connsiteY2" fmla="*/ 0 h 4243526"/>
+            </a:gdLst>
+            <a:ahLst/>
+            <a:cxnLst>
+              <a:cxn ang="0">
+                <a:pos x="connsiteX0" y="connsiteY0"/>
+              </a:cxn>
+              <a:cxn ang="0">
+                <a:pos x="connsiteX1" y="connsiteY1"/>
+              </a:cxn>
+              <a:cxn ang="0">
+                <a:pos x="connsiteX2" y="connsiteY2"/>
+              </a:cxn>
+            </a:cxnLst>
+            <a:rect l="l" t="t" r="r" b="b"/>
+            <a:pathLst>
+              <a:path w="2889635" h="4243526">
+                <a:moveTo>
+                  <a:pt x="2889635" y="4243526"/>
+                </a:moveTo>
+                <a:cubicBezTo>
+                  <a:pt x="1815930" y="3854388"/>
+                  <a:pt x="742226" y="3465250"/>
+                  <a:pt x="270723" y="2757996"/>
+                </a:cubicBezTo>
+                <a:cubicBezTo>
+                  <a:pt x="-200780" y="2050742"/>
+                  <a:pt x="94156" y="479394"/>
+                  <a:pt x="60618" y="0"/>
+                </a:cubicBezTo>
+              </a:path>
+            </a:pathLst>
+          </a:custGeom>
+        </p:spPr>
+        <p:style>
+          <a:lnRef idx="1">
+            <a:schemeClr val="dk1"/>
+          </a:lnRef>
+          <a:fillRef idx="0">
+            <a:schemeClr val="dk1"/>
+          </a:fillRef>
+          <a:effectRef idx="0">
+            <a:schemeClr val="dk1"/>
+          </a:effectRef>
+          <a:fontRef idx="minor">
+            <a:schemeClr val="tx1"/>
+          </a:fontRef>
+        </p:style>
+        <p:txBody>
+          <a:bodyPr rtlCol="0" anchor="ctr"/>
+          <a:lstStyle/>
+          <a:p>
+            <a:pPr algn="ctr"/>
+            <a:endParaRPr lang="en-US"/>
+          </a:p>
+        </p:txBody>
+      </p:sp>
+      <p:sp>
+        <p:nvSpPr>
+          <p:cNvPr id="186" name="Freeform: Shape 185">
+            <a:extLst>
+              <a:ext uri="{FF2B5EF4-FFF2-40B4-BE49-F238E27FC236}">
+                <a16:creationId xmlns:a16="http://schemas.microsoft.com/office/drawing/2014/main" id="{2EB60699-C97A-49F3-AC8E-3BE0225E2025}"/>
+              </a:ext>
+            </a:extLst>
+          </p:cNvPr>
+          <p:cNvSpPr/>
+          <p:nvPr/>
+        </p:nvSpPr>
+        <p:spPr>
+          <a:xfrm>
+            <a:off x="6577756" y="506027"/>
+            <a:ext cx="3081149" cy="4459550"/>
+          </a:xfrm>
+          <a:custGeom>
+            <a:avLst/>
+            <a:gdLst>
+              <a:gd name="connsiteX0" fmla="*/ 3081149 w 3081149"/>
+              <a:gd name="connsiteY0" fmla="*/ 4459550 h 4459550"/>
+              <a:gd name="connsiteX1" fmla="*/ 1678477 w 3081149"/>
+              <a:gd name="connsiteY1" fmla="*/ 3929849 h 4459550"/>
+              <a:gd name="connsiteX2" fmla="*/ 426726 w 3081149"/>
+              <a:gd name="connsiteY2" fmla="*/ 3092389 h 4459550"/>
+              <a:gd name="connsiteX3" fmla="*/ 12434 w 3081149"/>
+              <a:gd name="connsiteY3" fmla="*/ 1544715 h 4459550"/>
+              <a:gd name="connsiteX4" fmla="*/ 89374 w 3081149"/>
+              <a:gd name="connsiteY4" fmla="*/ 0 h 4459550"/>
+            </a:gdLst>
+            <a:ahLst/>
+            <a:cxnLst>
+              <a:cxn ang="0">
+                <a:pos x="connsiteX0" y="connsiteY0"/>
+              </a:cxn>
+              <a:cxn ang="0">
+                <a:pos x="connsiteX1" y="connsiteY1"/>
+              </a:cxn>
+              <a:cxn ang="0">
+                <a:pos x="connsiteX2" y="connsiteY2"/>
+              </a:cxn>
+              <a:cxn ang="0">
+                <a:pos x="connsiteX3" y="connsiteY3"/>
+              </a:cxn>
+              <a:cxn ang="0">
+                <a:pos x="connsiteX4" y="connsiteY4"/>
+              </a:cxn>
+            </a:cxnLst>
+            <a:rect l="l" t="t" r="r" b="b"/>
+            <a:pathLst>
+              <a:path w="3081149" h="4459550">
+                <a:moveTo>
+                  <a:pt x="3081149" y="4459550"/>
+                </a:moveTo>
+                <a:cubicBezTo>
+                  <a:pt x="2601015" y="4308629"/>
+                  <a:pt x="2120881" y="4157709"/>
+                  <a:pt x="1678477" y="3929849"/>
+                </a:cubicBezTo>
+                <a:cubicBezTo>
+                  <a:pt x="1236073" y="3701989"/>
+                  <a:pt x="704400" y="3489911"/>
+                  <a:pt x="426726" y="3092389"/>
+                </a:cubicBezTo>
+                <a:cubicBezTo>
+                  <a:pt x="149052" y="2694867"/>
+                  <a:pt x="68659" y="2060113"/>
+                  <a:pt x="12434" y="1544715"/>
+                </a:cubicBezTo>
+                <a:cubicBezTo>
+                  <a:pt x="-43791" y="1029317"/>
+                  <a:pt x="110088" y="258932"/>
+                  <a:pt x="89374" y="0"/>
+                </a:cubicBezTo>
+              </a:path>
+            </a:pathLst>
+          </a:custGeom>
+        </p:spPr>
+        <p:style>
+          <a:lnRef idx="1">
+            <a:schemeClr val="dk1"/>
+          </a:lnRef>
+          <a:fillRef idx="0">
+            <a:schemeClr val="dk1"/>
+          </a:fillRef>
+          <a:effectRef idx="0">
+            <a:schemeClr val="dk1"/>
+          </a:effectRef>
+          <a:fontRef idx="minor">
+            <a:schemeClr val="tx1"/>
+          </a:fontRef>
+        </p:style>
+        <p:txBody>
+          <a:bodyPr rtlCol="0" anchor="ctr"/>
+          <a:lstStyle/>
+          <a:p>
+            <a:pPr algn="ctr"/>
+            <a:endParaRPr lang="en-US"/>
+          </a:p>
+        </p:txBody>
+      </p:sp>
+      <p:sp>
+        <p:nvSpPr>
+          <p:cNvPr id="156" name="Oval 155">
+            <a:extLst>
+              <a:ext uri="{FF2B5EF4-FFF2-40B4-BE49-F238E27FC236}">
+                <a16:creationId xmlns:a16="http://schemas.microsoft.com/office/drawing/2014/main" id="{246CD4A3-F7AF-4C1B-85D4-14706701A1AA}"/>
+              </a:ext>
+            </a:extLst>
+          </p:cNvPr>
+          <p:cNvSpPr/>
+          <p:nvPr/>
+        </p:nvSpPr>
+        <p:spPr>
+          <a:xfrm rot="6059239">
+            <a:off x="9579098" y="4827594"/>
+            <a:ext cx="219807" cy="79130"/>
+          </a:xfrm>
+          <a:prstGeom prst="ellipse">
+            <a:avLst/>
+          </a:prstGeom>
+          <a:noFill/>
+          <a:ln>
+            <a:solidFill>
+              <a:schemeClr val="tx1"/>
+            </a:solidFill>
+          </a:ln>
+        </p:spPr>
+        <p:style>
+          <a:lnRef idx="2">
+            <a:schemeClr val="accent1">
+              <a:shade val="50000"/>
+            </a:schemeClr>
+          </a:lnRef>
+          <a:fillRef idx="1">
+            <a:schemeClr val="accent1"/>
+          </a:fillRef>
+          <a:effectRef idx="0">
+            <a:schemeClr val="accent1"/>
+          </a:effectRef>
+          <a:fontRef idx="minor">
+            <a:schemeClr val="lt1"/>
+          </a:fontRef>
+        </p:style>
+        <p:txBody>
+          <a:bodyPr rtlCol="0" anchor="ctr"/>
+          <a:lstStyle/>
+          <a:p>
+            <a:pPr algn="ctr"/>
+            <a:endParaRPr lang="en-US"/>
+          </a:p>
+        </p:txBody>
+      </p:sp>
+      <p:cxnSp>
+        <p:nvCxnSpPr>
+          <p:cNvPr id="167" name="Straight Arrow Connector 166">
+            <a:extLst>
+              <a:ext uri="{FF2B5EF4-FFF2-40B4-BE49-F238E27FC236}">
+                <a16:creationId xmlns:a16="http://schemas.microsoft.com/office/drawing/2014/main" id="{522C7AFB-4460-4E92-8D61-F868C562D711}"/>
+              </a:ext>
+            </a:extLst>
+          </p:cNvPr>
+          <p:cNvCxnSpPr>
+            <a:cxnSpLocks/>
+          </p:cNvCxnSpPr>
+          <p:nvPr/>
+        </p:nvCxnSpPr>
+        <p:spPr>
+          <a:xfrm flipV="1">
+            <a:off x="9701651" y="4580522"/>
+            <a:ext cx="165380" cy="300991"/>
+          </a:xfrm>
+          <a:prstGeom prst="straightConnector1">
+            <a:avLst/>
+          </a:prstGeom>
+          <a:ln>
+            <a:prstDash val="sysDot"/>
+            <a:tailEnd type="triangle"/>
+          </a:ln>
+        </p:spPr>
+        <p:style>
+          <a:lnRef idx="3">
+            <a:schemeClr val="accent4"/>
+          </a:lnRef>
+          <a:fillRef idx="0">
+            <a:schemeClr val="accent4"/>
+          </a:fillRef>
+          <a:effectRef idx="2">
+            <a:schemeClr val="accent4"/>
+          </a:effectRef>
+          <a:fontRef idx="minor">
+            <a:schemeClr val="tx1"/>
+          </a:fontRef>
+        </p:style>
+      </p:cxnSp>
+      <p:cxnSp>
+        <p:nvCxnSpPr>
+          <p:cNvPr id="168" name="Straight Arrow Connector 167">
+            <a:extLst>
+              <a:ext uri="{FF2B5EF4-FFF2-40B4-BE49-F238E27FC236}">
+                <a16:creationId xmlns:a16="http://schemas.microsoft.com/office/drawing/2014/main" id="{2A16FF42-BE5F-41A2-B9DB-3F5FD028330B}"/>
+              </a:ext>
+            </a:extLst>
+          </p:cNvPr>
+          <p:cNvCxnSpPr>
+            <a:cxnSpLocks/>
+          </p:cNvCxnSpPr>
+          <p:nvPr/>
+        </p:nvCxnSpPr>
+        <p:spPr>
+          <a:xfrm flipH="1">
+            <a:off x="9429546" y="4886691"/>
+            <a:ext cx="266402" cy="0"/>
+          </a:xfrm>
+          <a:prstGeom prst="straightConnector1">
+            <a:avLst/>
+          </a:prstGeom>
+          <a:ln>
+            <a:solidFill>
+              <a:srgbClr val="FF0000"/>
+            </a:solidFill>
+            <a:prstDash val="sysDot"/>
+            <a:tailEnd type="triangle"/>
+          </a:ln>
+        </p:spPr>
+        <p:style>
+          <a:lnRef idx="3">
+            <a:schemeClr val="accent2"/>
+          </a:lnRef>
+          <a:fillRef idx="0">
+            <a:schemeClr val="accent2"/>
+          </a:fillRef>
+          <a:effectRef idx="2">
+            <a:schemeClr val="accent2"/>
+          </a:effectRef>
+          <a:fontRef idx="minor">
+            <a:schemeClr val="tx1"/>
+          </a:fontRef>
+        </p:style>
+      </p:cxnSp>
+      <p:sp>
+        <p:nvSpPr>
+          <p:cNvPr id="193" name="Freeform: Shape 192">
+            <a:extLst>
+              <a:ext uri="{FF2B5EF4-FFF2-40B4-BE49-F238E27FC236}">
+                <a16:creationId xmlns:a16="http://schemas.microsoft.com/office/drawing/2014/main" id="{7FC41124-77A7-4B1F-BFB4-E71F9A8238CA}"/>
+              </a:ext>
+            </a:extLst>
+          </p:cNvPr>
+          <p:cNvSpPr/>
+          <p:nvPr/>
+        </p:nvSpPr>
+        <p:spPr>
+          <a:xfrm>
+            <a:off x="6725949" y="509155"/>
+            <a:ext cx="2570451" cy="4772890"/>
+          </a:xfrm>
+          <a:custGeom>
+            <a:avLst/>
+            <a:gdLst>
+              <a:gd name="connsiteX0" fmla="*/ 2570451 w 2570451"/>
+              <a:gd name="connsiteY0" fmla="*/ 4772890 h 4772890"/>
+              <a:gd name="connsiteX1" fmla="*/ 661987 w 2570451"/>
+              <a:gd name="connsiteY1" fmla="*/ 4055918 h 4772890"/>
+              <a:gd name="connsiteX2" fmla="*/ 69706 w 2570451"/>
+              <a:gd name="connsiteY2" fmla="*/ 2968336 h 4772890"/>
+              <a:gd name="connsiteX3" fmla="*/ 31606 w 2570451"/>
+              <a:gd name="connsiteY3" fmla="*/ 0 h 4772890"/>
+            </a:gdLst>
+            <a:ahLst/>
+            <a:cxnLst>
+              <a:cxn ang="0">
+                <a:pos x="connsiteX0" y="connsiteY0"/>
+              </a:cxn>
+              <a:cxn ang="0">
+                <a:pos x="connsiteX1" y="connsiteY1"/>
+              </a:cxn>
+              <a:cxn ang="0">
+                <a:pos x="connsiteX2" y="connsiteY2"/>
+              </a:cxn>
+              <a:cxn ang="0">
+                <a:pos x="connsiteX3" y="connsiteY3"/>
+              </a:cxn>
+            </a:cxnLst>
+            <a:rect l="l" t="t" r="r" b="b"/>
+            <a:pathLst>
+              <a:path w="2570451" h="4772890">
+                <a:moveTo>
+                  <a:pt x="2570451" y="4772890"/>
+                </a:moveTo>
+                <a:cubicBezTo>
+                  <a:pt x="1824614" y="4564783"/>
+                  <a:pt x="1078778" y="4356677"/>
+                  <a:pt x="661987" y="4055918"/>
+                </a:cubicBezTo>
+                <a:cubicBezTo>
+                  <a:pt x="245196" y="3755159"/>
+                  <a:pt x="174769" y="3644322"/>
+                  <a:pt x="69706" y="2968336"/>
+                </a:cubicBezTo>
+                <a:cubicBezTo>
+                  <a:pt x="-35358" y="2292350"/>
+                  <a:pt x="1588" y="529936"/>
+                  <a:pt x="31606" y="0"/>
+                </a:cubicBezTo>
+              </a:path>
+            </a:pathLst>
+          </a:custGeom>
+          <a:ln>
+            <a:prstDash val="lgDash"/>
+          </a:ln>
+        </p:spPr>
+        <p:style>
+          <a:lnRef idx="1">
+            <a:schemeClr val="dk1"/>
+          </a:lnRef>
+          <a:fillRef idx="0">
+            <a:schemeClr val="dk1"/>
+          </a:fillRef>
+          <a:effectRef idx="0">
+            <a:schemeClr val="dk1"/>
+          </a:effectRef>
+          <a:fontRef idx="minor">
+            <a:schemeClr val="tx1"/>
+          </a:fontRef>
+        </p:style>
+        <p:txBody>
+          <a:bodyPr rtlCol="0" anchor="ctr"/>
+          <a:lstStyle/>
+          <a:p>
+            <a:pPr algn="ctr"/>
+            <a:endParaRPr lang="en-US"/>
+          </a:p>
+        </p:txBody>
+      </p:sp>
+      <p:cxnSp>
+        <p:nvCxnSpPr>
+          <p:cNvPr id="204" name="Straight Arrow Connector 203">
+            <a:extLst>
+              <a:ext uri="{FF2B5EF4-FFF2-40B4-BE49-F238E27FC236}">
+                <a16:creationId xmlns:a16="http://schemas.microsoft.com/office/drawing/2014/main" id="{9D0599AD-BD51-47DF-9B12-0A2BFC9C1925}"/>
+              </a:ext>
+            </a:extLst>
+          </p:cNvPr>
+          <p:cNvCxnSpPr>
+            <a:cxnSpLocks/>
+          </p:cNvCxnSpPr>
+          <p:nvPr/>
+        </p:nvCxnSpPr>
+        <p:spPr>
+          <a:xfrm>
+            <a:off x="9286780" y="5282335"/>
+            <a:ext cx="350334" cy="65273"/>
+          </a:xfrm>
+          <a:prstGeom prst="straightConnector1">
+            <a:avLst/>
+          </a:prstGeom>
+          <a:ln>
+            <a:tailEnd type="triangle"/>
+          </a:ln>
+        </p:spPr>
+        <p:style>
+          <a:lnRef idx="3">
+            <a:schemeClr val="accent1"/>
+          </a:lnRef>
+          <a:fillRef idx="0">
+            <a:schemeClr val="accent1"/>
+          </a:fillRef>
+          <a:effectRef idx="2">
+            <a:schemeClr val="accent1"/>
+          </a:effectRef>
+          <a:fontRef idx="minor">
+            <a:schemeClr val="tx1"/>
+          </a:fontRef>
+        </p:style>
+      </p:cxnSp>
+      <p:cxnSp>
+        <p:nvCxnSpPr>
+          <p:cNvPr id="205" name="Straight Arrow Connector 204">
+            <a:extLst>
+              <a:ext uri="{FF2B5EF4-FFF2-40B4-BE49-F238E27FC236}">
+                <a16:creationId xmlns:a16="http://schemas.microsoft.com/office/drawing/2014/main" id="{E24AAA49-3054-4943-B8DB-EAB5B27FCBA7}"/>
+              </a:ext>
+            </a:extLst>
+          </p:cNvPr>
+          <p:cNvCxnSpPr>
+            <a:cxnSpLocks/>
+          </p:cNvCxnSpPr>
+          <p:nvPr/>
+        </p:nvCxnSpPr>
+        <p:spPr>
+          <a:xfrm flipH="1" flipV="1">
+            <a:off x="9286780" y="4927373"/>
+            <a:ext cx="6006" cy="356052"/>
+          </a:xfrm>
+          <a:prstGeom prst="straightConnector1">
+            <a:avLst/>
+          </a:prstGeom>
+          <a:ln>
+            <a:prstDash val="sysDot"/>
+            <a:tailEnd type="triangle"/>
+          </a:ln>
+        </p:spPr>
+        <p:style>
+          <a:lnRef idx="3">
+            <a:schemeClr val="accent6"/>
+          </a:lnRef>
+          <a:fillRef idx="0">
+            <a:schemeClr val="accent6"/>
+          </a:fillRef>
+          <a:effectRef idx="2">
+            <a:schemeClr val="accent6"/>
+          </a:effectRef>
+          <a:fontRef idx="minor">
+            <a:schemeClr val="tx1"/>
+          </a:fontRef>
+        </p:style>
+      </p:cxnSp>
+      <p:cxnSp>
+        <p:nvCxnSpPr>
+          <p:cNvPr id="206" name="Straight Arrow Connector 205">
+            <a:extLst>
+              <a:ext uri="{FF2B5EF4-FFF2-40B4-BE49-F238E27FC236}">
+                <a16:creationId xmlns:a16="http://schemas.microsoft.com/office/drawing/2014/main" id="{E080DAF0-75BE-4C0A-ABB6-F8AAE5502586}"/>
+              </a:ext>
+            </a:extLst>
+          </p:cNvPr>
+          <p:cNvCxnSpPr>
+            <a:cxnSpLocks/>
+          </p:cNvCxnSpPr>
+          <p:nvPr/>
+        </p:nvCxnSpPr>
+        <p:spPr>
+          <a:xfrm flipH="1">
+            <a:off x="9183770" y="5282830"/>
+            <a:ext cx="116656" cy="235985"/>
+          </a:xfrm>
+          <a:prstGeom prst="straightConnector1">
+            <a:avLst/>
+          </a:prstGeom>
+          <a:ln>
+            <a:prstDash val="sysDot"/>
+            <a:tailEnd type="triangle"/>
+          </a:ln>
+        </p:spPr>
+        <p:style>
+          <a:lnRef idx="3">
+            <a:schemeClr val="accent2"/>
+          </a:lnRef>
+          <a:fillRef idx="0">
+            <a:schemeClr val="accent2"/>
+          </a:fillRef>
+          <a:effectRef idx="2">
+            <a:schemeClr val="accent2"/>
+          </a:effectRef>
+          <a:fontRef idx="minor">
+            <a:schemeClr val="tx1"/>
+          </a:fontRef>
+        </p:style>
+      </p:cxnSp>
+      <p:cxnSp>
+        <p:nvCxnSpPr>
+          <p:cNvPr id="158" name="Straight Arrow Connector 157">
+            <a:extLst>
+              <a:ext uri="{FF2B5EF4-FFF2-40B4-BE49-F238E27FC236}">
+                <a16:creationId xmlns:a16="http://schemas.microsoft.com/office/drawing/2014/main" id="{93616DD0-022F-4BAB-A94A-9DA3D3068F13}"/>
+              </a:ext>
+            </a:extLst>
+          </p:cNvPr>
+          <p:cNvCxnSpPr>
+            <a:cxnSpLocks/>
+          </p:cNvCxnSpPr>
+          <p:nvPr/>
+        </p:nvCxnSpPr>
+        <p:spPr>
+          <a:xfrm flipV="1">
+            <a:off x="9699248" y="4702317"/>
+            <a:ext cx="248878" cy="193066"/>
+          </a:xfrm>
+          <a:prstGeom prst="straightConnector1">
+            <a:avLst/>
+          </a:prstGeom>
+          <a:ln>
+            <a:tailEnd type="triangle"/>
+          </a:ln>
+        </p:spPr>
+        <p:style>
+          <a:lnRef idx="3">
+            <a:schemeClr val="accent6"/>
+          </a:lnRef>
+          <a:fillRef idx="0">
+            <a:schemeClr val="accent6"/>
+          </a:fillRef>
+          <a:effectRef idx="2">
+            <a:schemeClr val="accent6"/>
+          </a:effectRef>
+          <a:fontRef idx="minor">
+            <a:schemeClr val="tx1"/>
+          </a:fontRef>
+        </p:style>
+      </p:cxnSp>
+      <p:cxnSp>
+        <p:nvCxnSpPr>
+          <p:cNvPr id="159" name="Straight Arrow Connector 158">
+            <a:extLst>
+              <a:ext uri="{FF2B5EF4-FFF2-40B4-BE49-F238E27FC236}">
+                <a16:creationId xmlns:a16="http://schemas.microsoft.com/office/drawing/2014/main" id="{B1DA0D7D-9EE0-47D2-8F77-F26B8268398C}"/>
+              </a:ext>
+            </a:extLst>
+          </p:cNvPr>
+          <p:cNvCxnSpPr>
+            <a:cxnSpLocks/>
+          </p:cNvCxnSpPr>
+          <p:nvPr/>
+        </p:nvCxnSpPr>
+        <p:spPr>
+          <a:xfrm flipH="1" flipV="1">
+            <a:off x="9495091" y="4643884"/>
+            <a:ext cx="208202" cy="246500"/>
+          </a:xfrm>
+          <a:prstGeom prst="straightConnector1">
+            <a:avLst/>
+          </a:prstGeom>
+          <a:ln>
+            <a:tailEnd type="triangle"/>
+          </a:ln>
+        </p:spPr>
+        <p:style>
+          <a:lnRef idx="3">
+            <a:schemeClr val="accent2"/>
+          </a:lnRef>
+          <a:fillRef idx="0">
+            <a:schemeClr val="accent2"/>
+          </a:fillRef>
+          <a:effectRef idx="2">
+            <a:schemeClr val="accent2"/>
+          </a:effectRef>
+          <a:fontRef idx="minor">
+            <a:schemeClr val="tx1"/>
+          </a:fontRef>
+        </p:style>
+      </p:cxnSp>
+      <p:grpSp>
+        <p:nvGrpSpPr>
+          <p:cNvPr id="232" name="Group 231">
+            <a:extLst>
+              <a:ext uri="{FF2B5EF4-FFF2-40B4-BE49-F238E27FC236}">
+                <a16:creationId xmlns:a16="http://schemas.microsoft.com/office/drawing/2014/main" id="{8375D6DB-CE7A-45D1-BFDF-5534B3EEEC1C}"/>
+              </a:ext>
+            </a:extLst>
+          </p:cNvPr>
+          <p:cNvGrpSpPr/>
+          <p:nvPr/>
+        </p:nvGrpSpPr>
+        <p:grpSpPr>
+          <a:xfrm>
+            <a:off x="8904108" y="5288461"/>
+            <a:ext cx="226440" cy="294840"/>
+            <a:chOff x="8904108" y="5288461"/>
+            <a:chExt cx="226440" cy="294840"/>
+          </a:xfrm>
+        </p:grpSpPr>
+        <mc:AlternateContent xmlns:mc="http://schemas.openxmlformats.org/markup-compatibility/2006" xmlns:p14="http://schemas.microsoft.com/office/powerpoint/2010/main">
+          <mc:Choice Requires="p14">
+            <p:contentPart p14:bwMode="auto" r:id="rId3">
+              <p14:nvContentPartPr>
+                <p14:cNvPr id="229" name="Ink 228">
+                  <a:extLst>
+                    <a:ext uri="{FF2B5EF4-FFF2-40B4-BE49-F238E27FC236}">
+                      <a16:creationId xmlns:a16="http://schemas.microsoft.com/office/drawing/2014/main" id="{8BDE2AED-CF3E-4F62-8552-83747FAA3BBE}"/>
+                    </a:ext>
+                  </a:extLst>
+                </p14:cNvPr>
+                <p14:cNvContentPartPr/>
+                <p14:nvPr/>
+              </p14:nvContentPartPr>
+              <p14:xfrm>
+                <a:off x="8948388" y="5310781"/>
+                <a:ext cx="182160" cy="272520"/>
+              </p14:xfrm>
+            </p:contentPart>
+          </mc:Choice>
+          <mc:Fallback xmlns="">
+            <p:pic>
+              <p:nvPicPr>
+                <p:cNvPr id="229" name="Ink 228">
+                  <a:extLst>
+                    <a:ext uri="{FF2B5EF4-FFF2-40B4-BE49-F238E27FC236}">
+                      <a16:creationId xmlns:a16="http://schemas.microsoft.com/office/drawing/2014/main" id="{8BDE2AED-CF3E-4F62-8552-83747FAA3BBE}"/>
+                    </a:ext>
+                  </a:extLst>
+                </p:cNvPr>
+                <p:cNvPicPr/>
+                <p:nvPr/>
+              </p:nvPicPr>
+              <p:blipFill>
+                <a:blip r:embed="rId4"/>
+                <a:stretch>
+                  <a:fillRect/>
+                </a:stretch>
+              </p:blipFill>
+              <p:spPr>
+                <a:xfrm>
+                  <a:off x="8944068" y="5306461"/>
+                  <a:ext cx="190800" cy="281160"/>
+                </a:xfrm>
+                <a:prstGeom prst="rect">
+                  <a:avLst/>
+                </a:prstGeom>
+              </p:spPr>
+            </p:pic>
+          </mc:Fallback>
+        </mc:AlternateContent>
+        <mc:AlternateContent xmlns:mc="http://schemas.openxmlformats.org/markup-compatibility/2006" xmlns:p14="http://schemas.microsoft.com/office/powerpoint/2010/main">
+          <mc:Choice Requires="p14">
+            <p:contentPart p14:bwMode="auto" r:id="rId5">
+              <p14:nvContentPartPr>
+                <p14:cNvPr id="230" name="Ink 229">
+                  <a:extLst>
+                    <a:ext uri="{FF2B5EF4-FFF2-40B4-BE49-F238E27FC236}">
+                      <a16:creationId xmlns:a16="http://schemas.microsoft.com/office/drawing/2014/main" id="{FCB997E4-A80E-4550-B2D2-30C1966AB51E}"/>
+                    </a:ext>
+                  </a:extLst>
+                </p14:cNvPr>
+                <p14:cNvContentPartPr/>
+                <p14:nvPr/>
+              </p14:nvContentPartPr>
+              <p14:xfrm>
+                <a:off x="8904108" y="5297101"/>
+                <a:ext cx="36000" cy="88200"/>
+              </p14:xfrm>
+            </p:contentPart>
+          </mc:Choice>
+          <mc:Fallback xmlns="">
+            <p:pic>
+              <p:nvPicPr>
+                <p:cNvPr id="230" name="Ink 229">
+                  <a:extLst>
+                    <a:ext uri="{FF2B5EF4-FFF2-40B4-BE49-F238E27FC236}">
+                      <a16:creationId xmlns:a16="http://schemas.microsoft.com/office/drawing/2014/main" id="{FCB997E4-A80E-4550-B2D2-30C1966AB51E}"/>
+                    </a:ext>
+                  </a:extLst>
+                </p:cNvPr>
+                <p:cNvPicPr/>
+                <p:nvPr/>
+              </p:nvPicPr>
+              <p:blipFill>
+                <a:blip r:embed="rId6"/>
+                <a:stretch>
+                  <a:fillRect/>
+                </a:stretch>
+              </p:blipFill>
+              <p:spPr>
+                <a:xfrm>
+                  <a:off x="8899788" y="5292781"/>
+                  <a:ext cx="44640" cy="96840"/>
+                </a:xfrm>
+                <a:prstGeom prst="rect">
+                  <a:avLst/>
+                </a:prstGeom>
+              </p:spPr>
+            </p:pic>
+          </mc:Fallback>
+        </mc:AlternateContent>
+        <mc:AlternateContent xmlns:mc="http://schemas.openxmlformats.org/markup-compatibility/2006" xmlns:p14="http://schemas.microsoft.com/office/powerpoint/2010/main">
+          <mc:Choice Requires="p14">
+            <p:contentPart p14:bwMode="auto" r:id="rId7">
+              <p14:nvContentPartPr>
+                <p14:cNvPr id="231" name="Ink 230">
+                  <a:extLst>
+                    <a:ext uri="{FF2B5EF4-FFF2-40B4-BE49-F238E27FC236}">
+                      <a16:creationId xmlns:a16="http://schemas.microsoft.com/office/drawing/2014/main" id="{8FFFAF2E-2915-4B4E-B581-AA41E65C4C94}"/>
+                    </a:ext>
+                  </a:extLst>
+                </p14:cNvPr>
+                <p14:cNvContentPartPr/>
+                <p14:nvPr/>
+              </p14:nvContentPartPr>
+              <p14:xfrm>
+                <a:off x="8944428" y="5288461"/>
+                <a:ext cx="85320" cy="69480"/>
+              </p14:xfrm>
+            </p:contentPart>
+          </mc:Choice>
+          <mc:Fallback xmlns="">
+            <p:pic>
+              <p:nvPicPr>
+                <p:cNvPr id="231" name="Ink 230">
+                  <a:extLst>
+                    <a:ext uri="{FF2B5EF4-FFF2-40B4-BE49-F238E27FC236}">
+                      <a16:creationId xmlns:a16="http://schemas.microsoft.com/office/drawing/2014/main" id="{8FFFAF2E-2915-4B4E-B581-AA41E65C4C94}"/>
+                    </a:ext>
+                  </a:extLst>
+                </p:cNvPr>
+                <p:cNvPicPr/>
+                <p:nvPr/>
+              </p:nvPicPr>
+              <p:blipFill>
+                <a:blip r:embed="rId8"/>
+                <a:stretch>
+                  <a:fillRect/>
+                </a:stretch>
+              </p:blipFill>
+              <p:spPr>
+                <a:xfrm>
+                  <a:off x="8940108" y="5284141"/>
+                  <a:ext cx="93960" cy="78120"/>
+                </a:xfrm>
+                <a:prstGeom prst="rect">
+                  <a:avLst/>
+                </a:prstGeom>
+              </p:spPr>
+            </p:pic>
+          </mc:Fallback>
+        </mc:AlternateContent>
+      </p:grpSp>
+      <p:sp>
+        <p:nvSpPr>
+          <p:cNvPr id="233" name="TextBox 232">
+            <a:extLst>
+              <a:ext uri="{FF2B5EF4-FFF2-40B4-BE49-F238E27FC236}">
+                <a16:creationId xmlns:a16="http://schemas.microsoft.com/office/drawing/2014/main" id="{0F813663-33B9-42F8-B6E9-DFC843DC7473}"/>
+              </a:ext>
+            </a:extLst>
+          </p:cNvPr>
+          <p:cNvSpPr txBox="1"/>
+          <p:nvPr/>
+        </p:nvSpPr>
+        <p:spPr>
+          <a:xfrm>
+            <a:off x="8662618" y="5093542"/>
+            <a:ext cx="394059" cy="276999"/>
+          </a:xfrm>
+          <a:prstGeom prst="rect">
+            <a:avLst/>
+          </a:prstGeom>
+          <a:noFill/>
+        </p:spPr>
+        <p:txBody>
+          <a:bodyPr wrap="square" rtlCol="0">
+            <a:spAutoFit/>
+          </a:bodyPr>
+          <a:lstStyle/>
+          <a:p>
+            <a:r>
+              <a:rPr lang="en-US" sz="1200" dirty="0"/>
+              <a:t>O</a:t>
+            </a:r>
+            <a:r>
+              <a:rPr lang="en-US" sz="1200" baseline="-25000" dirty="0"/>
+              <a:t>2</a:t>
+            </a:r>
+          </a:p>
+        </p:txBody>
+      </p:sp>
+      <p:sp>
+        <p:nvSpPr>
+          <p:cNvPr id="234" name="TextBox 233">
+            <a:extLst>
+              <a:ext uri="{FF2B5EF4-FFF2-40B4-BE49-F238E27FC236}">
+                <a16:creationId xmlns:a16="http://schemas.microsoft.com/office/drawing/2014/main" id="{FADEF6D4-482D-44AC-B45D-A7BC66598D9C}"/>
+              </a:ext>
+            </a:extLst>
+          </p:cNvPr>
+          <p:cNvSpPr txBox="1"/>
+          <p:nvPr/>
+        </p:nvSpPr>
+        <p:spPr>
+          <a:xfrm>
+            <a:off x="8724702" y="5386677"/>
+            <a:ext cx="430811" cy="246221"/>
+          </a:xfrm>
+          <a:prstGeom prst="rect">
+            <a:avLst/>
+          </a:prstGeom>
+          <a:noFill/>
+        </p:spPr>
+        <p:txBody>
+          <a:bodyPr wrap="square" rtlCol="0">
+            <a:spAutoFit/>
+          </a:bodyPr>
+          <a:lstStyle/>
+          <a:p>
+            <a:r>
+              <a:rPr lang="el-GR" sz="1000" dirty="0"/>
+              <a:t>ω</a:t>
+            </a:r>
+            <a:r>
+              <a:rPr lang="en-US" sz="1000" baseline="-25000" dirty="0">
+                <a:solidFill>
+                  <a:prstClr val="black"/>
+                </a:solidFill>
+              </a:rPr>
+              <a:t>12</a:t>
+            </a:r>
+            <a:endParaRPr lang="en-US" sz="1000" baseline="-25000" dirty="0"/>
+          </a:p>
+        </p:txBody>
+      </p:sp>
+      <p:cxnSp>
+        <p:nvCxnSpPr>
+          <p:cNvPr id="236" name="Straight Arrow Connector 235">
+            <a:extLst>
+              <a:ext uri="{FF2B5EF4-FFF2-40B4-BE49-F238E27FC236}">
+                <a16:creationId xmlns:a16="http://schemas.microsoft.com/office/drawing/2014/main" id="{84A5686C-E776-49EA-8E03-DEA466B9B8F5}"/>
+              </a:ext>
+            </a:extLst>
+          </p:cNvPr>
+          <p:cNvCxnSpPr>
+            <a:cxnSpLocks/>
+          </p:cNvCxnSpPr>
+          <p:nvPr/>
+        </p:nvCxnSpPr>
+        <p:spPr>
+          <a:xfrm flipH="1">
+            <a:off x="7341964" y="3407813"/>
+            <a:ext cx="231944" cy="106424"/>
+          </a:xfrm>
+          <a:prstGeom prst="straightConnector1">
+            <a:avLst/>
+          </a:prstGeom>
+          <a:ln>
+            <a:tailEnd type="triangle"/>
+          </a:ln>
+        </p:spPr>
+        <p:style>
+          <a:lnRef idx="1">
+            <a:schemeClr val="accent1"/>
+          </a:lnRef>
+          <a:fillRef idx="0">
+            <a:schemeClr val="accent1"/>
+          </a:fillRef>
+          <a:effectRef idx="0">
+            <a:schemeClr val="accent1"/>
+          </a:effectRef>
+          <a:fontRef idx="minor">
+            <a:schemeClr val="tx1"/>
+          </a:fontRef>
+        </p:style>
+      </p:cxnSp>
+      <p:cxnSp>
+        <p:nvCxnSpPr>
+          <p:cNvPr id="238" name="Straight Arrow Connector 237">
+            <a:extLst>
+              <a:ext uri="{FF2B5EF4-FFF2-40B4-BE49-F238E27FC236}">
+                <a16:creationId xmlns:a16="http://schemas.microsoft.com/office/drawing/2014/main" id="{CC38B612-F88A-4109-A914-B034982EEE58}"/>
+              </a:ext>
+            </a:extLst>
+          </p:cNvPr>
+          <p:cNvCxnSpPr>
+            <a:cxnSpLocks/>
+            <a:stCxn id="242" idx="2"/>
+          </p:cNvCxnSpPr>
+          <p:nvPr/>
+        </p:nvCxnSpPr>
+        <p:spPr>
+          <a:xfrm>
+            <a:off x="6557243" y="4088713"/>
+            <a:ext cx="355175" cy="70143"/>
+          </a:xfrm>
+          <a:prstGeom prst="straightConnector1">
+            <a:avLst/>
+          </a:prstGeom>
+          <a:ln>
+            <a:tailEnd type="triangle"/>
+          </a:ln>
+        </p:spPr>
+        <p:style>
+          <a:lnRef idx="1">
+            <a:schemeClr val="accent1"/>
+          </a:lnRef>
+          <a:fillRef idx="0">
+            <a:schemeClr val="accent1"/>
+          </a:fillRef>
+          <a:effectRef idx="0">
+            <a:schemeClr val="accent1"/>
+          </a:effectRef>
+          <a:fontRef idx="minor">
+            <a:schemeClr val="tx1"/>
+          </a:fontRef>
+        </p:style>
+      </p:cxnSp>
+      <p:sp>
+        <p:nvSpPr>
+          <p:cNvPr id="242" name="TextBox 241">
+            <a:extLst>
+              <a:ext uri="{FF2B5EF4-FFF2-40B4-BE49-F238E27FC236}">
+                <a16:creationId xmlns:a16="http://schemas.microsoft.com/office/drawing/2014/main" id="{A6B07518-96AE-42A0-86D2-73E0100C4328}"/>
+              </a:ext>
+            </a:extLst>
+          </p:cNvPr>
+          <p:cNvSpPr txBox="1"/>
+          <p:nvPr/>
+        </p:nvSpPr>
+        <p:spPr>
+          <a:xfrm>
+            <a:off x="6175109" y="3688603"/>
+            <a:ext cx="764267" cy="400110"/>
+          </a:xfrm>
+          <a:prstGeom prst="rect">
+            <a:avLst/>
+          </a:prstGeom>
+          <a:noFill/>
+        </p:spPr>
+        <p:txBody>
+          <a:bodyPr wrap="square" rtlCol="0">
+            <a:spAutoFit/>
+          </a:bodyPr>
+          <a:lstStyle/>
+          <a:p>
+            <a:r>
+              <a:rPr lang="en-US" sz="1000" dirty="0"/>
+              <a:t>Borehole centerline</a:t>
+            </a:r>
+            <a:endParaRPr lang="en-US" sz="1000" baseline="-25000" dirty="0"/>
+          </a:p>
+        </p:txBody>
+      </p:sp>
+      <p:sp>
+        <p:nvSpPr>
+          <p:cNvPr id="243" name="TextBox 242">
+            <a:extLst>
+              <a:ext uri="{FF2B5EF4-FFF2-40B4-BE49-F238E27FC236}">
+                <a16:creationId xmlns:a16="http://schemas.microsoft.com/office/drawing/2014/main" id="{657D48B0-2763-498A-8676-BC9B812E8436}"/>
+              </a:ext>
+            </a:extLst>
+          </p:cNvPr>
+          <p:cNvSpPr txBox="1"/>
+          <p:nvPr/>
+        </p:nvSpPr>
+        <p:spPr>
+          <a:xfrm>
+            <a:off x="7373027" y="3216981"/>
+            <a:ext cx="764267" cy="246221"/>
+          </a:xfrm>
+          <a:prstGeom prst="rect">
+            <a:avLst/>
+          </a:prstGeom>
+          <a:noFill/>
+        </p:spPr>
+        <p:txBody>
+          <a:bodyPr wrap="square" rtlCol="0">
+            <a:spAutoFit/>
+          </a:bodyPr>
+          <a:lstStyle/>
+          <a:p>
+            <a:r>
+              <a:rPr lang="en-US" sz="1000" dirty="0"/>
+              <a:t>Drill string</a:t>
+            </a:r>
+            <a:endParaRPr lang="en-US" sz="1000" baseline="-25000" dirty="0"/>
+          </a:p>
+        </p:txBody>
+      </p:sp>
+      <p:grpSp>
+        <p:nvGrpSpPr>
+          <p:cNvPr id="257" name="Group 256">
+            <a:extLst>
+              <a:ext uri="{FF2B5EF4-FFF2-40B4-BE49-F238E27FC236}">
+                <a16:creationId xmlns:a16="http://schemas.microsoft.com/office/drawing/2014/main" id="{7AAF8AB0-7024-4C10-B3CC-4CC38AA9A23F}"/>
+              </a:ext>
+            </a:extLst>
+          </p:cNvPr>
+          <p:cNvGrpSpPr/>
+          <p:nvPr/>
+        </p:nvGrpSpPr>
+        <p:grpSpPr>
+          <a:xfrm>
+            <a:off x="9932405" y="4437828"/>
+            <a:ext cx="191880" cy="236520"/>
+            <a:chOff x="9903240" y="4438380"/>
+            <a:chExt cx="191880" cy="236520"/>
+          </a:xfrm>
+        </p:grpSpPr>
+        <mc:AlternateContent xmlns:mc="http://schemas.openxmlformats.org/markup-compatibility/2006" xmlns:p14="http://schemas.microsoft.com/office/powerpoint/2010/main">
+          <mc:Choice Requires="p14">
+            <p:contentPart p14:bwMode="auto" r:id="rId9">
+              <p14:nvContentPartPr>
+                <p14:cNvPr id="255" name="Ink 254">
+                  <a:extLst>
+                    <a:ext uri="{FF2B5EF4-FFF2-40B4-BE49-F238E27FC236}">
+                      <a16:creationId xmlns:a16="http://schemas.microsoft.com/office/drawing/2014/main" id="{9766DBDB-D034-48C1-8CAA-ECDDC6979C9B}"/>
+                    </a:ext>
+                  </a:extLst>
+                </p14:cNvPr>
+                <p14:cNvContentPartPr/>
+                <p14:nvPr/>
+              </p14:nvContentPartPr>
+              <p14:xfrm>
+                <a:off x="9903240" y="4438380"/>
+                <a:ext cx="126360" cy="229680"/>
+              </p14:xfrm>
+            </p:contentPart>
+          </mc:Choice>
+          <mc:Fallback xmlns="">
+            <p:pic>
+              <p:nvPicPr>
+                <p:cNvPr id="255" name="Ink 254">
+                  <a:extLst>
+                    <a:ext uri="{FF2B5EF4-FFF2-40B4-BE49-F238E27FC236}">
+                      <a16:creationId xmlns:a16="http://schemas.microsoft.com/office/drawing/2014/main" id="{9766DBDB-D034-48C1-8CAA-ECDDC6979C9B}"/>
+                    </a:ext>
+                  </a:extLst>
+                </p:cNvPr>
+                <p:cNvPicPr/>
+                <p:nvPr/>
+              </p:nvPicPr>
+              <p:blipFill>
+                <a:blip r:embed="rId16"/>
+                <a:stretch>
+                  <a:fillRect/>
+                </a:stretch>
+              </p:blipFill>
+              <p:spPr>
+                <a:xfrm>
+                  <a:off x="9898920" y="4434060"/>
+                  <a:ext cx="135000" cy="238320"/>
+                </a:xfrm>
+                <a:prstGeom prst="rect">
+                  <a:avLst/>
+                </a:prstGeom>
+              </p:spPr>
+            </p:pic>
+          </mc:Fallback>
+        </mc:AlternateContent>
+        <mc:AlternateContent xmlns:mc="http://schemas.openxmlformats.org/markup-compatibility/2006" xmlns:p14="http://schemas.microsoft.com/office/powerpoint/2010/main">
+          <mc:Choice Requires="p14">
+            <p:contentPart p14:bwMode="auto" r:id="rId17">
+              <p14:nvContentPartPr>
+                <p14:cNvPr id="256" name="Ink 255">
+                  <a:extLst>
+                    <a:ext uri="{FF2B5EF4-FFF2-40B4-BE49-F238E27FC236}">
+                      <a16:creationId xmlns:a16="http://schemas.microsoft.com/office/drawing/2014/main" id="{DCA7FFBA-83A1-4854-A8EF-911C54201B9E}"/>
+                    </a:ext>
+                  </a:extLst>
+                </p14:cNvPr>
+                <p14:cNvContentPartPr/>
+                <p14:nvPr/>
+              </p14:nvContentPartPr>
+              <p14:xfrm>
+                <a:off x="10029960" y="4566900"/>
+                <a:ext cx="65160" cy="108000"/>
+              </p14:xfrm>
+            </p:contentPart>
+          </mc:Choice>
+          <mc:Fallback xmlns="">
+            <p:pic>
+              <p:nvPicPr>
+                <p:cNvPr id="256" name="Ink 255">
+                  <a:extLst>
+                    <a:ext uri="{FF2B5EF4-FFF2-40B4-BE49-F238E27FC236}">
+                      <a16:creationId xmlns:a16="http://schemas.microsoft.com/office/drawing/2014/main" id="{DCA7FFBA-83A1-4854-A8EF-911C54201B9E}"/>
+                    </a:ext>
+                  </a:extLst>
+                </p:cNvPr>
+                <p:cNvPicPr/>
+                <p:nvPr/>
+              </p:nvPicPr>
+              <p:blipFill>
+                <a:blip r:embed="rId18"/>
+                <a:stretch>
+                  <a:fillRect/>
+                </a:stretch>
+              </p:blipFill>
+              <p:spPr>
+                <a:xfrm>
+                  <a:off x="10025640" y="4562580"/>
+                  <a:ext cx="73800" cy="116640"/>
+                </a:xfrm>
+                <a:prstGeom prst="rect">
+                  <a:avLst/>
+                </a:prstGeom>
+              </p:spPr>
+            </p:pic>
+          </mc:Fallback>
+        </mc:AlternateContent>
+      </p:grpSp>
+      <p:sp>
+        <p:nvSpPr>
+          <p:cNvPr id="258" name="TextBox 257">
+            <a:extLst>
+              <a:ext uri="{FF2B5EF4-FFF2-40B4-BE49-F238E27FC236}">
+                <a16:creationId xmlns:a16="http://schemas.microsoft.com/office/drawing/2014/main" id="{142A12E2-45A9-4166-BB50-D22C941550E6}"/>
+              </a:ext>
+            </a:extLst>
+          </p:cNvPr>
+          <p:cNvSpPr txBox="1"/>
+          <p:nvPr/>
+        </p:nvSpPr>
+        <p:spPr>
+          <a:xfrm>
+            <a:off x="9606237" y="4305964"/>
+            <a:ext cx="394059" cy="276999"/>
+          </a:xfrm>
+          <a:prstGeom prst="rect">
+            <a:avLst/>
+          </a:prstGeom>
+          <a:noFill/>
+        </p:spPr>
+        <p:txBody>
+          <a:bodyPr wrap="square" rtlCol="0">
+            <a:spAutoFit/>
+          </a:bodyPr>
+          <a:lstStyle/>
+          <a:p>
+            <a:r>
+              <a:rPr lang="en-US" sz="1200" dirty="0"/>
+              <a:t>O</a:t>
+            </a:r>
+            <a:r>
+              <a:rPr lang="en-US" sz="1200" baseline="-25000" dirty="0"/>
+              <a:t>3a</a:t>
+            </a:r>
+          </a:p>
+        </p:txBody>
+      </p:sp>
+      <p:sp>
+        <p:nvSpPr>
+          <p:cNvPr id="260" name="Rectangle 259">
+            <a:extLst>
+              <a:ext uri="{FF2B5EF4-FFF2-40B4-BE49-F238E27FC236}">
+                <a16:creationId xmlns:a16="http://schemas.microsoft.com/office/drawing/2014/main" id="{D6360D20-B5BB-4DCB-B3F2-D8F499BD34F5}"/>
+              </a:ext>
+            </a:extLst>
+          </p:cNvPr>
+          <p:cNvSpPr/>
+          <p:nvPr/>
+        </p:nvSpPr>
+        <p:spPr>
+          <a:xfrm>
+            <a:off x="9427077" y="4562792"/>
+            <a:ext cx="541666" cy="513554"/>
+          </a:xfrm>
+          <a:prstGeom prst="rect">
+            <a:avLst/>
+          </a:prstGeom>
+          <a:noFill/>
+          <a:ln>
+            <a:solidFill>
+              <a:schemeClr val="bg1">
+                <a:lumMod val="65000"/>
+              </a:schemeClr>
+            </a:solidFill>
+            <a:prstDash val="lgDash"/>
+          </a:ln>
+        </p:spPr>
+        <p:style>
+          <a:lnRef idx="2">
+            <a:schemeClr val="accent1">
+              <a:shade val="50000"/>
+            </a:schemeClr>
+          </a:lnRef>
+          <a:fillRef idx="1">
+            <a:schemeClr val="accent1"/>
+          </a:fillRef>
+          <a:effectRef idx="0">
+            <a:schemeClr val="accent1"/>
+          </a:effectRef>
+          <a:fontRef idx="minor">
+            <a:schemeClr val="lt1"/>
+          </a:fontRef>
+        </p:style>
+        <p:txBody>
+          <a:bodyPr rtlCol="0" anchor="ctr"/>
+          <a:lstStyle/>
+          <a:p>
+            <a:pPr algn="ctr"/>
+            <a:endParaRPr lang="en-US"/>
+          </a:p>
+        </p:txBody>
+      </p:sp>
+      <p:sp>
+        <p:nvSpPr>
+          <p:cNvPr id="259" name="TextBox 258">
+            <a:extLst>
+              <a:ext uri="{FF2B5EF4-FFF2-40B4-BE49-F238E27FC236}">
+                <a16:creationId xmlns:a16="http://schemas.microsoft.com/office/drawing/2014/main" id="{645332F4-F144-49D1-9B67-15908A02D02F}"/>
+              </a:ext>
+            </a:extLst>
+          </p:cNvPr>
+          <p:cNvSpPr txBox="1"/>
+          <p:nvPr/>
+        </p:nvSpPr>
+        <p:spPr>
+          <a:xfrm>
+            <a:off x="9901984" y="4634805"/>
+            <a:ext cx="394059" cy="276999"/>
+          </a:xfrm>
+          <a:prstGeom prst="rect">
+            <a:avLst/>
+          </a:prstGeom>
+          <a:noFill/>
+        </p:spPr>
+        <p:txBody>
+          <a:bodyPr wrap="square" rtlCol="0">
+            <a:spAutoFit/>
+          </a:bodyPr>
+          <a:lstStyle/>
+          <a:p>
+            <a:r>
+              <a:rPr lang="en-US" sz="1200" dirty="0"/>
+              <a:t>O</a:t>
+            </a:r>
+            <a:r>
+              <a:rPr lang="en-US" sz="1200" baseline="-25000" dirty="0"/>
+              <a:t>3b</a:t>
+            </a:r>
+          </a:p>
+        </p:txBody>
+      </p:sp>
+      <p:cxnSp>
+        <p:nvCxnSpPr>
+          <p:cNvPr id="262" name="Straight Connector 261">
+            <a:extLst>
+              <a:ext uri="{FF2B5EF4-FFF2-40B4-BE49-F238E27FC236}">
+                <a16:creationId xmlns:a16="http://schemas.microsoft.com/office/drawing/2014/main" id="{0C707318-5DC8-4A85-B9A6-2C09B6619A77}"/>
+              </a:ext>
+            </a:extLst>
+          </p:cNvPr>
+          <p:cNvCxnSpPr>
+            <a:cxnSpLocks/>
+          </p:cNvCxnSpPr>
+          <p:nvPr/>
+        </p:nvCxnSpPr>
+        <p:spPr>
+          <a:xfrm flipH="1" flipV="1">
+            <a:off x="8528973" y="3628205"/>
+            <a:ext cx="881424" cy="930295"/>
+          </a:xfrm>
+          <a:prstGeom prst="line">
+            <a:avLst/>
+          </a:prstGeom>
+        </p:spPr>
+        <p:style>
+          <a:lnRef idx="1">
+            <a:schemeClr val="accent3"/>
+          </a:lnRef>
+          <a:fillRef idx="0">
+            <a:schemeClr val="accent3"/>
+          </a:fillRef>
+          <a:effectRef idx="0">
+            <a:schemeClr val="accent3"/>
+          </a:effectRef>
+          <a:fontRef idx="minor">
+            <a:schemeClr val="tx1"/>
+          </a:fontRef>
+        </p:style>
+      </p:cxnSp>
+      <p:cxnSp>
+        <p:nvCxnSpPr>
+          <p:cNvPr id="264" name="Straight Connector 263">
+            <a:extLst>
+              <a:ext uri="{FF2B5EF4-FFF2-40B4-BE49-F238E27FC236}">
+                <a16:creationId xmlns:a16="http://schemas.microsoft.com/office/drawing/2014/main" id="{B873D37E-3C2B-41C8-8CBC-8FF5F8F040E7}"/>
+              </a:ext>
+            </a:extLst>
+          </p:cNvPr>
+          <p:cNvCxnSpPr>
+            <a:cxnSpLocks/>
+          </p:cNvCxnSpPr>
+          <p:nvPr/>
+        </p:nvCxnSpPr>
+        <p:spPr>
+          <a:xfrm flipH="1" flipV="1">
+            <a:off x="9791490" y="3628205"/>
+            <a:ext cx="177252" cy="930295"/>
+          </a:xfrm>
+          <a:prstGeom prst="line">
+            <a:avLst/>
+          </a:prstGeom>
+        </p:spPr>
+        <p:style>
+          <a:lnRef idx="1">
+            <a:schemeClr val="accent3"/>
+          </a:lnRef>
+          <a:fillRef idx="0">
+            <a:schemeClr val="accent3"/>
+          </a:fillRef>
+          <a:effectRef idx="0">
+            <a:schemeClr val="accent3"/>
+          </a:effectRef>
+          <a:fontRef idx="minor">
+            <a:schemeClr val="tx1"/>
+          </a:fontRef>
+        </p:style>
+      </p:cxnSp>
+      <p:sp>
+        <p:nvSpPr>
+          <p:cNvPr id="265" name="Rectangle 264">
+            <a:extLst>
+              <a:ext uri="{FF2B5EF4-FFF2-40B4-BE49-F238E27FC236}">
+                <a16:creationId xmlns:a16="http://schemas.microsoft.com/office/drawing/2014/main" id="{EA54690B-778F-4E42-95F9-2BDA4E011C1C}"/>
+              </a:ext>
+            </a:extLst>
+          </p:cNvPr>
+          <p:cNvSpPr/>
+          <p:nvPr/>
+        </p:nvSpPr>
+        <p:spPr>
+          <a:xfrm>
+            <a:off x="8530381" y="2416895"/>
+            <a:ext cx="1261110" cy="1211310"/>
+          </a:xfrm>
+          <a:prstGeom prst="rect">
+            <a:avLst/>
+          </a:prstGeom>
+          <a:noFill/>
+          <a:ln>
+            <a:solidFill>
+              <a:schemeClr val="bg1">
+                <a:lumMod val="65000"/>
+              </a:schemeClr>
+            </a:solidFill>
+            <a:prstDash val="lgDash"/>
+          </a:ln>
+        </p:spPr>
+        <p:style>
+          <a:lnRef idx="2">
+            <a:schemeClr val="accent1">
+              <a:shade val="50000"/>
+            </a:schemeClr>
+          </a:lnRef>
+          <a:fillRef idx="1">
+            <a:schemeClr val="accent1"/>
+          </a:fillRef>
+          <a:effectRef idx="0">
+            <a:schemeClr val="accent1"/>
+          </a:effectRef>
+          <a:fontRef idx="minor">
+            <a:schemeClr val="lt1"/>
+          </a:fontRef>
+        </p:style>
+        <p:txBody>
+          <a:bodyPr rtlCol="0" anchor="ctr"/>
+          <a:lstStyle/>
+          <a:p>
+            <a:pPr algn="ctr"/>
+            <a:endParaRPr lang="en-US"/>
+          </a:p>
+        </p:txBody>
+      </p:sp>
+      <p:cxnSp>
+        <p:nvCxnSpPr>
+          <p:cNvPr id="267" name="Straight Arrow Connector 266">
+            <a:extLst>
+              <a:ext uri="{FF2B5EF4-FFF2-40B4-BE49-F238E27FC236}">
+                <a16:creationId xmlns:a16="http://schemas.microsoft.com/office/drawing/2014/main" id="{0DEE2F78-D773-4C17-A308-B52E1D8B9FC6}"/>
+              </a:ext>
+            </a:extLst>
+          </p:cNvPr>
+          <p:cNvCxnSpPr>
+            <a:cxnSpLocks/>
+          </p:cNvCxnSpPr>
+          <p:nvPr/>
+        </p:nvCxnSpPr>
+        <p:spPr>
+          <a:xfrm>
+            <a:off x="9336788" y="3078075"/>
+            <a:ext cx="364895" cy="136181"/>
+          </a:xfrm>
+          <a:prstGeom prst="straightConnector1">
+            <a:avLst/>
+          </a:prstGeom>
+          <a:ln>
+            <a:prstDash val="sysDot"/>
+            <a:tailEnd type="triangle"/>
+          </a:ln>
+        </p:spPr>
+        <p:style>
+          <a:lnRef idx="3">
+            <a:schemeClr val="accent1"/>
+          </a:lnRef>
+          <a:fillRef idx="0">
+            <a:schemeClr val="accent1"/>
+          </a:fillRef>
+          <a:effectRef idx="2">
+            <a:schemeClr val="accent1"/>
+          </a:effectRef>
+          <a:fontRef idx="minor">
+            <a:schemeClr val="tx1"/>
+          </a:fontRef>
+        </p:style>
+      </p:cxnSp>
+      <p:sp>
+        <p:nvSpPr>
+          <p:cNvPr id="268" name="Oval 267">
+            <a:extLst>
+              <a:ext uri="{FF2B5EF4-FFF2-40B4-BE49-F238E27FC236}">
+                <a16:creationId xmlns:a16="http://schemas.microsoft.com/office/drawing/2014/main" id="{41775597-956F-4938-80C7-0436178BEEA8}"/>
+              </a:ext>
+            </a:extLst>
+          </p:cNvPr>
+          <p:cNvSpPr/>
+          <p:nvPr/>
+        </p:nvSpPr>
+        <p:spPr>
+          <a:xfrm rot="6059239">
+            <a:off x="9045949" y="2881311"/>
+            <a:ext cx="591256" cy="412916"/>
+          </a:xfrm>
+          <a:prstGeom prst="ellipse">
+            <a:avLst/>
+          </a:prstGeom>
+          <a:noFill/>
+          <a:ln>
+            <a:solidFill>
+              <a:schemeClr val="tx1"/>
+            </a:solidFill>
+          </a:ln>
+        </p:spPr>
+        <p:style>
+          <a:lnRef idx="2">
+            <a:schemeClr val="accent1">
+              <a:shade val="50000"/>
+            </a:schemeClr>
+          </a:lnRef>
+          <a:fillRef idx="1">
+            <a:schemeClr val="accent1"/>
+          </a:fillRef>
+          <a:effectRef idx="0">
+            <a:schemeClr val="accent1"/>
+          </a:effectRef>
+          <a:fontRef idx="minor">
+            <a:schemeClr val="lt1"/>
+          </a:fontRef>
+        </p:style>
+        <p:txBody>
+          <a:bodyPr rtlCol="0" anchor="ctr"/>
+          <a:lstStyle/>
+          <a:p>
+            <a:pPr algn="ctr"/>
+            <a:endParaRPr lang="en-US"/>
+          </a:p>
+        </p:txBody>
+      </p:sp>
+      <p:cxnSp>
+        <p:nvCxnSpPr>
+          <p:cNvPr id="269" name="Straight Arrow Connector 268">
+            <a:extLst>
+              <a:ext uri="{FF2B5EF4-FFF2-40B4-BE49-F238E27FC236}">
+                <a16:creationId xmlns:a16="http://schemas.microsoft.com/office/drawing/2014/main" id="{0DE59BDE-8DE0-4ACA-8EFB-06209DC599D6}"/>
+              </a:ext>
+            </a:extLst>
+          </p:cNvPr>
+          <p:cNvCxnSpPr>
+            <a:cxnSpLocks/>
+          </p:cNvCxnSpPr>
+          <p:nvPr/>
+        </p:nvCxnSpPr>
+        <p:spPr>
+          <a:xfrm flipV="1">
+            <a:off x="9347033" y="2820755"/>
+            <a:ext cx="302943" cy="267479"/>
+          </a:xfrm>
+          <a:prstGeom prst="straightConnector1">
+            <a:avLst/>
+          </a:prstGeom>
+          <a:ln>
+            <a:prstDash val="sysDot"/>
+            <a:tailEnd type="triangle"/>
+          </a:ln>
+        </p:spPr>
+        <p:style>
+          <a:lnRef idx="3">
+            <a:schemeClr val="accent6"/>
+          </a:lnRef>
+          <a:fillRef idx="0">
+            <a:schemeClr val="accent6"/>
+          </a:fillRef>
+          <a:effectRef idx="2">
+            <a:schemeClr val="accent6"/>
+          </a:effectRef>
+          <a:fontRef idx="minor">
+            <a:schemeClr val="tx1"/>
+          </a:fontRef>
+        </p:style>
+      </p:cxnSp>
+      <p:cxnSp>
+        <p:nvCxnSpPr>
+          <p:cNvPr id="270" name="Straight Arrow Connector 269">
+            <a:extLst>
+              <a:ext uri="{FF2B5EF4-FFF2-40B4-BE49-F238E27FC236}">
+                <a16:creationId xmlns:a16="http://schemas.microsoft.com/office/drawing/2014/main" id="{04D9C331-A749-4E35-BBEE-C63E7DC31A1C}"/>
+              </a:ext>
+            </a:extLst>
+          </p:cNvPr>
+          <p:cNvCxnSpPr>
+            <a:cxnSpLocks/>
+          </p:cNvCxnSpPr>
+          <p:nvPr/>
+        </p:nvCxnSpPr>
+        <p:spPr>
+          <a:xfrm flipH="1" flipV="1">
+            <a:off x="9076325" y="2915548"/>
+            <a:ext cx="274753" cy="167687"/>
+          </a:xfrm>
+          <a:prstGeom prst="straightConnector1">
+            <a:avLst/>
+          </a:prstGeom>
+          <a:ln>
+            <a:prstDash val="sysDot"/>
+            <a:tailEnd type="triangle"/>
+          </a:ln>
+        </p:spPr>
+        <p:style>
+          <a:lnRef idx="3">
+            <a:schemeClr val="accent2"/>
+          </a:lnRef>
+          <a:fillRef idx="0">
+            <a:schemeClr val="accent2"/>
+          </a:fillRef>
+          <a:effectRef idx="2">
+            <a:schemeClr val="accent2"/>
+          </a:effectRef>
+          <a:fontRef idx="minor">
+            <a:schemeClr val="tx1"/>
+          </a:fontRef>
+        </p:style>
+      </p:cxnSp>
+      <p:sp>
+        <p:nvSpPr>
+          <p:cNvPr id="271" name="TextBox 270">
+            <a:extLst>
+              <a:ext uri="{FF2B5EF4-FFF2-40B4-BE49-F238E27FC236}">
+                <a16:creationId xmlns:a16="http://schemas.microsoft.com/office/drawing/2014/main" id="{83871C59-C470-408D-863F-F3929DF7EE29}"/>
+              </a:ext>
+            </a:extLst>
+          </p:cNvPr>
+          <p:cNvSpPr txBox="1"/>
+          <p:nvPr/>
+        </p:nvSpPr>
+        <p:spPr>
+          <a:xfrm>
+            <a:off x="9465370" y="3194577"/>
+            <a:ext cx="436614" cy="276999"/>
+          </a:xfrm>
+          <a:prstGeom prst="rect">
+            <a:avLst/>
+          </a:prstGeom>
+          <a:noFill/>
+        </p:spPr>
+        <p:txBody>
+          <a:bodyPr wrap="square" rtlCol="0">
+            <a:spAutoFit/>
+          </a:bodyPr>
+          <a:lstStyle/>
+          <a:p>
+            <a:r>
+              <a:rPr lang="en-US" sz="1200" dirty="0"/>
+              <a:t>O</a:t>
+            </a:r>
+            <a:r>
+              <a:rPr lang="en-US" sz="1200" baseline="-25000" dirty="0"/>
+              <a:t>3b</a:t>
+            </a:r>
+          </a:p>
+        </p:txBody>
+      </p:sp>
+      <p:sp>
+        <p:nvSpPr>
+          <p:cNvPr id="285" name="Cube 284">
+            <a:extLst>
+              <a:ext uri="{FF2B5EF4-FFF2-40B4-BE49-F238E27FC236}">
+                <a16:creationId xmlns:a16="http://schemas.microsoft.com/office/drawing/2014/main" id="{ED995036-4DB0-4FA6-AED5-E032009F8451}"/>
+              </a:ext>
+            </a:extLst>
+          </p:cNvPr>
+          <p:cNvSpPr/>
+          <p:nvPr/>
+        </p:nvSpPr>
+        <p:spPr>
+          <a:xfrm rot="1399588">
+            <a:off x="9226485" y="2709996"/>
+            <a:ext cx="158294" cy="74355"/>
+          </a:xfrm>
+          <a:prstGeom prst="cube">
+            <a:avLst>
+              <a:gd name="adj" fmla="val 33797"/>
+            </a:avLst>
+          </a:prstGeom>
+        </p:spPr>
+        <p:style>
+          <a:lnRef idx="2">
+            <a:schemeClr val="accent4">
+              <a:shade val="50000"/>
+            </a:schemeClr>
+          </a:lnRef>
+          <a:fillRef idx="1">
+            <a:schemeClr val="accent4"/>
+          </a:fillRef>
+          <a:effectRef idx="0">
+            <a:schemeClr val="accent4"/>
+          </a:effectRef>
+          <a:fontRef idx="minor">
+            <a:schemeClr val="lt1"/>
+          </a:fontRef>
+        </p:style>
+        <p:txBody>
+          <a:bodyPr rtlCol="0" anchor="ctr"/>
+          <a:lstStyle/>
+          <a:p>
+            <a:pPr algn="ctr"/>
+            <a:endParaRPr lang="en-US"/>
+          </a:p>
+        </p:txBody>
+      </p:sp>
+      <p:cxnSp>
+        <p:nvCxnSpPr>
+          <p:cNvPr id="286" name="Straight Arrow Connector 285">
+            <a:extLst>
+              <a:ext uri="{FF2B5EF4-FFF2-40B4-BE49-F238E27FC236}">
+                <a16:creationId xmlns:a16="http://schemas.microsoft.com/office/drawing/2014/main" id="{71FE180F-EA44-4069-8153-D6D0D841DBA9}"/>
+              </a:ext>
+            </a:extLst>
+          </p:cNvPr>
+          <p:cNvCxnSpPr>
+            <a:cxnSpLocks/>
+          </p:cNvCxnSpPr>
+          <p:nvPr/>
+        </p:nvCxnSpPr>
+        <p:spPr>
+          <a:xfrm>
+            <a:off x="9325903" y="2776863"/>
+            <a:ext cx="364895" cy="136181"/>
+          </a:xfrm>
+          <a:prstGeom prst="straightConnector1">
+            <a:avLst/>
+          </a:prstGeom>
+          <a:ln>
+            <a:tailEnd type="triangle"/>
+          </a:ln>
+        </p:spPr>
+        <p:style>
+          <a:lnRef idx="3">
+            <a:schemeClr val="accent1"/>
+          </a:lnRef>
+          <a:fillRef idx="0">
+            <a:schemeClr val="accent1"/>
+          </a:fillRef>
+          <a:effectRef idx="2">
+            <a:schemeClr val="accent1"/>
+          </a:effectRef>
+          <a:fontRef idx="minor">
+            <a:schemeClr val="tx1"/>
+          </a:fontRef>
+        </p:style>
+      </p:cxnSp>
+      <p:cxnSp>
+        <p:nvCxnSpPr>
+          <p:cNvPr id="287" name="Straight Arrow Connector 286">
+            <a:extLst>
+              <a:ext uri="{FF2B5EF4-FFF2-40B4-BE49-F238E27FC236}">
+                <a16:creationId xmlns:a16="http://schemas.microsoft.com/office/drawing/2014/main" id="{BB72FDF1-04A6-459D-A85A-5C2D93DF045A}"/>
+              </a:ext>
+            </a:extLst>
+          </p:cNvPr>
+          <p:cNvCxnSpPr>
+            <a:cxnSpLocks/>
+          </p:cNvCxnSpPr>
+          <p:nvPr/>
+        </p:nvCxnSpPr>
+        <p:spPr>
+          <a:xfrm flipV="1">
+            <a:off x="9336148" y="2519543"/>
+            <a:ext cx="302943" cy="267479"/>
+          </a:xfrm>
+          <a:prstGeom prst="straightConnector1">
+            <a:avLst/>
+          </a:prstGeom>
+          <a:ln>
+            <a:tailEnd type="triangle"/>
+          </a:ln>
+        </p:spPr>
+        <p:style>
+          <a:lnRef idx="3">
+            <a:schemeClr val="accent6"/>
+          </a:lnRef>
+          <a:fillRef idx="0">
+            <a:schemeClr val="accent6"/>
+          </a:fillRef>
+          <a:effectRef idx="2">
+            <a:schemeClr val="accent6"/>
+          </a:effectRef>
+          <a:fontRef idx="minor">
+            <a:schemeClr val="tx1"/>
+          </a:fontRef>
+        </p:style>
+      </p:cxnSp>
+      <p:cxnSp>
+        <p:nvCxnSpPr>
+          <p:cNvPr id="288" name="Straight Arrow Connector 287">
+            <a:extLst>
+              <a:ext uri="{FF2B5EF4-FFF2-40B4-BE49-F238E27FC236}">
+                <a16:creationId xmlns:a16="http://schemas.microsoft.com/office/drawing/2014/main" id="{FBDCAA1E-9FC0-467D-9AA8-ED6D27BF52D3}"/>
+              </a:ext>
+            </a:extLst>
+          </p:cNvPr>
+          <p:cNvCxnSpPr>
+            <a:cxnSpLocks/>
+          </p:cNvCxnSpPr>
+          <p:nvPr/>
+        </p:nvCxnSpPr>
+        <p:spPr>
+          <a:xfrm flipH="1" flipV="1">
+            <a:off x="9065440" y="2614336"/>
+            <a:ext cx="274753" cy="167687"/>
+          </a:xfrm>
+          <a:prstGeom prst="straightConnector1">
+            <a:avLst/>
+          </a:prstGeom>
+          <a:ln>
+            <a:tailEnd type="triangle"/>
+          </a:ln>
+        </p:spPr>
+        <p:style>
+          <a:lnRef idx="3">
+            <a:schemeClr val="accent2"/>
+          </a:lnRef>
+          <a:fillRef idx="0">
+            <a:schemeClr val="accent2"/>
+          </a:fillRef>
+          <a:effectRef idx="2">
+            <a:schemeClr val="accent2"/>
+          </a:effectRef>
+          <a:fontRef idx="minor">
+            <a:schemeClr val="tx1"/>
+          </a:fontRef>
+        </p:style>
+      </p:cxnSp>
+      <p:sp>
+        <p:nvSpPr>
+          <p:cNvPr id="289" name="TextBox 288">
+            <a:extLst>
+              <a:ext uri="{FF2B5EF4-FFF2-40B4-BE49-F238E27FC236}">
+                <a16:creationId xmlns:a16="http://schemas.microsoft.com/office/drawing/2014/main" id="{6E865960-6A45-4CB5-B727-5FD4098D9873}"/>
+              </a:ext>
+            </a:extLst>
+          </p:cNvPr>
+          <p:cNvSpPr txBox="1"/>
+          <p:nvPr/>
+        </p:nvSpPr>
+        <p:spPr>
+          <a:xfrm>
+            <a:off x="9240406" y="2382749"/>
+            <a:ext cx="351975" cy="276999"/>
+          </a:xfrm>
+          <a:prstGeom prst="rect">
+            <a:avLst/>
+          </a:prstGeom>
+          <a:noFill/>
+        </p:spPr>
+        <p:txBody>
+          <a:bodyPr wrap="square" rtlCol="0">
+            <a:spAutoFit/>
+          </a:bodyPr>
+          <a:lstStyle/>
+          <a:p>
+            <a:r>
+              <a:rPr lang="en-US" sz="1200" dirty="0"/>
+              <a:t>O</a:t>
+            </a:r>
+            <a:r>
+              <a:rPr lang="en-US" sz="1200" baseline="-25000" dirty="0"/>
+              <a:t>S</a:t>
+            </a:r>
+          </a:p>
+        </p:txBody>
+      </p:sp>
+      <p:cxnSp>
+        <p:nvCxnSpPr>
+          <p:cNvPr id="290" name="Straight Arrow Connector 289">
+            <a:extLst>
+              <a:ext uri="{FF2B5EF4-FFF2-40B4-BE49-F238E27FC236}">
+                <a16:creationId xmlns:a16="http://schemas.microsoft.com/office/drawing/2014/main" id="{547C7A76-B386-4072-8684-B4475CF5EFE3}"/>
+              </a:ext>
+            </a:extLst>
+          </p:cNvPr>
+          <p:cNvCxnSpPr>
+            <a:cxnSpLocks/>
+          </p:cNvCxnSpPr>
+          <p:nvPr/>
+        </p:nvCxnSpPr>
+        <p:spPr>
+          <a:xfrm>
+            <a:off x="9053984" y="2309976"/>
+            <a:ext cx="223156" cy="349772"/>
+          </a:xfrm>
+          <a:prstGeom prst="straightConnector1">
+            <a:avLst/>
+          </a:prstGeom>
+          <a:ln>
+            <a:tailEnd type="triangle"/>
+          </a:ln>
+        </p:spPr>
+        <p:style>
+          <a:lnRef idx="1">
+            <a:schemeClr val="accent1"/>
+          </a:lnRef>
+          <a:fillRef idx="0">
+            <a:schemeClr val="accent1"/>
+          </a:fillRef>
+          <a:effectRef idx="0">
+            <a:schemeClr val="accent1"/>
+          </a:effectRef>
+          <a:fontRef idx="minor">
+            <a:schemeClr val="tx1"/>
+          </a:fontRef>
+        </p:style>
+      </p:cxnSp>
+      <p:sp>
+        <p:nvSpPr>
+          <p:cNvPr id="291" name="TextBox 290">
+            <a:extLst>
+              <a:ext uri="{FF2B5EF4-FFF2-40B4-BE49-F238E27FC236}">
+                <a16:creationId xmlns:a16="http://schemas.microsoft.com/office/drawing/2014/main" id="{A2274082-39E7-4F9A-B793-92F4A4F24B2B}"/>
+              </a:ext>
+            </a:extLst>
+          </p:cNvPr>
+          <p:cNvSpPr txBox="1"/>
+          <p:nvPr/>
+        </p:nvSpPr>
+        <p:spPr>
+          <a:xfrm>
+            <a:off x="8610945" y="2119144"/>
+            <a:ext cx="1006425" cy="246221"/>
+          </a:xfrm>
+          <a:prstGeom prst="rect">
+            <a:avLst/>
+          </a:prstGeom>
+          <a:noFill/>
+        </p:spPr>
+        <p:txBody>
+          <a:bodyPr wrap="square" rtlCol="0">
+            <a:spAutoFit/>
+          </a:bodyPr>
+          <a:lstStyle/>
+          <a:p>
+            <a:r>
+              <a:rPr lang="en-US" sz="1000" dirty="0"/>
+              <a:t>accelerometer</a:t>
+            </a:r>
+            <a:endParaRPr lang="en-US" sz="1000" baseline="-25000" dirty="0"/>
+          </a:p>
+        </p:txBody>
+      </p:sp>
+      <p:cxnSp>
+        <p:nvCxnSpPr>
+          <p:cNvPr id="148" name="Straight Arrow Connector 147">
+            <a:extLst>
+              <a:ext uri="{FF2B5EF4-FFF2-40B4-BE49-F238E27FC236}">
+                <a16:creationId xmlns:a16="http://schemas.microsoft.com/office/drawing/2014/main" id="{30E57168-B521-4727-A8C5-2A29B299302E}"/>
+              </a:ext>
+            </a:extLst>
+          </p:cNvPr>
+          <p:cNvCxnSpPr>
+            <a:cxnSpLocks/>
+          </p:cNvCxnSpPr>
+          <p:nvPr/>
+        </p:nvCxnSpPr>
+        <p:spPr>
+          <a:xfrm>
+            <a:off x="9689003" y="4885224"/>
+            <a:ext cx="343332" cy="117437"/>
+          </a:xfrm>
+          <a:prstGeom prst="straightConnector1">
+            <a:avLst/>
+          </a:prstGeom>
+          <a:ln>
+            <a:tailEnd type="triangle"/>
+          </a:ln>
+        </p:spPr>
+        <p:style>
+          <a:lnRef idx="3">
+            <a:schemeClr val="accent1"/>
+          </a:lnRef>
+          <a:fillRef idx="0">
+            <a:schemeClr val="accent1"/>
+          </a:fillRef>
+          <a:effectRef idx="2">
+            <a:schemeClr val="accent1"/>
+          </a:effectRef>
+          <a:fontRef idx="minor">
+            <a:schemeClr val="tx1"/>
+          </a:fontRef>
+        </p:style>
+      </p:cxnSp>
+      <p:cxnSp>
+        <p:nvCxnSpPr>
+          <p:cNvPr id="174" name="Straight Arrow Connector 173">
+            <a:extLst>
+              <a:ext uri="{FF2B5EF4-FFF2-40B4-BE49-F238E27FC236}">
+                <a16:creationId xmlns:a16="http://schemas.microsoft.com/office/drawing/2014/main" id="{98B8612E-6AE6-4B12-846F-3DBF70FF6872}"/>
+              </a:ext>
+            </a:extLst>
+          </p:cNvPr>
+          <p:cNvCxnSpPr>
+            <a:cxnSpLocks/>
+          </p:cNvCxnSpPr>
+          <p:nvPr/>
+        </p:nvCxnSpPr>
+        <p:spPr>
+          <a:xfrm flipV="1">
+            <a:off x="9297858" y="4975873"/>
+            <a:ext cx="165380" cy="300991"/>
+          </a:xfrm>
+          <a:prstGeom prst="straightConnector1">
+            <a:avLst/>
+          </a:prstGeom>
+          <a:ln>
+            <a:tailEnd type="triangle"/>
+          </a:ln>
+        </p:spPr>
+        <p:style>
+          <a:lnRef idx="3">
+            <a:schemeClr val="accent4"/>
+          </a:lnRef>
+          <a:fillRef idx="0">
+            <a:schemeClr val="accent4"/>
+          </a:fillRef>
+          <a:effectRef idx="2">
+            <a:schemeClr val="accent4"/>
+          </a:effectRef>
+          <a:fontRef idx="minor">
+            <a:schemeClr val="tx1"/>
+          </a:fontRef>
+        </p:style>
+      </p:cxnSp>
+      <p:sp>
+        <p:nvSpPr>
+          <p:cNvPr id="295" name="TextBox 294">
+            <a:extLst>
+              <a:ext uri="{FF2B5EF4-FFF2-40B4-BE49-F238E27FC236}">
+                <a16:creationId xmlns:a16="http://schemas.microsoft.com/office/drawing/2014/main" id="{9A6A50E2-B8B5-4C61-BC3E-B870A48E0C45}"/>
+              </a:ext>
+            </a:extLst>
+          </p:cNvPr>
+          <p:cNvSpPr txBox="1"/>
+          <p:nvPr/>
+        </p:nvSpPr>
+        <p:spPr>
+          <a:xfrm>
+            <a:off x="9955228" y="4333733"/>
+            <a:ext cx="430811" cy="261610"/>
+          </a:xfrm>
+          <a:prstGeom prst="rect">
+            <a:avLst/>
+          </a:prstGeom>
+          <a:noFill/>
+        </p:spPr>
+        <p:txBody>
+          <a:bodyPr wrap="square" rtlCol="0">
+            <a:spAutoFit/>
+          </a:bodyPr>
+          <a:lstStyle/>
+          <a:p>
+            <a:r>
+              <a:rPr lang="el-GR" sz="1100" dirty="0"/>
+              <a:t>θ</a:t>
+            </a:r>
+            <a:endParaRPr lang="en-US" sz="1100" baseline="-25000" dirty="0"/>
+          </a:p>
+        </p:txBody>
+      </p:sp>
+    </p:spTree>
+    <p:extLst>
+      <p:ext uri="{BB962C8B-B14F-4D97-AF65-F5344CB8AC3E}">
+        <p14:creationId xmlns:p14="http://schemas.microsoft.com/office/powerpoint/2010/main" val="796935869"/>
+      </p:ext>
+    </p:extLst>
+  </p:cSld>
+  <p:clrMapOvr>
+    <a:masterClrMapping/>
+  </p:clrMapOvr>
+</p:sld>
+</file>
+
+<file path=ppt/slides/slide3.xml><?xml version="1.0" encoding="utf-8"?>
 <p:sld xmlns:a="http://schemas.openxmlformats.org/drawingml/2006/main" xmlns:r="http://schemas.openxmlformats.org/officeDocument/2006/relationships" xmlns:p="http://schemas.openxmlformats.org/presentationml/2006/main">
   <p:cSld>
     <p:bg>
@@ -5890,7 +11767,7 @@
 </p:sld>
 </file>
 
-<file path=ppt/slides/slide2.xml><?xml version="1.0" encoding="utf-8"?>
+<file path=ppt/slides/slide4.xml><?xml version="1.0" encoding="utf-8"?>
 <p:sld xmlns:a="http://schemas.openxmlformats.org/drawingml/2006/main" xmlns:r="http://schemas.openxmlformats.org/officeDocument/2006/relationships" xmlns:p="http://schemas.openxmlformats.org/presentationml/2006/main">
   <p:cSld>
     <p:spTree>
@@ -6652,7 +12529,7 @@
 </p:sld>
 </file>
 
-<file path=ppt/slides/slide3.xml><?xml version="1.0" encoding="utf-8"?>
+<file path=ppt/slides/slide5.xml><?xml version="1.0" encoding="utf-8"?>
 <p:sld xmlns:a="http://schemas.openxmlformats.org/drawingml/2006/main" xmlns:r="http://schemas.openxmlformats.org/officeDocument/2006/relationships" xmlns:p="http://schemas.openxmlformats.org/presentationml/2006/main">
   <p:cSld>
     <p:spTree>
@@ -6703,2689 +12580,6 @@
     <p:extLst>
       <p:ext uri="{BB962C8B-B14F-4D97-AF65-F5344CB8AC3E}">
         <p14:creationId xmlns:p14="http://schemas.microsoft.com/office/powerpoint/2010/main" val="497992059"/>
-      </p:ext>
-    </p:extLst>
-  </p:cSld>
-  <p:clrMapOvr>
-    <a:masterClrMapping/>
-  </p:clrMapOvr>
-</p:sld>
-</file>
-
-<file path=ppt/slides/slide4.xml><?xml version="1.0" encoding="utf-8"?>
-<p:sld xmlns:a="http://schemas.openxmlformats.org/drawingml/2006/main" xmlns:r="http://schemas.openxmlformats.org/officeDocument/2006/relationships" xmlns:p="http://schemas.openxmlformats.org/presentationml/2006/main">
-  <p:cSld>
-    <p:spTree>
-      <p:nvGrpSpPr>
-        <p:cNvPr id="1" name=""/>
-        <p:cNvGrpSpPr/>
-        <p:nvPr/>
-      </p:nvGrpSpPr>
-      <p:grpSpPr>
-        <a:xfrm>
-          <a:off x="0" y="0"/>
-          <a:ext cx="0" cy="0"/>
-          <a:chOff x="0" y="0"/>
-          <a:chExt cx="0" cy="0"/>
-        </a:xfrm>
-      </p:grpSpPr>
-      <p:sp>
-        <p:nvSpPr>
-          <p:cNvPr id="275" name="Cylinder 274">
-            <a:extLst>
-              <a:ext uri="{FF2B5EF4-FFF2-40B4-BE49-F238E27FC236}">
-                <a16:creationId xmlns:a16="http://schemas.microsoft.com/office/drawing/2014/main" id="{C2B0FF65-3536-4BC8-B37D-86A9BC8049E1}"/>
-              </a:ext>
-            </a:extLst>
-          </p:cNvPr>
-          <p:cNvSpPr/>
-          <p:nvPr/>
-        </p:nvSpPr>
-        <p:spPr>
-          <a:xfrm rot="6360915">
-            <a:off x="8782318" y="2529541"/>
-            <a:ext cx="588964" cy="960639"/>
-          </a:xfrm>
-          <a:prstGeom prst="can">
-            <a:avLst>
-              <a:gd name="adj" fmla="val 69369"/>
-            </a:avLst>
-          </a:prstGeom>
-        </p:spPr>
-        <p:style>
-          <a:lnRef idx="2">
-            <a:schemeClr val="accent1">
-              <a:shade val="50000"/>
-            </a:schemeClr>
-          </a:lnRef>
-          <a:fillRef idx="1">
-            <a:schemeClr val="accent1"/>
-          </a:fillRef>
-          <a:effectRef idx="0">
-            <a:schemeClr val="accent1"/>
-          </a:effectRef>
-          <a:fontRef idx="minor">
-            <a:schemeClr val="lt1"/>
-          </a:fontRef>
-        </p:style>
-        <p:txBody>
-          <a:bodyPr rtlCol="0" anchor="ctr"/>
-          <a:lstStyle/>
-          <a:p>
-            <a:pPr algn="ctr"/>
-            <a:endParaRPr lang="en-US"/>
-          </a:p>
-        </p:txBody>
-      </p:sp>
-      <p:pic>
-        <p:nvPicPr>
-          <p:cNvPr id="2" name="Picture 1">
-            <a:extLst>
-              <a:ext uri="{FF2B5EF4-FFF2-40B4-BE49-F238E27FC236}">
-                <a16:creationId xmlns:a16="http://schemas.microsoft.com/office/drawing/2014/main" id="{F2AAD0E8-D0FD-496F-A9C3-F7D9DABFE15F}"/>
-              </a:ext>
-            </a:extLst>
-          </p:cNvPr>
-          <p:cNvPicPr>
-            <a:picLocks noChangeAspect="1"/>
-          </p:cNvPicPr>
-          <p:nvPr/>
-        </p:nvPicPr>
-        <p:blipFill>
-          <a:blip r:embed="rId2"/>
-          <a:stretch>
-            <a:fillRect/>
-          </a:stretch>
-        </p:blipFill>
-        <p:spPr>
-          <a:xfrm>
-            <a:off x="0" y="764929"/>
-            <a:ext cx="5581357" cy="4651131"/>
-          </a:xfrm>
-          <a:prstGeom prst="rect">
-            <a:avLst/>
-          </a:prstGeom>
-        </p:spPr>
-      </p:pic>
-      <p:sp>
-        <p:nvSpPr>
-          <p:cNvPr id="3" name="Oval 2">
-            <a:extLst>
-              <a:ext uri="{FF2B5EF4-FFF2-40B4-BE49-F238E27FC236}">
-                <a16:creationId xmlns:a16="http://schemas.microsoft.com/office/drawing/2014/main" id="{B81BE979-3393-442D-9817-0AD0F5227373}"/>
-              </a:ext>
-            </a:extLst>
-          </p:cNvPr>
-          <p:cNvSpPr/>
-          <p:nvPr/>
-        </p:nvSpPr>
-        <p:spPr>
-          <a:xfrm>
-            <a:off x="6112376" y="395258"/>
-            <a:ext cx="1345631" cy="360484"/>
-          </a:xfrm>
-          <a:prstGeom prst="ellipse">
-            <a:avLst/>
-          </a:prstGeom>
-          <a:noFill/>
-          <a:ln>
-            <a:solidFill>
-              <a:schemeClr val="tx1"/>
-            </a:solidFill>
-          </a:ln>
-        </p:spPr>
-        <p:style>
-          <a:lnRef idx="2">
-            <a:schemeClr val="accent1">
-              <a:shade val="50000"/>
-            </a:schemeClr>
-          </a:lnRef>
-          <a:fillRef idx="1">
-            <a:schemeClr val="accent1"/>
-          </a:fillRef>
-          <a:effectRef idx="0">
-            <a:schemeClr val="accent1"/>
-          </a:effectRef>
-          <a:fontRef idx="minor">
-            <a:schemeClr val="lt1"/>
-          </a:fontRef>
-        </p:style>
-        <p:txBody>
-          <a:bodyPr rtlCol="0" anchor="ctr"/>
-          <a:lstStyle/>
-          <a:p>
-            <a:pPr algn="ctr"/>
-            <a:endParaRPr lang="en-US"/>
-          </a:p>
-        </p:txBody>
-      </p:sp>
-      <p:sp>
-        <p:nvSpPr>
-          <p:cNvPr id="4" name="Oval 3">
-            <a:extLst>
-              <a:ext uri="{FF2B5EF4-FFF2-40B4-BE49-F238E27FC236}">
-                <a16:creationId xmlns:a16="http://schemas.microsoft.com/office/drawing/2014/main" id="{B8550ABB-25D2-4012-8220-3CDDB254A948}"/>
-              </a:ext>
-            </a:extLst>
-          </p:cNvPr>
-          <p:cNvSpPr/>
-          <p:nvPr/>
-        </p:nvSpPr>
-        <p:spPr>
-          <a:xfrm>
-            <a:off x="6124104" y="2270045"/>
-            <a:ext cx="1345631" cy="360484"/>
-          </a:xfrm>
-          <a:prstGeom prst="ellipse">
-            <a:avLst/>
-          </a:prstGeom>
-          <a:noFill/>
-          <a:ln>
-            <a:solidFill>
-              <a:schemeClr val="tx1"/>
-            </a:solidFill>
-          </a:ln>
-        </p:spPr>
-        <p:style>
-          <a:lnRef idx="2">
-            <a:schemeClr val="accent1">
-              <a:shade val="50000"/>
-            </a:schemeClr>
-          </a:lnRef>
-          <a:fillRef idx="1">
-            <a:schemeClr val="accent1"/>
-          </a:fillRef>
-          <a:effectRef idx="0">
-            <a:schemeClr val="accent1"/>
-          </a:effectRef>
-          <a:fontRef idx="minor">
-            <a:schemeClr val="lt1"/>
-          </a:fontRef>
-        </p:style>
-        <p:txBody>
-          <a:bodyPr rtlCol="0" anchor="ctr"/>
-          <a:lstStyle/>
-          <a:p>
-            <a:pPr algn="ctr"/>
-            <a:endParaRPr lang="en-US"/>
-          </a:p>
-        </p:txBody>
-      </p:sp>
-      <p:sp>
-        <p:nvSpPr>
-          <p:cNvPr id="5" name="Oval 4">
-            <a:extLst>
-              <a:ext uri="{FF2B5EF4-FFF2-40B4-BE49-F238E27FC236}">
-                <a16:creationId xmlns:a16="http://schemas.microsoft.com/office/drawing/2014/main" id="{5C5FA085-B161-4091-AC8A-EC00E496886F}"/>
-              </a:ext>
-            </a:extLst>
-          </p:cNvPr>
-          <p:cNvSpPr/>
-          <p:nvPr/>
-        </p:nvSpPr>
-        <p:spPr>
-          <a:xfrm>
-            <a:off x="6662304" y="478785"/>
-            <a:ext cx="219807" cy="79130"/>
-          </a:xfrm>
-          <a:prstGeom prst="ellipse">
-            <a:avLst/>
-          </a:prstGeom>
-          <a:noFill/>
-          <a:ln>
-            <a:solidFill>
-              <a:schemeClr val="tx1"/>
-            </a:solidFill>
-          </a:ln>
-        </p:spPr>
-        <p:style>
-          <a:lnRef idx="2">
-            <a:schemeClr val="accent1">
-              <a:shade val="50000"/>
-            </a:schemeClr>
-          </a:lnRef>
-          <a:fillRef idx="1">
-            <a:schemeClr val="accent1"/>
-          </a:fillRef>
-          <a:effectRef idx="0">
-            <a:schemeClr val="accent1"/>
-          </a:effectRef>
-          <a:fontRef idx="minor">
-            <a:schemeClr val="lt1"/>
-          </a:fontRef>
-        </p:style>
-        <p:txBody>
-          <a:bodyPr rtlCol="0" anchor="ctr"/>
-          <a:lstStyle/>
-          <a:p>
-            <a:pPr algn="ctr"/>
-            <a:endParaRPr lang="en-US"/>
-          </a:p>
-        </p:txBody>
-      </p:sp>
-      <p:cxnSp>
-        <p:nvCxnSpPr>
-          <p:cNvPr id="125" name="Straight Arrow Connector 124">
-            <a:extLst>
-              <a:ext uri="{FF2B5EF4-FFF2-40B4-BE49-F238E27FC236}">
-                <a16:creationId xmlns:a16="http://schemas.microsoft.com/office/drawing/2014/main" id="{BDAABAB7-4840-411F-8A89-2C69C90B347F}"/>
-              </a:ext>
-            </a:extLst>
-          </p:cNvPr>
-          <p:cNvCxnSpPr>
-            <a:cxnSpLocks/>
-            <a:stCxn id="3" idx="2"/>
-            <a:endCxn id="4" idx="2"/>
-          </p:cNvCxnSpPr>
-          <p:nvPr/>
-        </p:nvCxnSpPr>
-        <p:spPr>
-          <a:xfrm>
-            <a:off x="6112376" y="575500"/>
-            <a:ext cx="11728" cy="1874787"/>
-          </a:xfrm>
-          <a:prstGeom prst="straightConnector1">
-            <a:avLst/>
-          </a:prstGeom>
-        </p:spPr>
-        <p:style>
-          <a:lnRef idx="1">
-            <a:schemeClr val="dk1"/>
-          </a:lnRef>
-          <a:fillRef idx="0">
-            <a:schemeClr val="dk1"/>
-          </a:fillRef>
-          <a:effectRef idx="0">
-            <a:schemeClr val="dk1"/>
-          </a:effectRef>
-          <a:fontRef idx="minor">
-            <a:schemeClr val="tx1"/>
-          </a:fontRef>
-        </p:style>
-      </p:cxnSp>
-      <p:cxnSp>
-        <p:nvCxnSpPr>
-          <p:cNvPr id="129" name="Straight Connector 128">
-            <a:extLst>
-              <a:ext uri="{FF2B5EF4-FFF2-40B4-BE49-F238E27FC236}">
-                <a16:creationId xmlns:a16="http://schemas.microsoft.com/office/drawing/2014/main" id="{7F452FF6-5BE7-43A1-ABC6-DB276496C123}"/>
-              </a:ext>
-            </a:extLst>
-          </p:cNvPr>
-          <p:cNvCxnSpPr>
-            <a:cxnSpLocks/>
-            <a:stCxn id="3" idx="6"/>
-            <a:endCxn id="4" idx="6"/>
-          </p:cNvCxnSpPr>
-          <p:nvPr/>
-        </p:nvCxnSpPr>
-        <p:spPr>
-          <a:xfrm>
-            <a:off x="7458007" y="575500"/>
-            <a:ext cx="11728" cy="1874787"/>
-          </a:xfrm>
-          <a:prstGeom prst="line">
-            <a:avLst/>
-          </a:prstGeom>
-        </p:spPr>
-        <p:style>
-          <a:lnRef idx="1">
-            <a:schemeClr val="dk1"/>
-          </a:lnRef>
-          <a:fillRef idx="0">
-            <a:schemeClr val="dk1"/>
-          </a:fillRef>
-          <a:effectRef idx="0">
-            <a:schemeClr val="dk1"/>
-          </a:effectRef>
-          <a:fontRef idx="minor">
-            <a:schemeClr val="tx1"/>
-          </a:fontRef>
-        </p:style>
-      </p:cxnSp>
-      <p:cxnSp>
-        <p:nvCxnSpPr>
-          <p:cNvPr id="137" name="Straight Arrow Connector 136">
-            <a:extLst>
-              <a:ext uri="{FF2B5EF4-FFF2-40B4-BE49-F238E27FC236}">
-                <a16:creationId xmlns:a16="http://schemas.microsoft.com/office/drawing/2014/main" id="{3A4BA3AC-490B-4E62-B22A-4C0C645998E0}"/>
-              </a:ext>
-            </a:extLst>
-          </p:cNvPr>
-          <p:cNvCxnSpPr>
-            <a:cxnSpLocks/>
-          </p:cNvCxnSpPr>
-          <p:nvPr/>
-        </p:nvCxnSpPr>
-        <p:spPr>
-          <a:xfrm flipH="1">
-            <a:off x="6755127" y="506571"/>
-            <a:ext cx="573" cy="348947"/>
-          </a:xfrm>
-          <a:prstGeom prst="straightConnector1">
-            <a:avLst/>
-          </a:prstGeom>
-          <a:ln>
-            <a:tailEnd type="triangle"/>
-          </a:ln>
-        </p:spPr>
-        <p:style>
-          <a:lnRef idx="3">
-            <a:schemeClr val="accent1"/>
-          </a:lnRef>
-          <a:fillRef idx="0">
-            <a:schemeClr val="accent1"/>
-          </a:fillRef>
-          <a:effectRef idx="2">
-            <a:schemeClr val="accent1"/>
-          </a:effectRef>
-          <a:fontRef idx="minor">
-            <a:schemeClr val="tx1"/>
-          </a:fontRef>
-        </p:style>
-      </p:cxnSp>
-      <p:cxnSp>
-        <p:nvCxnSpPr>
-          <p:cNvPr id="138" name="Straight Arrow Connector 137">
-            <a:extLst>
-              <a:ext uri="{FF2B5EF4-FFF2-40B4-BE49-F238E27FC236}">
-                <a16:creationId xmlns:a16="http://schemas.microsoft.com/office/drawing/2014/main" id="{6B9541AC-23C7-4C39-B5C0-347F26F56108}"/>
-              </a:ext>
-            </a:extLst>
-          </p:cNvPr>
-          <p:cNvCxnSpPr>
-            <a:cxnSpLocks/>
-          </p:cNvCxnSpPr>
-          <p:nvPr/>
-        </p:nvCxnSpPr>
-        <p:spPr>
-          <a:xfrm>
-            <a:off x="6755127" y="512648"/>
-            <a:ext cx="354364" cy="56208"/>
-          </a:xfrm>
-          <a:prstGeom prst="straightConnector1">
-            <a:avLst/>
-          </a:prstGeom>
-          <a:ln>
-            <a:tailEnd type="triangle"/>
-          </a:ln>
-        </p:spPr>
-        <p:style>
-          <a:lnRef idx="3">
-            <a:schemeClr val="accent6"/>
-          </a:lnRef>
-          <a:fillRef idx="0">
-            <a:schemeClr val="accent6"/>
-          </a:fillRef>
-          <a:effectRef idx="2">
-            <a:schemeClr val="accent6"/>
-          </a:effectRef>
-          <a:fontRef idx="minor">
-            <a:schemeClr val="tx1"/>
-          </a:fontRef>
-        </p:style>
-      </p:cxnSp>
-      <p:cxnSp>
-        <p:nvCxnSpPr>
-          <p:cNvPr id="139" name="Straight Arrow Connector 138">
-            <a:extLst>
-              <a:ext uri="{FF2B5EF4-FFF2-40B4-BE49-F238E27FC236}">
-                <a16:creationId xmlns:a16="http://schemas.microsoft.com/office/drawing/2014/main" id="{2DB5DDF9-8F7B-47E6-A4E1-5DF1FC89ECCE}"/>
-              </a:ext>
-            </a:extLst>
-          </p:cNvPr>
-          <p:cNvCxnSpPr>
-            <a:cxnSpLocks/>
-          </p:cNvCxnSpPr>
-          <p:nvPr/>
-        </p:nvCxnSpPr>
-        <p:spPr>
-          <a:xfrm flipH="1">
-            <a:off x="6550517" y="506570"/>
-            <a:ext cx="205183" cy="161983"/>
-          </a:xfrm>
-          <a:prstGeom prst="straightConnector1">
-            <a:avLst/>
-          </a:prstGeom>
-          <a:ln>
-            <a:tailEnd type="triangle"/>
-          </a:ln>
-        </p:spPr>
-        <p:style>
-          <a:lnRef idx="3">
-            <a:schemeClr val="accent2"/>
-          </a:lnRef>
-          <a:fillRef idx="0">
-            <a:schemeClr val="accent2"/>
-          </a:fillRef>
-          <a:effectRef idx="2">
-            <a:schemeClr val="accent2"/>
-          </a:effectRef>
-          <a:fontRef idx="minor">
-            <a:schemeClr val="tx1"/>
-          </a:fontRef>
-        </p:style>
-      </p:cxnSp>
-      <p:sp>
-        <p:nvSpPr>
-          <p:cNvPr id="140" name="TextBox 139">
-            <a:extLst>
-              <a:ext uri="{FF2B5EF4-FFF2-40B4-BE49-F238E27FC236}">
-                <a16:creationId xmlns:a16="http://schemas.microsoft.com/office/drawing/2014/main" id="{A91811D8-3A63-4571-A0C1-D0905A9DA57A}"/>
-              </a:ext>
-            </a:extLst>
-          </p:cNvPr>
-          <p:cNvSpPr txBox="1"/>
-          <p:nvPr/>
-        </p:nvSpPr>
-        <p:spPr>
-          <a:xfrm>
-            <a:off x="6763570" y="210701"/>
-            <a:ext cx="430811" cy="332758"/>
-          </a:xfrm>
-          <a:prstGeom prst="rect">
-            <a:avLst/>
-          </a:prstGeom>
-          <a:noFill/>
-        </p:spPr>
-        <p:txBody>
-          <a:bodyPr wrap="square" rtlCol="0">
-            <a:spAutoFit/>
-          </a:bodyPr>
-          <a:lstStyle/>
-          <a:p>
-            <a:r>
-              <a:rPr lang="en-US" dirty="0"/>
-              <a:t>O</a:t>
-            </a:r>
-            <a:r>
-              <a:rPr lang="en-US" baseline="-25000" dirty="0"/>
-              <a:t>0</a:t>
-            </a:r>
-          </a:p>
-        </p:txBody>
-      </p:sp>
-      <p:sp>
-        <p:nvSpPr>
-          <p:cNvPr id="151" name="TextBox 150">
-            <a:extLst>
-              <a:ext uri="{FF2B5EF4-FFF2-40B4-BE49-F238E27FC236}">
-                <a16:creationId xmlns:a16="http://schemas.microsoft.com/office/drawing/2014/main" id="{7AE5C30F-BFD4-42D9-AE81-1514FA3CE3D0}"/>
-              </a:ext>
-            </a:extLst>
-          </p:cNvPr>
-          <p:cNvSpPr txBox="1"/>
-          <p:nvPr/>
-        </p:nvSpPr>
-        <p:spPr>
-          <a:xfrm>
-            <a:off x="9094054" y="5447041"/>
-            <a:ext cx="394059" cy="276999"/>
-          </a:xfrm>
-          <a:prstGeom prst="rect">
-            <a:avLst/>
-          </a:prstGeom>
-          <a:noFill/>
-        </p:spPr>
-        <p:txBody>
-          <a:bodyPr wrap="square" rtlCol="0">
-            <a:spAutoFit/>
-          </a:bodyPr>
-          <a:lstStyle/>
-          <a:p>
-            <a:r>
-              <a:rPr lang="en-US" sz="1200" dirty="0"/>
-              <a:t>O</a:t>
-            </a:r>
-            <a:r>
-              <a:rPr lang="en-US" sz="1200" baseline="-25000" dirty="0"/>
-              <a:t>1</a:t>
-            </a:r>
-          </a:p>
-        </p:txBody>
-      </p:sp>
-      <p:cxnSp>
-        <p:nvCxnSpPr>
-          <p:cNvPr id="175" name="Straight Arrow Connector 174">
-            <a:extLst>
-              <a:ext uri="{FF2B5EF4-FFF2-40B4-BE49-F238E27FC236}">
-                <a16:creationId xmlns:a16="http://schemas.microsoft.com/office/drawing/2014/main" id="{3C2E7DD0-8E16-497F-887C-767967ABD81B}"/>
-              </a:ext>
-            </a:extLst>
-          </p:cNvPr>
-          <p:cNvCxnSpPr>
-            <a:cxnSpLocks/>
-          </p:cNvCxnSpPr>
-          <p:nvPr/>
-        </p:nvCxnSpPr>
-        <p:spPr>
-          <a:xfrm flipH="1">
-            <a:off x="9025753" y="5282042"/>
-            <a:ext cx="266402" cy="0"/>
-          </a:xfrm>
-          <a:prstGeom prst="straightConnector1">
-            <a:avLst/>
-          </a:prstGeom>
-          <a:ln>
-            <a:solidFill>
-              <a:srgbClr val="FF0000"/>
-            </a:solidFill>
-            <a:tailEnd type="triangle"/>
-          </a:ln>
-        </p:spPr>
-        <p:style>
-          <a:lnRef idx="3">
-            <a:schemeClr val="accent2"/>
-          </a:lnRef>
-          <a:fillRef idx="0">
-            <a:schemeClr val="accent2"/>
-          </a:fillRef>
-          <a:effectRef idx="2">
-            <a:schemeClr val="accent2"/>
-          </a:effectRef>
-          <a:fontRef idx="minor">
-            <a:schemeClr val="tx1"/>
-          </a:fontRef>
-        </p:style>
-      </p:cxnSp>
-      <p:sp>
-        <p:nvSpPr>
-          <p:cNvPr id="177" name="Cylinder 176">
-            <a:extLst>
-              <a:ext uri="{FF2B5EF4-FFF2-40B4-BE49-F238E27FC236}">
-                <a16:creationId xmlns:a16="http://schemas.microsoft.com/office/drawing/2014/main" id="{F27552BC-A4F9-435C-858A-B022AEC53A11}"/>
-              </a:ext>
-            </a:extLst>
-          </p:cNvPr>
-          <p:cNvSpPr/>
-          <p:nvPr/>
-        </p:nvSpPr>
-        <p:spPr>
-          <a:xfrm rot="6580311">
-            <a:off x="9286346" y="4414752"/>
-            <a:ext cx="231210" cy="701843"/>
-          </a:xfrm>
-          <a:prstGeom prst="can">
-            <a:avLst>
-              <a:gd name="adj" fmla="val 38764"/>
-            </a:avLst>
-          </a:prstGeom>
-        </p:spPr>
-        <p:style>
-          <a:lnRef idx="2">
-            <a:schemeClr val="accent1">
-              <a:shade val="50000"/>
-            </a:schemeClr>
-          </a:lnRef>
-          <a:fillRef idx="1">
-            <a:schemeClr val="accent1"/>
-          </a:fillRef>
-          <a:effectRef idx="0">
-            <a:schemeClr val="accent1"/>
-          </a:effectRef>
-          <a:fontRef idx="minor">
-            <a:schemeClr val="lt1"/>
-          </a:fontRef>
-        </p:style>
-        <p:txBody>
-          <a:bodyPr rtlCol="0" anchor="ctr"/>
-          <a:lstStyle/>
-          <a:p>
-            <a:pPr algn="ctr"/>
-            <a:endParaRPr lang="en-US"/>
-          </a:p>
-        </p:txBody>
-      </p:sp>
-      <p:sp>
-        <p:nvSpPr>
-          <p:cNvPr id="183" name="Freeform: Shape 182">
-            <a:extLst>
-              <a:ext uri="{FF2B5EF4-FFF2-40B4-BE49-F238E27FC236}">
-                <a16:creationId xmlns:a16="http://schemas.microsoft.com/office/drawing/2014/main" id="{8F11863C-E04C-4E95-A021-FA853457C114}"/>
-              </a:ext>
-            </a:extLst>
-          </p:cNvPr>
-          <p:cNvSpPr/>
-          <p:nvPr/>
-        </p:nvSpPr>
-        <p:spPr>
-          <a:xfrm>
-            <a:off x="6813658" y="514905"/>
-            <a:ext cx="2889635" cy="4243526"/>
-          </a:xfrm>
-          <a:custGeom>
-            <a:avLst/>
-            <a:gdLst>
-              <a:gd name="connsiteX0" fmla="*/ 2889635 w 2889635"/>
-              <a:gd name="connsiteY0" fmla="*/ 4243526 h 4243526"/>
-              <a:gd name="connsiteX1" fmla="*/ 270723 w 2889635"/>
-              <a:gd name="connsiteY1" fmla="*/ 2757996 h 4243526"/>
-              <a:gd name="connsiteX2" fmla="*/ 60618 w 2889635"/>
-              <a:gd name="connsiteY2" fmla="*/ 0 h 4243526"/>
-            </a:gdLst>
-            <a:ahLst/>
-            <a:cxnLst>
-              <a:cxn ang="0">
-                <a:pos x="connsiteX0" y="connsiteY0"/>
-              </a:cxn>
-              <a:cxn ang="0">
-                <a:pos x="connsiteX1" y="connsiteY1"/>
-              </a:cxn>
-              <a:cxn ang="0">
-                <a:pos x="connsiteX2" y="connsiteY2"/>
-              </a:cxn>
-            </a:cxnLst>
-            <a:rect l="l" t="t" r="r" b="b"/>
-            <a:pathLst>
-              <a:path w="2889635" h="4243526">
-                <a:moveTo>
-                  <a:pt x="2889635" y="4243526"/>
-                </a:moveTo>
-                <a:cubicBezTo>
-                  <a:pt x="1815930" y="3854388"/>
-                  <a:pt x="742226" y="3465250"/>
-                  <a:pt x="270723" y="2757996"/>
-                </a:cubicBezTo>
-                <a:cubicBezTo>
-                  <a:pt x="-200780" y="2050742"/>
-                  <a:pt x="94156" y="479394"/>
-                  <a:pt x="60618" y="0"/>
-                </a:cubicBezTo>
-              </a:path>
-            </a:pathLst>
-          </a:custGeom>
-        </p:spPr>
-        <p:style>
-          <a:lnRef idx="1">
-            <a:schemeClr val="dk1"/>
-          </a:lnRef>
-          <a:fillRef idx="0">
-            <a:schemeClr val="dk1"/>
-          </a:fillRef>
-          <a:effectRef idx="0">
-            <a:schemeClr val="dk1"/>
-          </a:effectRef>
-          <a:fontRef idx="minor">
-            <a:schemeClr val="tx1"/>
-          </a:fontRef>
-        </p:style>
-        <p:txBody>
-          <a:bodyPr rtlCol="0" anchor="ctr"/>
-          <a:lstStyle/>
-          <a:p>
-            <a:pPr algn="ctr"/>
-            <a:endParaRPr lang="en-US"/>
-          </a:p>
-        </p:txBody>
-      </p:sp>
-      <p:sp>
-        <p:nvSpPr>
-          <p:cNvPr id="186" name="Freeform: Shape 185">
-            <a:extLst>
-              <a:ext uri="{FF2B5EF4-FFF2-40B4-BE49-F238E27FC236}">
-                <a16:creationId xmlns:a16="http://schemas.microsoft.com/office/drawing/2014/main" id="{2EB60699-C97A-49F3-AC8E-3BE0225E2025}"/>
-              </a:ext>
-            </a:extLst>
-          </p:cNvPr>
-          <p:cNvSpPr/>
-          <p:nvPr/>
-        </p:nvSpPr>
-        <p:spPr>
-          <a:xfrm>
-            <a:off x="6577756" y="506027"/>
-            <a:ext cx="3081149" cy="4459550"/>
-          </a:xfrm>
-          <a:custGeom>
-            <a:avLst/>
-            <a:gdLst>
-              <a:gd name="connsiteX0" fmla="*/ 3081149 w 3081149"/>
-              <a:gd name="connsiteY0" fmla="*/ 4459550 h 4459550"/>
-              <a:gd name="connsiteX1" fmla="*/ 1678477 w 3081149"/>
-              <a:gd name="connsiteY1" fmla="*/ 3929849 h 4459550"/>
-              <a:gd name="connsiteX2" fmla="*/ 426726 w 3081149"/>
-              <a:gd name="connsiteY2" fmla="*/ 3092389 h 4459550"/>
-              <a:gd name="connsiteX3" fmla="*/ 12434 w 3081149"/>
-              <a:gd name="connsiteY3" fmla="*/ 1544715 h 4459550"/>
-              <a:gd name="connsiteX4" fmla="*/ 89374 w 3081149"/>
-              <a:gd name="connsiteY4" fmla="*/ 0 h 4459550"/>
-            </a:gdLst>
-            <a:ahLst/>
-            <a:cxnLst>
-              <a:cxn ang="0">
-                <a:pos x="connsiteX0" y="connsiteY0"/>
-              </a:cxn>
-              <a:cxn ang="0">
-                <a:pos x="connsiteX1" y="connsiteY1"/>
-              </a:cxn>
-              <a:cxn ang="0">
-                <a:pos x="connsiteX2" y="connsiteY2"/>
-              </a:cxn>
-              <a:cxn ang="0">
-                <a:pos x="connsiteX3" y="connsiteY3"/>
-              </a:cxn>
-              <a:cxn ang="0">
-                <a:pos x="connsiteX4" y="connsiteY4"/>
-              </a:cxn>
-            </a:cxnLst>
-            <a:rect l="l" t="t" r="r" b="b"/>
-            <a:pathLst>
-              <a:path w="3081149" h="4459550">
-                <a:moveTo>
-                  <a:pt x="3081149" y="4459550"/>
-                </a:moveTo>
-                <a:cubicBezTo>
-                  <a:pt x="2601015" y="4308629"/>
-                  <a:pt x="2120881" y="4157709"/>
-                  <a:pt x="1678477" y="3929849"/>
-                </a:cubicBezTo>
-                <a:cubicBezTo>
-                  <a:pt x="1236073" y="3701989"/>
-                  <a:pt x="704400" y="3489911"/>
-                  <a:pt x="426726" y="3092389"/>
-                </a:cubicBezTo>
-                <a:cubicBezTo>
-                  <a:pt x="149052" y="2694867"/>
-                  <a:pt x="68659" y="2060113"/>
-                  <a:pt x="12434" y="1544715"/>
-                </a:cubicBezTo>
-                <a:cubicBezTo>
-                  <a:pt x="-43791" y="1029317"/>
-                  <a:pt x="110088" y="258932"/>
-                  <a:pt x="89374" y="0"/>
-                </a:cubicBezTo>
-              </a:path>
-            </a:pathLst>
-          </a:custGeom>
-        </p:spPr>
-        <p:style>
-          <a:lnRef idx="1">
-            <a:schemeClr val="dk1"/>
-          </a:lnRef>
-          <a:fillRef idx="0">
-            <a:schemeClr val="dk1"/>
-          </a:fillRef>
-          <a:effectRef idx="0">
-            <a:schemeClr val="dk1"/>
-          </a:effectRef>
-          <a:fontRef idx="minor">
-            <a:schemeClr val="tx1"/>
-          </a:fontRef>
-        </p:style>
-        <p:txBody>
-          <a:bodyPr rtlCol="0" anchor="ctr"/>
-          <a:lstStyle/>
-          <a:p>
-            <a:pPr algn="ctr"/>
-            <a:endParaRPr lang="en-US"/>
-          </a:p>
-        </p:txBody>
-      </p:sp>
-      <p:sp>
-        <p:nvSpPr>
-          <p:cNvPr id="156" name="Oval 155">
-            <a:extLst>
-              <a:ext uri="{FF2B5EF4-FFF2-40B4-BE49-F238E27FC236}">
-                <a16:creationId xmlns:a16="http://schemas.microsoft.com/office/drawing/2014/main" id="{246CD4A3-F7AF-4C1B-85D4-14706701A1AA}"/>
-              </a:ext>
-            </a:extLst>
-          </p:cNvPr>
-          <p:cNvSpPr/>
-          <p:nvPr/>
-        </p:nvSpPr>
-        <p:spPr>
-          <a:xfrm rot="6059239">
-            <a:off x="9579098" y="4827594"/>
-            <a:ext cx="219807" cy="79130"/>
-          </a:xfrm>
-          <a:prstGeom prst="ellipse">
-            <a:avLst/>
-          </a:prstGeom>
-          <a:noFill/>
-          <a:ln>
-            <a:solidFill>
-              <a:schemeClr val="tx1"/>
-            </a:solidFill>
-          </a:ln>
-        </p:spPr>
-        <p:style>
-          <a:lnRef idx="2">
-            <a:schemeClr val="accent1">
-              <a:shade val="50000"/>
-            </a:schemeClr>
-          </a:lnRef>
-          <a:fillRef idx="1">
-            <a:schemeClr val="accent1"/>
-          </a:fillRef>
-          <a:effectRef idx="0">
-            <a:schemeClr val="accent1"/>
-          </a:effectRef>
-          <a:fontRef idx="minor">
-            <a:schemeClr val="lt1"/>
-          </a:fontRef>
-        </p:style>
-        <p:txBody>
-          <a:bodyPr rtlCol="0" anchor="ctr"/>
-          <a:lstStyle/>
-          <a:p>
-            <a:pPr algn="ctr"/>
-            <a:endParaRPr lang="en-US"/>
-          </a:p>
-        </p:txBody>
-      </p:sp>
-      <p:cxnSp>
-        <p:nvCxnSpPr>
-          <p:cNvPr id="167" name="Straight Arrow Connector 166">
-            <a:extLst>
-              <a:ext uri="{FF2B5EF4-FFF2-40B4-BE49-F238E27FC236}">
-                <a16:creationId xmlns:a16="http://schemas.microsoft.com/office/drawing/2014/main" id="{522C7AFB-4460-4E92-8D61-F868C562D711}"/>
-              </a:ext>
-            </a:extLst>
-          </p:cNvPr>
-          <p:cNvCxnSpPr>
-            <a:cxnSpLocks/>
-          </p:cNvCxnSpPr>
-          <p:nvPr/>
-        </p:nvCxnSpPr>
-        <p:spPr>
-          <a:xfrm flipV="1">
-            <a:off x="9701651" y="4580522"/>
-            <a:ext cx="165380" cy="300991"/>
-          </a:xfrm>
-          <a:prstGeom prst="straightConnector1">
-            <a:avLst/>
-          </a:prstGeom>
-          <a:ln>
-            <a:prstDash val="sysDot"/>
-            <a:tailEnd type="triangle"/>
-          </a:ln>
-        </p:spPr>
-        <p:style>
-          <a:lnRef idx="3">
-            <a:schemeClr val="accent4"/>
-          </a:lnRef>
-          <a:fillRef idx="0">
-            <a:schemeClr val="accent4"/>
-          </a:fillRef>
-          <a:effectRef idx="2">
-            <a:schemeClr val="accent4"/>
-          </a:effectRef>
-          <a:fontRef idx="minor">
-            <a:schemeClr val="tx1"/>
-          </a:fontRef>
-        </p:style>
-      </p:cxnSp>
-      <p:cxnSp>
-        <p:nvCxnSpPr>
-          <p:cNvPr id="168" name="Straight Arrow Connector 167">
-            <a:extLst>
-              <a:ext uri="{FF2B5EF4-FFF2-40B4-BE49-F238E27FC236}">
-                <a16:creationId xmlns:a16="http://schemas.microsoft.com/office/drawing/2014/main" id="{2A16FF42-BE5F-41A2-B9DB-3F5FD028330B}"/>
-              </a:ext>
-            </a:extLst>
-          </p:cNvPr>
-          <p:cNvCxnSpPr>
-            <a:cxnSpLocks/>
-          </p:cNvCxnSpPr>
-          <p:nvPr/>
-        </p:nvCxnSpPr>
-        <p:spPr>
-          <a:xfrm flipH="1">
-            <a:off x="9429546" y="4886691"/>
-            <a:ext cx="266402" cy="0"/>
-          </a:xfrm>
-          <a:prstGeom prst="straightConnector1">
-            <a:avLst/>
-          </a:prstGeom>
-          <a:ln>
-            <a:solidFill>
-              <a:srgbClr val="FF0000"/>
-            </a:solidFill>
-            <a:prstDash val="sysDot"/>
-            <a:tailEnd type="triangle"/>
-          </a:ln>
-        </p:spPr>
-        <p:style>
-          <a:lnRef idx="3">
-            <a:schemeClr val="accent2"/>
-          </a:lnRef>
-          <a:fillRef idx="0">
-            <a:schemeClr val="accent2"/>
-          </a:fillRef>
-          <a:effectRef idx="2">
-            <a:schemeClr val="accent2"/>
-          </a:effectRef>
-          <a:fontRef idx="minor">
-            <a:schemeClr val="tx1"/>
-          </a:fontRef>
-        </p:style>
-      </p:cxnSp>
-      <p:sp>
-        <p:nvSpPr>
-          <p:cNvPr id="193" name="Freeform: Shape 192">
-            <a:extLst>
-              <a:ext uri="{FF2B5EF4-FFF2-40B4-BE49-F238E27FC236}">
-                <a16:creationId xmlns:a16="http://schemas.microsoft.com/office/drawing/2014/main" id="{7FC41124-77A7-4B1F-BFB4-E71F9A8238CA}"/>
-              </a:ext>
-            </a:extLst>
-          </p:cNvPr>
-          <p:cNvSpPr/>
-          <p:nvPr/>
-        </p:nvSpPr>
-        <p:spPr>
-          <a:xfrm>
-            <a:off x="6725949" y="509155"/>
-            <a:ext cx="2570451" cy="4772890"/>
-          </a:xfrm>
-          <a:custGeom>
-            <a:avLst/>
-            <a:gdLst>
-              <a:gd name="connsiteX0" fmla="*/ 2570451 w 2570451"/>
-              <a:gd name="connsiteY0" fmla="*/ 4772890 h 4772890"/>
-              <a:gd name="connsiteX1" fmla="*/ 661987 w 2570451"/>
-              <a:gd name="connsiteY1" fmla="*/ 4055918 h 4772890"/>
-              <a:gd name="connsiteX2" fmla="*/ 69706 w 2570451"/>
-              <a:gd name="connsiteY2" fmla="*/ 2968336 h 4772890"/>
-              <a:gd name="connsiteX3" fmla="*/ 31606 w 2570451"/>
-              <a:gd name="connsiteY3" fmla="*/ 0 h 4772890"/>
-            </a:gdLst>
-            <a:ahLst/>
-            <a:cxnLst>
-              <a:cxn ang="0">
-                <a:pos x="connsiteX0" y="connsiteY0"/>
-              </a:cxn>
-              <a:cxn ang="0">
-                <a:pos x="connsiteX1" y="connsiteY1"/>
-              </a:cxn>
-              <a:cxn ang="0">
-                <a:pos x="connsiteX2" y="connsiteY2"/>
-              </a:cxn>
-              <a:cxn ang="0">
-                <a:pos x="connsiteX3" y="connsiteY3"/>
-              </a:cxn>
-            </a:cxnLst>
-            <a:rect l="l" t="t" r="r" b="b"/>
-            <a:pathLst>
-              <a:path w="2570451" h="4772890">
-                <a:moveTo>
-                  <a:pt x="2570451" y="4772890"/>
-                </a:moveTo>
-                <a:cubicBezTo>
-                  <a:pt x="1824614" y="4564783"/>
-                  <a:pt x="1078778" y="4356677"/>
-                  <a:pt x="661987" y="4055918"/>
-                </a:cubicBezTo>
-                <a:cubicBezTo>
-                  <a:pt x="245196" y="3755159"/>
-                  <a:pt x="174769" y="3644322"/>
-                  <a:pt x="69706" y="2968336"/>
-                </a:cubicBezTo>
-                <a:cubicBezTo>
-                  <a:pt x="-35358" y="2292350"/>
-                  <a:pt x="1588" y="529936"/>
-                  <a:pt x="31606" y="0"/>
-                </a:cubicBezTo>
-              </a:path>
-            </a:pathLst>
-          </a:custGeom>
-          <a:ln>
-            <a:prstDash val="lgDash"/>
-          </a:ln>
-        </p:spPr>
-        <p:style>
-          <a:lnRef idx="1">
-            <a:schemeClr val="dk1"/>
-          </a:lnRef>
-          <a:fillRef idx="0">
-            <a:schemeClr val="dk1"/>
-          </a:fillRef>
-          <a:effectRef idx="0">
-            <a:schemeClr val="dk1"/>
-          </a:effectRef>
-          <a:fontRef idx="minor">
-            <a:schemeClr val="tx1"/>
-          </a:fontRef>
-        </p:style>
-        <p:txBody>
-          <a:bodyPr rtlCol="0" anchor="ctr"/>
-          <a:lstStyle/>
-          <a:p>
-            <a:pPr algn="ctr"/>
-            <a:endParaRPr lang="en-US"/>
-          </a:p>
-        </p:txBody>
-      </p:sp>
-      <p:cxnSp>
-        <p:nvCxnSpPr>
-          <p:cNvPr id="204" name="Straight Arrow Connector 203">
-            <a:extLst>
-              <a:ext uri="{FF2B5EF4-FFF2-40B4-BE49-F238E27FC236}">
-                <a16:creationId xmlns:a16="http://schemas.microsoft.com/office/drawing/2014/main" id="{9D0599AD-BD51-47DF-9B12-0A2BFC9C1925}"/>
-              </a:ext>
-            </a:extLst>
-          </p:cNvPr>
-          <p:cNvCxnSpPr>
-            <a:cxnSpLocks/>
-          </p:cNvCxnSpPr>
-          <p:nvPr/>
-        </p:nvCxnSpPr>
-        <p:spPr>
-          <a:xfrm>
-            <a:off x="9286780" y="5282335"/>
-            <a:ext cx="350334" cy="65273"/>
-          </a:xfrm>
-          <a:prstGeom prst="straightConnector1">
-            <a:avLst/>
-          </a:prstGeom>
-          <a:ln>
-            <a:tailEnd type="triangle"/>
-          </a:ln>
-        </p:spPr>
-        <p:style>
-          <a:lnRef idx="3">
-            <a:schemeClr val="accent1"/>
-          </a:lnRef>
-          <a:fillRef idx="0">
-            <a:schemeClr val="accent1"/>
-          </a:fillRef>
-          <a:effectRef idx="2">
-            <a:schemeClr val="accent1"/>
-          </a:effectRef>
-          <a:fontRef idx="minor">
-            <a:schemeClr val="tx1"/>
-          </a:fontRef>
-        </p:style>
-      </p:cxnSp>
-      <p:cxnSp>
-        <p:nvCxnSpPr>
-          <p:cNvPr id="205" name="Straight Arrow Connector 204">
-            <a:extLst>
-              <a:ext uri="{FF2B5EF4-FFF2-40B4-BE49-F238E27FC236}">
-                <a16:creationId xmlns:a16="http://schemas.microsoft.com/office/drawing/2014/main" id="{E24AAA49-3054-4943-B8DB-EAB5B27FCBA7}"/>
-              </a:ext>
-            </a:extLst>
-          </p:cNvPr>
-          <p:cNvCxnSpPr>
-            <a:cxnSpLocks/>
-          </p:cNvCxnSpPr>
-          <p:nvPr/>
-        </p:nvCxnSpPr>
-        <p:spPr>
-          <a:xfrm flipH="1" flipV="1">
-            <a:off x="9286780" y="4927373"/>
-            <a:ext cx="6006" cy="356052"/>
-          </a:xfrm>
-          <a:prstGeom prst="straightConnector1">
-            <a:avLst/>
-          </a:prstGeom>
-          <a:ln>
-            <a:prstDash val="sysDot"/>
-            <a:tailEnd type="triangle"/>
-          </a:ln>
-        </p:spPr>
-        <p:style>
-          <a:lnRef idx="3">
-            <a:schemeClr val="accent6"/>
-          </a:lnRef>
-          <a:fillRef idx="0">
-            <a:schemeClr val="accent6"/>
-          </a:fillRef>
-          <a:effectRef idx="2">
-            <a:schemeClr val="accent6"/>
-          </a:effectRef>
-          <a:fontRef idx="minor">
-            <a:schemeClr val="tx1"/>
-          </a:fontRef>
-        </p:style>
-      </p:cxnSp>
-      <p:cxnSp>
-        <p:nvCxnSpPr>
-          <p:cNvPr id="206" name="Straight Arrow Connector 205">
-            <a:extLst>
-              <a:ext uri="{FF2B5EF4-FFF2-40B4-BE49-F238E27FC236}">
-                <a16:creationId xmlns:a16="http://schemas.microsoft.com/office/drawing/2014/main" id="{E080DAF0-75BE-4C0A-ABB6-F8AAE5502586}"/>
-              </a:ext>
-            </a:extLst>
-          </p:cNvPr>
-          <p:cNvCxnSpPr>
-            <a:cxnSpLocks/>
-          </p:cNvCxnSpPr>
-          <p:nvPr/>
-        </p:nvCxnSpPr>
-        <p:spPr>
-          <a:xfrm flipH="1">
-            <a:off x="9183770" y="5282830"/>
-            <a:ext cx="116656" cy="235985"/>
-          </a:xfrm>
-          <a:prstGeom prst="straightConnector1">
-            <a:avLst/>
-          </a:prstGeom>
-          <a:ln>
-            <a:prstDash val="sysDot"/>
-            <a:tailEnd type="triangle"/>
-          </a:ln>
-        </p:spPr>
-        <p:style>
-          <a:lnRef idx="3">
-            <a:schemeClr val="accent2"/>
-          </a:lnRef>
-          <a:fillRef idx="0">
-            <a:schemeClr val="accent2"/>
-          </a:fillRef>
-          <a:effectRef idx="2">
-            <a:schemeClr val="accent2"/>
-          </a:effectRef>
-          <a:fontRef idx="minor">
-            <a:schemeClr val="tx1"/>
-          </a:fontRef>
-        </p:style>
-      </p:cxnSp>
-      <p:cxnSp>
-        <p:nvCxnSpPr>
-          <p:cNvPr id="158" name="Straight Arrow Connector 157">
-            <a:extLst>
-              <a:ext uri="{FF2B5EF4-FFF2-40B4-BE49-F238E27FC236}">
-                <a16:creationId xmlns:a16="http://schemas.microsoft.com/office/drawing/2014/main" id="{93616DD0-022F-4BAB-A94A-9DA3D3068F13}"/>
-              </a:ext>
-            </a:extLst>
-          </p:cNvPr>
-          <p:cNvCxnSpPr>
-            <a:cxnSpLocks/>
-          </p:cNvCxnSpPr>
-          <p:nvPr/>
-        </p:nvCxnSpPr>
-        <p:spPr>
-          <a:xfrm flipV="1">
-            <a:off x="9699248" y="4702317"/>
-            <a:ext cx="248878" cy="193066"/>
-          </a:xfrm>
-          <a:prstGeom prst="straightConnector1">
-            <a:avLst/>
-          </a:prstGeom>
-          <a:ln>
-            <a:tailEnd type="triangle"/>
-          </a:ln>
-        </p:spPr>
-        <p:style>
-          <a:lnRef idx="3">
-            <a:schemeClr val="accent6"/>
-          </a:lnRef>
-          <a:fillRef idx="0">
-            <a:schemeClr val="accent6"/>
-          </a:fillRef>
-          <a:effectRef idx="2">
-            <a:schemeClr val="accent6"/>
-          </a:effectRef>
-          <a:fontRef idx="minor">
-            <a:schemeClr val="tx1"/>
-          </a:fontRef>
-        </p:style>
-      </p:cxnSp>
-      <p:cxnSp>
-        <p:nvCxnSpPr>
-          <p:cNvPr id="159" name="Straight Arrow Connector 158">
-            <a:extLst>
-              <a:ext uri="{FF2B5EF4-FFF2-40B4-BE49-F238E27FC236}">
-                <a16:creationId xmlns:a16="http://schemas.microsoft.com/office/drawing/2014/main" id="{B1DA0D7D-9EE0-47D2-8F77-F26B8268398C}"/>
-              </a:ext>
-            </a:extLst>
-          </p:cNvPr>
-          <p:cNvCxnSpPr>
-            <a:cxnSpLocks/>
-          </p:cNvCxnSpPr>
-          <p:nvPr/>
-        </p:nvCxnSpPr>
-        <p:spPr>
-          <a:xfrm flipH="1" flipV="1">
-            <a:off x="9495091" y="4643884"/>
-            <a:ext cx="208202" cy="246500"/>
-          </a:xfrm>
-          <a:prstGeom prst="straightConnector1">
-            <a:avLst/>
-          </a:prstGeom>
-          <a:ln>
-            <a:tailEnd type="triangle"/>
-          </a:ln>
-        </p:spPr>
-        <p:style>
-          <a:lnRef idx="3">
-            <a:schemeClr val="accent2"/>
-          </a:lnRef>
-          <a:fillRef idx="0">
-            <a:schemeClr val="accent2"/>
-          </a:fillRef>
-          <a:effectRef idx="2">
-            <a:schemeClr val="accent2"/>
-          </a:effectRef>
-          <a:fontRef idx="minor">
-            <a:schemeClr val="tx1"/>
-          </a:fontRef>
-        </p:style>
-      </p:cxnSp>
-      <p:grpSp>
-        <p:nvGrpSpPr>
-          <p:cNvPr id="232" name="Group 231">
-            <a:extLst>
-              <a:ext uri="{FF2B5EF4-FFF2-40B4-BE49-F238E27FC236}">
-                <a16:creationId xmlns:a16="http://schemas.microsoft.com/office/drawing/2014/main" id="{8375D6DB-CE7A-45D1-BFDF-5534B3EEEC1C}"/>
-              </a:ext>
-            </a:extLst>
-          </p:cNvPr>
-          <p:cNvGrpSpPr/>
-          <p:nvPr/>
-        </p:nvGrpSpPr>
-        <p:grpSpPr>
-          <a:xfrm>
-            <a:off x="8904108" y="5288461"/>
-            <a:ext cx="226440" cy="294840"/>
-            <a:chOff x="8904108" y="5288461"/>
-            <a:chExt cx="226440" cy="294840"/>
-          </a:xfrm>
-        </p:grpSpPr>
-        <mc:AlternateContent xmlns:mc="http://schemas.openxmlformats.org/markup-compatibility/2006" xmlns:p14="http://schemas.microsoft.com/office/powerpoint/2010/main">
-          <mc:Choice Requires="p14">
-            <p:contentPart p14:bwMode="auto" r:id="rId3">
-              <p14:nvContentPartPr>
-                <p14:cNvPr id="229" name="Ink 228">
-                  <a:extLst>
-                    <a:ext uri="{FF2B5EF4-FFF2-40B4-BE49-F238E27FC236}">
-                      <a16:creationId xmlns:a16="http://schemas.microsoft.com/office/drawing/2014/main" id="{8BDE2AED-CF3E-4F62-8552-83747FAA3BBE}"/>
-                    </a:ext>
-                  </a:extLst>
-                </p14:cNvPr>
-                <p14:cNvContentPartPr/>
-                <p14:nvPr/>
-              </p14:nvContentPartPr>
-              <p14:xfrm>
-                <a:off x="8948388" y="5310781"/>
-                <a:ext cx="182160" cy="272520"/>
-              </p14:xfrm>
-            </p:contentPart>
-          </mc:Choice>
-          <mc:Fallback xmlns="">
-            <p:pic>
-              <p:nvPicPr>
-                <p:cNvPr id="229" name="Ink 228">
-                  <a:extLst>
-                    <a:ext uri="{FF2B5EF4-FFF2-40B4-BE49-F238E27FC236}">
-                      <a16:creationId xmlns:a16="http://schemas.microsoft.com/office/drawing/2014/main" id="{8BDE2AED-CF3E-4F62-8552-83747FAA3BBE}"/>
-                    </a:ext>
-                  </a:extLst>
-                </p:cNvPr>
-                <p:cNvPicPr/>
-                <p:nvPr/>
-              </p:nvPicPr>
-              <p:blipFill>
-                <a:blip r:embed="rId4"/>
-                <a:stretch>
-                  <a:fillRect/>
-                </a:stretch>
-              </p:blipFill>
-              <p:spPr>
-                <a:xfrm>
-                  <a:off x="8944068" y="5306461"/>
-                  <a:ext cx="190800" cy="281160"/>
-                </a:xfrm>
-                <a:prstGeom prst="rect">
-                  <a:avLst/>
-                </a:prstGeom>
-              </p:spPr>
-            </p:pic>
-          </mc:Fallback>
-        </mc:AlternateContent>
-        <mc:AlternateContent xmlns:mc="http://schemas.openxmlformats.org/markup-compatibility/2006" xmlns:p14="http://schemas.microsoft.com/office/powerpoint/2010/main">
-          <mc:Choice Requires="p14">
-            <p:contentPart p14:bwMode="auto" r:id="rId5">
-              <p14:nvContentPartPr>
-                <p14:cNvPr id="230" name="Ink 229">
-                  <a:extLst>
-                    <a:ext uri="{FF2B5EF4-FFF2-40B4-BE49-F238E27FC236}">
-                      <a16:creationId xmlns:a16="http://schemas.microsoft.com/office/drawing/2014/main" id="{FCB997E4-A80E-4550-B2D2-30C1966AB51E}"/>
-                    </a:ext>
-                  </a:extLst>
-                </p14:cNvPr>
-                <p14:cNvContentPartPr/>
-                <p14:nvPr/>
-              </p14:nvContentPartPr>
-              <p14:xfrm>
-                <a:off x="8904108" y="5297101"/>
-                <a:ext cx="36000" cy="88200"/>
-              </p14:xfrm>
-            </p:contentPart>
-          </mc:Choice>
-          <mc:Fallback xmlns="">
-            <p:pic>
-              <p:nvPicPr>
-                <p:cNvPr id="230" name="Ink 229">
-                  <a:extLst>
-                    <a:ext uri="{FF2B5EF4-FFF2-40B4-BE49-F238E27FC236}">
-                      <a16:creationId xmlns:a16="http://schemas.microsoft.com/office/drawing/2014/main" id="{FCB997E4-A80E-4550-B2D2-30C1966AB51E}"/>
-                    </a:ext>
-                  </a:extLst>
-                </p:cNvPr>
-                <p:cNvPicPr/>
-                <p:nvPr/>
-              </p:nvPicPr>
-              <p:blipFill>
-                <a:blip r:embed="rId6"/>
-                <a:stretch>
-                  <a:fillRect/>
-                </a:stretch>
-              </p:blipFill>
-              <p:spPr>
-                <a:xfrm>
-                  <a:off x="8899788" y="5292781"/>
-                  <a:ext cx="44640" cy="96840"/>
-                </a:xfrm>
-                <a:prstGeom prst="rect">
-                  <a:avLst/>
-                </a:prstGeom>
-              </p:spPr>
-            </p:pic>
-          </mc:Fallback>
-        </mc:AlternateContent>
-        <mc:AlternateContent xmlns:mc="http://schemas.openxmlformats.org/markup-compatibility/2006" xmlns:p14="http://schemas.microsoft.com/office/powerpoint/2010/main">
-          <mc:Choice Requires="p14">
-            <p:contentPart p14:bwMode="auto" r:id="rId7">
-              <p14:nvContentPartPr>
-                <p14:cNvPr id="231" name="Ink 230">
-                  <a:extLst>
-                    <a:ext uri="{FF2B5EF4-FFF2-40B4-BE49-F238E27FC236}">
-                      <a16:creationId xmlns:a16="http://schemas.microsoft.com/office/drawing/2014/main" id="{8FFFAF2E-2915-4B4E-B581-AA41E65C4C94}"/>
-                    </a:ext>
-                  </a:extLst>
-                </p14:cNvPr>
-                <p14:cNvContentPartPr/>
-                <p14:nvPr/>
-              </p14:nvContentPartPr>
-              <p14:xfrm>
-                <a:off x="8944428" y="5288461"/>
-                <a:ext cx="85320" cy="69480"/>
-              </p14:xfrm>
-            </p:contentPart>
-          </mc:Choice>
-          <mc:Fallback xmlns="">
-            <p:pic>
-              <p:nvPicPr>
-                <p:cNvPr id="231" name="Ink 230">
-                  <a:extLst>
-                    <a:ext uri="{FF2B5EF4-FFF2-40B4-BE49-F238E27FC236}">
-                      <a16:creationId xmlns:a16="http://schemas.microsoft.com/office/drawing/2014/main" id="{8FFFAF2E-2915-4B4E-B581-AA41E65C4C94}"/>
-                    </a:ext>
-                  </a:extLst>
-                </p:cNvPr>
-                <p:cNvPicPr/>
-                <p:nvPr/>
-              </p:nvPicPr>
-              <p:blipFill>
-                <a:blip r:embed="rId8"/>
-                <a:stretch>
-                  <a:fillRect/>
-                </a:stretch>
-              </p:blipFill>
-              <p:spPr>
-                <a:xfrm>
-                  <a:off x="8940108" y="5284141"/>
-                  <a:ext cx="93960" cy="78120"/>
-                </a:xfrm>
-                <a:prstGeom prst="rect">
-                  <a:avLst/>
-                </a:prstGeom>
-              </p:spPr>
-            </p:pic>
-          </mc:Fallback>
-        </mc:AlternateContent>
-      </p:grpSp>
-      <p:sp>
-        <p:nvSpPr>
-          <p:cNvPr id="233" name="TextBox 232">
-            <a:extLst>
-              <a:ext uri="{FF2B5EF4-FFF2-40B4-BE49-F238E27FC236}">
-                <a16:creationId xmlns:a16="http://schemas.microsoft.com/office/drawing/2014/main" id="{0F813663-33B9-42F8-B6E9-DFC843DC7473}"/>
-              </a:ext>
-            </a:extLst>
-          </p:cNvPr>
-          <p:cNvSpPr txBox="1"/>
-          <p:nvPr/>
-        </p:nvSpPr>
-        <p:spPr>
-          <a:xfrm>
-            <a:off x="8662618" y="5093542"/>
-            <a:ext cx="394059" cy="276999"/>
-          </a:xfrm>
-          <a:prstGeom prst="rect">
-            <a:avLst/>
-          </a:prstGeom>
-          <a:noFill/>
-        </p:spPr>
-        <p:txBody>
-          <a:bodyPr wrap="square" rtlCol="0">
-            <a:spAutoFit/>
-          </a:bodyPr>
-          <a:lstStyle/>
-          <a:p>
-            <a:r>
-              <a:rPr lang="en-US" sz="1200" dirty="0"/>
-              <a:t>O</a:t>
-            </a:r>
-            <a:r>
-              <a:rPr lang="en-US" sz="1200" baseline="-25000" dirty="0"/>
-              <a:t>2</a:t>
-            </a:r>
-          </a:p>
-        </p:txBody>
-      </p:sp>
-      <p:sp>
-        <p:nvSpPr>
-          <p:cNvPr id="234" name="TextBox 233">
-            <a:extLst>
-              <a:ext uri="{FF2B5EF4-FFF2-40B4-BE49-F238E27FC236}">
-                <a16:creationId xmlns:a16="http://schemas.microsoft.com/office/drawing/2014/main" id="{FADEF6D4-482D-44AC-B45D-A7BC66598D9C}"/>
-              </a:ext>
-            </a:extLst>
-          </p:cNvPr>
-          <p:cNvSpPr txBox="1"/>
-          <p:nvPr/>
-        </p:nvSpPr>
-        <p:spPr>
-          <a:xfrm>
-            <a:off x="8724702" y="5386677"/>
-            <a:ext cx="430811" cy="246221"/>
-          </a:xfrm>
-          <a:prstGeom prst="rect">
-            <a:avLst/>
-          </a:prstGeom>
-          <a:noFill/>
-        </p:spPr>
-        <p:txBody>
-          <a:bodyPr wrap="square" rtlCol="0">
-            <a:spAutoFit/>
-          </a:bodyPr>
-          <a:lstStyle/>
-          <a:p>
-            <a:r>
-              <a:rPr lang="el-GR" sz="1000" dirty="0"/>
-              <a:t>ω</a:t>
-            </a:r>
-            <a:r>
-              <a:rPr lang="en-US" sz="1000" baseline="-25000" dirty="0">
-                <a:solidFill>
-                  <a:prstClr val="black"/>
-                </a:solidFill>
-              </a:rPr>
-              <a:t>12</a:t>
-            </a:r>
-            <a:endParaRPr lang="en-US" sz="1000" baseline="-25000" dirty="0"/>
-          </a:p>
-        </p:txBody>
-      </p:sp>
-      <p:cxnSp>
-        <p:nvCxnSpPr>
-          <p:cNvPr id="236" name="Straight Arrow Connector 235">
-            <a:extLst>
-              <a:ext uri="{FF2B5EF4-FFF2-40B4-BE49-F238E27FC236}">
-                <a16:creationId xmlns:a16="http://schemas.microsoft.com/office/drawing/2014/main" id="{84A5686C-E776-49EA-8E03-DEA466B9B8F5}"/>
-              </a:ext>
-            </a:extLst>
-          </p:cNvPr>
-          <p:cNvCxnSpPr>
-            <a:cxnSpLocks/>
-          </p:cNvCxnSpPr>
-          <p:nvPr/>
-        </p:nvCxnSpPr>
-        <p:spPr>
-          <a:xfrm flipH="1">
-            <a:off x="7341964" y="3407813"/>
-            <a:ext cx="231944" cy="106424"/>
-          </a:xfrm>
-          <a:prstGeom prst="straightConnector1">
-            <a:avLst/>
-          </a:prstGeom>
-          <a:ln>
-            <a:tailEnd type="triangle"/>
-          </a:ln>
-        </p:spPr>
-        <p:style>
-          <a:lnRef idx="1">
-            <a:schemeClr val="accent1"/>
-          </a:lnRef>
-          <a:fillRef idx="0">
-            <a:schemeClr val="accent1"/>
-          </a:fillRef>
-          <a:effectRef idx="0">
-            <a:schemeClr val="accent1"/>
-          </a:effectRef>
-          <a:fontRef idx="minor">
-            <a:schemeClr val="tx1"/>
-          </a:fontRef>
-        </p:style>
-      </p:cxnSp>
-      <p:cxnSp>
-        <p:nvCxnSpPr>
-          <p:cNvPr id="238" name="Straight Arrow Connector 237">
-            <a:extLst>
-              <a:ext uri="{FF2B5EF4-FFF2-40B4-BE49-F238E27FC236}">
-                <a16:creationId xmlns:a16="http://schemas.microsoft.com/office/drawing/2014/main" id="{CC38B612-F88A-4109-A914-B034982EEE58}"/>
-              </a:ext>
-            </a:extLst>
-          </p:cNvPr>
-          <p:cNvCxnSpPr>
-            <a:cxnSpLocks/>
-            <a:stCxn id="242" idx="2"/>
-          </p:cNvCxnSpPr>
-          <p:nvPr/>
-        </p:nvCxnSpPr>
-        <p:spPr>
-          <a:xfrm>
-            <a:off x="6557243" y="4088713"/>
-            <a:ext cx="355175" cy="70143"/>
-          </a:xfrm>
-          <a:prstGeom prst="straightConnector1">
-            <a:avLst/>
-          </a:prstGeom>
-          <a:ln>
-            <a:tailEnd type="triangle"/>
-          </a:ln>
-        </p:spPr>
-        <p:style>
-          <a:lnRef idx="1">
-            <a:schemeClr val="accent1"/>
-          </a:lnRef>
-          <a:fillRef idx="0">
-            <a:schemeClr val="accent1"/>
-          </a:fillRef>
-          <a:effectRef idx="0">
-            <a:schemeClr val="accent1"/>
-          </a:effectRef>
-          <a:fontRef idx="minor">
-            <a:schemeClr val="tx1"/>
-          </a:fontRef>
-        </p:style>
-      </p:cxnSp>
-      <p:sp>
-        <p:nvSpPr>
-          <p:cNvPr id="242" name="TextBox 241">
-            <a:extLst>
-              <a:ext uri="{FF2B5EF4-FFF2-40B4-BE49-F238E27FC236}">
-                <a16:creationId xmlns:a16="http://schemas.microsoft.com/office/drawing/2014/main" id="{A6B07518-96AE-42A0-86D2-73E0100C4328}"/>
-              </a:ext>
-            </a:extLst>
-          </p:cNvPr>
-          <p:cNvSpPr txBox="1"/>
-          <p:nvPr/>
-        </p:nvSpPr>
-        <p:spPr>
-          <a:xfrm>
-            <a:off x="6175109" y="3688603"/>
-            <a:ext cx="764267" cy="400110"/>
-          </a:xfrm>
-          <a:prstGeom prst="rect">
-            <a:avLst/>
-          </a:prstGeom>
-          <a:noFill/>
-        </p:spPr>
-        <p:txBody>
-          <a:bodyPr wrap="square" rtlCol="0">
-            <a:spAutoFit/>
-          </a:bodyPr>
-          <a:lstStyle/>
-          <a:p>
-            <a:r>
-              <a:rPr lang="en-US" sz="1000" dirty="0"/>
-              <a:t>Borehole centerline</a:t>
-            </a:r>
-            <a:endParaRPr lang="en-US" sz="1000" baseline="-25000" dirty="0"/>
-          </a:p>
-        </p:txBody>
-      </p:sp>
-      <p:sp>
-        <p:nvSpPr>
-          <p:cNvPr id="243" name="TextBox 242">
-            <a:extLst>
-              <a:ext uri="{FF2B5EF4-FFF2-40B4-BE49-F238E27FC236}">
-                <a16:creationId xmlns:a16="http://schemas.microsoft.com/office/drawing/2014/main" id="{657D48B0-2763-498A-8676-BC9B812E8436}"/>
-              </a:ext>
-            </a:extLst>
-          </p:cNvPr>
-          <p:cNvSpPr txBox="1"/>
-          <p:nvPr/>
-        </p:nvSpPr>
-        <p:spPr>
-          <a:xfrm>
-            <a:off x="7373027" y="3216981"/>
-            <a:ext cx="764267" cy="246221"/>
-          </a:xfrm>
-          <a:prstGeom prst="rect">
-            <a:avLst/>
-          </a:prstGeom>
-          <a:noFill/>
-        </p:spPr>
-        <p:txBody>
-          <a:bodyPr wrap="square" rtlCol="0">
-            <a:spAutoFit/>
-          </a:bodyPr>
-          <a:lstStyle/>
-          <a:p>
-            <a:r>
-              <a:rPr lang="en-US" sz="1000" dirty="0"/>
-              <a:t>Drill string</a:t>
-            </a:r>
-            <a:endParaRPr lang="en-US" sz="1000" baseline="-25000" dirty="0"/>
-          </a:p>
-        </p:txBody>
-      </p:sp>
-      <p:grpSp>
-        <p:nvGrpSpPr>
-          <p:cNvPr id="257" name="Group 256">
-            <a:extLst>
-              <a:ext uri="{FF2B5EF4-FFF2-40B4-BE49-F238E27FC236}">
-                <a16:creationId xmlns:a16="http://schemas.microsoft.com/office/drawing/2014/main" id="{7AAF8AB0-7024-4C10-B3CC-4CC38AA9A23F}"/>
-              </a:ext>
-            </a:extLst>
-          </p:cNvPr>
-          <p:cNvGrpSpPr/>
-          <p:nvPr/>
-        </p:nvGrpSpPr>
-        <p:grpSpPr>
-          <a:xfrm>
-            <a:off x="9932405" y="4437828"/>
-            <a:ext cx="191880" cy="236520"/>
-            <a:chOff x="9903240" y="4438380"/>
-            <a:chExt cx="191880" cy="236520"/>
-          </a:xfrm>
-        </p:grpSpPr>
-        <mc:AlternateContent xmlns:mc="http://schemas.openxmlformats.org/markup-compatibility/2006" xmlns:p14="http://schemas.microsoft.com/office/powerpoint/2010/main">
-          <mc:Choice Requires="p14">
-            <p:contentPart p14:bwMode="auto" r:id="rId9">
-              <p14:nvContentPartPr>
-                <p14:cNvPr id="255" name="Ink 254">
-                  <a:extLst>
-                    <a:ext uri="{FF2B5EF4-FFF2-40B4-BE49-F238E27FC236}">
-                      <a16:creationId xmlns:a16="http://schemas.microsoft.com/office/drawing/2014/main" id="{9766DBDB-D034-48C1-8CAA-ECDDC6979C9B}"/>
-                    </a:ext>
-                  </a:extLst>
-                </p14:cNvPr>
-                <p14:cNvContentPartPr/>
-                <p14:nvPr/>
-              </p14:nvContentPartPr>
-              <p14:xfrm>
-                <a:off x="9903240" y="4438380"/>
-                <a:ext cx="126360" cy="229680"/>
-              </p14:xfrm>
-            </p:contentPart>
-          </mc:Choice>
-          <mc:Fallback xmlns="">
-            <p:pic>
-              <p:nvPicPr>
-                <p:cNvPr id="255" name="Ink 254">
-                  <a:extLst>
-                    <a:ext uri="{FF2B5EF4-FFF2-40B4-BE49-F238E27FC236}">
-                      <a16:creationId xmlns:a16="http://schemas.microsoft.com/office/drawing/2014/main" id="{9766DBDB-D034-48C1-8CAA-ECDDC6979C9B}"/>
-                    </a:ext>
-                  </a:extLst>
-                </p:cNvPr>
-                <p:cNvPicPr/>
-                <p:nvPr/>
-              </p:nvPicPr>
-              <p:blipFill>
-                <a:blip r:embed="rId16"/>
-                <a:stretch>
-                  <a:fillRect/>
-                </a:stretch>
-              </p:blipFill>
-              <p:spPr>
-                <a:xfrm>
-                  <a:off x="9898920" y="4434060"/>
-                  <a:ext cx="135000" cy="238320"/>
-                </a:xfrm>
-                <a:prstGeom prst="rect">
-                  <a:avLst/>
-                </a:prstGeom>
-              </p:spPr>
-            </p:pic>
-          </mc:Fallback>
-        </mc:AlternateContent>
-        <mc:AlternateContent xmlns:mc="http://schemas.openxmlformats.org/markup-compatibility/2006" xmlns:p14="http://schemas.microsoft.com/office/powerpoint/2010/main">
-          <mc:Choice Requires="p14">
-            <p:contentPart p14:bwMode="auto" r:id="rId17">
-              <p14:nvContentPartPr>
-                <p14:cNvPr id="256" name="Ink 255">
-                  <a:extLst>
-                    <a:ext uri="{FF2B5EF4-FFF2-40B4-BE49-F238E27FC236}">
-                      <a16:creationId xmlns:a16="http://schemas.microsoft.com/office/drawing/2014/main" id="{DCA7FFBA-83A1-4854-A8EF-911C54201B9E}"/>
-                    </a:ext>
-                  </a:extLst>
-                </p14:cNvPr>
-                <p14:cNvContentPartPr/>
-                <p14:nvPr/>
-              </p14:nvContentPartPr>
-              <p14:xfrm>
-                <a:off x="10029960" y="4566900"/>
-                <a:ext cx="65160" cy="108000"/>
-              </p14:xfrm>
-            </p:contentPart>
-          </mc:Choice>
-          <mc:Fallback xmlns="">
-            <p:pic>
-              <p:nvPicPr>
-                <p:cNvPr id="256" name="Ink 255">
-                  <a:extLst>
-                    <a:ext uri="{FF2B5EF4-FFF2-40B4-BE49-F238E27FC236}">
-                      <a16:creationId xmlns:a16="http://schemas.microsoft.com/office/drawing/2014/main" id="{DCA7FFBA-83A1-4854-A8EF-911C54201B9E}"/>
-                    </a:ext>
-                  </a:extLst>
-                </p:cNvPr>
-                <p:cNvPicPr/>
-                <p:nvPr/>
-              </p:nvPicPr>
-              <p:blipFill>
-                <a:blip r:embed="rId18"/>
-                <a:stretch>
-                  <a:fillRect/>
-                </a:stretch>
-              </p:blipFill>
-              <p:spPr>
-                <a:xfrm>
-                  <a:off x="10025640" y="4562580"/>
-                  <a:ext cx="73800" cy="116640"/>
-                </a:xfrm>
-                <a:prstGeom prst="rect">
-                  <a:avLst/>
-                </a:prstGeom>
-              </p:spPr>
-            </p:pic>
-          </mc:Fallback>
-        </mc:AlternateContent>
-      </p:grpSp>
-      <p:sp>
-        <p:nvSpPr>
-          <p:cNvPr id="258" name="TextBox 257">
-            <a:extLst>
-              <a:ext uri="{FF2B5EF4-FFF2-40B4-BE49-F238E27FC236}">
-                <a16:creationId xmlns:a16="http://schemas.microsoft.com/office/drawing/2014/main" id="{142A12E2-45A9-4166-BB50-D22C941550E6}"/>
-              </a:ext>
-            </a:extLst>
-          </p:cNvPr>
-          <p:cNvSpPr txBox="1"/>
-          <p:nvPr/>
-        </p:nvSpPr>
-        <p:spPr>
-          <a:xfrm>
-            <a:off x="9606237" y="4305964"/>
-            <a:ext cx="394059" cy="276999"/>
-          </a:xfrm>
-          <a:prstGeom prst="rect">
-            <a:avLst/>
-          </a:prstGeom>
-          <a:noFill/>
-        </p:spPr>
-        <p:txBody>
-          <a:bodyPr wrap="square" rtlCol="0">
-            <a:spAutoFit/>
-          </a:bodyPr>
-          <a:lstStyle/>
-          <a:p>
-            <a:r>
-              <a:rPr lang="en-US" sz="1200" dirty="0"/>
-              <a:t>O</a:t>
-            </a:r>
-            <a:r>
-              <a:rPr lang="en-US" sz="1200" baseline="-25000" dirty="0"/>
-              <a:t>3a</a:t>
-            </a:r>
-          </a:p>
-        </p:txBody>
-      </p:sp>
-      <p:sp>
-        <p:nvSpPr>
-          <p:cNvPr id="260" name="Rectangle 259">
-            <a:extLst>
-              <a:ext uri="{FF2B5EF4-FFF2-40B4-BE49-F238E27FC236}">
-                <a16:creationId xmlns:a16="http://schemas.microsoft.com/office/drawing/2014/main" id="{D6360D20-B5BB-4DCB-B3F2-D8F499BD34F5}"/>
-              </a:ext>
-            </a:extLst>
-          </p:cNvPr>
-          <p:cNvSpPr/>
-          <p:nvPr/>
-        </p:nvSpPr>
-        <p:spPr>
-          <a:xfrm>
-            <a:off x="9427077" y="4562792"/>
-            <a:ext cx="541666" cy="513554"/>
-          </a:xfrm>
-          <a:prstGeom prst="rect">
-            <a:avLst/>
-          </a:prstGeom>
-          <a:noFill/>
-          <a:ln>
-            <a:solidFill>
-              <a:schemeClr val="bg1">
-                <a:lumMod val="65000"/>
-              </a:schemeClr>
-            </a:solidFill>
-            <a:prstDash val="lgDash"/>
-          </a:ln>
-        </p:spPr>
-        <p:style>
-          <a:lnRef idx="2">
-            <a:schemeClr val="accent1">
-              <a:shade val="50000"/>
-            </a:schemeClr>
-          </a:lnRef>
-          <a:fillRef idx="1">
-            <a:schemeClr val="accent1"/>
-          </a:fillRef>
-          <a:effectRef idx="0">
-            <a:schemeClr val="accent1"/>
-          </a:effectRef>
-          <a:fontRef idx="minor">
-            <a:schemeClr val="lt1"/>
-          </a:fontRef>
-        </p:style>
-        <p:txBody>
-          <a:bodyPr rtlCol="0" anchor="ctr"/>
-          <a:lstStyle/>
-          <a:p>
-            <a:pPr algn="ctr"/>
-            <a:endParaRPr lang="en-US"/>
-          </a:p>
-        </p:txBody>
-      </p:sp>
-      <p:sp>
-        <p:nvSpPr>
-          <p:cNvPr id="259" name="TextBox 258">
-            <a:extLst>
-              <a:ext uri="{FF2B5EF4-FFF2-40B4-BE49-F238E27FC236}">
-                <a16:creationId xmlns:a16="http://schemas.microsoft.com/office/drawing/2014/main" id="{645332F4-F144-49D1-9B67-15908A02D02F}"/>
-              </a:ext>
-            </a:extLst>
-          </p:cNvPr>
-          <p:cNvSpPr txBox="1"/>
-          <p:nvPr/>
-        </p:nvSpPr>
-        <p:spPr>
-          <a:xfrm>
-            <a:off x="9901984" y="4634805"/>
-            <a:ext cx="394059" cy="276999"/>
-          </a:xfrm>
-          <a:prstGeom prst="rect">
-            <a:avLst/>
-          </a:prstGeom>
-          <a:noFill/>
-        </p:spPr>
-        <p:txBody>
-          <a:bodyPr wrap="square" rtlCol="0">
-            <a:spAutoFit/>
-          </a:bodyPr>
-          <a:lstStyle/>
-          <a:p>
-            <a:r>
-              <a:rPr lang="en-US" sz="1200" dirty="0"/>
-              <a:t>O</a:t>
-            </a:r>
-            <a:r>
-              <a:rPr lang="en-US" sz="1200" baseline="-25000" dirty="0"/>
-              <a:t>3b</a:t>
-            </a:r>
-          </a:p>
-        </p:txBody>
-      </p:sp>
-      <p:cxnSp>
-        <p:nvCxnSpPr>
-          <p:cNvPr id="262" name="Straight Connector 261">
-            <a:extLst>
-              <a:ext uri="{FF2B5EF4-FFF2-40B4-BE49-F238E27FC236}">
-                <a16:creationId xmlns:a16="http://schemas.microsoft.com/office/drawing/2014/main" id="{0C707318-5DC8-4A85-B9A6-2C09B6619A77}"/>
-              </a:ext>
-            </a:extLst>
-          </p:cNvPr>
-          <p:cNvCxnSpPr>
-            <a:cxnSpLocks/>
-          </p:cNvCxnSpPr>
-          <p:nvPr/>
-        </p:nvCxnSpPr>
-        <p:spPr>
-          <a:xfrm flipH="1" flipV="1">
-            <a:off x="8528973" y="3628205"/>
-            <a:ext cx="881424" cy="930295"/>
-          </a:xfrm>
-          <a:prstGeom prst="line">
-            <a:avLst/>
-          </a:prstGeom>
-        </p:spPr>
-        <p:style>
-          <a:lnRef idx="1">
-            <a:schemeClr val="accent3"/>
-          </a:lnRef>
-          <a:fillRef idx="0">
-            <a:schemeClr val="accent3"/>
-          </a:fillRef>
-          <a:effectRef idx="0">
-            <a:schemeClr val="accent3"/>
-          </a:effectRef>
-          <a:fontRef idx="minor">
-            <a:schemeClr val="tx1"/>
-          </a:fontRef>
-        </p:style>
-      </p:cxnSp>
-      <p:cxnSp>
-        <p:nvCxnSpPr>
-          <p:cNvPr id="264" name="Straight Connector 263">
-            <a:extLst>
-              <a:ext uri="{FF2B5EF4-FFF2-40B4-BE49-F238E27FC236}">
-                <a16:creationId xmlns:a16="http://schemas.microsoft.com/office/drawing/2014/main" id="{B873D37E-3C2B-41C8-8CBC-8FF5F8F040E7}"/>
-              </a:ext>
-            </a:extLst>
-          </p:cNvPr>
-          <p:cNvCxnSpPr>
-            <a:cxnSpLocks/>
-          </p:cNvCxnSpPr>
-          <p:nvPr/>
-        </p:nvCxnSpPr>
-        <p:spPr>
-          <a:xfrm flipH="1" flipV="1">
-            <a:off x="9791490" y="3628205"/>
-            <a:ext cx="177252" cy="930295"/>
-          </a:xfrm>
-          <a:prstGeom prst="line">
-            <a:avLst/>
-          </a:prstGeom>
-        </p:spPr>
-        <p:style>
-          <a:lnRef idx="1">
-            <a:schemeClr val="accent3"/>
-          </a:lnRef>
-          <a:fillRef idx="0">
-            <a:schemeClr val="accent3"/>
-          </a:fillRef>
-          <a:effectRef idx="0">
-            <a:schemeClr val="accent3"/>
-          </a:effectRef>
-          <a:fontRef idx="minor">
-            <a:schemeClr val="tx1"/>
-          </a:fontRef>
-        </p:style>
-      </p:cxnSp>
-      <p:sp>
-        <p:nvSpPr>
-          <p:cNvPr id="265" name="Rectangle 264">
-            <a:extLst>
-              <a:ext uri="{FF2B5EF4-FFF2-40B4-BE49-F238E27FC236}">
-                <a16:creationId xmlns:a16="http://schemas.microsoft.com/office/drawing/2014/main" id="{EA54690B-778F-4E42-95F9-2BDA4E011C1C}"/>
-              </a:ext>
-            </a:extLst>
-          </p:cNvPr>
-          <p:cNvSpPr/>
-          <p:nvPr/>
-        </p:nvSpPr>
-        <p:spPr>
-          <a:xfrm>
-            <a:off x="8530381" y="2416895"/>
-            <a:ext cx="1261110" cy="1211310"/>
-          </a:xfrm>
-          <a:prstGeom prst="rect">
-            <a:avLst/>
-          </a:prstGeom>
-          <a:noFill/>
-          <a:ln>
-            <a:solidFill>
-              <a:schemeClr val="bg1">
-                <a:lumMod val="65000"/>
-              </a:schemeClr>
-            </a:solidFill>
-            <a:prstDash val="lgDash"/>
-          </a:ln>
-        </p:spPr>
-        <p:style>
-          <a:lnRef idx="2">
-            <a:schemeClr val="accent1">
-              <a:shade val="50000"/>
-            </a:schemeClr>
-          </a:lnRef>
-          <a:fillRef idx="1">
-            <a:schemeClr val="accent1"/>
-          </a:fillRef>
-          <a:effectRef idx="0">
-            <a:schemeClr val="accent1"/>
-          </a:effectRef>
-          <a:fontRef idx="minor">
-            <a:schemeClr val="lt1"/>
-          </a:fontRef>
-        </p:style>
-        <p:txBody>
-          <a:bodyPr rtlCol="0" anchor="ctr"/>
-          <a:lstStyle/>
-          <a:p>
-            <a:pPr algn="ctr"/>
-            <a:endParaRPr lang="en-US"/>
-          </a:p>
-        </p:txBody>
-      </p:sp>
-      <p:cxnSp>
-        <p:nvCxnSpPr>
-          <p:cNvPr id="267" name="Straight Arrow Connector 266">
-            <a:extLst>
-              <a:ext uri="{FF2B5EF4-FFF2-40B4-BE49-F238E27FC236}">
-                <a16:creationId xmlns:a16="http://schemas.microsoft.com/office/drawing/2014/main" id="{0DEE2F78-D773-4C17-A308-B52E1D8B9FC6}"/>
-              </a:ext>
-            </a:extLst>
-          </p:cNvPr>
-          <p:cNvCxnSpPr>
-            <a:cxnSpLocks/>
-          </p:cNvCxnSpPr>
-          <p:nvPr/>
-        </p:nvCxnSpPr>
-        <p:spPr>
-          <a:xfrm>
-            <a:off x="9336788" y="3078075"/>
-            <a:ext cx="364895" cy="136181"/>
-          </a:xfrm>
-          <a:prstGeom prst="straightConnector1">
-            <a:avLst/>
-          </a:prstGeom>
-          <a:ln>
-            <a:prstDash val="sysDot"/>
-            <a:tailEnd type="triangle"/>
-          </a:ln>
-        </p:spPr>
-        <p:style>
-          <a:lnRef idx="3">
-            <a:schemeClr val="accent1"/>
-          </a:lnRef>
-          <a:fillRef idx="0">
-            <a:schemeClr val="accent1"/>
-          </a:fillRef>
-          <a:effectRef idx="2">
-            <a:schemeClr val="accent1"/>
-          </a:effectRef>
-          <a:fontRef idx="minor">
-            <a:schemeClr val="tx1"/>
-          </a:fontRef>
-        </p:style>
-      </p:cxnSp>
-      <p:sp>
-        <p:nvSpPr>
-          <p:cNvPr id="268" name="Oval 267">
-            <a:extLst>
-              <a:ext uri="{FF2B5EF4-FFF2-40B4-BE49-F238E27FC236}">
-                <a16:creationId xmlns:a16="http://schemas.microsoft.com/office/drawing/2014/main" id="{41775597-956F-4938-80C7-0436178BEEA8}"/>
-              </a:ext>
-            </a:extLst>
-          </p:cNvPr>
-          <p:cNvSpPr/>
-          <p:nvPr/>
-        </p:nvSpPr>
-        <p:spPr>
-          <a:xfrm rot="6059239">
-            <a:off x="9045949" y="2881311"/>
-            <a:ext cx="591256" cy="412916"/>
-          </a:xfrm>
-          <a:prstGeom prst="ellipse">
-            <a:avLst/>
-          </a:prstGeom>
-          <a:noFill/>
-          <a:ln>
-            <a:solidFill>
-              <a:schemeClr val="tx1"/>
-            </a:solidFill>
-          </a:ln>
-        </p:spPr>
-        <p:style>
-          <a:lnRef idx="2">
-            <a:schemeClr val="accent1">
-              <a:shade val="50000"/>
-            </a:schemeClr>
-          </a:lnRef>
-          <a:fillRef idx="1">
-            <a:schemeClr val="accent1"/>
-          </a:fillRef>
-          <a:effectRef idx="0">
-            <a:schemeClr val="accent1"/>
-          </a:effectRef>
-          <a:fontRef idx="minor">
-            <a:schemeClr val="lt1"/>
-          </a:fontRef>
-        </p:style>
-        <p:txBody>
-          <a:bodyPr rtlCol="0" anchor="ctr"/>
-          <a:lstStyle/>
-          <a:p>
-            <a:pPr algn="ctr"/>
-            <a:endParaRPr lang="en-US"/>
-          </a:p>
-        </p:txBody>
-      </p:sp>
-      <p:cxnSp>
-        <p:nvCxnSpPr>
-          <p:cNvPr id="269" name="Straight Arrow Connector 268">
-            <a:extLst>
-              <a:ext uri="{FF2B5EF4-FFF2-40B4-BE49-F238E27FC236}">
-                <a16:creationId xmlns:a16="http://schemas.microsoft.com/office/drawing/2014/main" id="{0DE59BDE-8DE0-4ACA-8EFB-06209DC599D6}"/>
-              </a:ext>
-            </a:extLst>
-          </p:cNvPr>
-          <p:cNvCxnSpPr>
-            <a:cxnSpLocks/>
-          </p:cNvCxnSpPr>
-          <p:nvPr/>
-        </p:nvCxnSpPr>
-        <p:spPr>
-          <a:xfrm flipV="1">
-            <a:off x="9347033" y="2820755"/>
-            <a:ext cx="302943" cy="267479"/>
-          </a:xfrm>
-          <a:prstGeom prst="straightConnector1">
-            <a:avLst/>
-          </a:prstGeom>
-          <a:ln>
-            <a:prstDash val="sysDot"/>
-            <a:tailEnd type="triangle"/>
-          </a:ln>
-        </p:spPr>
-        <p:style>
-          <a:lnRef idx="3">
-            <a:schemeClr val="accent6"/>
-          </a:lnRef>
-          <a:fillRef idx="0">
-            <a:schemeClr val="accent6"/>
-          </a:fillRef>
-          <a:effectRef idx="2">
-            <a:schemeClr val="accent6"/>
-          </a:effectRef>
-          <a:fontRef idx="minor">
-            <a:schemeClr val="tx1"/>
-          </a:fontRef>
-        </p:style>
-      </p:cxnSp>
-      <p:cxnSp>
-        <p:nvCxnSpPr>
-          <p:cNvPr id="270" name="Straight Arrow Connector 269">
-            <a:extLst>
-              <a:ext uri="{FF2B5EF4-FFF2-40B4-BE49-F238E27FC236}">
-                <a16:creationId xmlns:a16="http://schemas.microsoft.com/office/drawing/2014/main" id="{04D9C331-A749-4E35-BBEE-C63E7DC31A1C}"/>
-              </a:ext>
-            </a:extLst>
-          </p:cNvPr>
-          <p:cNvCxnSpPr>
-            <a:cxnSpLocks/>
-          </p:cNvCxnSpPr>
-          <p:nvPr/>
-        </p:nvCxnSpPr>
-        <p:spPr>
-          <a:xfrm flipH="1" flipV="1">
-            <a:off x="9076325" y="2915548"/>
-            <a:ext cx="274753" cy="167687"/>
-          </a:xfrm>
-          <a:prstGeom prst="straightConnector1">
-            <a:avLst/>
-          </a:prstGeom>
-          <a:ln>
-            <a:prstDash val="sysDot"/>
-            <a:tailEnd type="triangle"/>
-          </a:ln>
-        </p:spPr>
-        <p:style>
-          <a:lnRef idx="3">
-            <a:schemeClr val="accent2"/>
-          </a:lnRef>
-          <a:fillRef idx="0">
-            <a:schemeClr val="accent2"/>
-          </a:fillRef>
-          <a:effectRef idx="2">
-            <a:schemeClr val="accent2"/>
-          </a:effectRef>
-          <a:fontRef idx="minor">
-            <a:schemeClr val="tx1"/>
-          </a:fontRef>
-        </p:style>
-      </p:cxnSp>
-      <p:sp>
-        <p:nvSpPr>
-          <p:cNvPr id="271" name="TextBox 270">
-            <a:extLst>
-              <a:ext uri="{FF2B5EF4-FFF2-40B4-BE49-F238E27FC236}">
-                <a16:creationId xmlns:a16="http://schemas.microsoft.com/office/drawing/2014/main" id="{83871C59-C470-408D-863F-F3929DF7EE29}"/>
-              </a:ext>
-            </a:extLst>
-          </p:cNvPr>
-          <p:cNvSpPr txBox="1"/>
-          <p:nvPr/>
-        </p:nvSpPr>
-        <p:spPr>
-          <a:xfrm>
-            <a:off x="9465370" y="3194577"/>
-            <a:ext cx="436614" cy="276999"/>
-          </a:xfrm>
-          <a:prstGeom prst="rect">
-            <a:avLst/>
-          </a:prstGeom>
-          <a:noFill/>
-        </p:spPr>
-        <p:txBody>
-          <a:bodyPr wrap="square" rtlCol="0">
-            <a:spAutoFit/>
-          </a:bodyPr>
-          <a:lstStyle/>
-          <a:p>
-            <a:r>
-              <a:rPr lang="en-US" sz="1200" dirty="0"/>
-              <a:t>O</a:t>
-            </a:r>
-            <a:r>
-              <a:rPr lang="en-US" sz="1200" baseline="-25000" dirty="0"/>
-              <a:t>3b</a:t>
-            </a:r>
-          </a:p>
-        </p:txBody>
-      </p:sp>
-      <p:sp>
-        <p:nvSpPr>
-          <p:cNvPr id="285" name="Cube 284">
-            <a:extLst>
-              <a:ext uri="{FF2B5EF4-FFF2-40B4-BE49-F238E27FC236}">
-                <a16:creationId xmlns:a16="http://schemas.microsoft.com/office/drawing/2014/main" id="{ED995036-4DB0-4FA6-AED5-E032009F8451}"/>
-              </a:ext>
-            </a:extLst>
-          </p:cNvPr>
-          <p:cNvSpPr/>
-          <p:nvPr/>
-        </p:nvSpPr>
-        <p:spPr>
-          <a:xfrm rot="1399588">
-            <a:off x="9226485" y="2709996"/>
-            <a:ext cx="158294" cy="74355"/>
-          </a:xfrm>
-          <a:prstGeom prst="cube">
-            <a:avLst>
-              <a:gd name="adj" fmla="val 33797"/>
-            </a:avLst>
-          </a:prstGeom>
-        </p:spPr>
-        <p:style>
-          <a:lnRef idx="2">
-            <a:schemeClr val="accent4">
-              <a:shade val="50000"/>
-            </a:schemeClr>
-          </a:lnRef>
-          <a:fillRef idx="1">
-            <a:schemeClr val="accent4"/>
-          </a:fillRef>
-          <a:effectRef idx="0">
-            <a:schemeClr val="accent4"/>
-          </a:effectRef>
-          <a:fontRef idx="minor">
-            <a:schemeClr val="lt1"/>
-          </a:fontRef>
-        </p:style>
-        <p:txBody>
-          <a:bodyPr rtlCol="0" anchor="ctr"/>
-          <a:lstStyle/>
-          <a:p>
-            <a:pPr algn="ctr"/>
-            <a:endParaRPr lang="en-US"/>
-          </a:p>
-        </p:txBody>
-      </p:sp>
-      <p:cxnSp>
-        <p:nvCxnSpPr>
-          <p:cNvPr id="286" name="Straight Arrow Connector 285">
-            <a:extLst>
-              <a:ext uri="{FF2B5EF4-FFF2-40B4-BE49-F238E27FC236}">
-                <a16:creationId xmlns:a16="http://schemas.microsoft.com/office/drawing/2014/main" id="{71FE180F-EA44-4069-8153-D6D0D841DBA9}"/>
-              </a:ext>
-            </a:extLst>
-          </p:cNvPr>
-          <p:cNvCxnSpPr>
-            <a:cxnSpLocks/>
-          </p:cNvCxnSpPr>
-          <p:nvPr/>
-        </p:nvCxnSpPr>
-        <p:spPr>
-          <a:xfrm>
-            <a:off x="9325903" y="2776863"/>
-            <a:ext cx="364895" cy="136181"/>
-          </a:xfrm>
-          <a:prstGeom prst="straightConnector1">
-            <a:avLst/>
-          </a:prstGeom>
-          <a:ln>
-            <a:tailEnd type="triangle"/>
-          </a:ln>
-        </p:spPr>
-        <p:style>
-          <a:lnRef idx="3">
-            <a:schemeClr val="accent1"/>
-          </a:lnRef>
-          <a:fillRef idx="0">
-            <a:schemeClr val="accent1"/>
-          </a:fillRef>
-          <a:effectRef idx="2">
-            <a:schemeClr val="accent1"/>
-          </a:effectRef>
-          <a:fontRef idx="minor">
-            <a:schemeClr val="tx1"/>
-          </a:fontRef>
-        </p:style>
-      </p:cxnSp>
-      <p:cxnSp>
-        <p:nvCxnSpPr>
-          <p:cNvPr id="287" name="Straight Arrow Connector 286">
-            <a:extLst>
-              <a:ext uri="{FF2B5EF4-FFF2-40B4-BE49-F238E27FC236}">
-                <a16:creationId xmlns:a16="http://schemas.microsoft.com/office/drawing/2014/main" id="{BB72FDF1-04A6-459D-A85A-5C2D93DF045A}"/>
-              </a:ext>
-            </a:extLst>
-          </p:cNvPr>
-          <p:cNvCxnSpPr>
-            <a:cxnSpLocks/>
-          </p:cNvCxnSpPr>
-          <p:nvPr/>
-        </p:nvCxnSpPr>
-        <p:spPr>
-          <a:xfrm flipV="1">
-            <a:off x="9336148" y="2519543"/>
-            <a:ext cx="302943" cy="267479"/>
-          </a:xfrm>
-          <a:prstGeom prst="straightConnector1">
-            <a:avLst/>
-          </a:prstGeom>
-          <a:ln>
-            <a:tailEnd type="triangle"/>
-          </a:ln>
-        </p:spPr>
-        <p:style>
-          <a:lnRef idx="3">
-            <a:schemeClr val="accent6"/>
-          </a:lnRef>
-          <a:fillRef idx="0">
-            <a:schemeClr val="accent6"/>
-          </a:fillRef>
-          <a:effectRef idx="2">
-            <a:schemeClr val="accent6"/>
-          </a:effectRef>
-          <a:fontRef idx="minor">
-            <a:schemeClr val="tx1"/>
-          </a:fontRef>
-        </p:style>
-      </p:cxnSp>
-      <p:cxnSp>
-        <p:nvCxnSpPr>
-          <p:cNvPr id="288" name="Straight Arrow Connector 287">
-            <a:extLst>
-              <a:ext uri="{FF2B5EF4-FFF2-40B4-BE49-F238E27FC236}">
-                <a16:creationId xmlns:a16="http://schemas.microsoft.com/office/drawing/2014/main" id="{FBDCAA1E-9FC0-467D-9AA8-ED6D27BF52D3}"/>
-              </a:ext>
-            </a:extLst>
-          </p:cNvPr>
-          <p:cNvCxnSpPr>
-            <a:cxnSpLocks/>
-          </p:cNvCxnSpPr>
-          <p:nvPr/>
-        </p:nvCxnSpPr>
-        <p:spPr>
-          <a:xfrm flipH="1" flipV="1">
-            <a:off x="9065440" y="2614336"/>
-            <a:ext cx="274753" cy="167687"/>
-          </a:xfrm>
-          <a:prstGeom prst="straightConnector1">
-            <a:avLst/>
-          </a:prstGeom>
-          <a:ln>
-            <a:tailEnd type="triangle"/>
-          </a:ln>
-        </p:spPr>
-        <p:style>
-          <a:lnRef idx="3">
-            <a:schemeClr val="accent2"/>
-          </a:lnRef>
-          <a:fillRef idx="0">
-            <a:schemeClr val="accent2"/>
-          </a:fillRef>
-          <a:effectRef idx="2">
-            <a:schemeClr val="accent2"/>
-          </a:effectRef>
-          <a:fontRef idx="minor">
-            <a:schemeClr val="tx1"/>
-          </a:fontRef>
-        </p:style>
-      </p:cxnSp>
-      <p:sp>
-        <p:nvSpPr>
-          <p:cNvPr id="289" name="TextBox 288">
-            <a:extLst>
-              <a:ext uri="{FF2B5EF4-FFF2-40B4-BE49-F238E27FC236}">
-                <a16:creationId xmlns:a16="http://schemas.microsoft.com/office/drawing/2014/main" id="{6E865960-6A45-4CB5-B727-5FD4098D9873}"/>
-              </a:ext>
-            </a:extLst>
-          </p:cNvPr>
-          <p:cNvSpPr txBox="1"/>
-          <p:nvPr/>
-        </p:nvSpPr>
-        <p:spPr>
-          <a:xfrm>
-            <a:off x="9240406" y="2382749"/>
-            <a:ext cx="351975" cy="276999"/>
-          </a:xfrm>
-          <a:prstGeom prst="rect">
-            <a:avLst/>
-          </a:prstGeom>
-          <a:noFill/>
-        </p:spPr>
-        <p:txBody>
-          <a:bodyPr wrap="square" rtlCol="0">
-            <a:spAutoFit/>
-          </a:bodyPr>
-          <a:lstStyle/>
-          <a:p>
-            <a:r>
-              <a:rPr lang="en-US" sz="1200" dirty="0"/>
-              <a:t>O</a:t>
-            </a:r>
-            <a:r>
-              <a:rPr lang="en-US" sz="1200" baseline="-25000" dirty="0"/>
-              <a:t>S</a:t>
-            </a:r>
-          </a:p>
-        </p:txBody>
-      </p:sp>
-      <p:cxnSp>
-        <p:nvCxnSpPr>
-          <p:cNvPr id="290" name="Straight Arrow Connector 289">
-            <a:extLst>
-              <a:ext uri="{FF2B5EF4-FFF2-40B4-BE49-F238E27FC236}">
-                <a16:creationId xmlns:a16="http://schemas.microsoft.com/office/drawing/2014/main" id="{547C7A76-B386-4072-8684-B4475CF5EFE3}"/>
-              </a:ext>
-            </a:extLst>
-          </p:cNvPr>
-          <p:cNvCxnSpPr>
-            <a:cxnSpLocks/>
-          </p:cNvCxnSpPr>
-          <p:nvPr/>
-        </p:nvCxnSpPr>
-        <p:spPr>
-          <a:xfrm>
-            <a:off x="9053984" y="2309976"/>
-            <a:ext cx="223156" cy="349772"/>
-          </a:xfrm>
-          <a:prstGeom prst="straightConnector1">
-            <a:avLst/>
-          </a:prstGeom>
-          <a:ln>
-            <a:tailEnd type="triangle"/>
-          </a:ln>
-        </p:spPr>
-        <p:style>
-          <a:lnRef idx="1">
-            <a:schemeClr val="accent1"/>
-          </a:lnRef>
-          <a:fillRef idx="0">
-            <a:schemeClr val="accent1"/>
-          </a:fillRef>
-          <a:effectRef idx="0">
-            <a:schemeClr val="accent1"/>
-          </a:effectRef>
-          <a:fontRef idx="minor">
-            <a:schemeClr val="tx1"/>
-          </a:fontRef>
-        </p:style>
-      </p:cxnSp>
-      <p:sp>
-        <p:nvSpPr>
-          <p:cNvPr id="291" name="TextBox 290">
-            <a:extLst>
-              <a:ext uri="{FF2B5EF4-FFF2-40B4-BE49-F238E27FC236}">
-                <a16:creationId xmlns:a16="http://schemas.microsoft.com/office/drawing/2014/main" id="{A2274082-39E7-4F9A-B793-92F4A4F24B2B}"/>
-              </a:ext>
-            </a:extLst>
-          </p:cNvPr>
-          <p:cNvSpPr txBox="1"/>
-          <p:nvPr/>
-        </p:nvSpPr>
-        <p:spPr>
-          <a:xfrm>
-            <a:off x="8610945" y="2119144"/>
-            <a:ext cx="1006425" cy="246221"/>
-          </a:xfrm>
-          <a:prstGeom prst="rect">
-            <a:avLst/>
-          </a:prstGeom>
-          <a:noFill/>
-        </p:spPr>
-        <p:txBody>
-          <a:bodyPr wrap="square" rtlCol="0">
-            <a:spAutoFit/>
-          </a:bodyPr>
-          <a:lstStyle/>
-          <a:p>
-            <a:r>
-              <a:rPr lang="en-US" sz="1000" dirty="0"/>
-              <a:t>accelerometer</a:t>
-            </a:r>
-            <a:endParaRPr lang="en-US" sz="1000" baseline="-25000" dirty="0"/>
-          </a:p>
-        </p:txBody>
-      </p:sp>
-      <p:cxnSp>
-        <p:nvCxnSpPr>
-          <p:cNvPr id="148" name="Straight Arrow Connector 147">
-            <a:extLst>
-              <a:ext uri="{FF2B5EF4-FFF2-40B4-BE49-F238E27FC236}">
-                <a16:creationId xmlns:a16="http://schemas.microsoft.com/office/drawing/2014/main" id="{30E57168-B521-4727-A8C5-2A29B299302E}"/>
-              </a:ext>
-            </a:extLst>
-          </p:cNvPr>
-          <p:cNvCxnSpPr>
-            <a:cxnSpLocks/>
-          </p:cNvCxnSpPr>
-          <p:nvPr/>
-        </p:nvCxnSpPr>
-        <p:spPr>
-          <a:xfrm>
-            <a:off x="9689003" y="4885224"/>
-            <a:ext cx="343332" cy="117437"/>
-          </a:xfrm>
-          <a:prstGeom prst="straightConnector1">
-            <a:avLst/>
-          </a:prstGeom>
-          <a:ln>
-            <a:tailEnd type="triangle"/>
-          </a:ln>
-        </p:spPr>
-        <p:style>
-          <a:lnRef idx="3">
-            <a:schemeClr val="accent1"/>
-          </a:lnRef>
-          <a:fillRef idx="0">
-            <a:schemeClr val="accent1"/>
-          </a:fillRef>
-          <a:effectRef idx="2">
-            <a:schemeClr val="accent1"/>
-          </a:effectRef>
-          <a:fontRef idx="minor">
-            <a:schemeClr val="tx1"/>
-          </a:fontRef>
-        </p:style>
-      </p:cxnSp>
-      <p:cxnSp>
-        <p:nvCxnSpPr>
-          <p:cNvPr id="174" name="Straight Arrow Connector 173">
-            <a:extLst>
-              <a:ext uri="{FF2B5EF4-FFF2-40B4-BE49-F238E27FC236}">
-                <a16:creationId xmlns:a16="http://schemas.microsoft.com/office/drawing/2014/main" id="{98B8612E-6AE6-4B12-846F-3DBF70FF6872}"/>
-              </a:ext>
-            </a:extLst>
-          </p:cNvPr>
-          <p:cNvCxnSpPr>
-            <a:cxnSpLocks/>
-          </p:cNvCxnSpPr>
-          <p:nvPr/>
-        </p:nvCxnSpPr>
-        <p:spPr>
-          <a:xfrm flipV="1">
-            <a:off x="9297858" y="4975873"/>
-            <a:ext cx="165380" cy="300991"/>
-          </a:xfrm>
-          <a:prstGeom prst="straightConnector1">
-            <a:avLst/>
-          </a:prstGeom>
-          <a:ln>
-            <a:tailEnd type="triangle"/>
-          </a:ln>
-        </p:spPr>
-        <p:style>
-          <a:lnRef idx="3">
-            <a:schemeClr val="accent4"/>
-          </a:lnRef>
-          <a:fillRef idx="0">
-            <a:schemeClr val="accent4"/>
-          </a:fillRef>
-          <a:effectRef idx="2">
-            <a:schemeClr val="accent4"/>
-          </a:effectRef>
-          <a:fontRef idx="minor">
-            <a:schemeClr val="tx1"/>
-          </a:fontRef>
-        </p:style>
-      </p:cxnSp>
-      <p:sp>
-        <p:nvSpPr>
-          <p:cNvPr id="295" name="TextBox 294">
-            <a:extLst>
-              <a:ext uri="{FF2B5EF4-FFF2-40B4-BE49-F238E27FC236}">
-                <a16:creationId xmlns:a16="http://schemas.microsoft.com/office/drawing/2014/main" id="{9A6A50E2-B8B5-4C61-BC3E-B870A48E0C45}"/>
-              </a:ext>
-            </a:extLst>
-          </p:cNvPr>
-          <p:cNvSpPr txBox="1"/>
-          <p:nvPr/>
-        </p:nvSpPr>
-        <p:spPr>
-          <a:xfrm>
-            <a:off x="9955228" y="4333733"/>
-            <a:ext cx="430811" cy="261610"/>
-          </a:xfrm>
-          <a:prstGeom prst="rect">
-            <a:avLst/>
-          </a:prstGeom>
-          <a:noFill/>
-        </p:spPr>
-        <p:txBody>
-          <a:bodyPr wrap="square" rtlCol="0">
-            <a:spAutoFit/>
-          </a:bodyPr>
-          <a:lstStyle/>
-          <a:p>
-            <a:r>
-              <a:rPr lang="el-GR" sz="1100" dirty="0"/>
-              <a:t>θ</a:t>
-            </a:r>
-            <a:endParaRPr lang="en-US" sz="1100" baseline="-25000" dirty="0"/>
-          </a:p>
-        </p:txBody>
-      </p:sp>
-    </p:spTree>
-    <p:extLst>
-      <p:ext uri="{BB962C8B-B14F-4D97-AF65-F5344CB8AC3E}">
-        <p14:creationId xmlns:p14="http://schemas.microsoft.com/office/powerpoint/2010/main" val="796935869"/>
       </p:ext>
     </p:extLst>
   </p:cSld>

--- a/PipeDiagram.pptx
+++ b/PipeDiagram.pptx
@@ -5,11 +5,12 @@
     <p:sldMasterId id="2147483648" r:id="rId1"/>
   </p:sldMasterIdLst>
   <p:sldIdLst>
-    <p:sldId id="261" r:id="rId2"/>
-    <p:sldId id="260" r:id="rId3"/>
-    <p:sldId id="256" r:id="rId4"/>
-    <p:sldId id="259" r:id="rId5"/>
-    <p:sldId id="257" r:id="rId6"/>
+    <p:sldId id="262" r:id="rId2"/>
+    <p:sldId id="261" r:id="rId3"/>
+    <p:sldId id="260" r:id="rId4"/>
+    <p:sldId id="256" r:id="rId5"/>
+    <p:sldId id="259" r:id="rId6"/>
+    <p:sldId id="257" r:id="rId7"/>
   </p:sldIdLst>
   <p:sldSz cx="12192000" cy="6858000"/>
   <p:notesSz cx="6858000" cy="9144000"/>
@@ -216,90 +217,6 @@
           <inkml:channelProperty channel="F" name="resolution" value="0" units="1/dev"/>
         </inkml:channelProperties>
       </inkml:inkSource>
-      <inkml:timestamp xml:id="ts0" timeString="2020-03-16T23:33:03.564"/>
-    </inkml:context>
-    <inkml:brush xml:id="br0">
-      <inkml:brushProperty name="width" value="0.025" units="cm"/>
-      <inkml:brushProperty name="height" value="0.025" units="cm"/>
-      <inkml:brushProperty name="color" value="#FFC114"/>
-    </inkml:brush>
-  </inkml:definitions>
-  <inkml:trace contextRef="#ctx0" brushRef="#br0">4 4 14720,'0'-4'396,"-2"6"488,1 7 523,4 46 396,-1-26-1155,-2-22-618,1 0 0,-1 1 0,1-1 0,2 4-30,0 0 66,4 18 156,1-1 0,1 0 1,2 0-1,13 22-222,1-1 199,-15-29-73,1 1-1,1-2 1,7 9-126,8 4 330,1-2 0,14 11-330,-5-5 524,-11-4-343,-19-23-167,0-1 1,0 0-1,4 4-14,8 5 37,-5-5 36,-1 0 0,2-1 0,4 3-73,-2-2 58,-14-10-42,1 1 0,-1-1 0,1 1 0,0-1 0,0 0 0,0 0 0,0-1 0,0 1 0,0-1 0,0 0 0,0 0 0,1 0 0,-1 0 0,2-1-16,-4 0-1073,-2 0 911,0 0 0,0 0-1,0 0 1,0 0 0,0 0 0,0 0 0,0 0 0,0-1 0,0 1 0,-1 0 0,1 0-1,0 0 1,0 0 0,0 0 0,0 0 0,0 0 0,0-1 0,0 1 0,0 0 0,0 0-1,0 0 1,0 0 0,0 0 0,0 0 0,0-1 0,0 1 0,0 0 0,0 0 0,0 0 0,1 0-1,-1 0 1,0 0 0,0 0 0,0-1 0,0 1 0,0 0 0,0 0 0,0 0 0,0 0-1,0 0 1,0 0 0,0 0 0,1 0 0,-1 0 0,0 0 0,0 0 0,0-1 0,0 1 0,0 0-1,0 0 1,0 0 0,1 0 0,-1 0 0,0 0 0,0 0 0,0 0 0,0 0 0,0 0-1,0 0 1,1 0 0,-1 0 0,0 0 0,0 0 0,0 0 0,0 0 0,0 1 0,0-1 0,0 0-1,1 0 1,-1 0 162,-1-3-6842</inkml:trace>
-</inkml:ink>
-</file>
-
-<file path=ppt/ink/ink5.xml><?xml version="1.0" encoding="utf-8"?>
-<inkml:ink xmlns:inkml="http://www.w3.org/2003/InkML">
-  <inkml:definitions>
-    <inkml:context xml:id="ctx0">
-      <inkml:inkSource xml:id="inkSrc0">
-        <inkml:traceFormat>
-          <inkml:channel name="X" type="integer" min="-2.14748E9" max="2.14748E9" units="cm"/>
-          <inkml:channel name="Y" type="integer" min="-2.14748E9" max="2.14748E9" units="cm"/>
-          <inkml:channel name="F" type="integer" max="32767" units="dev"/>
-        </inkml:traceFormat>
-        <inkml:channelProperties>
-          <inkml:channelProperty channel="X" name="resolution" value="1000" units="1/cm"/>
-          <inkml:channelProperty channel="Y" name="resolution" value="1000" units="1/cm"/>
-          <inkml:channelProperty channel="F" name="resolution" value="0" units="1/dev"/>
-        </inkml:channelProperties>
-      </inkml:inkSource>
-      <inkml:timestamp xml:id="ts0" timeString="2020-03-16T23:33:04.840"/>
-    </inkml:context>
-    <inkml:brush xml:id="br0">
-      <inkml:brushProperty name="width" value="0.025" units="cm"/>
-      <inkml:brushProperty name="height" value="0.025" units="cm"/>
-      <inkml:brushProperty name="color" value="#FFC114"/>
-    </inkml:brush>
-  </inkml:definitions>
-  <inkml:trace contextRef="#ctx0" brushRef="#br0">94 10 18047,'1'7'320,"0"-9"467,2-11 1160,-2 11-1456,-2 5-228,-2 12 198,-1 1 1,-1-1-1,0 0 0,-2 1-461,-1 6 246,0-3-53,-1-1-1,-5 7-192,6-11-749,1 0-1,0 1 0,0 0 1,1 4 749,5-17-2360,1-1-5605,0-1 605</inkml:trace>
-</inkml:ink>
-</file>
-
-<file path=ppt/ink/ink6.xml><?xml version="1.0" encoding="utf-8"?>
-<inkml:ink xmlns:inkml="http://www.w3.org/2003/InkML">
-  <inkml:definitions>
-    <inkml:context xml:id="ctx0">
-      <inkml:inkSource xml:id="inkSrc0">
-        <inkml:traceFormat>
-          <inkml:channel name="X" type="integer" min="-2.14748E9" max="2.14748E9" units="cm"/>
-          <inkml:channel name="Y" type="integer" min="-2.14748E9" max="2.14748E9" units="cm"/>
-          <inkml:channel name="F" type="integer" max="32767" units="dev"/>
-        </inkml:traceFormat>
-        <inkml:channelProperties>
-          <inkml:channelProperty channel="X" name="resolution" value="1000" units="1/cm"/>
-          <inkml:channelProperty channel="Y" name="resolution" value="1000" units="1/cm"/>
-          <inkml:channelProperty channel="F" name="resolution" value="0" units="1/dev"/>
-        </inkml:channelProperties>
-      </inkml:inkSource>
-      <inkml:timestamp xml:id="ts0" timeString="2020-03-16T23:33:05.530"/>
-    </inkml:context>
-    <inkml:brush xml:id="br0">
-      <inkml:brushProperty name="width" value="0.025" units="cm"/>
-      <inkml:brushProperty name="height" value="0.025" units="cm"/>
-      <inkml:brushProperty name="color" value="#FFC114"/>
-    </inkml:brush>
-  </inkml:definitions>
-  <inkml:trace contextRef="#ctx0" brushRef="#br0">4 0 15872,'0'2'61,"-3"6"2074,4-7-860,4-3-603,-5 2-630,1 0 0,-1-1 0,1 1 0,0 0 0,-1 0 0,1 0-1,-1 0 1,1 0 0,0 0 0,-1 0 0,1 1 0,-1-1 0,1 0 0,-1 0-1,1 0 1,0 0 0,-1 1 0,1-1 0,-1 0 0,1 1 0,-1-1-1,1 1-41,13 8 332,-13-8-219,21 17 505,-2 1 0,13 14-618,-7-6 374,3 1-374,-18-18-197,17 14 559,-25-22-862,0 0 1,0-1-1,0 1 1,0-1 0,0 0-1,0 1 500,5-2-6944,-6 0 4838,0 0-4811</inkml:trace>
-</inkml:ink>
-</file>
-
-<file path=ppt/ink/ink7.xml><?xml version="1.0" encoding="utf-8"?>
-<inkml:ink xmlns:inkml="http://www.w3.org/2003/InkML">
-  <inkml:definitions>
-    <inkml:context xml:id="ctx0">
-      <inkml:inkSource xml:id="inkSrc0">
-        <inkml:traceFormat>
-          <inkml:channel name="X" type="integer" min="-2.14748E9" max="2.14748E9" units="cm"/>
-          <inkml:channel name="Y" type="integer" min="-2.14748E9" max="2.14748E9" units="cm"/>
-          <inkml:channel name="F" type="integer" max="32767" units="dev"/>
-        </inkml:traceFormat>
-        <inkml:channelProperties>
-          <inkml:channelProperty channel="X" name="resolution" value="1000" units="1/cm"/>
-          <inkml:channelProperty channel="Y" name="resolution" value="1000" units="1/cm"/>
-          <inkml:channelProperty channel="F" name="resolution" value="0" units="1/dev"/>
-        </inkml:channelProperties>
-      </inkml:inkSource>
       <inkml:timestamp xml:id="ts0" timeString="2020-03-16T23:49:14.835"/>
     </inkml:context>
     <inkml:brush xml:id="br0">
@@ -312,7 +229,7 @@
 </inkml:ink>
 </file>
 
-<file path=ppt/ink/ink8.xml><?xml version="1.0" encoding="utf-8"?>
+<file path=ppt/ink/ink5.xml><?xml version="1.0" encoding="utf-8"?>
 <inkml:ink xmlns:inkml="http://www.w3.org/2003/InkML">
   <inkml:definitions>
     <inkml:context xml:id="ctx0">
@@ -487,7 +404,7 @@
           <a:p>
             <a:fld id="{19DB56A9-13C8-4B36-957B-54DB49F9A930}" type="datetimeFigureOut">
               <a:rPr lang="en-US" smtClean="0"/>
-              <a:t>4/13/2020</a:t>
+              <a:t>4/16/2020</a:t>
             </a:fld>
             <a:endParaRPr lang="en-US"/>
           </a:p>
@@ -685,7 +602,7 @@
           <a:p>
             <a:fld id="{19DB56A9-13C8-4B36-957B-54DB49F9A930}" type="datetimeFigureOut">
               <a:rPr lang="en-US" smtClean="0"/>
-              <a:t>4/13/2020</a:t>
+              <a:t>4/16/2020</a:t>
             </a:fld>
             <a:endParaRPr lang="en-US"/>
           </a:p>
@@ -893,7 +810,7 @@
           <a:p>
             <a:fld id="{19DB56A9-13C8-4B36-957B-54DB49F9A930}" type="datetimeFigureOut">
               <a:rPr lang="en-US" smtClean="0"/>
-              <a:t>4/13/2020</a:t>
+              <a:t>4/16/2020</a:t>
             </a:fld>
             <a:endParaRPr lang="en-US"/>
           </a:p>
@@ -1091,7 +1008,7 @@
           <a:p>
             <a:fld id="{19DB56A9-13C8-4B36-957B-54DB49F9A930}" type="datetimeFigureOut">
               <a:rPr lang="en-US" smtClean="0"/>
-              <a:t>4/13/2020</a:t>
+              <a:t>4/16/2020</a:t>
             </a:fld>
             <a:endParaRPr lang="en-US"/>
           </a:p>
@@ -1366,7 +1283,7 @@
           <a:p>
             <a:fld id="{19DB56A9-13C8-4B36-957B-54DB49F9A930}" type="datetimeFigureOut">
               <a:rPr lang="en-US" smtClean="0"/>
-              <a:t>4/13/2020</a:t>
+              <a:t>4/16/2020</a:t>
             </a:fld>
             <a:endParaRPr lang="en-US"/>
           </a:p>
@@ -1631,7 +1548,7 @@
           <a:p>
             <a:fld id="{19DB56A9-13C8-4B36-957B-54DB49F9A930}" type="datetimeFigureOut">
               <a:rPr lang="en-US" smtClean="0"/>
-              <a:t>4/13/2020</a:t>
+              <a:t>4/16/2020</a:t>
             </a:fld>
             <a:endParaRPr lang="en-US"/>
           </a:p>
@@ -2043,7 +1960,7 @@
           <a:p>
             <a:fld id="{19DB56A9-13C8-4B36-957B-54DB49F9A930}" type="datetimeFigureOut">
               <a:rPr lang="en-US" smtClean="0"/>
-              <a:t>4/13/2020</a:t>
+              <a:t>4/16/2020</a:t>
             </a:fld>
             <a:endParaRPr lang="en-US"/>
           </a:p>
@@ -2184,7 +2101,7 @@
           <a:p>
             <a:fld id="{19DB56A9-13C8-4B36-957B-54DB49F9A930}" type="datetimeFigureOut">
               <a:rPr lang="en-US" smtClean="0"/>
-              <a:t>4/13/2020</a:t>
+              <a:t>4/16/2020</a:t>
             </a:fld>
             <a:endParaRPr lang="en-US"/>
           </a:p>
@@ -2297,7 +2214,7 @@
           <a:p>
             <a:fld id="{19DB56A9-13C8-4B36-957B-54DB49F9A930}" type="datetimeFigureOut">
               <a:rPr lang="en-US" smtClean="0"/>
-              <a:t>4/13/2020</a:t>
+              <a:t>4/16/2020</a:t>
             </a:fld>
             <a:endParaRPr lang="en-US"/>
           </a:p>
@@ -2608,7 +2525,7 @@
           <a:p>
             <a:fld id="{19DB56A9-13C8-4B36-957B-54DB49F9A930}" type="datetimeFigureOut">
               <a:rPr lang="en-US" smtClean="0"/>
-              <a:t>4/13/2020</a:t>
+              <a:t>4/16/2020</a:t>
             </a:fld>
             <a:endParaRPr lang="en-US"/>
           </a:p>
@@ -2896,7 +2813,7 @@
           <a:p>
             <a:fld id="{19DB56A9-13C8-4B36-957B-54DB49F9A930}" type="datetimeFigureOut">
               <a:rPr lang="en-US" smtClean="0"/>
-              <a:t>4/13/2020</a:t>
+              <a:t>4/16/2020</a:t>
             </a:fld>
             <a:endParaRPr lang="en-US"/>
           </a:p>
@@ -3137,7 +3054,7 @@
           <a:p>
             <a:fld id="{19DB56A9-13C8-4B36-957B-54DB49F9A930}" type="datetimeFigureOut">
               <a:rPr lang="en-US" smtClean="0"/>
-              <a:t>4/13/2020</a:t>
+              <a:t>4/16/2020</a:t>
             </a:fld>
             <a:endParaRPr lang="en-US"/>
           </a:p>
@@ -3554,6 +3471,3424 @@
           <a:chExt cx="0" cy="0"/>
         </a:xfrm>
       </p:grpSpPr>
+      <p:cxnSp>
+        <p:nvCxnSpPr>
+          <p:cNvPr id="10" name="Straight Connector 9">
+            <a:extLst>
+              <a:ext uri="{FF2B5EF4-FFF2-40B4-BE49-F238E27FC236}">
+                <a16:creationId xmlns:a16="http://schemas.microsoft.com/office/drawing/2014/main" id="{0E76BED5-5745-4D48-B8E7-70214FB9CA59}"/>
+              </a:ext>
+            </a:extLst>
+          </p:cNvPr>
+          <p:cNvCxnSpPr/>
+          <p:nvPr/>
+        </p:nvCxnSpPr>
+        <p:spPr>
+          <a:xfrm flipV="1">
+            <a:off x="4059936" y="0"/>
+            <a:ext cx="50468" cy="6858000"/>
+          </a:xfrm>
+          <a:prstGeom prst="line">
+            <a:avLst/>
+          </a:prstGeom>
+          <a:ln w="57150"/>
+        </p:spPr>
+        <p:style>
+          <a:lnRef idx="1">
+            <a:schemeClr val="dk1"/>
+          </a:lnRef>
+          <a:fillRef idx="0">
+            <a:schemeClr val="dk1"/>
+          </a:fillRef>
+          <a:effectRef idx="0">
+            <a:schemeClr val="dk1"/>
+          </a:effectRef>
+          <a:fontRef idx="minor">
+            <a:schemeClr val="tx1"/>
+          </a:fontRef>
+        </p:style>
+      </p:cxnSp>
+      <p:cxnSp>
+        <p:nvCxnSpPr>
+          <p:cNvPr id="66" name="Straight Connector 65">
+            <a:extLst>
+              <a:ext uri="{FF2B5EF4-FFF2-40B4-BE49-F238E27FC236}">
+                <a16:creationId xmlns:a16="http://schemas.microsoft.com/office/drawing/2014/main" id="{7C785A8A-61BE-40B3-A172-2D45283CF523}"/>
+              </a:ext>
+            </a:extLst>
+          </p:cNvPr>
+          <p:cNvCxnSpPr/>
+          <p:nvPr/>
+        </p:nvCxnSpPr>
+        <p:spPr>
+          <a:xfrm flipV="1">
+            <a:off x="8177667" y="0"/>
+            <a:ext cx="50468" cy="6858000"/>
+          </a:xfrm>
+          <a:prstGeom prst="line">
+            <a:avLst/>
+          </a:prstGeom>
+          <a:ln w="57150"/>
+        </p:spPr>
+        <p:style>
+          <a:lnRef idx="1">
+            <a:schemeClr val="dk1"/>
+          </a:lnRef>
+          <a:fillRef idx="0">
+            <a:schemeClr val="dk1"/>
+          </a:fillRef>
+          <a:effectRef idx="0">
+            <a:schemeClr val="dk1"/>
+          </a:effectRef>
+          <a:fontRef idx="minor">
+            <a:schemeClr val="tx1"/>
+          </a:fontRef>
+        </p:style>
+      </p:cxnSp>
+      <p:grpSp>
+        <p:nvGrpSpPr>
+          <p:cNvPr id="122" name="Group 121">
+            <a:extLst>
+              <a:ext uri="{FF2B5EF4-FFF2-40B4-BE49-F238E27FC236}">
+                <a16:creationId xmlns:a16="http://schemas.microsoft.com/office/drawing/2014/main" id="{713D6BB9-216E-4E56-8C37-94F7093CF081}"/>
+              </a:ext>
+            </a:extLst>
+          </p:cNvPr>
+          <p:cNvGrpSpPr/>
+          <p:nvPr/>
+        </p:nvGrpSpPr>
+        <p:grpSpPr>
+          <a:xfrm>
+            <a:off x="8352837" y="527230"/>
+            <a:ext cx="3848064" cy="2965129"/>
+            <a:chOff x="8253353" y="1142033"/>
+            <a:chExt cx="3848064" cy="2965129"/>
+          </a:xfrm>
+        </p:grpSpPr>
+        <p:grpSp>
+          <p:nvGrpSpPr>
+            <p:cNvPr id="96" name="Group 95">
+              <a:extLst>
+                <a:ext uri="{FF2B5EF4-FFF2-40B4-BE49-F238E27FC236}">
+                  <a16:creationId xmlns:a16="http://schemas.microsoft.com/office/drawing/2014/main" id="{93AD85A0-681D-4038-9D2C-C96D6BA5878F}"/>
+                </a:ext>
+              </a:extLst>
+            </p:cNvPr>
+            <p:cNvGrpSpPr/>
+            <p:nvPr/>
+          </p:nvGrpSpPr>
+          <p:grpSpPr>
+            <a:xfrm>
+              <a:off x="8253353" y="1142033"/>
+              <a:ext cx="3807314" cy="2965129"/>
+              <a:chOff x="9403976" y="632015"/>
+              <a:chExt cx="2578862" cy="1934440"/>
+            </a:xfrm>
+          </p:grpSpPr>
+          <p:grpSp>
+            <p:nvGrpSpPr>
+              <p:cNvPr id="97" name="Group 96">
+                <a:extLst>
+                  <a:ext uri="{FF2B5EF4-FFF2-40B4-BE49-F238E27FC236}">
+                    <a16:creationId xmlns:a16="http://schemas.microsoft.com/office/drawing/2014/main" id="{2F2B000A-F741-47C0-AE71-1871CD4690FF}"/>
+                  </a:ext>
+                </a:extLst>
+              </p:cNvPr>
+              <p:cNvGrpSpPr/>
+              <p:nvPr/>
+            </p:nvGrpSpPr>
+            <p:grpSpPr>
+              <a:xfrm>
+                <a:off x="9403976" y="632015"/>
+                <a:ext cx="2578862" cy="1934440"/>
+                <a:chOff x="8219714" y="1993810"/>
+                <a:chExt cx="1170158" cy="886471"/>
+              </a:xfrm>
+            </p:grpSpPr>
+            <p:sp>
+              <p:nvSpPr>
+                <p:cNvPr id="102" name="Cylinder 101">
+                  <a:extLst>
+                    <a:ext uri="{FF2B5EF4-FFF2-40B4-BE49-F238E27FC236}">
+                      <a16:creationId xmlns:a16="http://schemas.microsoft.com/office/drawing/2014/main" id="{50C2EA98-E992-4661-9537-89854109247F}"/>
+                    </a:ext>
+                  </a:extLst>
+                </p:cNvPr>
+                <p:cNvSpPr/>
+                <p:nvPr/>
+              </p:nvSpPr>
+              <p:spPr>
+                <a:xfrm rot="6360915">
+                  <a:off x="8405552" y="2105479"/>
+                  <a:ext cx="588964" cy="960639"/>
+                </a:xfrm>
+                <a:prstGeom prst="can">
+                  <a:avLst>
+                    <a:gd name="adj" fmla="val 69369"/>
+                  </a:avLst>
+                </a:prstGeom>
+              </p:spPr>
+              <p:style>
+                <a:lnRef idx="2">
+                  <a:schemeClr val="accent1">
+                    <a:shade val="50000"/>
+                  </a:schemeClr>
+                </a:lnRef>
+                <a:fillRef idx="1">
+                  <a:schemeClr val="accent1"/>
+                </a:fillRef>
+                <a:effectRef idx="0">
+                  <a:schemeClr val="accent1"/>
+                </a:effectRef>
+                <a:fontRef idx="minor">
+                  <a:schemeClr val="lt1"/>
+                </a:fontRef>
+              </p:style>
+              <p:txBody>
+                <a:bodyPr rtlCol="0" anchor="ctr"/>
+                <a:lstStyle/>
+                <a:p>
+                  <a:pPr algn="ctr"/>
+                  <a:endParaRPr lang="en-US"/>
+                </a:p>
+              </p:txBody>
+            </p:sp>
+            <p:cxnSp>
+              <p:nvCxnSpPr>
+                <p:cNvPr id="104" name="Straight Arrow Connector 103">
+                  <a:extLst>
+                    <a:ext uri="{FF2B5EF4-FFF2-40B4-BE49-F238E27FC236}">
+                      <a16:creationId xmlns:a16="http://schemas.microsoft.com/office/drawing/2014/main" id="{9535C332-3672-4662-A26D-AF9B29DF4B03}"/>
+                    </a:ext>
+                  </a:extLst>
+                </p:cNvPr>
+                <p:cNvCxnSpPr>
+                  <a:cxnSpLocks/>
+                </p:cNvCxnSpPr>
+                <p:nvPr/>
+              </p:nvCxnSpPr>
+              <p:spPr>
+                <a:xfrm>
+                  <a:off x="8978371" y="2667720"/>
+                  <a:ext cx="346546" cy="122474"/>
+                </a:xfrm>
+                <a:prstGeom prst="straightConnector1">
+                  <a:avLst/>
+                </a:prstGeom>
+                <a:ln w="19050">
+                  <a:prstDash val="solid"/>
+                  <a:tailEnd type="triangle"/>
+                </a:ln>
+              </p:spPr>
+              <p:style>
+                <a:lnRef idx="3">
+                  <a:schemeClr val="accent1"/>
+                </a:lnRef>
+                <a:fillRef idx="0">
+                  <a:schemeClr val="accent1"/>
+                </a:fillRef>
+                <a:effectRef idx="2">
+                  <a:schemeClr val="accent1"/>
+                </a:effectRef>
+                <a:fontRef idx="minor">
+                  <a:schemeClr val="tx1"/>
+                </a:fontRef>
+              </p:style>
+            </p:cxnSp>
+            <p:cxnSp>
+              <p:nvCxnSpPr>
+                <p:cNvPr id="106" name="Straight Arrow Connector 105">
+                  <a:extLst>
+                    <a:ext uri="{FF2B5EF4-FFF2-40B4-BE49-F238E27FC236}">
+                      <a16:creationId xmlns:a16="http://schemas.microsoft.com/office/drawing/2014/main" id="{ACF43B2F-3528-4ED0-BBE3-20DFE4BE003E}"/>
+                    </a:ext>
+                  </a:extLst>
+                </p:cNvPr>
+                <p:cNvCxnSpPr>
+                  <a:cxnSpLocks/>
+                </p:cNvCxnSpPr>
+                <p:nvPr/>
+              </p:nvCxnSpPr>
+              <p:spPr>
+                <a:xfrm flipV="1">
+                  <a:off x="8978371" y="2298294"/>
+                  <a:ext cx="211893" cy="369426"/>
+                </a:xfrm>
+                <a:prstGeom prst="straightConnector1">
+                  <a:avLst/>
+                </a:prstGeom>
+                <a:ln w="19050">
+                  <a:prstDash val="solid"/>
+                  <a:tailEnd type="triangle"/>
+                </a:ln>
+              </p:spPr>
+              <p:style>
+                <a:lnRef idx="3">
+                  <a:schemeClr val="accent6"/>
+                </a:lnRef>
+                <a:fillRef idx="0">
+                  <a:schemeClr val="accent6"/>
+                </a:fillRef>
+                <a:effectRef idx="2">
+                  <a:schemeClr val="accent6"/>
+                </a:effectRef>
+                <a:fontRef idx="minor">
+                  <a:schemeClr val="tx1"/>
+                </a:fontRef>
+              </p:style>
+            </p:cxnSp>
+            <p:cxnSp>
+              <p:nvCxnSpPr>
+                <p:cNvPr id="107" name="Straight Arrow Connector 106">
+                  <a:extLst>
+                    <a:ext uri="{FF2B5EF4-FFF2-40B4-BE49-F238E27FC236}">
+                      <a16:creationId xmlns:a16="http://schemas.microsoft.com/office/drawing/2014/main" id="{FBA8926A-D7D5-4DFD-9440-B9606390DF76}"/>
+                    </a:ext>
+                  </a:extLst>
+                </p:cNvPr>
+                <p:cNvCxnSpPr>
+                  <a:cxnSpLocks/>
+                </p:cNvCxnSpPr>
+                <p:nvPr/>
+              </p:nvCxnSpPr>
+              <p:spPr>
+                <a:xfrm flipH="1" flipV="1">
+                  <a:off x="8632513" y="2629272"/>
+                  <a:ext cx="345858" cy="38448"/>
+                </a:xfrm>
+                <a:prstGeom prst="straightConnector1">
+                  <a:avLst/>
+                </a:prstGeom>
+                <a:ln w="19050">
+                  <a:prstDash val="solid"/>
+                  <a:tailEnd type="triangle"/>
+                </a:ln>
+              </p:spPr>
+              <p:style>
+                <a:lnRef idx="3">
+                  <a:schemeClr val="accent2"/>
+                </a:lnRef>
+                <a:fillRef idx="0">
+                  <a:schemeClr val="accent2"/>
+                </a:fillRef>
+                <a:effectRef idx="2">
+                  <a:schemeClr val="accent2"/>
+                </a:effectRef>
+                <a:fontRef idx="minor">
+                  <a:schemeClr val="tx1"/>
+                </a:fontRef>
+              </p:style>
+            </p:cxnSp>
+            <p:sp>
+              <p:nvSpPr>
+                <p:cNvPr id="108" name="TextBox 107">
+                  <a:extLst>
+                    <a:ext uri="{FF2B5EF4-FFF2-40B4-BE49-F238E27FC236}">
+                      <a16:creationId xmlns:a16="http://schemas.microsoft.com/office/drawing/2014/main" id="{8B4932BC-2F41-4499-A118-86C825CCCAD9}"/>
+                    </a:ext>
+                  </a:extLst>
+                </p:cNvPr>
+                <p:cNvSpPr txBox="1"/>
+                <p:nvPr/>
+              </p:nvSpPr>
+              <p:spPr>
+                <a:xfrm>
+                  <a:off x="9198642" y="2664730"/>
+                  <a:ext cx="191230" cy="101216"/>
+                </a:xfrm>
+                <a:prstGeom prst="rect">
+                  <a:avLst/>
+                </a:prstGeom>
+                <a:noFill/>
+              </p:spPr>
+              <p:txBody>
+                <a:bodyPr wrap="square" rtlCol="0">
+                  <a:spAutoFit/>
+                </a:bodyPr>
+                <a:lstStyle/>
+                <a:p>
+                  <a:r>
+                    <a:rPr lang="en-US" sz="1600" dirty="0"/>
+                    <a:t>O</a:t>
+                  </a:r>
+                  <a:r>
+                    <a:rPr lang="en-US" sz="1600" baseline="-25000" dirty="0"/>
+                    <a:t>3,x</a:t>
+                  </a:r>
+                  <a:endParaRPr lang="en-US" sz="1400" baseline="-25000" dirty="0"/>
+                </a:p>
+              </p:txBody>
+            </p:sp>
+            <p:sp>
+              <p:nvSpPr>
+                <p:cNvPr id="109" name="Cube 108">
+                  <a:extLst>
+                    <a:ext uri="{FF2B5EF4-FFF2-40B4-BE49-F238E27FC236}">
+                      <a16:creationId xmlns:a16="http://schemas.microsoft.com/office/drawing/2014/main" id="{4F6B8C5F-62DE-455C-AE8F-E3BD778B4DBF}"/>
+                    </a:ext>
+                  </a:extLst>
+                </p:cNvPr>
+                <p:cNvSpPr/>
+                <p:nvPr/>
+              </p:nvSpPr>
+              <p:spPr>
+                <a:xfrm rot="1399588">
+                  <a:off x="8849719" y="2285934"/>
+                  <a:ext cx="158294" cy="74355"/>
+                </a:xfrm>
+                <a:prstGeom prst="cube">
+                  <a:avLst>
+                    <a:gd name="adj" fmla="val 41634"/>
+                  </a:avLst>
+                </a:prstGeom>
+              </p:spPr>
+              <p:style>
+                <a:lnRef idx="2">
+                  <a:schemeClr val="accent4">
+                    <a:shade val="50000"/>
+                  </a:schemeClr>
+                </a:lnRef>
+                <a:fillRef idx="1">
+                  <a:schemeClr val="accent4"/>
+                </a:fillRef>
+                <a:effectRef idx="0">
+                  <a:schemeClr val="accent4"/>
+                </a:effectRef>
+                <a:fontRef idx="minor">
+                  <a:schemeClr val="lt1"/>
+                </a:fontRef>
+              </p:style>
+              <p:txBody>
+                <a:bodyPr rtlCol="0" anchor="ctr"/>
+                <a:lstStyle/>
+                <a:p>
+                  <a:pPr algn="ctr"/>
+                  <a:endParaRPr lang="en-US"/>
+                </a:p>
+              </p:txBody>
+            </p:sp>
+            <p:cxnSp>
+              <p:nvCxnSpPr>
+                <p:cNvPr id="110" name="Straight Arrow Connector 109">
+                  <a:extLst>
+                    <a:ext uri="{FF2B5EF4-FFF2-40B4-BE49-F238E27FC236}">
+                      <a16:creationId xmlns:a16="http://schemas.microsoft.com/office/drawing/2014/main" id="{55BB4498-7391-46B4-BD91-370F7FA7474F}"/>
+                    </a:ext>
+                  </a:extLst>
+                </p:cNvPr>
+                <p:cNvCxnSpPr>
+                  <a:cxnSpLocks/>
+                </p:cNvCxnSpPr>
+                <p:nvPr/>
+              </p:nvCxnSpPr>
+              <p:spPr>
+                <a:xfrm>
+                  <a:off x="8988863" y="2347770"/>
+                  <a:ext cx="293717" cy="85536"/>
+                </a:xfrm>
+                <a:prstGeom prst="straightConnector1">
+                  <a:avLst/>
+                </a:prstGeom>
+                <a:ln w="19050">
+                  <a:tailEnd type="triangle"/>
+                </a:ln>
+              </p:spPr>
+              <p:style>
+                <a:lnRef idx="3">
+                  <a:schemeClr val="accent1"/>
+                </a:lnRef>
+                <a:fillRef idx="0">
+                  <a:schemeClr val="accent1"/>
+                </a:fillRef>
+                <a:effectRef idx="2">
+                  <a:schemeClr val="accent1"/>
+                </a:effectRef>
+                <a:fontRef idx="minor">
+                  <a:schemeClr val="tx1"/>
+                </a:fontRef>
+              </p:style>
+            </p:cxnSp>
+            <p:cxnSp>
+              <p:nvCxnSpPr>
+                <p:cNvPr id="111" name="Straight Arrow Connector 110">
+                  <a:extLst>
+                    <a:ext uri="{FF2B5EF4-FFF2-40B4-BE49-F238E27FC236}">
+                      <a16:creationId xmlns:a16="http://schemas.microsoft.com/office/drawing/2014/main" id="{EB9D0175-F719-4EF0-9F36-7C53347BAB99}"/>
+                    </a:ext>
+                  </a:extLst>
+                </p:cNvPr>
+                <p:cNvCxnSpPr>
+                  <a:cxnSpLocks/>
+                </p:cNvCxnSpPr>
+                <p:nvPr/>
+              </p:nvCxnSpPr>
+              <p:spPr>
+                <a:xfrm flipV="1">
+                  <a:off x="8990504" y="2092102"/>
+                  <a:ext cx="203781" cy="255667"/>
+                </a:xfrm>
+                <a:prstGeom prst="straightConnector1">
+                  <a:avLst/>
+                </a:prstGeom>
+                <a:ln w="19050">
+                  <a:tailEnd type="triangle"/>
+                </a:ln>
+              </p:spPr>
+              <p:style>
+                <a:lnRef idx="3">
+                  <a:schemeClr val="accent6"/>
+                </a:lnRef>
+                <a:fillRef idx="0">
+                  <a:schemeClr val="accent6"/>
+                </a:fillRef>
+                <a:effectRef idx="2">
+                  <a:schemeClr val="accent6"/>
+                </a:effectRef>
+                <a:fontRef idx="minor">
+                  <a:schemeClr val="tx1"/>
+                </a:fontRef>
+              </p:style>
+            </p:cxnSp>
+            <p:cxnSp>
+              <p:nvCxnSpPr>
+                <p:cNvPr id="112" name="Straight Arrow Connector 111">
+                  <a:extLst>
+                    <a:ext uri="{FF2B5EF4-FFF2-40B4-BE49-F238E27FC236}">
+                      <a16:creationId xmlns:a16="http://schemas.microsoft.com/office/drawing/2014/main" id="{B43867D9-73DE-466C-8F5A-93C9B7C1D065}"/>
+                    </a:ext>
+                  </a:extLst>
+                </p:cNvPr>
+                <p:cNvCxnSpPr>
+                  <a:cxnSpLocks/>
+                </p:cNvCxnSpPr>
+                <p:nvPr/>
+              </p:nvCxnSpPr>
+              <p:spPr>
+                <a:xfrm flipH="1" flipV="1">
+                  <a:off x="8613626" y="2240896"/>
+                  <a:ext cx="376520" cy="105851"/>
+                </a:xfrm>
+                <a:prstGeom prst="straightConnector1">
+                  <a:avLst/>
+                </a:prstGeom>
+                <a:ln w="19050">
+                  <a:tailEnd type="triangle"/>
+                </a:ln>
+              </p:spPr>
+              <p:style>
+                <a:lnRef idx="3">
+                  <a:schemeClr val="accent2"/>
+                </a:lnRef>
+                <a:fillRef idx="0">
+                  <a:schemeClr val="accent2"/>
+                </a:fillRef>
+                <a:effectRef idx="2">
+                  <a:schemeClr val="accent2"/>
+                </a:effectRef>
+                <a:fontRef idx="minor">
+                  <a:schemeClr val="tx1"/>
+                </a:fontRef>
+              </p:style>
+            </p:cxnSp>
+            <p:sp>
+              <p:nvSpPr>
+                <p:cNvPr id="113" name="TextBox 112">
+                  <a:extLst>
+                    <a:ext uri="{FF2B5EF4-FFF2-40B4-BE49-F238E27FC236}">
+                      <a16:creationId xmlns:a16="http://schemas.microsoft.com/office/drawing/2014/main" id="{B48E7D15-CE10-4686-AF46-AC8FE2891BC6}"/>
+                    </a:ext>
+                  </a:extLst>
+                </p:cNvPr>
+                <p:cNvSpPr txBox="1"/>
+                <p:nvPr/>
+              </p:nvSpPr>
+              <p:spPr>
+                <a:xfrm>
+                  <a:off x="8613340" y="2156761"/>
+                  <a:ext cx="175624" cy="101216"/>
+                </a:xfrm>
+                <a:prstGeom prst="rect">
+                  <a:avLst/>
+                </a:prstGeom>
+                <a:noFill/>
+              </p:spPr>
+              <p:txBody>
+                <a:bodyPr wrap="square" rtlCol="0">
+                  <a:spAutoFit/>
+                </a:bodyPr>
+                <a:lstStyle/>
+                <a:p>
+                  <a:r>
+                    <a:rPr lang="en-US" sz="1600" dirty="0" err="1"/>
+                    <a:t>O</a:t>
+                  </a:r>
+                  <a:r>
+                    <a:rPr lang="en-US" sz="1600" baseline="-25000" dirty="0" err="1"/>
+                    <a:t>S,z</a:t>
+                  </a:r>
+                  <a:endParaRPr lang="en-US" sz="1400" baseline="-25000" dirty="0"/>
+                </a:p>
+              </p:txBody>
+            </p:sp>
+            <p:cxnSp>
+              <p:nvCxnSpPr>
+                <p:cNvPr id="114" name="Straight Arrow Connector 113">
+                  <a:extLst>
+                    <a:ext uri="{FF2B5EF4-FFF2-40B4-BE49-F238E27FC236}">
+                      <a16:creationId xmlns:a16="http://schemas.microsoft.com/office/drawing/2014/main" id="{2020F1AC-5233-45D0-A263-E0A42C351BA1}"/>
+                    </a:ext>
+                  </a:extLst>
+                </p:cNvPr>
+                <p:cNvCxnSpPr>
+                  <a:cxnSpLocks/>
+                </p:cNvCxnSpPr>
+                <p:nvPr/>
+              </p:nvCxnSpPr>
+              <p:spPr>
+                <a:xfrm>
+                  <a:off x="8806012" y="2084084"/>
+                  <a:ext cx="65978" cy="168653"/>
+                </a:xfrm>
+                <a:prstGeom prst="straightConnector1">
+                  <a:avLst/>
+                </a:prstGeom>
+                <a:ln>
+                  <a:tailEnd type="triangle"/>
+                </a:ln>
+              </p:spPr>
+              <p:style>
+                <a:lnRef idx="1">
+                  <a:schemeClr val="accent3"/>
+                </a:lnRef>
+                <a:fillRef idx="0">
+                  <a:schemeClr val="accent3"/>
+                </a:fillRef>
+                <a:effectRef idx="0">
+                  <a:schemeClr val="accent3"/>
+                </a:effectRef>
+                <a:fontRef idx="minor">
+                  <a:schemeClr val="tx1"/>
+                </a:fontRef>
+              </p:style>
+            </p:cxnSp>
+            <p:sp>
+              <p:nvSpPr>
+                <p:cNvPr id="115" name="TextBox 114">
+                  <a:extLst>
+                    <a:ext uri="{FF2B5EF4-FFF2-40B4-BE49-F238E27FC236}">
+                      <a16:creationId xmlns:a16="http://schemas.microsoft.com/office/drawing/2014/main" id="{385D9A15-7508-4FF0-A911-EBFC46DD8242}"/>
+                    </a:ext>
+                  </a:extLst>
+                </p:cNvPr>
+                <p:cNvSpPr txBox="1"/>
+                <p:nvPr/>
+              </p:nvSpPr>
+              <p:spPr>
+                <a:xfrm>
+                  <a:off x="8678627" y="1993810"/>
+                  <a:ext cx="261322" cy="101216"/>
+                </a:xfrm>
+                <a:prstGeom prst="rect">
+                  <a:avLst/>
+                </a:prstGeom>
+                <a:noFill/>
+              </p:spPr>
+              <p:txBody>
+                <a:bodyPr wrap="square" rtlCol="0">
+                  <a:spAutoFit/>
+                </a:bodyPr>
+                <a:lstStyle/>
+                <a:p>
+                  <a:r>
+                    <a:rPr lang="en-US" sz="1600" dirty="0"/>
+                    <a:t>Sensor</a:t>
+                  </a:r>
+                  <a:endParaRPr lang="en-US" sz="1600" baseline="-25000" dirty="0"/>
+                </a:p>
+              </p:txBody>
+            </p:sp>
+          </p:grpSp>
+          <p:cxnSp>
+            <p:nvCxnSpPr>
+              <p:cNvPr id="100" name="Straight Arrow Connector 99">
+                <a:extLst>
+                  <a:ext uri="{FF2B5EF4-FFF2-40B4-BE49-F238E27FC236}">
+                    <a16:creationId xmlns:a16="http://schemas.microsoft.com/office/drawing/2014/main" id="{67C645C4-532F-467D-A9FB-FC27EF62F6FF}"/>
+                  </a:ext>
+                </a:extLst>
+              </p:cNvPr>
+              <p:cNvCxnSpPr>
+                <a:cxnSpLocks/>
+              </p:cNvCxnSpPr>
+              <p:nvPr/>
+            </p:nvCxnSpPr>
+            <p:spPr>
+              <a:xfrm flipV="1">
+                <a:off x="11082614" y="1405540"/>
+                <a:ext cx="20070" cy="697068"/>
+              </a:xfrm>
+              <a:prstGeom prst="straightConnector1">
+                <a:avLst/>
+              </a:prstGeom>
+              <a:ln w="19050">
+                <a:tailEnd type="triangle"/>
+              </a:ln>
+            </p:spPr>
+            <p:style>
+              <a:lnRef idx="1">
+                <a:schemeClr val="dk1"/>
+              </a:lnRef>
+              <a:fillRef idx="0">
+                <a:schemeClr val="dk1"/>
+              </a:fillRef>
+              <a:effectRef idx="0">
+                <a:schemeClr val="dk1"/>
+              </a:effectRef>
+              <a:fontRef idx="minor">
+                <a:schemeClr val="tx1"/>
+              </a:fontRef>
+            </p:style>
+          </p:cxnSp>
+          <p:sp>
+            <p:nvSpPr>
+              <p:cNvPr id="101" name="TextBox 100">
+                <a:extLst>
+                  <a:ext uri="{FF2B5EF4-FFF2-40B4-BE49-F238E27FC236}">
+                    <a16:creationId xmlns:a16="http://schemas.microsoft.com/office/drawing/2014/main" id="{B7421050-089C-4A80-99CF-4084808A0FA0}"/>
+                  </a:ext>
+                </a:extLst>
+              </p:cNvPr>
+              <p:cNvSpPr txBox="1"/>
+              <p:nvPr/>
+            </p:nvSpPr>
+            <p:spPr>
+              <a:xfrm>
+                <a:off x="10846759" y="1576407"/>
+                <a:ext cx="289019" cy="220871"/>
+              </a:xfrm>
+              <a:prstGeom prst="rect">
+                <a:avLst/>
+              </a:prstGeom>
+              <a:noFill/>
+            </p:spPr>
+            <p:txBody>
+              <a:bodyPr wrap="square" rtlCol="0">
+                <a:spAutoFit/>
+              </a:bodyPr>
+              <a:lstStyle/>
+              <a:p>
+                <a:r>
+                  <a:rPr lang="en-US" sz="1600" dirty="0"/>
+                  <a:t>d</a:t>
+                </a:r>
+                <a:r>
+                  <a:rPr lang="en-US" sz="1600" baseline="-25000" dirty="0"/>
+                  <a:t>3S</a:t>
+                </a:r>
+                <a:endParaRPr lang="en-US" sz="1200" baseline="-25000" dirty="0"/>
+              </a:p>
+            </p:txBody>
+          </p:sp>
+        </p:grpSp>
+        <p:sp>
+          <p:nvSpPr>
+            <p:cNvPr id="178" name="TextBox 177">
+              <a:extLst>
+                <a:ext uri="{FF2B5EF4-FFF2-40B4-BE49-F238E27FC236}">
+                  <a16:creationId xmlns:a16="http://schemas.microsoft.com/office/drawing/2014/main" id="{D8D6DCFC-7356-4BA3-A18C-4BE46F90EAB4}"/>
+                </a:ext>
+              </a:extLst>
+            </p:cNvPr>
+            <p:cNvSpPr txBox="1"/>
+            <p:nvPr/>
+          </p:nvSpPr>
+          <p:spPr>
+            <a:xfrm>
+              <a:off x="11529994" y="2299759"/>
+              <a:ext cx="571423" cy="338554"/>
+            </a:xfrm>
+            <a:prstGeom prst="rect">
+              <a:avLst/>
+            </a:prstGeom>
+            <a:noFill/>
+          </p:spPr>
+          <p:txBody>
+            <a:bodyPr wrap="square" rtlCol="0">
+              <a:spAutoFit/>
+            </a:bodyPr>
+            <a:lstStyle/>
+            <a:p>
+              <a:r>
+                <a:rPr lang="en-US" sz="1600" dirty="0" err="1"/>
+                <a:t>O</a:t>
+              </a:r>
+              <a:r>
+                <a:rPr lang="en-US" sz="1600" baseline="-25000" dirty="0" err="1"/>
+                <a:t>S,x</a:t>
+              </a:r>
+              <a:endParaRPr lang="en-US" sz="1400" baseline="-25000" dirty="0"/>
+            </a:p>
+          </p:txBody>
+        </p:sp>
+        <p:sp>
+          <p:nvSpPr>
+            <p:cNvPr id="179" name="TextBox 178">
+              <a:extLst>
+                <a:ext uri="{FF2B5EF4-FFF2-40B4-BE49-F238E27FC236}">
+                  <a16:creationId xmlns:a16="http://schemas.microsoft.com/office/drawing/2014/main" id="{FE9761F7-3C33-4838-AA70-0438F5086F9C}"/>
+                </a:ext>
+              </a:extLst>
+            </p:cNvPr>
+            <p:cNvSpPr txBox="1"/>
+            <p:nvPr/>
+          </p:nvSpPr>
+          <p:spPr>
+            <a:xfrm>
+              <a:off x="9479663" y="2895817"/>
+              <a:ext cx="622200" cy="338554"/>
+            </a:xfrm>
+            <a:prstGeom prst="rect">
+              <a:avLst/>
+            </a:prstGeom>
+            <a:noFill/>
+          </p:spPr>
+          <p:txBody>
+            <a:bodyPr wrap="square" rtlCol="0">
+              <a:spAutoFit/>
+            </a:bodyPr>
+            <a:lstStyle/>
+            <a:p>
+              <a:r>
+                <a:rPr lang="en-US" sz="1600" dirty="0"/>
+                <a:t>O</a:t>
+              </a:r>
+              <a:r>
+                <a:rPr lang="en-US" sz="1600" baseline="-25000" dirty="0"/>
+                <a:t>3,z</a:t>
+              </a:r>
+              <a:endParaRPr lang="en-US" sz="1400" baseline="-25000" dirty="0"/>
+            </a:p>
+          </p:txBody>
+        </p:sp>
+      </p:grpSp>
+      <p:grpSp>
+        <p:nvGrpSpPr>
+          <p:cNvPr id="121" name="Group 120">
+            <a:extLst>
+              <a:ext uri="{FF2B5EF4-FFF2-40B4-BE49-F238E27FC236}">
+                <a16:creationId xmlns:a16="http://schemas.microsoft.com/office/drawing/2014/main" id="{70EF0CC2-C6CD-4A89-AE7F-974AEE0529CB}"/>
+              </a:ext>
+            </a:extLst>
+          </p:cNvPr>
+          <p:cNvGrpSpPr/>
+          <p:nvPr/>
+        </p:nvGrpSpPr>
+        <p:grpSpPr>
+          <a:xfrm>
+            <a:off x="4144344" y="578391"/>
+            <a:ext cx="3908621" cy="3557730"/>
+            <a:chOff x="4120551" y="829449"/>
+            <a:chExt cx="3908621" cy="3557730"/>
+          </a:xfrm>
+        </p:grpSpPr>
+        <p:grpSp>
+          <p:nvGrpSpPr>
+            <p:cNvPr id="13" name="Group 12">
+              <a:extLst>
+                <a:ext uri="{FF2B5EF4-FFF2-40B4-BE49-F238E27FC236}">
+                  <a16:creationId xmlns:a16="http://schemas.microsoft.com/office/drawing/2014/main" id="{09724835-A35A-4799-936F-6BD4C2B8402E}"/>
+                </a:ext>
+              </a:extLst>
+            </p:cNvPr>
+            <p:cNvGrpSpPr/>
+            <p:nvPr/>
+          </p:nvGrpSpPr>
+          <p:grpSpPr>
+            <a:xfrm>
+              <a:off x="4504576" y="1548533"/>
+              <a:ext cx="3473559" cy="2838646"/>
+              <a:chOff x="5779694" y="1784626"/>
+              <a:chExt cx="1000019" cy="747208"/>
+            </a:xfrm>
+          </p:grpSpPr>
+          <p:sp>
+            <p:nvSpPr>
+              <p:cNvPr id="71" name="Cylinder 70">
+                <a:extLst>
+                  <a:ext uri="{FF2B5EF4-FFF2-40B4-BE49-F238E27FC236}">
+                    <a16:creationId xmlns:a16="http://schemas.microsoft.com/office/drawing/2014/main" id="{AB281CC4-5493-44AF-AB47-F3CC20067691}"/>
+                  </a:ext>
+                </a:extLst>
+              </p:cNvPr>
+              <p:cNvSpPr/>
+              <p:nvPr/>
+            </p:nvSpPr>
+            <p:spPr>
+              <a:xfrm rot="6580311">
+                <a:off x="6152749" y="1568370"/>
+                <a:ext cx="219585" cy="652389"/>
+              </a:xfrm>
+              <a:prstGeom prst="can">
+                <a:avLst>
+                  <a:gd name="adj" fmla="val 38764"/>
+                </a:avLst>
+              </a:prstGeom>
+            </p:spPr>
+            <p:style>
+              <a:lnRef idx="2">
+                <a:schemeClr val="accent1">
+                  <a:shade val="50000"/>
+                </a:schemeClr>
+              </a:lnRef>
+              <a:fillRef idx="1">
+                <a:schemeClr val="accent1"/>
+              </a:fillRef>
+              <a:effectRef idx="0">
+                <a:schemeClr val="accent1"/>
+              </a:effectRef>
+              <a:fontRef idx="minor">
+                <a:schemeClr val="lt1"/>
+              </a:fontRef>
+            </p:style>
+            <p:txBody>
+              <a:bodyPr rtlCol="0" anchor="ctr"/>
+              <a:lstStyle/>
+              <a:p>
+                <a:pPr algn="ctr"/>
+                <a:endParaRPr lang="en-US"/>
+              </a:p>
+            </p:txBody>
+          </p:sp>
+          <p:sp>
+            <p:nvSpPr>
+              <p:cNvPr id="69" name="TextBox 68">
+                <a:extLst>
+                  <a:ext uri="{FF2B5EF4-FFF2-40B4-BE49-F238E27FC236}">
+                    <a16:creationId xmlns:a16="http://schemas.microsoft.com/office/drawing/2014/main" id="{298AF924-F23E-48B6-AB53-BA0EAAEF3A54}"/>
+                  </a:ext>
+                </a:extLst>
+              </p:cNvPr>
+              <p:cNvSpPr txBox="1"/>
+              <p:nvPr/>
+            </p:nvSpPr>
+            <p:spPr>
+              <a:xfrm>
+                <a:off x="5929030" y="2442717"/>
+                <a:ext cx="136633" cy="89117"/>
+              </a:xfrm>
+              <a:prstGeom prst="rect">
+                <a:avLst/>
+              </a:prstGeom>
+              <a:noFill/>
+            </p:spPr>
+            <p:txBody>
+              <a:bodyPr wrap="square" rtlCol="0">
+                <a:spAutoFit/>
+              </a:bodyPr>
+              <a:lstStyle/>
+              <a:p>
+                <a:r>
+                  <a:rPr lang="en-US" sz="1600" dirty="0"/>
+                  <a:t>O</a:t>
+                </a:r>
+                <a:r>
+                  <a:rPr lang="en-US" sz="1600" baseline="-25000" dirty="0"/>
+                  <a:t>2,z</a:t>
+                </a:r>
+                <a:endParaRPr lang="en-US" sz="1200" baseline="-25000" dirty="0"/>
+              </a:p>
+            </p:txBody>
+          </p:sp>
+          <p:cxnSp>
+            <p:nvCxnSpPr>
+              <p:cNvPr id="70" name="Straight Arrow Connector 69">
+                <a:extLst>
+                  <a:ext uri="{FF2B5EF4-FFF2-40B4-BE49-F238E27FC236}">
+                    <a16:creationId xmlns:a16="http://schemas.microsoft.com/office/drawing/2014/main" id="{90EB1725-BAF1-4AAB-8365-F32F30B8A8B0}"/>
+                  </a:ext>
+                </a:extLst>
+              </p:cNvPr>
+              <p:cNvCxnSpPr>
+                <a:cxnSpLocks/>
+              </p:cNvCxnSpPr>
+              <p:nvPr/>
+            </p:nvCxnSpPr>
+            <p:spPr>
+              <a:xfrm flipH="1" flipV="1">
+                <a:off x="5935150" y="2357773"/>
+                <a:ext cx="225333" cy="27198"/>
+              </a:xfrm>
+              <a:prstGeom prst="straightConnector1">
+                <a:avLst/>
+              </a:prstGeom>
+              <a:ln w="19050">
+                <a:tailEnd type="triangle"/>
+              </a:ln>
+            </p:spPr>
+            <p:style>
+              <a:lnRef idx="1">
+                <a:schemeClr val="accent2"/>
+              </a:lnRef>
+              <a:fillRef idx="0">
+                <a:schemeClr val="accent2"/>
+              </a:fillRef>
+              <a:effectRef idx="0">
+                <a:schemeClr val="accent2"/>
+              </a:effectRef>
+              <a:fontRef idx="minor">
+                <a:schemeClr val="tx1"/>
+              </a:fontRef>
+            </p:style>
+          </p:cxnSp>
+          <p:cxnSp>
+            <p:nvCxnSpPr>
+              <p:cNvPr id="72" name="Straight Arrow Connector 71">
+                <a:extLst>
+                  <a:ext uri="{FF2B5EF4-FFF2-40B4-BE49-F238E27FC236}">
+                    <a16:creationId xmlns:a16="http://schemas.microsoft.com/office/drawing/2014/main" id="{F39E0CF3-BDF1-4801-8CA2-C6F1A9237260}"/>
+                  </a:ext>
+                </a:extLst>
+              </p:cNvPr>
+              <p:cNvCxnSpPr>
+                <a:cxnSpLocks/>
+              </p:cNvCxnSpPr>
+              <p:nvPr/>
+            </p:nvCxnSpPr>
+            <p:spPr>
+              <a:xfrm>
+                <a:off x="6155486" y="2385249"/>
+                <a:ext cx="192399" cy="61774"/>
+              </a:xfrm>
+              <a:prstGeom prst="straightConnector1">
+                <a:avLst/>
+              </a:prstGeom>
+              <a:ln w="19050">
+                <a:tailEnd type="triangle"/>
+              </a:ln>
+            </p:spPr>
+            <p:style>
+              <a:lnRef idx="3">
+                <a:schemeClr val="accent1"/>
+              </a:lnRef>
+              <a:fillRef idx="0">
+                <a:schemeClr val="accent1"/>
+              </a:fillRef>
+              <a:effectRef idx="2">
+                <a:schemeClr val="accent1"/>
+              </a:effectRef>
+              <a:fontRef idx="minor">
+                <a:schemeClr val="tx1"/>
+              </a:fontRef>
+            </p:style>
+          </p:cxnSp>
+          <p:cxnSp>
+            <p:nvCxnSpPr>
+              <p:cNvPr id="73" name="Straight Arrow Connector 72">
+                <a:extLst>
+                  <a:ext uri="{FF2B5EF4-FFF2-40B4-BE49-F238E27FC236}">
+                    <a16:creationId xmlns:a16="http://schemas.microsoft.com/office/drawing/2014/main" id="{7B5DDC2D-067E-42A6-8756-A641E65FBD56}"/>
+                  </a:ext>
+                </a:extLst>
+              </p:cNvPr>
+              <p:cNvCxnSpPr>
+                <a:cxnSpLocks/>
+              </p:cNvCxnSpPr>
+              <p:nvPr/>
+            </p:nvCxnSpPr>
+            <p:spPr>
+              <a:xfrm flipV="1">
+                <a:off x="6161070" y="2209674"/>
+                <a:ext cx="38398" cy="176611"/>
+              </a:xfrm>
+              <a:prstGeom prst="straightConnector1">
+                <a:avLst/>
+              </a:prstGeom>
+              <a:ln w="19050">
+                <a:prstDash val="sysDot"/>
+                <a:tailEnd type="triangle"/>
+              </a:ln>
+            </p:spPr>
+            <p:style>
+              <a:lnRef idx="3">
+                <a:schemeClr val="accent6"/>
+              </a:lnRef>
+              <a:fillRef idx="0">
+                <a:schemeClr val="accent6"/>
+              </a:fillRef>
+              <a:effectRef idx="2">
+                <a:schemeClr val="accent6"/>
+              </a:effectRef>
+              <a:fontRef idx="minor">
+                <a:schemeClr val="tx1"/>
+              </a:fontRef>
+            </p:style>
+          </p:cxnSp>
+          <p:cxnSp>
+            <p:nvCxnSpPr>
+              <p:cNvPr id="74" name="Straight Arrow Connector 73">
+                <a:extLst>
+                  <a:ext uri="{FF2B5EF4-FFF2-40B4-BE49-F238E27FC236}">
+                    <a16:creationId xmlns:a16="http://schemas.microsoft.com/office/drawing/2014/main" id="{081B888A-8F41-401A-ACA1-E08A1E7627D4}"/>
+                  </a:ext>
+                </a:extLst>
+              </p:cNvPr>
+              <p:cNvCxnSpPr>
+                <a:cxnSpLocks/>
+              </p:cNvCxnSpPr>
+              <p:nvPr/>
+            </p:nvCxnSpPr>
+            <p:spPr>
+              <a:xfrm flipH="1">
+                <a:off x="5981923" y="2386506"/>
+                <a:ext cx="175342" cy="66534"/>
+              </a:xfrm>
+              <a:prstGeom prst="straightConnector1">
+                <a:avLst/>
+              </a:prstGeom>
+              <a:ln w="19050">
+                <a:prstDash val="sysDot"/>
+                <a:tailEnd type="triangle"/>
+              </a:ln>
+            </p:spPr>
+            <p:style>
+              <a:lnRef idx="3">
+                <a:schemeClr val="accent2"/>
+              </a:lnRef>
+              <a:fillRef idx="0">
+                <a:schemeClr val="accent2"/>
+              </a:fillRef>
+              <a:effectRef idx="2">
+                <a:schemeClr val="accent2"/>
+              </a:effectRef>
+              <a:fontRef idx="minor">
+                <a:schemeClr val="tx1"/>
+              </a:fontRef>
+            </p:style>
+          </p:cxnSp>
+          <p:cxnSp>
+            <p:nvCxnSpPr>
+              <p:cNvPr id="76" name="Straight Arrow Connector 75">
+                <a:extLst>
+                  <a:ext uri="{FF2B5EF4-FFF2-40B4-BE49-F238E27FC236}">
+                    <a16:creationId xmlns:a16="http://schemas.microsoft.com/office/drawing/2014/main" id="{4A0B6D31-3B0F-4BBA-8AC6-5CFC56A824B4}"/>
+                  </a:ext>
+                </a:extLst>
+              </p:cNvPr>
+              <p:cNvCxnSpPr>
+                <a:cxnSpLocks/>
+              </p:cNvCxnSpPr>
+              <p:nvPr/>
+            </p:nvCxnSpPr>
+            <p:spPr>
+              <a:xfrm flipH="1">
+                <a:off x="6349118" y="1981023"/>
+                <a:ext cx="186496" cy="35612"/>
+              </a:xfrm>
+              <a:prstGeom prst="straightConnector1">
+                <a:avLst/>
+              </a:prstGeom>
+              <a:ln w="19050">
+                <a:tailEnd type="triangle"/>
+              </a:ln>
+            </p:spPr>
+            <p:style>
+              <a:lnRef idx="3">
+                <a:schemeClr val="accent2"/>
+              </a:lnRef>
+              <a:fillRef idx="0">
+                <a:schemeClr val="accent2"/>
+              </a:fillRef>
+              <a:effectRef idx="2">
+                <a:schemeClr val="accent2"/>
+              </a:effectRef>
+              <a:fontRef idx="minor">
+                <a:schemeClr val="tx1"/>
+              </a:fontRef>
+            </p:style>
+          </p:cxnSp>
+          <p:sp>
+            <p:nvSpPr>
+              <p:cNvPr id="77" name="TextBox 76">
+                <a:extLst>
+                  <a:ext uri="{FF2B5EF4-FFF2-40B4-BE49-F238E27FC236}">
+                    <a16:creationId xmlns:a16="http://schemas.microsoft.com/office/drawing/2014/main" id="{32F385E5-3BD4-45A2-9FB3-4BBD696AFA9B}"/>
+                  </a:ext>
+                </a:extLst>
+              </p:cNvPr>
+              <p:cNvSpPr txBox="1"/>
+              <p:nvPr/>
+            </p:nvSpPr>
+            <p:spPr>
+              <a:xfrm>
+                <a:off x="5779694" y="2278770"/>
+                <a:ext cx="155687" cy="89117"/>
+              </a:xfrm>
+              <a:prstGeom prst="rect">
+                <a:avLst/>
+              </a:prstGeom>
+              <a:noFill/>
+            </p:spPr>
+            <p:txBody>
+              <a:bodyPr wrap="square" rtlCol="0">
+                <a:spAutoFit/>
+              </a:bodyPr>
+              <a:lstStyle/>
+              <a:p>
+                <a:r>
+                  <a:rPr lang="en-US" sz="1600" dirty="0"/>
+                  <a:t>O</a:t>
+                </a:r>
+                <a:r>
+                  <a:rPr lang="en-US" sz="1600" baseline="-25000" dirty="0"/>
+                  <a:t>1,z</a:t>
+                </a:r>
+                <a:endParaRPr lang="en-US" sz="1200" baseline="-25000" dirty="0"/>
+              </a:p>
+            </p:txBody>
+          </p:sp>
+          <p:cxnSp>
+            <p:nvCxnSpPr>
+              <p:cNvPr id="79" name="Straight Arrow Connector 78">
+                <a:extLst>
+                  <a:ext uri="{FF2B5EF4-FFF2-40B4-BE49-F238E27FC236}">
+                    <a16:creationId xmlns:a16="http://schemas.microsoft.com/office/drawing/2014/main" id="{1D60937A-F31C-4BB6-8D9E-B3D9A3E98626}"/>
+                  </a:ext>
+                </a:extLst>
+              </p:cNvPr>
+              <p:cNvCxnSpPr>
+                <a:cxnSpLocks/>
+              </p:cNvCxnSpPr>
+              <p:nvPr/>
+            </p:nvCxnSpPr>
+            <p:spPr>
+              <a:xfrm>
+                <a:off x="6529367" y="1981023"/>
+                <a:ext cx="250346" cy="71224"/>
+              </a:xfrm>
+              <a:prstGeom prst="straightConnector1">
+                <a:avLst/>
+              </a:prstGeom>
+              <a:ln w="19050">
+                <a:tailEnd type="triangle"/>
+              </a:ln>
+            </p:spPr>
+            <p:style>
+              <a:lnRef idx="3">
+                <a:schemeClr val="accent1"/>
+              </a:lnRef>
+              <a:fillRef idx="0">
+                <a:schemeClr val="accent1"/>
+              </a:fillRef>
+              <a:effectRef idx="2">
+                <a:schemeClr val="accent1"/>
+              </a:effectRef>
+              <a:fontRef idx="minor">
+                <a:schemeClr val="tx1"/>
+              </a:fontRef>
+            </p:style>
+          </p:cxnSp>
+          <p:cxnSp>
+            <p:nvCxnSpPr>
+              <p:cNvPr id="80" name="Straight Arrow Connector 79">
+                <a:extLst>
+                  <a:ext uri="{FF2B5EF4-FFF2-40B4-BE49-F238E27FC236}">
+                    <a16:creationId xmlns:a16="http://schemas.microsoft.com/office/drawing/2014/main" id="{6D7849B1-5559-4F98-A82B-5447E3D5CD1A}"/>
+                  </a:ext>
+                </a:extLst>
+              </p:cNvPr>
+              <p:cNvCxnSpPr>
+                <a:cxnSpLocks/>
+              </p:cNvCxnSpPr>
+              <p:nvPr/>
+            </p:nvCxnSpPr>
+            <p:spPr>
+              <a:xfrm flipV="1">
+                <a:off x="6165783" y="2276645"/>
+                <a:ext cx="182102" cy="103407"/>
+              </a:xfrm>
+              <a:prstGeom prst="straightConnector1">
+                <a:avLst/>
+              </a:prstGeom>
+              <a:ln w="19050">
+                <a:tailEnd type="triangle"/>
+              </a:ln>
+            </p:spPr>
+            <p:style>
+              <a:lnRef idx="3">
+                <a:schemeClr val="accent6"/>
+              </a:lnRef>
+              <a:fillRef idx="0">
+                <a:schemeClr val="accent6"/>
+              </a:fillRef>
+              <a:effectRef idx="2">
+                <a:schemeClr val="accent6"/>
+              </a:effectRef>
+              <a:fontRef idx="minor">
+                <a:schemeClr val="tx1"/>
+              </a:fontRef>
+            </p:style>
+          </p:cxnSp>
+          <p:cxnSp>
+            <p:nvCxnSpPr>
+              <p:cNvPr id="75" name="Straight Arrow Connector 74">
+                <a:extLst>
+                  <a:ext uri="{FF2B5EF4-FFF2-40B4-BE49-F238E27FC236}">
+                    <a16:creationId xmlns:a16="http://schemas.microsoft.com/office/drawing/2014/main" id="{0F20555C-9A7B-46F7-B72D-9CDB61FDB463}"/>
+                  </a:ext>
+                </a:extLst>
+              </p:cNvPr>
+              <p:cNvCxnSpPr>
+                <a:cxnSpLocks/>
+              </p:cNvCxnSpPr>
+              <p:nvPr/>
+            </p:nvCxnSpPr>
+            <p:spPr>
+              <a:xfrm flipV="1">
+                <a:off x="6535323" y="1784626"/>
+                <a:ext cx="93256" cy="194580"/>
+              </a:xfrm>
+              <a:prstGeom prst="straightConnector1">
+                <a:avLst/>
+              </a:prstGeom>
+              <a:ln w="19050">
+                <a:tailEnd type="triangle"/>
+              </a:ln>
+            </p:spPr>
+            <p:style>
+              <a:lnRef idx="3">
+                <a:schemeClr val="accent6"/>
+              </a:lnRef>
+              <a:fillRef idx="0">
+                <a:schemeClr val="accent6"/>
+              </a:fillRef>
+              <a:effectRef idx="2">
+                <a:schemeClr val="accent6"/>
+              </a:effectRef>
+              <a:fontRef idx="minor">
+                <a:schemeClr val="tx1"/>
+              </a:fontRef>
+            </p:style>
+          </p:cxnSp>
+        </p:grpSp>
+        <p:sp>
+          <p:nvSpPr>
+            <p:cNvPr id="116" name="Cube 115">
+              <a:extLst>
+                <a:ext uri="{FF2B5EF4-FFF2-40B4-BE49-F238E27FC236}">
+                  <a16:creationId xmlns:a16="http://schemas.microsoft.com/office/drawing/2014/main" id="{81CC284F-C19A-47FE-A47B-DDE1D5ED3659}"/>
+                </a:ext>
+              </a:extLst>
+            </p:cNvPr>
+            <p:cNvSpPr/>
+            <p:nvPr/>
+          </p:nvSpPr>
+          <p:spPr>
+            <a:xfrm rot="1399588">
+              <a:off x="7014272" y="1794151"/>
+              <a:ext cx="188233" cy="84638"/>
+            </a:xfrm>
+            <a:prstGeom prst="cube">
+              <a:avLst>
+                <a:gd name="adj" fmla="val 33797"/>
+              </a:avLst>
+            </a:prstGeom>
+          </p:spPr>
+          <p:style>
+            <a:lnRef idx="2">
+              <a:schemeClr val="accent4">
+                <a:shade val="50000"/>
+              </a:schemeClr>
+            </a:lnRef>
+            <a:fillRef idx="1">
+              <a:schemeClr val="accent4"/>
+            </a:fillRef>
+            <a:effectRef idx="0">
+              <a:schemeClr val="accent4"/>
+            </a:effectRef>
+            <a:fontRef idx="minor">
+              <a:schemeClr val="lt1"/>
+            </a:fontRef>
+          </p:style>
+          <p:txBody>
+            <a:bodyPr rtlCol="0" anchor="ctr"/>
+            <a:lstStyle/>
+            <a:p>
+              <a:pPr algn="ctr"/>
+              <a:endParaRPr lang="en-US"/>
+            </a:p>
+          </p:txBody>
+        </p:sp>
+        <p:cxnSp>
+          <p:nvCxnSpPr>
+            <p:cNvPr id="22" name="Straight Connector 21">
+              <a:extLst>
+                <a:ext uri="{FF2B5EF4-FFF2-40B4-BE49-F238E27FC236}">
+                  <a16:creationId xmlns:a16="http://schemas.microsoft.com/office/drawing/2014/main" id="{263FC69A-C3AD-41A6-ACC8-7522426CC1D7}"/>
+                </a:ext>
+              </a:extLst>
+            </p:cNvPr>
+            <p:cNvCxnSpPr>
+              <a:cxnSpLocks/>
+            </p:cNvCxnSpPr>
+            <p:nvPr/>
+          </p:nvCxnSpPr>
+          <p:spPr>
+            <a:xfrm flipH="1" flipV="1">
+              <a:off x="4123486" y="1638300"/>
+              <a:ext cx="970484" cy="377191"/>
+            </a:xfrm>
+            <a:prstGeom prst="line">
+              <a:avLst/>
+            </a:prstGeom>
+            <a:ln w="12700"/>
+          </p:spPr>
+          <p:style>
+            <a:lnRef idx="1">
+              <a:schemeClr val="dk1"/>
+            </a:lnRef>
+            <a:fillRef idx="0">
+              <a:schemeClr val="dk1"/>
+            </a:fillRef>
+            <a:effectRef idx="0">
+              <a:schemeClr val="dk1"/>
+            </a:effectRef>
+            <a:fontRef idx="minor">
+              <a:schemeClr val="tx1"/>
+            </a:fontRef>
+          </p:style>
+        </p:cxnSp>
+        <p:cxnSp>
+          <p:nvCxnSpPr>
+            <p:cNvPr id="94" name="Straight Connector 93">
+              <a:extLst>
+                <a:ext uri="{FF2B5EF4-FFF2-40B4-BE49-F238E27FC236}">
+                  <a16:creationId xmlns:a16="http://schemas.microsoft.com/office/drawing/2014/main" id="{747A9C26-B8CC-44A3-8560-7EB15953B86A}"/>
+                </a:ext>
+              </a:extLst>
+            </p:cNvPr>
+            <p:cNvCxnSpPr>
+              <a:cxnSpLocks/>
+            </p:cNvCxnSpPr>
+            <p:nvPr/>
+          </p:nvCxnSpPr>
+          <p:spPr>
+            <a:xfrm flipH="1" flipV="1">
+              <a:off x="4120551" y="829449"/>
+              <a:ext cx="1270241" cy="408275"/>
+            </a:xfrm>
+            <a:prstGeom prst="line">
+              <a:avLst/>
+            </a:prstGeom>
+            <a:ln w="12700"/>
+          </p:spPr>
+          <p:style>
+            <a:lnRef idx="1">
+              <a:schemeClr val="dk1"/>
+            </a:lnRef>
+            <a:fillRef idx="0">
+              <a:schemeClr val="dk1"/>
+            </a:fillRef>
+            <a:effectRef idx="0">
+              <a:schemeClr val="dk1"/>
+            </a:effectRef>
+            <a:fontRef idx="minor">
+              <a:schemeClr val="tx1"/>
+            </a:fontRef>
+          </p:style>
+        </p:cxnSp>
+        <p:sp>
+          <p:nvSpPr>
+            <p:cNvPr id="132" name="Rectangle 131">
+              <a:extLst>
+                <a:ext uri="{FF2B5EF4-FFF2-40B4-BE49-F238E27FC236}">
+                  <a16:creationId xmlns:a16="http://schemas.microsoft.com/office/drawing/2014/main" id="{02D82848-A2E6-44BB-A394-44B16B4A3AEA}"/>
+                </a:ext>
+              </a:extLst>
+            </p:cNvPr>
+            <p:cNvSpPr/>
+            <p:nvPr/>
+          </p:nvSpPr>
+          <p:spPr>
+            <a:xfrm>
+              <a:off x="6385228" y="1336152"/>
+              <a:ext cx="1643944" cy="1548350"/>
+            </a:xfrm>
+            <a:prstGeom prst="rect">
+              <a:avLst/>
+            </a:prstGeom>
+            <a:noFill/>
+            <a:ln>
+              <a:solidFill>
+                <a:schemeClr val="bg1">
+                  <a:lumMod val="65000"/>
+                </a:schemeClr>
+              </a:solidFill>
+              <a:prstDash val="lgDash"/>
+            </a:ln>
+          </p:spPr>
+          <p:style>
+            <a:lnRef idx="2">
+              <a:schemeClr val="accent1">
+                <a:shade val="50000"/>
+              </a:schemeClr>
+            </a:lnRef>
+            <a:fillRef idx="1">
+              <a:schemeClr val="accent1"/>
+            </a:fillRef>
+            <a:effectRef idx="0">
+              <a:schemeClr val="accent1"/>
+            </a:effectRef>
+            <a:fontRef idx="minor">
+              <a:schemeClr val="lt1"/>
+            </a:fontRef>
+          </p:style>
+          <p:txBody>
+            <a:bodyPr rtlCol="0" anchor="ctr"/>
+            <a:lstStyle/>
+            <a:p>
+              <a:pPr algn="ctr"/>
+              <a:endParaRPr lang="en-US"/>
+            </a:p>
+          </p:txBody>
+        </p:sp>
+        <p:cxnSp>
+          <p:nvCxnSpPr>
+            <p:cNvPr id="135" name="Straight Arrow Connector 134">
+              <a:extLst>
+                <a:ext uri="{FF2B5EF4-FFF2-40B4-BE49-F238E27FC236}">
+                  <a16:creationId xmlns:a16="http://schemas.microsoft.com/office/drawing/2014/main" id="{D72969EF-485B-4FAD-A0C6-FF4B74CB2905}"/>
+                </a:ext>
+              </a:extLst>
+            </p:cNvPr>
+            <p:cNvCxnSpPr>
+              <a:cxnSpLocks/>
+            </p:cNvCxnSpPr>
+            <p:nvPr/>
+          </p:nvCxnSpPr>
+          <p:spPr>
+            <a:xfrm flipV="1">
+              <a:off x="5827243" y="2291148"/>
+              <a:ext cx="1286658" cy="1537039"/>
+            </a:xfrm>
+            <a:prstGeom prst="straightConnector1">
+              <a:avLst/>
+            </a:prstGeom>
+            <a:ln w="19050">
+              <a:tailEnd type="triangle"/>
+            </a:ln>
+          </p:spPr>
+          <p:style>
+            <a:lnRef idx="1">
+              <a:schemeClr val="dk1"/>
+            </a:lnRef>
+            <a:fillRef idx="0">
+              <a:schemeClr val="dk1"/>
+            </a:fillRef>
+            <a:effectRef idx="0">
+              <a:schemeClr val="dk1"/>
+            </a:effectRef>
+            <a:fontRef idx="minor">
+              <a:schemeClr val="tx1"/>
+            </a:fontRef>
+          </p:style>
+        </p:cxnSp>
+        <p:sp>
+          <p:nvSpPr>
+            <p:cNvPr id="136" name="TextBox 135">
+              <a:extLst>
+                <a:ext uri="{FF2B5EF4-FFF2-40B4-BE49-F238E27FC236}">
+                  <a16:creationId xmlns:a16="http://schemas.microsoft.com/office/drawing/2014/main" id="{AD63E933-C74D-458E-A568-8CB2879F55F7}"/>
+                </a:ext>
+              </a:extLst>
+            </p:cNvPr>
+            <p:cNvSpPr txBox="1"/>
+            <p:nvPr/>
+          </p:nvSpPr>
+          <p:spPr>
+            <a:xfrm>
+              <a:off x="6398476" y="2994013"/>
+              <a:ext cx="438174" cy="338554"/>
+            </a:xfrm>
+            <a:prstGeom prst="rect">
+              <a:avLst/>
+            </a:prstGeom>
+            <a:noFill/>
+          </p:spPr>
+          <p:txBody>
+            <a:bodyPr wrap="square" rtlCol="0">
+              <a:spAutoFit/>
+            </a:bodyPr>
+            <a:lstStyle/>
+            <a:p>
+              <a:r>
+                <a:rPr lang="en-US" sz="1600" dirty="0"/>
+                <a:t>d</a:t>
+              </a:r>
+              <a:r>
+                <a:rPr lang="en-US" sz="1600" baseline="-25000" dirty="0"/>
+                <a:t>23</a:t>
+              </a:r>
+              <a:endParaRPr lang="en-US" sz="1200" baseline="-25000" dirty="0"/>
+            </a:p>
+          </p:txBody>
+        </p:sp>
+        <p:sp>
+          <p:nvSpPr>
+            <p:cNvPr id="172" name="TextBox 171">
+              <a:extLst>
+                <a:ext uri="{FF2B5EF4-FFF2-40B4-BE49-F238E27FC236}">
+                  <a16:creationId xmlns:a16="http://schemas.microsoft.com/office/drawing/2014/main" id="{08F67FE5-4705-4B02-9E62-167CC63050F6}"/>
+                </a:ext>
+              </a:extLst>
+            </p:cNvPr>
+            <p:cNvSpPr txBox="1"/>
+            <p:nvPr/>
+          </p:nvSpPr>
+          <p:spPr>
+            <a:xfrm>
+              <a:off x="6102851" y="4004402"/>
+              <a:ext cx="439967" cy="338554"/>
+            </a:xfrm>
+            <a:prstGeom prst="rect">
+              <a:avLst/>
+            </a:prstGeom>
+            <a:noFill/>
+          </p:spPr>
+          <p:txBody>
+            <a:bodyPr wrap="square" rtlCol="0">
+              <a:spAutoFit/>
+            </a:bodyPr>
+            <a:lstStyle/>
+            <a:p>
+              <a:r>
+                <a:rPr lang="en-US" sz="1600" dirty="0"/>
+                <a:t>O</a:t>
+              </a:r>
+              <a:r>
+                <a:rPr lang="en-US" sz="1600" baseline="-25000" dirty="0"/>
+                <a:t>x</a:t>
+              </a:r>
+              <a:endParaRPr lang="en-US" sz="1200" baseline="-25000" dirty="0"/>
+            </a:p>
+          </p:txBody>
+        </p:sp>
+        <p:sp>
+          <p:nvSpPr>
+            <p:cNvPr id="173" name="TextBox 172">
+              <a:extLst>
+                <a:ext uri="{FF2B5EF4-FFF2-40B4-BE49-F238E27FC236}">
+                  <a16:creationId xmlns:a16="http://schemas.microsoft.com/office/drawing/2014/main" id="{0DDEACAD-6FC5-4D67-8522-DC1EC030475A}"/>
+                </a:ext>
+              </a:extLst>
+            </p:cNvPr>
+            <p:cNvSpPr txBox="1"/>
+            <p:nvPr/>
+          </p:nvSpPr>
+          <p:spPr>
+            <a:xfrm>
+              <a:off x="7497628" y="2426690"/>
+              <a:ext cx="490357" cy="338556"/>
+            </a:xfrm>
+            <a:prstGeom prst="rect">
+              <a:avLst/>
+            </a:prstGeom>
+            <a:noFill/>
+          </p:spPr>
+          <p:txBody>
+            <a:bodyPr wrap="square" rtlCol="0">
+              <a:spAutoFit/>
+            </a:bodyPr>
+            <a:lstStyle/>
+            <a:p>
+              <a:r>
+                <a:rPr lang="en-US" sz="1600" dirty="0"/>
+                <a:t>O</a:t>
+              </a:r>
+              <a:r>
+                <a:rPr lang="en-US" sz="1600" baseline="-25000" dirty="0"/>
+                <a:t>3,x</a:t>
+              </a:r>
+              <a:endParaRPr lang="en-US" sz="1200" baseline="-25000" dirty="0"/>
+            </a:p>
+          </p:txBody>
+        </p:sp>
+        <p:sp>
+          <p:nvSpPr>
+            <p:cNvPr id="176" name="TextBox 175">
+              <a:extLst>
+                <a:ext uri="{FF2B5EF4-FFF2-40B4-BE49-F238E27FC236}">
+                  <a16:creationId xmlns:a16="http://schemas.microsoft.com/office/drawing/2014/main" id="{D045E207-523C-43AF-84D6-E4C00593C91F}"/>
+                </a:ext>
+              </a:extLst>
+            </p:cNvPr>
+            <p:cNvSpPr txBox="1"/>
+            <p:nvPr/>
+          </p:nvSpPr>
+          <p:spPr>
+            <a:xfrm>
+              <a:off x="6371093" y="2013501"/>
+              <a:ext cx="490357" cy="338556"/>
+            </a:xfrm>
+            <a:prstGeom prst="rect">
+              <a:avLst/>
+            </a:prstGeom>
+            <a:noFill/>
+          </p:spPr>
+          <p:txBody>
+            <a:bodyPr wrap="square" rtlCol="0">
+              <a:spAutoFit/>
+            </a:bodyPr>
+            <a:lstStyle/>
+            <a:p>
+              <a:r>
+                <a:rPr lang="en-US" sz="1600" dirty="0"/>
+                <a:t>O</a:t>
+              </a:r>
+              <a:r>
+                <a:rPr lang="en-US" sz="1600" baseline="-25000" dirty="0"/>
+                <a:t>3,z</a:t>
+              </a:r>
+              <a:endParaRPr lang="en-US" sz="1200" baseline="-25000" dirty="0"/>
+            </a:p>
+          </p:txBody>
+        </p:sp>
+        <p:cxnSp>
+          <p:nvCxnSpPr>
+            <p:cNvPr id="211" name="Straight Connector 210">
+              <a:extLst>
+                <a:ext uri="{FF2B5EF4-FFF2-40B4-BE49-F238E27FC236}">
+                  <a16:creationId xmlns:a16="http://schemas.microsoft.com/office/drawing/2014/main" id="{77976888-CAFC-4D81-9108-901DB0D6D5B0}"/>
+                </a:ext>
+              </a:extLst>
+            </p:cNvPr>
+            <p:cNvCxnSpPr>
+              <a:cxnSpLocks/>
+            </p:cNvCxnSpPr>
+            <p:nvPr/>
+          </p:nvCxnSpPr>
+          <p:spPr>
+            <a:xfrm flipH="1" flipV="1">
+              <a:off x="4120551" y="3047619"/>
+              <a:ext cx="1727038" cy="779768"/>
+            </a:xfrm>
+            <a:prstGeom prst="line">
+              <a:avLst/>
+            </a:prstGeom>
+            <a:ln w="12700">
+              <a:prstDash val="dash"/>
+            </a:ln>
+          </p:spPr>
+          <p:style>
+            <a:lnRef idx="1">
+              <a:schemeClr val="dk1"/>
+            </a:lnRef>
+            <a:fillRef idx="0">
+              <a:schemeClr val="dk1"/>
+            </a:fillRef>
+            <a:effectRef idx="0">
+              <a:schemeClr val="dk1"/>
+            </a:effectRef>
+            <a:fontRef idx="minor">
+              <a:schemeClr val="tx1"/>
+            </a:fontRef>
+          </p:style>
+        </p:cxnSp>
+      </p:grpSp>
+      <p:grpSp>
+        <p:nvGrpSpPr>
+          <p:cNvPr id="120" name="Group 119">
+            <a:extLst>
+              <a:ext uri="{FF2B5EF4-FFF2-40B4-BE49-F238E27FC236}">
+                <a16:creationId xmlns:a16="http://schemas.microsoft.com/office/drawing/2014/main" id="{B6B43EB8-9235-467F-8772-FC8B0C9564F1}"/>
+              </a:ext>
+            </a:extLst>
+          </p:cNvPr>
+          <p:cNvGrpSpPr/>
+          <p:nvPr/>
+        </p:nvGrpSpPr>
+        <p:grpSpPr>
+          <a:xfrm>
+            <a:off x="-47710" y="0"/>
+            <a:ext cx="3982338" cy="5312607"/>
+            <a:chOff x="-48215" y="318465"/>
+            <a:chExt cx="3982338" cy="5312607"/>
+          </a:xfrm>
+        </p:grpSpPr>
+        <p:grpSp>
+          <p:nvGrpSpPr>
+            <p:cNvPr id="6" name="Group 5">
+              <a:extLst>
+                <a:ext uri="{FF2B5EF4-FFF2-40B4-BE49-F238E27FC236}">
+                  <a16:creationId xmlns:a16="http://schemas.microsoft.com/office/drawing/2014/main" id="{FFC4BA63-DA5C-4222-9797-93B0794AEFB9}"/>
+                </a:ext>
+              </a:extLst>
+            </p:cNvPr>
+            <p:cNvGrpSpPr/>
+            <p:nvPr/>
+          </p:nvGrpSpPr>
+          <p:grpSpPr>
+            <a:xfrm>
+              <a:off x="-48215" y="318465"/>
+              <a:ext cx="3962122" cy="5225883"/>
+              <a:chOff x="89470" y="353986"/>
+              <a:chExt cx="4262468" cy="5502546"/>
+            </a:xfrm>
+          </p:grpSpPr>
+          <p:sp>
+            <p:nvSpPr>
+              <p:cNvPr id="3" name="Oval 2">
+                <a:extLst>
+                  <a:ext uri="{FF2B5EF4-FFF2-40B4-BE49-F238E27FC236}">
+                    <a16:creationId xmlns:a16="http://schemas.microsoft.com/office/drawing/2014/main" id="{B81BE979-3393-442D-9817-0AD0F5227373}"/>
+                  </a:ext>
+                </a:extLst>
+              </p:cNvPr>
+              <p:cNvSpPr/>
+              <p:nvPr/>
+            </p:nvSpPr>
+            <p:spPr>
+              <a:xfrm>
+                <a:off x="256699" y="531538"/>
+                <a:ext cx="1345631" cy="360484"/>
+              </a:xfrm>
+              <a:prstGeom prst="ellipse">
+                <a:avLst/>
+              </a:prstGeom>
+              <a:noFill/>
+              <a:ln>
+                <a:solidFill>
+                  <a:schemeClr val="tx1"/>
+                </a:solidFill>
+              </a:ln>
+            </p:spPr>
+            <p:style>
+              <a:lnRef idx="2">
+                <a:schemeClr val="accent1">
+                  <a:shade val="50000"/>
+                </a:schemeClr>
+              </a:lnRef>
+              <a:fillRef idx="1">
+                <a:schemeClr val="accent1"/>
+              </a:fillRef>
+              <a:effectRef idx="0">
+                <a:schemeClr val="accent1"/>
+              </a:effectRef>
+              <a:fontRef idx="minor">
+                <a:schemeClr val="lt1"/>
+              </a:fontRef>
+            </p:style>
+            <p:txBody>
+              <a:bodyPr rtlCol="0" anchor="ctr"/>
+              <a:lstStyle/>
+              <a:p>
+                <a:pPr algn="ctr"/>
+                <a:endParaRPr lang="en-US"/>
+              </a:p>
+            </p:txBody>
+          </p:sp>
+          <p:sp>
+            <p:nvSpPr>
+              <p:cNvPr id="4" name="Oval 3">
+                <a:extLst>
+                  <a:ext uri="{FF2B5EF4-FFF2-40B4-BE49-F238E27FC236}">
+                    <a16:creationId xmlns:a16="http://schemas.microsoft.com/office/drawing/2014/main" id="{B8550ABB-25D2-4012-8220-3CDDB254A948}"/>
+                  </a:ext>
+                </a:extLst>
+              </p:cNvPr>
+              <p:cNvSpPr/>
+              <p:nvPr/>
+            </p:nvSpPr>
+            <p:spPr>
+              <a:xfrm>
+                <a:off x="268427" y="2406325"/>
+                <a:ext cx="1345631" cy="360484"/>
+              </a:xfrm>
+              <a:prstGeom prst="ellipse">
+                <a:avLst/>
+              </a:prstGeom>
+              <a:noFill/>
+              <a:ln>
+                <a:solidFill>
+                  <a:schemeClr val="tx1"/>
+                </a:solidFill>
+              </a:ln>
+            </p:spPr>
+            <p:style>
+              <a:lnRef idx="2">
+                <a:schemeClr val="accent1">
+                  <a:shade val="50000"/>
+                </a:schemeClr>
+              </a:lnRef>
+              <a:fillRef idx="1">
+                <a:schemeClr val="accent1"/>
+              </a:fillRef>
+              <a:effectRef idx="0">
+                <a:schemeClr val="accent1"/>
+              </a:effectRef>
+              <a:fontRef idx="minor">
+                <a:schemeClr val="lt1"/>
+              </a:fontRef>
+            </p:style>
+            <p:txBody>
+              <a:bodyPr rtlCol="0" anchor="ctr"/>
+              <a:lstStyle/>
+              <a:p>
+                <a:pPr algn="ctr"/>
+                <a:endParaRPr lang="en-US"/>
+              </a:p>
+            </p:txBody>
+          </p:sp>
+          <p:sp>
+            <p:nvSpPr>
+              <p:cNvPr id="5" name="Oval 4">
+                <a:extLst>
+                  <a:ext uri="{FF2B5EF4-FFF2-40B4-BE49-F238E27FC236}">
+                    <a16:creationId xmlns:a16="http://schemas.microsoft.com/office/drawing/2014/main" id="{5C5FA085-B161-4091-AC8A-EC00E496886F}"/>
+                  </a:ext>
+                </a:extLst>
+              </p:cNvPr>
+              <p:cNvSpPr/>
+              <p:nvPr/>
+            </p:nvSpPr>
+            <p:spPr>
+              <a:xfrm>
+                <a:off x="806627" y="615065"/>
+                <a:ext cx="219807" cy="79130"/>
+              </a:xfrm>
+              <a:prstGeom prst="ellipse">
+                <a:avLst/>
+              </a:prstGeom>
+              <a:noFill/>
+              <a:ln>
+                <a:solidFill>
+                  <a:schemeClr val="tx1"/>
+                </a:solidFill>
+              </a:ln>
+            </p:spPr>
+            <p:style>
+              <a:lnRef idx="2">
+                <a:schemeClr val="accent1">
+                  <a:shade val="50000"/>
+                </a:schemeClr>
+              </a:lnRef>
+              <a:fillRef idx="1">
+                <a:schemeClr val="accent1"/>
+              </a:fillRef>
+              <a:effectRef idx="0">
+                <a:schemeClr val="accent1"/>
+              </a:effectRef>
+              <a:fontRef idx="minor">
+                <a:schemeClr val="lt1"/>
+              </a:fontRef>
+            </p:style>
+            <p:txBody>
+              <a:bodyPr rtlCol="0" anchor="ctr"/>
+              <a:lstStyle/>
+              <a:p>
+                <a:pPr algn="ctr"/>
+                <a:endParaRPr lang="en-US"/>
+              </a:p>
+            </p:txBody>
+          </p:sp>
+          <p:cxnSp>
+            <p:nvCxnSpPr>
+              <p:cNvPr id="125" name="Straight Arrow Connector 124">
+                <a:extLst>
+                  <a:ext uri="{FF2B5EF4-FFF2-40B4-BE49-F238E27FC236}">
+                    <a16:creationId xmlns:a16="http://schemas.microsoft.com/office/drawing/2014/main" id="{BDAABAB7-4840-411F-8A89-2C69C90B347F}"/>
+                  </a:ext>
+                </a:extLst>
+              </p:cNvPr>
+              <p:cNvCxnSpPr>
+                <a:cxnSpLocks/>
+                <a:stCxn id="3" idx="2"/>
+                <a:endCxn id="4" idx="2"/>
+              </p:cNvCxnSpPr>
+              <p:nvPr/>
+            </p:nvCxnSpPr>
+            <p:spPr>
+              <a:xfrm>
+                <a:off x="256699" y="711780"/>
+                <a:ext cx="11728" cy="1874787"/>
+              </a:xfrm>
+              <a:prstGeom prst="straightConnector1">
+                <a:avLst/>
+              </a:prstGeom>
+            </p:spPr>
+            <p:style>
+              <a:lnRef idx="1">
+                <a:schemeClr val="dk1"/>
+              </a:lnRef>
+              <a:fillRef idx="0">
+                <a:schemeClr val="dk1"/>
+              </a:fillRef>
+              <a:effectRef idx="0">
+                <a:schemeClr val="dk1"/>
+              </a:effectRef>
+              <a:fontRef idx="minor">
+                <a:schemeClr val="tx1"/>
+              </a:fontRef>
+            </p:style>
+          </p:cxnSp>
+          <p:cxnSp>
+            <p:nvCxnSpPr>
+              <p:cNvPr id="129" name="Straight Connector 128">
+                <a:extLst>
+                  <a:ext uri="{FF2B5EF4-FFF2-40B4-BE49-F238E27FC236}">
+                    <a16:creationId xmlns:a16="http://schemas.microsoft.com/office/drawing/2014/main" id="{7F452FF6-5BE7-43A1-ABC6-DB276496C123}"/>
+                  </a:ext>
+                </a:extLst>
+              </p:cNvPr>
+              <p:cNvCxnSpPr>
+                <a:cxnSpLocks/>
+                <a:stCxn id="3" idx="6"/>
+                <a:endCxn id="4" idx="6"/>
+              </p:cNvCxnSpPr>
+              <p:nvPr/>
+            </p:nvCxnSpPr>
+            <p:spPr>
+              <a:xfrm>
+                <a:off x="1602330" y="711780"/>
+                <a:ext cx="11728" cy="1874787"/>
+              </a:xfrm>
+              <a:prstGeom prst="line">
+                <a:avLst/>
+              </a:prstGeom>
+            </p:spPr>
+            <p:style>
+              <a:lnRef idx="1">
+                <a:schemeClr val="dk1"/>
+              </a:lnRef>
+              <a:fillRef idx="0">
+                <a:schemeClr val="dk1"/>
+              </a:fillRef>
+              <a:effectRef idx="0">
+                <a:schemeClr val="dk1"/>
+              </a:effectRef>
+              <a:fontRef idx="minor">
+                <a:schemeClr val="tx1"/>
+              </a:fontRef>
+            </p:style>
+          </p:cxnSp>
+          <p:cxnSp>
+            <p:nvCxnSpPr>
+              <p:cNvPr id="137" name="Straight Arrow Connector 136">
+                <a:extLst>
+                  <a:ext uri="{FF2B5EF4-FFF2-40B4-BE49-F238E27FC236}">
+                    <a16:creationId xmlns:a16="http://schemas.microsoft.com/office/drawing/2014/main" id="{3A4BA3AC-490B-4E62-B22A-4C0C645998E0}"/>
+                  </a:ext>
+                </a:extLst>
+              </p:cNvPr>
+              <p:cNvCxnSpPr>
+                <a:cxnSpLocks/>
+              </p:cNvCxnSpPr>
+              <p:nvPr/>
+            </p:nvCxnSpPr>
+            <p:spPr>
+              <a:xfrm flipH="1">
+                <a:off x="899450" y="642851"/>
+                <a:ext cx="573" cy="348947"/>
+              </a:xfrm>
+              <a:prstGeom prst="straightConnector1">
+                <a:avLst/>
+              </a:prstGeom>
+              <a:ln>
+                <a:tailEnd type="triangle"/>
+              </a:ln>
+            </p:spPr>
+            <p:style>
+              <a:lnRef idx="3">
+                <a:schemeClr val="accent1"/>
+              </a:lnRef>
+              <a:fillRef idx="0">
+                <a:schemeClr val="accent1"/>
+              </a:fillRef>
+              <a:effectRef idx="2">
+                <a:schemeClr val="accent1"/>
+              </a:effectRef>
+              <a:fontRef idx="minor">
+                <a:schemeClr val="tx1"/>
+              </a:fontRef>
+            </p:style>
+          </p:cxnSp>
+          <p:cxnSp>
+            <p:nvCxnSpPr>
+              <p:cNvPr id="138" name="Straight Arrow Connector 137">
+                <a:extLst>
+                  <a:ext uri="{FF2B5EF4-FFF2-40B4-BE49-F238E27FC236}">
+                    <a16:creationId xmlns:a16="http://schemas.microsoft.com/office/drawing/2014/main" id="{6B9541AC-23C7-4C39-B5C0-347F26F56108}"/>
+                  </a:ext>
+                </a:extLst>
+              </p:cNvPr>
+              <p:cNvCxnSpPr>
+                <a:cxnSpLocks/>
+              </p:cNvCxnSpPr>
+              <p:nvPr/>
+            </p:nvCxnSpPr>
+            <p:spPr>
+              <a:xfrm>
+                <a:off x="899450" y="648928"/>
+                <a:ext cx="354364" cy="56208"/>
+              </a:xfrm>
+              <a:prstGeom prst="straightConnector1">
+                <a:avLst/>
+              </a:prstGeom>
+              <a:ln>
+                <a:tailEnd type="triangle"/>
+              </a:ln>
+            </p:spPr>
+            <p:style>
+              <a:lnRef idx="3">
+                <a:schemeClr val="accent6"/>
+              </a:lnRef>
+              <a:fillRef idx="0">
+                <a:schemeClr val="accent6"/>
+              </a:fillRef>
+              <a:effectRef idx="2">
+                <a:schemeClr val="accent6"/>
+              </a:effectRef>
+              <a:fontRef idx="minor">
+                <a:schemeClr val="tx1"/>
+              </a:fontRef>
+            </p:style>
+          </p:cxnSp>
+          <p:cxnSp>
+            <p:nvCxnSpPr>
+              <p:cNvPr id="139" name="Straight Arrow Connector 138">
+                <a:extLst>
+                  <a:ext uri="{FF2B5EF4-FFF2-40B4-BE49-F238E27FC236}">
+                    <a16:creationId xmlns:a16="http://schemas.microsoft.com/office/drawing/2014/main" id="{2DB5DDF9-8F7B-47E6-A4E1-5DF1FC89ECCE}"/>
+                  </a:ext>
+                </a:extLst>
+              </p:cNvPr>
+              <p:cNvCxnSpPr>
+                <a:cxnSpLocks/>
+              </p:cNvCxnSpPr>
+              <p:nvPr/>
+            </p:nvCxnSpPr>
+            <p:spPr>
+              <a:xfrm flipH="1">
+                <a:off x="694840" y="642850"/>
+                <a:ext cx="205183" cy="161983"/>
+              </a:xfrm>
+              <a:prstGeom prst="straightConnector1">
+                <a:avLst/>
+              </a:prstGeom>
+              <a:ln>
+                <a:tailEnd type="triangle"/>
+              </a:ln>
+            </p:spPr>
+            <p:style>
+              <a:lnRef idx="3">
+                <a:schemeClr val="accent2"/>
+              </a:lnRef>
+              <a:fillRef idx="0">
+                <a:schemeClr val="accent2"/>
+              </a:fillRef>
+              <a:effectRef idx="2">
+                <a:schemeClr val="accent2"/>
+              </a:effectRef>
+              <a:fontRef idx="minor">
+                <a:schemeClr val="tx1"/>
+              </a:fontRef>
+            </p:style>
+          </p:cxnSp>
+          <p:sp>
+            <p:nvSpPr>
+              <p:cNvPr id="140" name="TextBox 139">
+                <a:extLst>
+                  <a:ext uri="{FF2B5EF4-FFF2-40B4-BE49-F238E27FC236}">
+                    <a16:creationId xmlns:a16="http://schemas.microsoft.com/office/drawing/2014/main" id="{A91811D8-3A63-4571-A0C1-D0905A9DA57A}"/>
+                  </a:ext>
+                </a:extLst>
+              </p:cNvPr>
+              <p:cNvSpPr txBox="1"/>
+              <p:nvPr/>
+            </p:nvSpPr>
+            <p:spPr>
+              <a:xfrm>
+                <a:off x="848351" y="353986"/>
+                <a:ext cx="489813" cy="356477"/>
+              </a:xfrm>
+              <a:prstGeom prst="rect">
+                <a:avLst/>
+              </a:prstGeom>
+              <a:noFill/>
+            </p:spPr>
+            <p:txBody>
+              <a:bodyPr wrap="square" rtlCol="0">
+                <a:spAutoFit/>
+              </a:bodyPr>
+              <a:lstStyle/>
+              <a:p>
+                <a:r>
+                  <a:rPr lang="en-US" sz="1600" dirty="0"/>
+                  <a:t>O</a:t>
+                </a:r>
+                <a:r>
+                  <a:rPr lang="en-US" sz="1600" baseline="-25000" dirty="0"/>
+                  <a:t>0</a:t>
+                </a:r>
+              </a:p>
+            </p:txBody>
+          </p:sp>
+          <p:sp>
+            <p:nvSpPr>
+              <p:cNvPr id="151" name="TextBox 150">
+                <a:extLst>
+                  <a:ext uri="{FF2B5EF4-FFF2-40B4-BE49-F238E27FC236}">
+                    <a16:creationId xmlns:a16="http://schemas.microsoft.com/office/drawing/2014/main" id="{7AE5C30F-BFD4-42D9-AE81-1514FA3CE3D0}"/>
+                  </a:ext>
+                </a:extLst>
+              </p:cNvPr>
+              <p:cNvSpPr txBox="1"/>
+              <p:nvPr/>
+            </p:nvSpPr>
+            <p:spPr>
+              <a:xfrm>
+                <a:off x="3082069" y="5500055"/>
+                <a:ext cx="558843" cy="356477"/>
+              </a:xfrm>
+              <a:prstGeom prst="rect">
+                <a:avLst/>
+              </a:prstGeom>
+              <a:noFill/>
+            </p:spPr>
+            <p:txBody>
+              <a:bodyPr wrap="square" rtlCol="0">
+                <a:spAutoFit/>
+              </a:bodyPr>
+              <a:lstStyle/>
+              <a:p>
+                <a:r>
+                  <a:rPr lang="en-US" sz="1600" dirty="0"/>
+                  <a:t>O</a:t>
+                </a:r>
+                <a:r>
+                  <a:rPr lang="en-US" sz="1600" baseline="-25000" dirty="0"/>
+                  <a:t>2,z</a:t>
+                </a:r>
+                <a:endParaRPr lang="en-US" sz="1200" baseline="-25000" dirty="0"/>
+              </a:p>
+            </p:txBody>
+          </p:sp>
+          <p:cxnSp>
+            <p:nvCxnSpPr>
+              <p:cNvPr id="175" name="Straight Arrow Connector 174">
+                <a:extLst>
+                  <a:ext uri="{FF2B5EF4-FFF2-40B4-BE49-F238E27FC236}">
+                    <a16:creationId xmlns:a16="http://schemas.microsoft.com/office/drawing/2014/main" id="{3C2E7DD0-8E16-497F-887C-767967ABD81B}"/>
+                  </a:ext>
+                </a:extLst>
+              </p:cNvPr>
+              <p:cNvCxnSpPr>
+                <a:cxnSpLocks/>
+              </p:cNvCxnSpPr>
+              <p:nvPr/>
+            </p:nvCxnSpPr>
+            <p:spPr>
+              <a:xfrm flipH="1">
+                <a:off x="3071536" y="5418322"/>
+                <a:ext cx="364943" cy="31954"/>
+              </a:xfrm>
+              <a:prstGeom prst="straightConnector1">
+                <a:avLst/>
+              </a:prstGeom>
+              <a:ln w="19050">
+                <a:tailEnd type="triangle"/>
+              </a:ln>
+            </p:spPr>
+            <p:style>
+              <a:lnRef idx="1">
+                <a:schemeClr val="accent2"/>
+              </a:lnRef>
+              <a:fillRef idx="0">
+                <a:schemeClr val="accent2"/>
+              </a:fillRef>
+              <a:effectRef idx="0">
+                <a:schemeClr val="accent2"/>
+              </a:effectRef>
+              <a:fontRef idx="minor">
+                <a:schemeClr val="tx1"/>
+              </a:fontRef>
+            </p:style>
+          </p:cxnSp>
+          <p:sp>
+            <p:nvSpPr>
+              <p:cNvPr id="177" name="Cylinder 176">
+                <a:extLst>
+                  <a:ext uri="{FF2B5EF4-FFF2-40B4-BE49-F238E27FC236}">
+                    <a16:creationId xmlns:a16="http://schemas.microsoft.com/office/drawing/2014/main" id="{F27552BC-A4F9-435C-858A-B022AEC53A11}"/>
+                  </a:ext>
+                </a:extLst>
+              </p:cNvPr>
+              <p:cNvSpPr/>
+              <p:nvPr/>
+            </p:nvSpPr>
+            <p:spPr>
+              <a:xfrm rot="6580311">
+                <a:off x="3430669" y="4551032"/>
+                <a:ext cx="231210" cy="701843"/>
+              </a:xfrm>
+              <a:prstGeom prst="can">
+                <a:avLst>
+                  <a:gd name="adj" fmla="val 38764"/>
+                </a:avLst>
+              </a:prstGeom>
+            </p:spPr>
+            <p:style>
+              <a:lnRef idx="2">
+                <a:schemeClr val="accent1">
+                  <a:shade val="50000"/>
+                </a:schemeClr>
+              </a:lnRef>
+              <a:fillRef idx="1">
+                <a:schemeClr val="accent1"/>
+              </a:fillRef>
+              <a:effectRef idx="0">
+                <a:schemeClr val="accent1"/>
+              </a:effectRef>
+              <a:fontRef idx="minor">
+                <a:schemeClr val="lt1"/>
+              </a:fontRef>
+            </p:style>
+            <p:txBody>
+              <a:bodyPr rtlCol="0" anchor="ctr"/>
+              <a:lstStyle/>
+              <a:p>
+                <a:pPr algn="ctr"/>
+                <a:endParaRPr lang="en-US"/>
+              </a:p>
+            </p:txBody>
+          </p:sp>
+          <p:sp>
+            <p:nvSpPr>
+              <p:cNvPr id="183" name="Freeform: Shape 182">
+                <a:extLst>
+                  <a:ext uri="{FF2B5EF4-FFF2-40B4-BE49-F238E27FC236}">
+                    <a16:creationId xmlns:a16="http://schemas.microsoft.com/office/drawing/2014/main" id="{8F11863C-E04C-4E95-A021-FA853457C114}"/>
+                  </a:ext>
+                </a:extLst>
+              </p:cNvPr>
+              <p:cNvSpPr/>
+              <p:nvPr/>
+            </p:nvSpPr>
+            <p:spPr>
+              <a:xfrm>
+                <a:off x="957981" y="651185"/>
+                <a:ext cx="2889635" cy="4243526"/>
+              </a:xfrm>
+              <a:custGeom>
+                <a:avLst/>
+                <a:gdLst>
+                  <a:gd name="connsiteX0" fmla="*/ 2889635 w 2889635"/>
+                  <a:gd name="connsiteY0" fmla="*/ 4243526 h 4243526"/>
+                  <a:gd name="connsiteX1" fmla="*/ 270723 w 2889635"/>
+                  <a:gd name="connsiteY1" fmla="*/ 2757996 h 4243526"/>
+                  <a:gd name="connsiteX2" fmla="*/ 60618 w 2889635"/>
+                  <a:gd name="connsiteY2" fmla="*/ 0 h 4243526"/>
+                </a:gdLst>
+                <a:ahLst/>
+                <a:cxnLst>
+                  <a:cxn ang="0">
+                    <a:pos x="connsiteX0" y="connsiteY0"/>
+                  </a:cxn>
+                  <a:cxn ang="0">
+                    <a:pos x="connsiteX1" y="connsiteY1"/>
+                  </a:cxn>
+                  <a:cxn ang="0">
+                    <a:pos x="connsiteX2" y="connsiteY2"/>
+                  </a:cxn>
+                </a:cxnLst>
+                <a:rect l="l" t="t" r="r" b="b"/>
+                <a:pathLst>
+                  <a:path w="2889635" h="4243526">
+                    <a:moveTo>
+                      <a:pt x="2889635" y="4243526"/>
+                    </a:moveTo>
+                    <a:cubicBezTo>
+                      <a:pt x="1815930" y="3854388"/>
+                      <a:pt x="742226" y="3465250"/>
+                      <a:pt x="270723" y="2757996"/>
+                    </a:cubicBezTo>
+                    <a:cubicBezTo>
+                      <a:pt x="-200780" y="2050742"/>
+                      <a:pt x="94156" y="479394"/>
+                      <a:pt x="60618" y="0"/>
+                    </a:cubicBezTo>
+                  </a:path>
+                </a:pathLst>
+              </a:custGeom>
+            </p:spPr>
+            <p:style>
+              <a:lnRef idx="1">
+                <a:schemeClr val="dk1"/>
+              </a:lnRef>
+              <a:fillRef idx="0">
+                <a:schemeClr val="dk1"/>
+              </a:fillRef>
+              <a:effectRef idx="0">
+                <a:schemeClr val="dk1"/>
+              </a:effectRef>
+              <a:fontRef idx="minor">
+                <a:schemeClr val="tx1"/>
+              </a:fontRef>
+            </p:style>
+            <p:txBody>
+              <a:bodyPr rtlCol="0" anchor="ctr"/>
+              <a:lstStyle/>
+              <a:p>
+                <a:pPr algn="ctr"/>
+                <a:endParaRPr lang="en-US"/>
+              </a:p>
+            </p:txBody>
+          </p:sp>
+          <p:sp>
+            <p:nvSpPr>
+              <p:cNvPr id="186" name="Freeform: Shape 185">
+                <a:extLst>
+                  <a:ext uri="{FF2B5EF4-FFF2-40B4-BE49-F238E27FC236}">
+                    <a16:creationId xmlns:a16="http://schemas.microsoft.com/office/drawing/2014/main" id="{2EB60699-C97A-49F3-AC8E-3BE0225E2025}"/>
+                  </a:ext>
+                </a:extLst>
+              </p:cNvPr>
+              <p:cNvSpPr/>
+              <p:nvPr/>
+            </p:nvSpPr>
+            <p:spPr>
+              <a:xfrm>
+                <a:off x="722079" y="642307"/>
+                <a:ext cx="3081149" cy="4459550"/>
+              </a:xfrm>
+              <a:custGeom>
+                <a:avLst/>
+                <a:gdLst>
+                  <a:gd name="connsiteX0" fmla="*/ 3081149 w 3081149"/>
+                  <a:gd name="connsiteY0" fmla="*/ 4459550 h 4459550"/>
+                  <a:gd name="connsiteX1" fmla="*/ 1678477 w 3081149"/>
+                  <a:gd name="connsiteY1" fmla="*/ 3929849 h 4459550"/>
+                  <a:gd name="connsiteX2" fmla="*/ 426726 w 3081149"/>
+                  <a:gd name="connsiteY2" fmla="*/ 3092389 h 4459550"/>
+                  <a:gd name="connsiteX3" fmla="*/ 12434 w 3081149"/>
+                  <a:gd name="connsiteY3" fmla="*/ 1544715 h 4459550"/>
+                  <a:gd name="connsiteX4" fmla="*/ 89374 w 3081149"/>
+                  <a:gd name="connsiteY4" fmla="*/ 0 h 4459550"/>
+                </a:gdLst>
+                <a:ahLst/>
+                <a:cxnLst>
+                  <a:cxn ang="0">
+                    <a:pos x="connsiteX0" y="connsiteY0"/>
+                  </a:cxn>
+                  <a:cxn ang="0">
+                    <a:pos x="connsiteX1" y="connsiteY1"/>
+                  </a:cxn>
+                  <a:cxn ang="0">
+                    <a:pos x="connsiteX2" y="connsiteY2"/>
+                  </a:cxn>
+                  <a:cxn ang="0">
+                    <a:pos x="connsiteX3" y="connsiteY3"/>
+                  </a:cxn>
+                  <a:cxn ang="0">
+                    <a:pos x="connsiteX4" y="connsiteY4"/>
+                  </a:cxn>
+                </a:cxnLst>
+                <a:rect l="l" t="t" r="r" b="b"/>
+                <a:pathLst>
+                  <a:path w="3081149" h="4459550">
+                    <a:moveTo>
+                      <a:pt x="3081149" y="4459550"/>
+                    </a:moveTo>
+                    <a:cubicBezTo>
+                      <a:pt x="2601015" y="4308629"/>
+                      <a:pt x="2120881" y="4157709"/>
+                      <a:pt x="1678477" y="3929849"/>
+                    </a:cubicBezTo>
+                    <a:cubicBezTo>
+                      <a:pt x="1236073" y="3701989"/>
+                      <a:pt x="704400" y="3489911"/>
+                      <a:pt x="426726" y="3092389"/>
+                    </a:cubicBezTo>
+                    <a:cubicBezTo>
+                      <a:pt x="149052" y="2694867"/>
+                      <a:pt x="68659" y="2060113"/>
+                      <a:pt x="12434" y="1544715"/>
+                    </a:cubicBezTo>
+                    <a:cubicBezTo>
+                      <a:pt x="-43791" y="1029317"/>
+                      <a:pt x="110088" y="258932"/>
+                      <a:pt x="89374" y="0"/>
+                    </a:cubicBezTo>
+                  </a:path>
+                </a:pathLst>
+              </a:custGeom>
+            </p:spPr>
+            <p:style>
+              <a:lnRef idx="1">
+                <a:schemeClr val="dk1"/>
+              </a:lnRef>
+              <a:fillRef idx="0">
+                <a:schemeClr val="dk1"/>
+              </a:fillRef>
+              <a:effectRef idx="0">
+                <a:schemeClr val="dk1"/>
+              </a:effectRef>
+              <a:fontRef idx="minor">
+                <a:schemeClr val="tx1"/>
+              </a:fontRef>
+            </p:style>
+            <p:txBody>
+              <a:bodyPr rtlCol="0" anchor="ctr"/>
+              <a:lstStyle/>
+              <a:p>
+                <a:pPr algn="ctr"/>
+                <a:endParaRPr lang="en-US"/>
+              </a:p>
+            </p:txBody>
+          </p:sp>
+          <p:sp>
+            <p:nvSpPr>
+              <p:cNvPr id="156" name="Oval 155">
+                <a:extLst>
+                  <a:ext uri="{FF2B5EF4-FFF2-40B4-BE49-F238E27FC236}">
+                    <a16:creationId xmlns:a16="http://schemas.microsoft.com/office/drawing/2014/main" id="{246CD4A3-F7AF-4C1B-85D4-14706701A1AA}"/>
+                  </a:ext>
+                </a:extLst>
+              </p:cNvPr>
+              <p:cNvSpPr/>
+              <p:nvPr/>
+            </p:nvSpPr>
+            <p:spPr>
+              <a:xfrm rot="6059239">
+                <a:off x="3723421" y="4963874"/>
+                <a:ext cx="219807" cy="79130"/>
+              </a:xfrm>
+              <a:prstGeom prst="ellipse">
+                <a:avLst/>
+              </a:prstGeom>
+              <a:noFill/>
+              <a:ln>
+                <a:solidFill>
+                  <a:schemeClr val="tx1"/>
+                </a:solidFill>
+              </a:ln>
+            </p:spPr>
+            <p:style>
+              <a:lnRef idx="2">
+                <a:schemeClr val="accent1">
+                  <a:shade val="50000"/>
+                </a:schemeClr>
+              </a:lnRef>
+              <a:fillRef idx="1">
+                <a:schemeClr val="accent1"/>
+              </a:fillRef>
+              <a:effectRef idx="0">
+                <a:schemeClr val="accent1"/>
+              </a:effectRef>
+              <a:fontRef idx="minor">
+                <a:schemeClr val="lt1"/>
+              </a:fontRef>
+            </p:style>
+            <p:txBody>
+              <a:bodyPr rtlCol="0" anchor="ctr"/>
+              <a:lstStyle/>
+              <a:p>
+                <a:pPr algn="ctr"/>
+                <a:endParaRPr lang="en-US"/>
+              </a:p>
+            </p:txBody>
+          </p:sp>
+          <p:sp>
+            <p:nvSpPr>
+              <p:cNvPr id="193" name="Freeform: Shape 192">
+                <a:extLst>
+                  <a:ext uri="{FF2B5EF4-FFF2-40B4-BE49-F238E27FC236}">
+                    <a16:creationId xmlns:a16="http://schemas.microsoft.com/office/drawing/2014/main" id="{7FC41124-77A7-4B1F-BFB4-E71F9A8238CA}"/>
+                  </a:ext>
+                </a:extLst>
+              </p:cNvPr>
+              <p:cNvSpPr/>
+              <p:nvPr/>
+            </p:nvSpPr>
+            <p:spPr>
+              <a:xfrm>
+                <a:off x="870272" y="645435"/>
+                <a:ext cx="2570451" cy="4772890"/>
+              </a:xfrm>
+              <a:custGeom>
+                <a:avLst/>
+                <a:gdLst>
+                  <a:gd name="connsiteX0" fmla="*/ 2570451 w 2570451"/>
+                  <a:gd name="connsiteY0" fmla="*/ 4772890 h 4772890"/>
+                  <a:gd name="connsiteX1" fmla="*/ 661987 w 2570451"/>
+                  <a:gd name="connsiteY1" fmla="*/ 4055918 h 4772890"/>
+                  <a:gd name="connsiteX2" fmla="*/ 69706 w 2570451"/>
+                  <a:gd name="connsiteY2" fmla="*/ 2968336 h 4772890"/>
+                  <a:gd name="connsiteX3" fmla="*/ 31606 w 2570451"/>
+                  <a:gd name="connsiteY3" fmla="*/ 0 h 4772890"/>
+                </a:gdLst>
+                <a:ahLst/>
+                <a:cxnLst>
+                  <a:cxn ang="0">
+                    <a:pos x="connsiteX0" y="connsiteY0"/>
+                  </a:cxn>
+                  <a:cxn ang="0">
+                    <a:pos x="connsiteX1" y="connsiteY1"/>
+                  </a:cxn>
+                  <a:cxn ang="0">
+                    <a:pos x="connsiteX2" y="connsiteY2"/>
+                  </a:cxn>
+                  <a:cxn ang="0">
+                    <a:pos x="connsiteX3" y="connsiteY3"/>
+                  </a:cxn>
+                </a:cxnLst>
+                <a:rect l="l" t="t" r="r" b="b"/>
+                <a:pathLst>
+                  <a:path w="2570451" h="4772890">
+                    <a:moveTo>
+                      <a:pt x="2570451" y="4772890"/>
+                    </a:moveTo>
+                    <a:cubicBezTo>
+                      <a:pt x="1824614" y="4564783"/>
+                      <a:pt x="1078778" y="4356677"/>
+                      <a:pt x="661987" y="4055918"/>
+                    </a:cubicBezTo>
+                    <a:cubicBezTo>
+                      <a:pt x="245196" y="3755159"/>
+                      <a:pt x="174769" y="3644322"/>
+                      <a:pt x="69706" y="2968336"/>
+                    </a:cubicBezTo>
+                    <a:cubicBezTo>
+                      <a:pt x="-35358" y="2292350"/>
+                      <a:pt x="1588" y="529936"/>
+                      <a:pt x="31606" y="0"/>
+                    </a:cubicBezTo>
+                  </a:path>
+                </a:pathLst>
+              </a:custGeom>
+              <a:ln>
+                <a:prstDash val="lgDash"/>
+              </a:ln>
+            </p:spPr>
+            <p:style>
+              <a:lnRef idx="1">
+                <a:schemeClr val="dk1"/>
+              </a:lnRef>
+              <a:fillRef idx="0">
+                <a:schemeClr val="dk1"/>
+              </a:fillRef>
+              <a:effectRef idx="0">
+                <a:schemeClr val="dk1"/>
+              </a:effectRef>
+              <a:fontRef idx="minor">
+                <a:schemeClr val="tx1"/>
+              </a:fontRef>
+            </p:style>
+            <p:txBody>
+              <a:bodyPr rtlCol="0" anchor="ctr"/>
+              <a:lstStyle/>
+              <a:p>
+                <a:pPr algn="ctr"/>
+                <a:endParaRPr lang="en-US"/>
+              </a:p>
+            </p:txBody>
+          </p:sp>
+          <p:cxnSp>
+            <p:nvCxnSpPr>
+              <p:cNvPr id="204" name="Straight Arrow Connector 203">
+                <a:extLst>
+                  <a:ext uri="{FF2B5EF4-FFF2-40B4-BE49-F238E27FC236}">
+                    <a16:creationId xmlns:a16="http://schemas.microsoft.com/office/drawing/2014/main" id="{9D0599AD-BD51-47DF-9B12-0A2BFC9C1925}"/>
+                  </a:ext>
+                </a:extLst>
+              </p:cNvPr>
+              <p:cNvCxnSpPr>
+                <a:cxnSpLocks/>
+              </p:cNvCxnSpPr>
+              <p:nvPr/>
+            </p:nvCxnSpPr>
+            <p:spPr>
+              <a:xfrm>
+                <a:off x="3431103" y="5418615"/>
+                <a:ext cx="350334" cy="65273"/>
+              </a:xfrm>
+              <a:prstGeom prst="straightConnector1">
+                <a:avLst/>
+              </a:prstGeom>
+              <a:ln w="19050">
+                <a:tailEnd type="triangle"/>
+              </a:ln>
+            </p:spPr>
+            <p:style>
+              <a:lnRef idx="3">
+                <a:schemeClr val="accent1"/>
+              </a:lnRef>
+              <a:fillRef idx="0">
+                <a:schemeClr val="accent1"/>
+              </a:fillRef>
+              <a:effectRef idx="2">
+                <a:schemeClr val="accent1"/>
+              </a:effectRef>
+              <a:fontRef idx="minor">
+                <a:schemeClr val="tx1"/>
+              </a:fontRef>
+            </p:style>
+          </p:cxnSp>
+          <p:cxnSp>
+            <p:nvCxnSpPr>
+              <p:cNvPr id="205" name="Straight Arrow Connector 204">
+                <a:extLst>
+                  <a:ext uri="{FF2B5EF4-FFF2-40B4-BE49-F238E27FC236}">
+                    <a16:creationId xmlns:a16="http://schemas.microsoft.com/office/drawing/2014/main" id="{E24AAA49-3054-4943-B8DB-EAB5B27FCBA7}"/>
+                  </a:ext>
+                </a:extLst>
+              </p:cNvPr>
+              <p:cNvCxnSpPr>
+                <a:cxnSpLocks/>
+              </p:cNvCxnSpPr>
+              <p:nvPr/>
+            </p:nvCxnSpPr>
+            <p:spPr>
+              <a:xfrm flipV="1">
+                <a:off x="3437110" y="5118709"/>
+                <a:ext cx="7819" cy="300996"/>
+              </a:xfrm>
+              <a:prstGeom prst="straightConnector1">
+                <a:avLst/>
+              </a:prstGeom>
+              <a:ln w="19050">
+                <a:prstDash val="sysDot"/>
+                <a:tailEnd type="triangle"/>
+              </a:ln>
+            </p:spPr>
+            <p:style>
+              <a:lnRef idx="3">
+                <a:schemeClr val="accent6"/>
+              </a:lnRef>
+              <a:fillRef idx="0">
+                <a:schemeClr val="accent6"/>
+              </a:fillRef>
+              <a:effectRef idx="2">
+                <a:schemeClr val="accent6"/>
+              </a:effectRef>
+              <a:fontRef idx="minor">
+                <a:schemeClr val="tx1"/>
+              </a:fontRef>
+            </p:style>
+          </p:cxnSp>
+          <p:cxnSp>
+            <p:nvCxnSpPr>
+              <p:cNvPr id="206" name="Straight Arrow Connector 205">
+                <a:extLst>
+                  <a:ext uri="{FF2B5EF4-FFF2-40B4-BE49-F238E27FC236}">
+                    <a16:creationId xmlns:a16="http://schemas.microsoft.com/office/drawing/2014/main" id="{E080DAF0-75BE-4C0A-ABB6-F8AAE5502586}"/>
+                  </a:ext>
+                </a:extLst>
+              </p:cNvPr>
+              <p:cNvCxnSpPr>
+                <a:cxnSpLocks/>
+              </p:cNvCxnSpPr>
+              <p:nvPr/>
+            </p:nvCxnSpPr>
+            <p:spPr>
+              <a:xfrm flipH="1">
+                <a:off x="3140600" y="5419110"/>
+                <a:ext cx="304150" cy="182746"/>
+              </a:xfrm>
+              <a:prstGeom prst="straightConnector1">
+                <a:avLst/>
+              </a:prstGeom>
+              <a:ln w="19050">
+                <a:prstDash val="sysDot"/>
+                <a:tailEnd type="triangle"/>
+              </a:ln>
+            </p:spPr>
+            <p:style>
+              <a:lnRef idx="3">
+                <a:schemeClr val="accent2"/>
+              </a:lnRef>
+              <a:fillRef idx="0">
+                <a:schemeClr val="accent2"/>
+              </a:fillRef>
+              <a:effectRef idx="2">
+                <a:schemeClr val="accent2"/>
+              </a:effectRef>
+              <a:fontRef idx="minor">
+                <a:schemeClr val="tx1"/>
+              </a:fontRef>
+            </p:style>
+          </p:cxnSp>
+          <p:cxnSp>
+            <p:nvCxnSpPr>
+              <p:cNvPr id="158" name="Straight Arrow Connector 157">
+                <a:extLst>
+                  <a:ext uri="{FF2B5EF4-FFF2-40B4-BE49-F238E27FC236}">
+                    <a16:creationId xmlns:a16="http://schemas.microsoft.com/office/drawing/2014/main" id="{93616DD0-022F-4BAB-A94A-9DA3D3068F13}"/>
+                  </a:ext>
+                </a:extLst>
+              </p:cNvPr>
+              <p:cNvCxnSpPr>
+                <a:cxnSpLocks/>
+              </p:cNvCxnSpPr>
+              <p:nvPr/>
+            </p:nvCxnSpPr>
+            <p:spPr>
+              <a:xfrm flipV="1">
+                <a:off x="3843570" y="4675188"/>
+                <a:ext cx="67377" cy="356478"/>
+              </a:xfrm>
+              <a:prstGeom prst="straightConnector1">
+                <a:avLst/>
+              </a:prstGeom>
+              <a:ln w="19050">
+                <a:tailEnd type="triangle"/>
+              </a:ln>
+            </p:spPr>
+            <p:style>
+              <a:lnRef idx="3">
+                <a:schemeClr val="accent6"/>
+              </a:lnRef>
+              <a:fillRef idx="0">
+                <a:schemeClr val="accent6"/>
+              </a:fillRef>
+              <a:effectRef idx="2">
+                <a:schemeClr val="accent6"/>
+              </a:effectRef>
+              <a:fontRef idx="minor">
+                <a:schemeClr val="tx1"/>
+              </a:fontRef>
+            </p:style>
+          </p:cxnSp>
+          <p:cxnSp>
+            <p:nvCxnSpPr>
+              <p:cNvPr id="159" name="Straight Arrow Connector 158">
+                <a:extLst>
+                  <a:ext uri="{FF2B5EF4-FFF2-40B4-BE49-F238E27FC236}">
+                    <a16:creationId xmlns:a16="http://schemas.microsoft.com/office/drawing/2014/main" id="{B1DA0D7D-9EE0-47D2-8F77-F26B8268398C}"/>
+                  </a:ext>
+                </a:extLst>
+              </p:cNvPr>
+              <p:cNvCxnSpPr>
+                <a:cxnSpLocks/>
+              </p:cNvCxnSpPr>
+              <p:nvPr/>
+            </p:nvCxnSpPr>
+            <p:spPr>
+              <a:xfrm flipH="1">
+                <a:off x="3646541" y="5026664"/>
+                <a:ext cx="201076" cy="144465"/>
+              </a:xfrm>
+              <a:prstGeom prst="straightConnector1">
+                <a:avLst/>
+              </a:prstGeom>
+              <a:ln>
+                <a:tailEnd type="triangle"/>
+              </a:ln>
+            </p:spPr>
+            <p:style>
+              <a:lnRef idx="3">
+                <a:schemeClr val="accent2"/>
+              </a:lnRef>
+              <a:fillRef idx="0">
+                <a:schemeClr val="accent2"/>
+              </a:fillRef>
+              <a:effectRef idx="2">
+                <a:schemeClr val="accent2"/>
+              </a:effectRef>
+              <a:fontRef idx="minor">
+                <a:schemeClr val="tx1"/>
+              </a:fontRef>
+            </p:style>
+          </p:cxnSp>
+          <p:sp>
+            <p:nvSpPr>
+              <p:cNvPr id="233" name="TextBox 232">
+                <a:extLst>
+                  <a:ext uri="{FF2B5EF4-FFF2-40B4-BE49-F238E27FC236}">
+                    <a16:creationId xmlns:a16="http://schemas.microsoft.com/office/drawing/2014/main" id="{0F813663-33B9-42F8-B6E9-DFC843DC7473}"/>
+                  </a:ext>
+                </a:extLst>
+              </p:cNvPr>
+              <p:cNvSpPr txBox="1"/>
+              <p:nvPr/>
+            </p:nvSpPr>
+            <p:spPr>
+              <a:xfrm>
+                <a:off x="2677872" y="5232788"/>
+                <a:ext cx="558843" cy="356477"/>
+              </a:xfrm>
+              <a:prstGeom prst="rect">
+                <a:avLst/>
+              </a:prstGeom>
+              <a:noFill/>
+            </p:spPr>
+            <p:txBody>
+              <a:bodyPr wrap="square" rtlCol="0">
+                <a:spAutoFit/>
+              </a:bodyPr>
+              <a:lstStyle/>
+              <a:p>
+                <a:r>
+                  <a:rPr lang="en-US" sz="1600" dirty="0"/>
+                  <a:t>O</a:t>
+                </a:r>
+                <a:r>
+                  <a:rPr lang="en-US" sz="1600" baseline="-25000" dirty="0"/>
+                  <a:t>1,z</a:t>
+                </a:r>
+              </a:p>
+            </p:txBody>
+          </p:sp>
+          <p:cxnSp>
+            <p:nvCxnSpPr>
+              <p:cNvPr id="236" name="Straight Arrow Connector 235">
+                <a:extLst>
+                  <a:ext uri="{FF2B5EF4-FFF2-40B4-BE49-F238E27FC236}">
+                    <a16:creationId xmlns:a16="http://schemas.microsoft.com/office/drawing/2014/main" id="{84A5686C-E776-49EA-8E03-DEA466B9B8F5}"/>
+                  </a:ext>
+                </a:extLst>
+              </p:cNvPr>
+              <p:cNvCxnSpPr>
+                <a:cxnSpLocks/>
+              </p:cNvCxnSpPr>
+              <p:nvPr/>
+            </p:nvCxnSpPr>
+            <p:spPr>
+              <a:xfrm flipH="1">
+                <a:off x="1486287" y="3544093"/>
+                <a:ext cx="231944" cy="106424"/>
+              </a:xfrm>
+              <a:prstGeom prst="straightConnector1">
+                <a:avLst/>
+              </a:prstGeom>
+              <a:ln>
+                <a:tailEnd type="triangle"/>
+              </a:ln>
+            </p:spPr>
+            <p:style>
+              <a:lnRef idx="1">
+                <a:schemeClr val="accent3"/>
+              </a:lnRef>
+              <a:fillRef idx="0">
+                <a:schemeClr val="accent3"/>
+              </a:fillRef>
+              <a:effectRef idx="0">
+                <a:schemeClr val="accent3"/>
+              </a:effectRef>
+              <a:fontRef idx="minor">
+                <a:schemeClr val="tx1"/>
+              </a:fontRef>
+            </p:style>
+          </p:cxnSp>
+          <p:cxnSp>
+            <p:nvCxnSpPr>
+              <p:cNvPr id="238" name="Straight Arrow Connector 237">
+                <a:extLst>
+                  <a:ext uri="{FF2B5EF4-FFF2-40B4-BE49-F238E27FC236}">
+                    <a16:creationId xmlns:a16="http://schemas.microsoft.com/office/drawing/2014/main" id="{CC38B612-F88A-4109-A914-B034982EEE58}"/>
+                  </a:ext>
+                </a:extLst>
+              </p:cNvPr>
+              <p:cNvCxnSpPr>
+                <a:cxnSpLocks/>
+              </p:cNvCxnSpPr>
+              <p:nvPr/>
+            </p:nvCxnSpPr>
+            <p:spPr>
+              <a:xfrm flipV="1">
+                <a:off x="536101" y="4025977"/>
+                <a:ext cx="430502" cy="355533"/>
+              </a:xfrm>
+              <a:prstGeom prst="straightConnector1">
+                <a:avLst/>
+              </a:prstGeom>
+              <a:ln>
+                <a:tailEnd type="triangle"/>
+              </a:ln>
+            </p:spPr>
+            <p:style>
+              <a:lnRef idx="1">
+                <a:schemeClr val="accent3"/>
+              </a:lnRef>
+              <a:fillRef idx="0">
+                <a:schemeClr val="accent3"/>
+              </a:fillRef>
+              <a:effectRef idx="0">
+                <a:schemeClr val="accent3"/>
+              </a:effectRef>
+              <a:fontRef idx="minor">
+                <a:schemeClr val="tx1"/>
+              </a:fontRef>
+            </p:style>
+          </p:cxnSp>
+          <p:sp>
+            <p:nvSpPr>
+              <p:cNvPr id="242" name="TextBox 241">
+                <a:extLst>
+                  <a:ext uri="{FF2B5EF4-FFF2-40B4-BE49-F238E27FC236}">
+                    <a16:creationId xmlns:a16="http://schemas.microsoft.com/office/drawing/2014/main" id="{A6B07518-96AE-42A0-86D2-73E0100C4328}"/>
+                  </a:ext>
+                </a:extLst>
+              </p:cNvPr>
+              <p:cNvSpPr txBox="1"/>
+              <p:nvPr/>
+            </p:nvSpPr>
+            <p:spPr>
+              <a:xfrm>
+                <a:off x="89470" y="4322913"/>
+                <a:ext cx="1096226" cy="615733"/>
+              </a:xfrm>
+              <a:prstGeom prst="rect">
+                <a:avLst/>
+              </a:prstGeom>
+              <a:noFill/>
+            </p:spPr>
+            <p:txBody>
+              <a:bodyPr wrap="square" rtlCol="0">
+                <a:spAutoFit/>
+              </a:bodyPr>
+              <a:lstStyle/>
+              <a:p>
+                <a:r>
+                  <a:rPr lang="en-US" sz="1600" dirty="0"/>
+                  <a:t>Borehole centerline</a:t>
+                </a:r>
+                <a:endParaRPr lang="en-US" sz="1600" baseline="-25000" dirty="0"/>
+              </a:p>
+            </p:txBody>
+          </p:sp>
+          <p:sp>
+            <p:nvSpPr>
+              <p:cNvPr id="243" name="TextBox 242">
+                <a:extLst>
+                  <a:ext uri="{FF2B5EF4-FFF2-40B4-BE49-F238E27FC236}">
+                    <a16:creationId xmlns:a16="http://schemas.microsoft.com/office/drawing/2014/main" id="{657D48B0-2763-498A-8676-BC9B812E8436}"/>
+                  </a:ext>
+                </a:extLst>
+              </p:cNvPr>
+              <p:cNvSpPr txBox="1"/>
+              <p:nvPr/>
+            </p:nvSpPr>
+            <p:spPr>
+              <a:xfrm>
+                <a:off x="1539368" y="3227624"/>
+                <a:ext cx="1158951" cy="356477"/>
+              </a:xfrm>
+              <a:prstGeom prst="rect">
+                <a:avLst/>
+              </a:prstGeom>
+              <a:noFill/>
+            </p:spPr>
+            <p:txBody>
+              <a:bodyPr wrap="square" rtlCol="0">
+                <a:spAutoFit/>
+              </a:bodyPr>
+              <a:lstStyle/>
+              <a:p>
+                <a:r>
+                  <a:rPr lang="en-US" sz="1600" dirty="0"/>
+                  <a:t>Drill string</a:t>
+                </a:r>
+                <a:endParaRPr lang="en-US" sz="1600" baseline="-25000" dirty="0"/>
+              </a:p>
+            </p:txBody>
+          </p:sp>
+          <p:sp>
+            <p:nvSpPr>
+              <p:cNvPr id="259" name="TextBox 258">
+                <a:extLst>
+                  <a:ext uri="{FF2B5EF4-FFF2-40B4-BE49-F238E27FC236}">
+                    <a16:creationId xmlns:a16="http://schemas.microsoft.com/office/drawing/2014/main" id="{645332F4-F144-49D1-9B67-15908A02D02F}"/>
+                  </a:ext>
+                </a:extLst>
+              </p:cNvPr>
+              <p:cNvSpPr txBox="1"/>
+              <p:nvPr/>
+            </p:nvSpPr>
+            <p:spPr>
+              <a:xfrm>
+                <a:off x="3916476" y="4675188"/>
+                <a:ext cx="435462" cy="356477"/>
+              </a:xfrm>
+              <a:prstGeom prst="rect">
+                <a:avLst/>
+              </a:prstGeom>
+              <a:noFill/>
+            </p:spPr>
+            <p:txBody>
+              <a:bodyPr wrap="square" rtlCol="0">
+                <a:spAutoFit/>
+              </a:bodyPr>
+              <a:lstStyle/>
+              <a:p>
+                <a:r>
+                  <a:rPr lang="en-US" sz="1600" dirty="0"/>
+                  <a:t>O</a:t>
+                </a:r>
+                <a:r>
+                  <a:rPr lang="en-US" sz="1600" baseline="-25000" dirty="0"/>
+                  <a:t>3</a:t>
+                </a:r>
+              </a:p>
+            </p:txBody>
+          </p:sp>
+          <p:cxnSp>
+            <p:nvCxnSpPr>
+              <p:cNvPr id="148" name="Straight Arrow Connector 147">
+                <a:extLst>
+                  <a:ext uri="{FF2B5EF4-FFF2-40B4-BE49-F238E27FC236}">
+                    <a16:creationId xmlns:a16="http://schemas.microsoft.com/office/drawing/2014/main" id="{30E57168-B521-4727-A8C5-2A29B299302E}"/>
+                  </a:ext>
+                </a:extLst>
+              </p:cNvPr>
+              <p:cNvCxnSpPr>
+                <a:cxnSpLocks/>
+              </p:cNvCxnSpPr>
+              <p:nvPr/>
+            </p:nvCxnSpPr>
+            <p:spPr>
+              <a:xfrm>
+                <a:off x="3886057" y="5007447"/>
+                <a:ext cx="290602" cy="131493"/>
+              </a:xfrm>
+              <a:prstGeom prst="straightConnector1">
+                <a:avLst/>
+              </a:prstGeom>
+              <a:ln w="19050">
+                <a:tailEnd type="triangle"/>
+              </a:ln>
+            </p:spPr>
+            <p:style>
+              <a:lnRef idx="3">
+                <a:schemeClr val="accent1"/>
+              </a:lnRef>
+              <a:fillRef idx="0">
+                <a:schemeClr val="accent1"/>
+              </a:fillRef>
+              <a:effectRef idx="2">
+                <a:schemeClr val="accent1"/>
+              </a:effectRef>
+              <a:fontRef idx="minor">
+                <a:schemeClr val="tx1"/>
+              </a:fontRef>
+            </p:style>
+          </p:cxnSp>
+          <p:cxnSp>
+            <p:nvCxnSpPr>
+              <p:cNvPr id="174" name="Straight Arrow Connector 173">
+                <a:extLst>
+                  <a:ext uri="{FF2B5EF4-FFF2-40B4-BE49-F238E27FC236}">
+                    <a16:creationId xmlns:a16="http://schemas.microsoft.com/office/drawing/2014/main" id="{98B8612E-6AE6-4B12-846F-3DBF70FF6872}"/>
+                  </a:ext>
+                </a:extLst>
+              </p:cNvPr>
+              <p:cNvCxnSpPr>
+                <a:cxnSpLocks/>
+              </p:cNvCxnSpPr>
+              <p:nvPr/>
+            </p:nvCxnSpPr>
+            <p:spPr>
+              <a:xfrm flipV="1">
+                <a:off x="3442181" y="5171129"/>
+                <a:ext cx="164088" cy="242016"/>
+              </a:xfrm>
+              <a:prstGeom prst="straightConnector1">
+                <a:avLst/>
+              </a:prstGeom>
+              <a:ln w="19050">
+                <a:tailEnd type="triangle"/>
+              </a:ln>
+            </p:spPr>
+            <p:style>
+              <a:lnRef idx="3">
+                <a:schemeClr val="accent6"/>
+              </a:lnRef>
+              <a:fillRef idx="0">
+                <a:schemeClr val="accent6"/>
+              </a:fillRef>
+              <a:effectRef idx="2">
+                <a:schemeClr val="accent6"/>
+              </a:effectRef>
+              <a:fontRef idx="minor">
+                <a:schemeClr val="tx1"/>
+              </a:fontRef>
+            </p:style>
+          </p:cxnSp>
+        </p:grpSp>
+        <p:sp>
+          <p:nvSpPr>
+            <p:cNvPr id="131" name="Rectangle 130">
+              <a:extLst>
+                <a:ext uri="{FF2B5EF4-FFF2-40B4-BE49-F238E27FC236}">
+                  <a16:creationId xmlns:a16="http://schemas.microsoft.com/office/drawing/2014/main" id="{06D0F6BB-C7A5-4089-81D1-DB9D36E7A176}"/>
+                </a:ext>
+              </a:extLst>
+            </p:cNvPr>
+            <p:cNvSpPr/>
+            <p:nvPr/>
+          </p:nvSpPr>
+          <p:spPr>
+            <a:xfrm>
+              <a:off x="2352110" y="4181148"/>
+              <a:ext cx="1582013" cy="1449924"/>
+            </a:xfrm>
+            <a:prstGeom prst="rect">
+              <a:avLst/>
+            </a:prstGeom>
+            <a:noFill/>
+            <a:ln>
+              <a:solidFill>
+                <a:schemeClr val="bg1">
+                  <a:lumMod val="65000"/>
+                </a:schemeClr>
+              </a:solidFill>
+              <a:prstDash val="lgDash"/>
+            </a:ln>
+          </p:spPr>
+          <p:style>
+            <a:lnRef idx="2">
+              <a:schemeClr val="accent1">
+                <a:shade val="50000"/>
+              </a:schemeClr>
+            </a:lnRef>
+            <a:fillRef idx="1">
+              <a:schemeClr val="accent1"/>
+            </a:fillRef>
+            <a:effectRef idx="0">
+              <a:schemeClr val="accent1"/>
+            </a:effectRef>
+            <a:fontRef idx="minor">
+              <a:schemeClr val="lt1"/>
+            </a:fontRef>
+          </p:style>
+          <p:txBody>
+            <a:bodyPr rtlCol="0" anchor="ctr"/>
+            <a:lstStyle/>
+            <a:p>
+              <a:pPr algn="ctr"/>
+              <a:endParaRPr lang="en-US"/>
+            </a:p>
+          </p:txBody>
+        </p:sp>
+        <p:sp>
+          <p:nvSpPr>
+            <p:cNvPr id="170" name="TextBox 169">
+              <a:extLst>
+                <a:ext uri="{FF2B5EF4-FFF2-40B4-BE49-F238E27FC236}">
+                  <a16:creationId xmlns:a16="http://schemas.microsoft.com/office/drawing/2014/main" id="{ECA72BC9-C194-4522-B381-062B4F5E1F7D}"/>
+                </a:ext>
+              </a:extLst>
+            </p:cNvPr>
+            <p:cNvSpPr txBox="1"/>
+            <p:nvPr/>
+          </p:nvSpPr>
+          <p:spPr>
+            <a:xfrm>
+              <a:off x="3203954" y="5103941"/>
+              <a:ext cx="519465" cy="256480"/>
+            </a:xfrm>
+            <a:prstGeom prst="rect">
+              <a:avLst/>
+            </a:prstGeom>
+            <a:noFill/>
+          </p:spPr>
+          <p:txBody>
+            <a:bodyPr wrap="square" rtlCol="0">
+              <a:spAutoFit/>
+            </a:bodyPr>
+            <a:lstStyle/>
+            <a:p>
+              <a:r>
+                <a:rPr lang="en-US" sz="1600" baseline="-25000" dirty="0"/>
+                <a:t>x</a:t>
+              </a:r>
+            </a:p>
+          </p:txBody>
+        </p:sp>
+        <p:sp>
+          <p:nvSpPr>
+            <p:cNvPr id="217" name="TextBox 216">
+              <a:extLst>
+                <a:ext uri="{FF2B5EF4-FFF2-40B4-BE49-F238E27FC236}">
+                  <a16:creationId xmlns:a16="http://schemas.microsoft.com/office/drawing/2014/main" id="{73B84364-D5D9-4332-AB95-93DA8EF95CEA}"/>
+                </a:ext>
+              </a:extLst>
+            </p:cNvPr>
+            <p:cNvSpPr txBox="1"/>
+            <p:nvPr/>
+          </p:nvSpPr>
+          <p:spPr>
+            <a:xfrm>
+              <a:off x="1745433" y="1088129"/>
+              <a:ext cx="1077288" cy="338554"/>
+            </a:xfrm>
+            <a:prstGeom prst="rect">
+              <a:avLst/>
+            </a:prstGeom>
+            <a:noFill/>
+          </p:spPr>
+          <p:txBody>
+            <a:bodyPr wrap="square" rtlCol="0">
+              <a:spAutoFit/>
+            </a:bodyPr>
+            <a:lstStyle/>
+            <a:p>
+              <a:r>
+                <a:rPr lang="en-US" sz="1600" dirty="0"/>
+                <a:t>Borehole</a:t>
+              </a:r>
+              <a:endParaRPr lang="en-US" sz="1600" baseline="-25000" dirty="0"/>
+            </a:p>
+          </p:txBody>
+        </p:sp>
+        <p:cxnSp>
+          <p:nvCxnSpPr>
+            <p:cNvPr id="218" name="Straight Arrow Connector 217">
+              <a:extLst>
+                <a:ext uri="{FF2B5EF4-FFF2-40B4-BE49-F238E27FC236}">
+                  <a16:creationId xmlns:a16="http://schemas.microsoft.com/office/drawing/2014/main" id="{C60A8709-63E4-4F03-B2D0-F5597BBBEB38}"/>
+                </a:ext>
+              </a:extLst>
+            </p:cNvPr>
+            <p:cNvCxnSpPr>
+              <a:cxnSpLocks/>
+            </p:cNvCxnSpPr>
+            <p:nvPr/>
+          </p:nvCxnSpPr>
+          <p:spPr>
+            <a:xfrm flipH="1">
+              <a:off x="1408423" y="1393451"/>
+              <a:ext cx="432152" cy="155080"/>
+            </a:xfrm>
+            <a:prstGeom prst="straightConnector1">
+              <a:avLst/>
+            </a:prstGeom>
+            <a:ln>
+              <a:tailEnd type="triangle"/>
+            </a:ln>
+          </p:spPr>
+          <p:style>
+            <a:lnRef idx="1">
+              <a:schemeClr val="accent3"/>
+            </a:lnRef>
+            <a:fillRef idx="0">
+              <a:schemeClr val="accent3"/>
+            </a:fillRef>
+            <a:effectRef idx="0">
+              <a:schemeClr val="accent3"/>
+            </a:effectRef>
+            <a:fontRef idx="minor">
+              <a:schemeClr val="tx1"/>
+            </a:fontRef>
+          </p:style>
+        </p:cxnSp>
+      </p:grpSp>
+      <p:cxnSp>
+        <p:nvCxnSpPr>
+          <p:cNvPr id="223" name="Straight Arrow Connector 222">
+            <a:extLst>
+              <a:ext uri="{FF2B5EF4-FFF2-40B4-BE49-F238E27FC236}">
+                <a16:creationId xmlns:a16="http://schemas.microsoft.com/office/drawing/2014/main" id="{4E541A0D-14C3-4B6F-ABE3-C56232709FFC}"/>
+              </a:ext>
+            </a:extLst>
+          </p:cNvPr>
+          <p:cNvCxnSpPr>
+            <a:cxnSpLocks/>
+          </p:cNvCxnSpPr>
+          <p:nvPr/>
+        </p:nvCxnSpPr>
+        <p:spPr>
+          <a:xfrm>
+            <a:off x="5694240" y="513384"/>
+            <a:ext cx="214671" cy="564122"/>
+          </a:xfrm>
+          <a:prstGeom prst="straightConnector1">
+            <a:avLst/>
+          </a:prstGeom>
+          <a:ln>
+            <a:tailEnd type="triangle"/>
+          </a:ln>
+        </p:spPr>
+        <p:style>
+          <a:lnRef idx="1">
+            <a:schemeClr val="accent3"/>
+          </a:lnRef>
+          <a:fillRef idx="0">
+            <a:schemeClr val="accent3"/>
+          </a:fillRef>
+          <a:effectRef idx="0">
+            <a:schemeClr val="accent3"/>
+          </a:effectRef>
+          <a:fontRef idx="minor">
+            <a:schemeClr val="tx1"/>
+          </a:fontRef>
+        </p:style>
+      </p:cxnSp>
+      <p:sp>
+        <p:nvSpPr>
+          <p:cNvPr id="320" name="TextBox 319">
+            <a:extLst>
+              <a:ext uri="{FF2B5EF4-FFF2-40B4-BE49-F238E27FC236}">
+                <a16:creationId xmlns:a16="http://schemas.microsoft.com/office/drawing/2014/main" id="{45E9C405-E6FB-49EA-8C89-72EEA3736F22}"/>
+              </a:ext>
+            </a:extLst>
+          </p:cNvPr>
+          <p:cNvSpPr txBox="1"/>
+          <p:nvPr/>
+        </p:nvSpPr>
+        <p:spPr>
+          <a:xfrm>
+            <a:off x="5279771" y="211429"/>
+            <a:ext cx="1099389" cy="338554"/>
+          </a:xfrm>
+          <a:prstGeom prst="rect">
+            <a:avLst/>
+          </a:prstGeom>
+          <a:noFill/>
+        </p:spPr>
+        <p:txBody>
+          <a:bodyPr wrap="square" rtlCol="0">
+            <a:spAutoFit/>
+          </a:bodyPr>
+          <a:lstStyle/>
+          <a:p>
+            <a:r>
+              <a:rPr lang="en-US" sz="1600" dirty="0"/>
+              <a:t>Drill Head</a:t>
+            </a:r>
+            <a:endParaRPr lang="en-US" sz="1600" baseline="-25000" dirty="0"/>
+          </a:p>
+        </p:txBody>
+      </p:sp>
+    </p:spTree>
+    <p:extLst>
+      <p:ext uri="{BB962C8B-B14F-4D97-AF65-F5344CB8AC3E}">
+        <p14:creationId xmlns:p14="http://schemas.microsoft.com/office/powerpoint/2010/main" val="3088206025"/>
+      </p:ext>
+    </p:extLst>
+  </p:cSld>
+  <p:clrMapOvr>
+    <a:masterClrMapping/>
+  </p:clrMapOvr>
+</p:sld>
+</file>
+
+<file path=ppt/slides/slide2.xml><?xml version="1.0" encoding="utf-8"?>
+<p:sld xmlns:a="http://schemas.openxmlformats.org/drawingml/2006/main" xmlns:r="http://schemas.openxmlformats.org/officeDocument/2006/relationships" xmlns:p="http://schemas.openxmlformats.org/presentationml/2006/main">
+  <p:cSld>
+    <p:spTree>
+      <p:nvGrpSpPr>
+        <p:cNvPr id="1" name=""/>
+        <p:cNvGrpSpPr/>
+        <p:nvPr/>
+      </p:nvGrpSpPr>
+      <p:grpSpPr>
+        <a:xfrm>
+          <a:off x="0" y="0"/>
+          <a:ext cx="0" cy="0"/>
+          <a:chOff x="0" y="0"/>
+          <a:chExt cx="0" cy="0"/>
+        </a:xfrm>
+      </p:grpSpPr>
       <p:sp>
         <p:nvSpPr>
           <p:cNvPr id="3" name="Oval 2">
@@ -3986,7 +7321,7 @@
             </a:r>
             <a:r>
               <a:rPr lang="en-US" sz="1200" baseline="-25000" dirty="0"/>
-              <a:t>1</a:t>
+              <a:t>2</a:t>
             </a:r>
           </a:p>
         </p:txBody>
@@ -4664,224 +7999,6 @@
           </a:fontRef>
         </p:style>
       </p:cxnSp>
-      <p:grpSp>
-        <p:nvGrpSpPr>
-          <p:cNvPr id="232" name="Group 231">
-            <a:extLst>
-              <a:ext uri="{FF2B5EF4-FFF2-40B4-BE49-F238E27FC236}">
-                <a16:creationId xmlns:a16="http://schemas.microsoft.com/office/drawing/2014/main" id="{8375D6DB-CE7A-45D1-BFDF-5534B3EEEC1C}"/>
-              </a:ext>
-            </a:extLst>
-          </p:cNvPr>
-          <p:cNvGrpSpPr/>
-          <p:nvPr/>
-        </p:nvGrpSpPr>
-        <p:grpSpPr>
-          <a:xfrm>
-            <a:off x="2888194" y="5229848"/>
-            <a:ext cx="226440" cy="294840"/>
-            <a:chOff x="8904108" y="5288461"/>
-            <a:chExt cx="226440" cy="294840"/>
-          </a:xfrm>
-        </p:grpSpPr>
-        <mc:AlternateContent xmlns:mc="http://schemas.openxmlformats.org/markup-compatibility/2006" xmlns:p14="http://schemas.microsoft.com/office/powerpoint/2010/main">
-          <mc:Choice Requires="p14">
-            <p:contentPart p14:bwMode="auto" r:id="rId2">
-              <p14:nvContentPartPr>
-                <p14:cNvPr id="229" name="Ink 228">
-                  <a:extLst>
-                    <a:ext uri="{FF2B5EF4-FFF2-40B4-BE49-F238E27FC236}">
-                      <a16:creationId xmlns:a16="http://schemas.microsoft.com/office/drawing/2014/main" id="{8BDE2AED-CF3E-4F62-8552-83747FAA3BBE}"/>
-                    </a:ext>
-                  </a:extLst>
-                </p14:cNvPr>
-                <p14:cNvContentPartPr/>
-                <p14:nvPr/>
-              </p14:nvContentPartPr>
-              <p14:xfrm>
-                <a:off x="8948388" y="5310781"/>
-                <a:ext cx="182160" cy="272520"/>
-              </p14:xfrm>
-            </p:contentPart>
-          </mc:Choice>
-          <mc:Fallback xmlns="">
-            <p:pic>
-              <p:nvPicPr>
-                <p:cNvPr id="229" name="Ink 228">
-                  <a:extLst>
-                    <a:ext uri="{FF2B5EF4-FFF2-40B4-BE49-F238E27FC236}">
-                      <a16:creationId xmlns:a16="http://schemas.microsoft.com/office/drawing/2014/main" id="{8BDE2AED-CF3E-4F62-8552-83747FAA3BBE}"/>
-                    </a:ext>
-                  </a:extLst>
-                </p:cNvPr>
-                <p:cNvPicPr/>
-                <p:nvPr/>
-              </p:nvPicPr>
-              <p:blipFill>
-                <a:blip r:embed="rId4"/>
-                <a:stretch>
-                  <a:fillRect/>
-                </a:stretch>
-              </p:blipFill>
-              <p:spPr>
-                <a:xfrm>
-                  <a:off x="8944068" y="5306461"/>
-                  <a:ext cx="190800" cy="281160"/>
-                </a:xfrm>
-                <a:prstGeom prst="rect">
-                  <a:avLst/>
-                </a:prstGeom>
-              </p:spPr>
-            </p:pic>
-          </mc:Fallback>
-        </mc:AlternateContent>
-        <mc:AlternateContent xmlns:mc="http://schemas.openxmlformats.org/markup-compatibility/2006" xmlns:p14="http://schemas.microsoft.com/office/powerpoint/2010/main">
-          <mc:Choice Requires="p14">
-            <p:contentPart p14:bwMode="auto" r:id="rId5">
-              <p14:nvContentPartPr>
-                <p14:cNvPr id="230" name="Ink 229">
-                  <a:extLst>
-                    <a:ext uri="{FF2B5EF4-FFF2-40B4-BE49-F238E27FC236}">
-                      <a16:creationId xmlns:a16="http://schemas.microsoft.com/office/drawing/2014/main" id="{FCB997E4-A80E-4550-B2D2-30C1966AB51E}"/>
-                    </a:ext>
-                  </a:extLst>
-                </p14:cNvPr>
-                <p14:cNvContentPartPr/>
-                <p14:nvPr/>
-              </p14:nvContentPartPr>
-              <p14:xfrm>
-                <a:off x="8904108" y="5297101"/>
-                <a:ext cx="36000" cy="88200"/>
-              </p14:xfrm>
-            </p:contentPart>
-          </mc:Choice>
-          <mc:Fallback xmlns="">
-            <p:pic>
-              <p:nvPicPr>
-                <p:cNvPr id="230" name="Ink 229">
-                  <a:extLst>
-                    <a:ext uri="{FF2B5EF4-FFF2-40B4-BE49-F238E27FC236}">
-                      <a16:creationId xmlns:a16="http://schemas.microsoft.com/office/drawing/2014/main" id="{FCB997E4-A80E-4550-B2D2-30C1966AB51E}"/>
-                    </a:ext>
-                  </a:extLst>
-                </p:cNvPr>
-                <p:cNvPicPr/>
-                <p:nvPr/>
-              </p:nvPicPr>
-              <p:blipFill>
-                <a:blip r:embed="rId6"/>
-                <a:stretch>
-                  <a:fillRect/>
-                </a:stretch>
-              </p:blipFill>
-              <p:spPr>
-                <a:xfrm>
-                  <a:off x="8899788" y="5292781"/>
-                  <a:ext cx="44640" cy="96840"/>
-                </a:xfrm>
-                <a:prstGeom prst="rect">
-                  <a:avLst/>
-                </a:prstGeom>
-              </p:spPr>
-            </p:pic>
-          </mc:Fallback>
-        </mc:AlternateContent>
-        <mc:AlternateContent xmlns:mc="http://schemas.openxmlformats.org/markup-compatibility/2006" xmlns:p14="http://schemas.microsoft.com/office/powerpoint/2010/main">
-          <mc:Choice Requires="p14">
-            <p:contentPart p14:bwMode="auto" r:id="rId7">
-              <p14:nvContentPartPr>
-                <p14:cNvPr id="231" name="Ink 230">
-                  <a:extLst>
-                    <a:ext uri="{FF2B5EF4-FFF2-40B4-BE49-F238E27FC236}">
-                      <a16:creationId xmlns:a16="http://schemas.microsoft.com/office/drawing/2014/main" id="{8FFFAF2E-2915-4B4E-B581-AA41E65C4C94}"/>
-                    </a:ext>
-                  </a:extLst>
-                </p14:cNvPr>
-                <p14:cNvContentPartPr/>
-                <p14:nvPr/>
-              </p14:nvContentPartPr>
-              <p14:xfrm>
-                <a:off x="8944428" y="5288461"/>
-                <a:ext cx="85320" cy="69480"/>
-              </p14:xfrm>
-            </p:contentPart>
-          </mc:Choice>
-          <mc:Fallback xmlns="">
-            <p:pic>
-              <p:nvPicPr>
-                <p:cNvPr id="231" name="Ink 230">
-                  <a:extLst>
-                    <a:ext uri="{FF2B5EF4-FFF2-40B4-BE49-F238E27FC236}">
-                      <a16:creationId xmlns:a16="http://schemas.microsoft.com/office/drawing/2014/main" id="{8FFFAF2E-2915-4B4E-B581-AA41E65C4C94}"/>
-                    </a:ext>
-                  </a:extLst>
-                </p:cNvPr>
-                <p:cNvPicPr/>
-                <p:nvPr/>
-              </p:nvPicPr>
-              <p:blipFill>
-                <a:blip r:embed="rId8"/>
-                <a:stretch>
-                  <a:fillRect/>
-                </a:stretch>
-              </p:blipFill>
-              <p:spPr>
-                <a:xfrm>
-                  <a:off x="8940108" y="5284141"/>
-                  <a:ext cx="93960" cy="78120"/>
-                </a:xfrm>
-                <a:prstGeom prst="rect">
-                  <a:avLst/>
-                </a:prstGeom>
-              </p:spPr>
-            </p:pic>
-          </mc:Fallback>
-        </mc:AlternateContent>
-      </p:grpSp>
-      <p:sp>
-        <p:nvSpPr>
-          <p:cNvPr id="234" name="TextBox 233">
-            <a:extLst>
-              <a:ext uri="{FF2B5EF4-FFF2-40B4-BE49-F238E27FC236}">
-                <a16:creationId xmlns:a16="http://schemas.microsoft.com/office/drawing/2014/main" id="{FADEF6D4-482D-44AC-B45D-A7BC66598D9C}"/>
-              </a:ext>
-            </a:extLst>
-          </p:cNvPr>
-          <p:cNvSpPr txBox="1"/>
-          <p:nvPr/>
-        </p:nvSpPr>
-        <p:spPr>
-          <a:xfrm>
-            <a:off x="2708788" y="5328064"/>
-            <a:ext cx="430811" cy="246221"/>
-          </a:xfrm>
-          <a:prstGeom prst="rect">
-            <a:avLst/>
-          </a:prstGeom>
-          <a:noFill/>
-        </p:spPr>
-        <p:txBody>
-          <a:bodyPr wrap="square" rtlCol="0">
-            <a:spAutoFit/>
-          </a:bodyPr>
-          <a:lstStyle/>
-          <a:p>
-            <a:r>
-              <a:rPr lang="el-GR" sz="1000" dirty="0"/>
-              <a:t>ω</a:t>
-            </a:r>
-            <a:r>
-              <a:rPr lang="en-US" sz="1000" baseline="-25000" dirty="0">
-                <a:solidFill>
-                  <a:prstClr val="black"/>
-                </a:solidFill>
-              </a:rPr>
-              <a:t>12</a:t>
-            </a:r>
-            <a:endParaRPr lang="en-US" sz="1000" baseline="-25000" dirty="0"/>
-          </a:p>
-        </p:txBody>
-      </p:sp>
       <p:cxnSp>
         <p:nvCxnSpPr>
           <p:cNvPr id="236" name="Straight Arrow Connector 235">
@@ -5071,7 +8188,7 @@
             </a:r>
             <a:r>
               <a:rPr lang="en-US" sz="1200" baseline="-25000" dirty="0"/>
-              <a:t>2</a:t>
+              <a:t>1</a:t>
             </a:r>
           </a:p>
         </p:txBody>
@@ -5987,7 +9104,7 @@
           <p:nvPr/>
         </p:nvPicPr>
         <p:blipFill rotWithShape="1">
-          <a:blip r:embed="rId9"/>
+          <a:blip r:embed="rId2"/>
           <a:srcRect t="6003" r="16201" b="8285"/>
           <a:stretch/>
         </p:blipFill>
@@ -6536,7 +9653,7 @@
           <p:nvPr/>
         </p:nvPicPr>
         <p:blipFill>
-          <a:blip r:embed="rId10"/>
+          <a:blip r:embed="rId3"/>
           <a:stretch>
             <a:fillRect/>
           </a:stretch>
@@ -6566,7 +9683,7 @@
           <p:nvPr/>
         </p:nvPicPr>
         <p:blipFill>
-          <a:blip r:embed="rId11"/>
+          <a:blip r:embed="rId4"/>
           <a:stretch>
             <a:fillRect/>
           </a:stretch>
@@ -6646,7 +9763,7 @@
 </p:sld>
 </file>
 
-<file path=ppt/slides/slide2.xml><?xml version="1.0" encoding="utf-8"?>
+<file path=ppt/slides/slide3.xml><?xml version="1.0" encoding="utf-8"?>
 <p:sld xmlns:a="http://schemas.openxmlformats.org/drawingml/2006/main" xmlns:r="http://schemas.openxmlformats.org/officeDocument/2006/relationships" xmlns:p="http://schemas.openxmlformats.org/presentationml/2006/main">
   <p:cSld>
     <p:spTree>
@@ -6733,7 +9850,7 @@
         </p:blipFill>
         <p:spPr>
           <a:xfrm>
-            <a:off x="0" y="764929"/>
+            <a:off x="0" y="1302639"/>
             <a:ext cx="5581357" cy="4651131"/>
           </a:xfrm>
           <a:prstGeom prst="rect">
@@ -9329,7 +12446,7 @@
 </p:sld>
 </file>
 
-<file path=ppt/slides/slide3.xml><?xml version="1.0" encoding="utf-8"?>
+<file path=ppt/slides/slide4.xml><?xml version="1.0" encoding="utf-8"?>
 <p:sld xmlns:a="http://schemas.openxmlformats.org/drawingml/2006/main" xmlns:r="http://schemas.openxmlformats.org/officeDocument/2006/relationships" xmlns:p="http://schemas.openxmlformats.org/presentationml/2006/main">
   <p:cSld>
     <p:bg>
@@ -11767,7 +14884,7 @@
 </p:sld>
 </file>
 
-<file path=ppt/slides/slide4.xml><?xml version="1.0" encoding="utf-8"?>
+<file path=ppt/slides/slide5.xml><?xml version="1.0" encoding="utf-8"?>
 <p:sld xmlns:a="http://schemas.openxmlformats.org/drawingml/2006/main" xmlns:r="http://schemas.openxmlformats.org/officeDocument/2006/relationships" xmlns:p="http://schemas.openxmlformats.org/presentationml/2006/main">
   <p:cSld>
     <p:spTree>
@@ -12529,7 +15646,7 @@
 </p:sld>
 </file>
 
-<file path=ppt/slides/slide5.xml><?xml version="1.0" encoding="utf-8"?>
+<file path=ppt/slides/slide6.xml><?xml version="1.0" encoding="utf-8"?>
 <p:sld xmlns:a="http://schemas.openxmlformats.org/drawingml/2006/main" xmlns:r="http://schemas.openxmlformats.org/officeDocument/2006/relationships" xmlns:p="http://schemas.openxmlformats.org/presentationml/2006/main">
   <p:cSld>
     <p:spTree>
